--- a/icons.pptx
+++ b/icons.pptx
@@ -5,7 +5,7 @@
     <p:sldMasterId id="2147483648" r:id="rId1"/>
   </p:sldMasterIdLst>
   <p:notesMasterIdLst>
-    <p:notesMasterId r:id="rId11"/>
+    <p:notesMasterId r:id="rId12"/>
   </p:notesMasterIdLst>
   <p:sldIdLst>
     <p:sldId id="256" r:id="rId2"/>
@@ -17,6 +17,7 @@
     <p:sldId id="262" r:id="rId8"/>
     <p:sldId id="263" r:id="rId9"/>
     <p:sldId id="264" r:id="rId10"/>
+    <p:sldId id="265" r:id="rId11"/>
   </p:sldIdLst>
   <p:sldSz cx="9144000" cy="6858000" type="screen4x3"/>
   <p:notesSz cx="6858000" cy="9144000"/>
@@ -4331,6 +4332,244 @@
       </p:par>
     </p:tnLst>
   </p:timing>
+</p:sld>
+</file>
+
+<file path=ppt/slides/slide10.xml><?xml version="1.0" encoding="utf-8"?>
+<p:sld xmlns:a="http://schemas.openxmlformats.org/drawingml/2006/main" xmlns:r="http://schemas.openxmlformats.org/officeDocument/2006/relationships" xmlns:p="http://schemas.openxmlformats.org/presentationml/2006/main">
+  <p:cSld>
+    <p:spTree>
+      <p:nvGrpSpPr>
+        <p:cNvPr id="1" name=""/>
+        <p:cNvGrpSpPr/>
+        <p:nvPr/>
+      </p:nvGrpSpPr>
+      <p:grpSpPr>
+        <a:xfrm>
+          <a:off x="0" y="0"/>
+          <a:ext cx="0" cy="0"/>
+          <a:chOff x="0" y="0"/>
+          <a:chExt cx="0" cy="0"/>
+        </a:xfrm>
+      </p:grpSpPr>
+      <p:grpSp>
+        <p:nvGrpSpPr>
+          <p:cNvPr id="7" name="6 Grupo"/>
+          <p:cNvGrpSpPr/>
+          <p:nvPr/>
+        </p:nvGrpSpPr>
+        <p:grpSpPr>
+          <a:xfrm>
+            <a:off x="516" y="0"/>
+            <a:ext cx="8819956" cy="6677026"/>
+            <a:chOff x="516" y="0"/>
+            <a:chExt cx="8819956" cy="6677026"/>
+          </a:xfrm>
+        </p:grpSpPr>
+        <p:pic>
+          <p:nvPicPr>
+            <p:cNvPr id="1026" name="Picture 2" descr="C:\Users\Juan\Desktop\demo-antes.PNG"/>
+            <p:cNvPicPr>
+              <a:picLocks noChangeAspect="1" noChangeArrowheads="1"/>
+            </p:cNvPicPr>
+            <p:nvPr/>
+          </p:nvPicPr>
+          <p:blipFill>
+            <a:blip r:embed="rId2" cstate="print">
+              <a:extLst>
+                <a:ext uri="{28A0092B-C50C-407E-A947-70E740481C1C}">
+                  <a14:useLocalDpi xmlns:a14="http://schemas.microsoft.com/office/drawing/2010/main" val="0"/>
+                </a:ext>
+              </a:extLst>
+            </a:blip>
+            <a:srcRect/>
+            <a:stretch>
+              <a:fillRect/>
+            </a:stretch>
+          </p:blipFill>
+          <p:spPr bwMode="auto">
+            <a:xfrm>
+              <a:off x="516" y="0"/>
+              <a:ext cx="6096001" cy="3248026"/>
+            </a:xfrm>
+            <a:prstGeom prst="rect">
+              <a:avLst/>
+            </a:prstGeom>
+            <a:noFill/>
+            <a:extLst>
+              <a:ext uri="{909E8E84-426E-40DD-AFC4-6F175D3DCCD1}">
+                <a14:hiddenFill xmlns:a14="http://schemas.microsoft.com/office/drawing/2010/main">
+                  <a:solidFill>
+                    <a:srgbClr val="FFFFFF"/>
+                  </a:solidFill>
+                </a14:hiddenFill>
+              </a:ext>
+            </a:extLst>
+          </p:spPr>
+        </p:pic>
+        <p:grpSp>
+          <p:nvGrpSpPr>
+            <p:cNvPr id="4" name="3 Grupo"/>
+            <p:cNvGrpSpPr/>
+            <p:nvPr/>
+          </p:nvGrpSpPr>
+          <p:grpSpPr>
+            <a:xfrm>
+              <a:off x="2723954" y="3429000"/>
+              <a:ext cx="6096518" cy="3248026"/>
+              <a:chOff x="3047999" y="3429000"/>
+              <a:chExt cx="6096518" cy="3248026"/>
+            </a:xfrm>
+          </p:grpSpPr>
+          <p:pic>
+            <p:nvPicPr>
+              <p:cNvPr id="1027" name="Picture 3" descr="C:\Users\Juan\Desktop\demo-despues.PNG"/>
+              <p:cNvPicPr>
+                <a:picLocks noChangeAspect="1" noChangeArrowheads="1"/>
+              </p:cNvPicPr>
+              <p:nvPr/>
+            </p:nvPicPr>
+            <p:blipFill>
+              <a:blip r:embed="rId3" cstate="print">
+                <a:extLst>
+                  <a:ext uri="{28A0092B-C50C-407E-A947-70E740481C1C}">
+                    <a14:useLocalDpi xmlns:a14="http://schemas.microsoft.com/office/drawing/2010/main" val="0"/>
+                  </a:ext>
+                </a:extLst>
+              </a:blip>
+              <a:srcRect/>
+              <a:stretch>
+                <a:fillRect/>
+              </a:stretch>
+            </p:blipFill>
+            <p:spPr bwMode="auto">
+              <a:xfrm>
+                <a:off x="3048516" y="3429000"/>
+                <a:ext cx="6096001" cy="3248026"/>
+              </a:xfrm>
+              <a:prstGeom prst="rect">
+                <a:avLst/>
+              </a:prstGeom>
+              <a:noFill/>
+              <a:extLst>
+                <a:ext uri="{909E8E84-426E-40DD-AFC4-6F175D3DCCD1}">
+                  <a14:hiddenFill xmlns:a14="http://schemas.microsoft.com/office/drawing/2010/main">
+                    <a:solidFill>
+                      <a:srgbClr val="FFFFFF"/>
+                    </a:solidFill>
+                  </a14:hiddenFill>
+                </a:ext>
+              </a:extLst>
+            </p:spPr>
+          </p:pic>
+          <p:pic>
+            <p:nvPicPr>
+              <p:cNvPr id="6" name="Picture 2" descr="C:\Users\Juan\Desktop\demo-antes.PNG"/>
+              <p:cNvPicPr>
+                <a:picLocks noChangeAspect="1" noChangeArrowheads="1"/>
+              </p:cNvPicPr>
+              <p:nvPr/>
+            </p:nvPicPr>
+            <p:blipFill rotWithShape="1">
+              <a:blip r:embed="rId4" cstate="print">
+                <a:extLst>
+                  <a:ext uri="{28A0092B-C50C-407E-A947-70E740481C1C}">
+                    <a14:useLocalDpi xmlns:a14="http://schemas.microsoft.com/office/drawing/2010/main" val="0"/>
+                  </a:ext>
+                </a:extLst>
+              </a:blip>
+              <a:srcRect r="46634" b="82370"/>
+              <a:stretch/>
+            </p:blipFill>
+            <p:spPr bwMode="auto">
+              <a:xfrm>
+                <a:off x="3047999" y="3429000"/>
+                <a:ext cx="3253213" cy="572632"/>
+              </a:xfrm>
+              <a:prstGeom prst="rect">
+                <a:avLst/>
+              </a:prstGeom>
+              <a:noFill/>
+              <a:extLst>
+                <a:ext uri="{909E8E84-426E-40DD-AFC4-6F175D3DCCD1}">
+                  <a14:hiddenFill xmlns:a14="http://schemas.microsoft.com/office/drawing/2010/main">
+                    <a:solidFill>
+                      <a:srgbClr val="FFFFFF"/>
+                    </a:solidFill>
+                  </a14:hiddenFill>
+                </a:ext>
+              </a:extLst>
+            </p:spPr>
+          </p:pic>
+        </p:grpSp>
+        <p:sp>
+          <p:nvSpPr>
+            <p:cNvPr id="5" name="4 Flecha doblada"/>
+            <p:cNvSpPr/>
+            <p:nvPr/>
+          </p:nvSpPr>
+          <p:spPr>
+            <a:xfrm flipV="1">
+              <a:off x="755576" y="3573016"/>
+              <a:ext cx="1753963" cy="2164586"/>
+            </a:xfrm>
+            <a:prstGeom prst="bentArrow">
+              <a:avLst>
+                <a:gd name="adj1" fmla="val 15690"/>
+                <a:gd name="adj2" fmla="val 25000"/>
+                <a:gd name="adj3" fmla="val 25000"/>
+                <a:gd name="adj4" fmla="val 43750"/>
+              </a:avLst>
+            </a:prstGeom>
+            <a:solidFill>
+              <a:schemeClr val="bg1">
+                <a:lumMod val="50000"/>
+              </a:schemeClr>
+            </a:solidFill>
+            <a:ln>
+              <a:noFill/>
+            </a:ln>
+          </p:spPr>
+          <p:style>
+            <a:lnRef idx="2">
+              <a:schemeClr val="accent1">
+                <a:shade val="50000"/>
+              </a:schemeClr>
+            </a:lnRef>
+            <a:fillRef idx="1">
+              <a:schemeClr val="accent1"/>
+            </a:fillRef>
+            <a:effectRef idx="0">
+              <a:schemeClr val="accent1"/>
+            </a:effectRef>
+            <a:fontRef idx="minor">
+              <a:schemeClr val="lt1"/>
+            </a:fontRef>
+          </p:style>
+          <p:txBody>
+            <a:bodyPr rtlCol="0" anchor="ctr"/>
+            <a:lstStyle/>
+            <a:p>
+              <a:pPr algn="ctr"/>
+              <a:endParaRPr lang="es-UY">
+                <a:solidFill>
+                  <a:schemeClr val="tx1"/>
+                </a:solidFill>
+              </a:endParaRPr>
+            </a:p>
+          </p:txBody>
+        </p:sp>
+      </p:grpSp>
+    </p:spTree>
+    <p:extLst>
+      <p:ext uri="{BB962C8B-B14F-4D97-AF65-F5344CB8AC3E}">
+        <p14:creationId xmlns:p14="http://schemas.microsoft.com/office/powerpoint/2010/main" val="2316581330"/>
+      </p:ext>
+    </p:extLst>
+  </p:cSld>
+  <p:clrMapOvr>
+    <a:masterClrMapping/>
+  </p:clrMapOvr>
 </p:sld>
 </file>
 

--- a/icons.pptx
+++ b/icons.pptx
@@ -5,7 +5,7 @@
     <p:sldMasterId id="2147483648" r:id="rId1"/>
   </p:sldMasterIdLst>
   <p:notesMasterIdLst>
-    <p:notesMasterId r:id="rId12"/>
+    <p:notesMasterId r:id="rId14"/>
   </p:notesMasterIdLst>
   <p:sldIdLst>
     <p:sldId id="256" r:id="rId2"/>
@@ -16,8 +16,10 @@
     <p:sldId id="261" r:id="rId7"/>
     <p:sldId id="262" r:id="rId8"/>
     <p:sldId id="263" r:id="rId9"/>
-    <p:sldId id="264" r:id="rId10"/>
-    <p:sldId id="265" r:id="rId11"/>
+    <p:sldId id="267" r:id="rId10"/>
+    <p:sldId id="266" r:id="rId11"/>
+    <p:sldId id="264" r:id="rId12"/>
+    <p:sldId id="265" r:id="rId13"/>
   </p:sldIdLst>
   <p:sldSz cx="9144000" cy="6858000" type="screen4x3"/>
   <p:notesSz cx="6858000" cy="9144000"/>
@@ -535,6 +537,174 @@
             <a:fld id="{B6901A32-48B7-421F-8324-AC0234E88857}" type="slidenum">
               <a:rPr lang="es-UY" smtClean="0"/>
               <a:t>1</a:t>
+            </a:fld>
+            <a:endParaRPr lang="es-UY"/>
+          </a:p>
+        </p:txBody>
+      </p:sp>
+    </p:spTree>
+    <p:extLst>
+      <p:ext uri="{BB962C8B-B14F-4D97-AF65-F5344CB8AC3E}">
+        <p14:creationId xmlns:p14="http://schemas.microsoft.com/office/powerpoint/2010/main" val="2978505877"/>
+      </p:ext>
+    </p:extLst>
+  </p:cSld>
+  <p:clrMapOvr>
+    <a:masterClrMapping/>
+  </p:clrMapOvr>
+</p:notes>
+</file>
+
+<file path=ppt/notesSlides/notesSlide10.xml><?xml version="1.0" encoding="utf-8"?>
+<p:notes xmlns:a="http://schemas.openxmlformats.org/drawingml/2006/main" xmlns:r="http://schemas.openxmlformats.org/officeDocument/2006/relationships" xmlns:p="http://schemas.openxmlformats.org/presentationml/2006/main">
+  <p:cSld>
+    <p:spTree>
+      <p:nvGrpSpPr>
+        <p:cNvPr id="1" name=""/>
+        <p:cNvGrpSpPr/>
+        <p:nvPr/>
+      </p:nvGrpSpPr>
+      <p:grpSpPr>
+        <a:xfrm>
+          <a:off x="0" y="0"/>
+          <a:ext cx="0" cy="0"/>
+          <a:chOff x="0" y="0"/>
+          <a:chExt cx="0" cy="0"/>
+        </a:xfrm>
+      </p:grpSpPr>
+      <p:sp>
+        <p:nvSpPr>
+          <p:cNvPr id="2" name="1 Marcador de imagen de diapositiva"/>
+          <p:cNvSpPr>
+            <a:spLocks noGrp="1" noRot="1" noChangeAspect="1"/>
+          </p:cNvSpPr>
+          <p:nvPr>
+            <p:ph type="sldImg"/>
+          </p:nvPr>
+        </p:nvSpPr>
+        <p:spPr/>
+      </p:sp>
+      <p:sp>
+        <p:nvSpPr>
+          <p:cNvPr id="3" name="2 Marcador de notas"/>
+          <p:cNvSpPr>
+            <a:spLocks noGrp="1"/>
+          </p:cNvSpPr>
+          <p:nvPr>
+            <p:ph type="body" idx="1"/>
+          </p:nvPr>
+        </p:nvSpPr>
+        <p:spPr/>
+        <p:txBody>
+          <a:bodyPr/>
+          <a:lstStyle/>
+          <a:p>
+            <a:endParaRPr lang="es-UY" dirty="0"/>
+          </a:p>
+        </p:txBody>
+      </p:sp>
+      <p:sp>
+        <p:nvSpPr>
+          <p:cNvPr id="4" name="3 Marcador de número de diapositiva"/>
+          <p:cNvSpPr>
+            <a:spLocks noGrp="1"/>
+          </p:cNvSpPr>
+          <p:nvPr>
+            <p:ph type="sldNum" sz="quarter" idx="10"/>
+          </p:nvPr>
+        </p:nvSpPr>
+        <p:spPr/>
+        <p:txBody>
+          <a:bodyPr/>
+          <a:lstStyle/>
+          <a:p>
+            <a:fld id="{B6901A32-48B7-421F-8324-AC0234E88857}" type="slidenum">
+              <a:rPr lang="es-UY" smtClean="0"/>
+              <a:t>10</a:t>
+            </a:fld>
+            <a:endParaRPr lang="es-UY"/>
+          </a:p>
+        </p:txBody>
+      </p:sp>
+    </p:spTree>
+    <p:extLst>
+      <p:ext uri="{BB962C8B-B14F-4D97-AF65-F5344CB8AC3E}">
+        <p14:creationId xmlns:p14="http://schemas.microsoft.com/office/powerpoint/2010/main" val="2978505877"/>
+      </p:ext>
+    </p:extLst>
+  </p:cSld>
+  <p:clrMapOvr>
+    <a:masterClrMapping/>
+  </p:clrMapOvr>
+</p:notes>
+</file>
+
+<file path=ppt/notesSlides/notesSlide11.xml><?xml version="1.0" encoding="utf-8"?>
+<p:notes xmlns:a="http://schemas.openxmlformats.org/drawingml/2006/main" xmlns:r="http://schemas.openxmlformats.org/officeDocument/2006/relationships" xmlns:p="http://schemas.openxmlformats.org/presentationml/2006/main">
+  <p:cSld>
+    <p:spTree>
+      <p:nvGrpSpPr>
+        <p:cNvPr id="1" name=""/>
+        <p:cNvGrpSpPr/>
+        <p:nvPr/>
+      </p:nvGrpSpPr>
+      <p:grpSpPr>
+        <a:xfrm>
+          <a:off x="0" y="0"/>
+          <a:ext cx="0" cy="0"/>
+          <a:chOff x="0" y="0"/>
+          <a:chExt cx="0" cy="0"/>
+        </a:xfrm>
+      </p:grpSpPr>
+      <p:sp>
+        <p:nvSpPr>
+          <p:cNvPr id="2" name="1 Marcador de imagen de diapositiva"/>
+          <p:cNvSpPr>
+            <a:spLocks noGrp="1" noRot="1" noChangeAspect="1"/>
+          </p:cNvSpPr>
+          <p:nvPr>
+            <p:ph type="sldImg"/>
+          </p:nvPr>
+        </p:nvSpPr>
+        <p:spPr/>
+      </p:sp>
+      <p:sp>
+        <p:nvSpPr>
+          <p:cNvPr id="3" name="2 Marcador de notas"/>
+          <p:cNvSpPr>
+            <a:spLocks noGrp="1"/>
+          </p:cNvSpPr>
+          <p:nvPr>
+            <p:ph type="body" idx="1"/>
+          </p:nvPr>
+        </p:nvSpPr>
+        <p:spPr/>
+        <p:txBody>
+          <a:bodyPr/>
+          <a:lstStyle/>
+          <a:p>
+            <a:endParaRPr lang="es-UY" dirty="0"/>
+          </a:p>
+        </p:txBody>
+      </p:sp>
+      <p:sp>
+        <p:nvSpPr>
+          <p:cNvPr id="4" name="3 Marcador de número de diapositiva"/>
+          <p:cNvSpPr>
+            <a:spLocks noGrp="1"/>
+          </p:cNvSpPr>
+          <p:nvPr>
+            <p:ph type="sldNum" sz="quarter" idx="10"/>
+          </p:nvPr>
+        </p:nvSpPr>
+        <p:spPr/>
+        <p:txBody>
+          <a:bodyPr/>
+          <a:lstStyle/>
+          <a:p>
+            <a:fld id="{B6901A32-48B7-421F-8324-AC0234E88857}" type="slidenum">
+              <a:rPr lang="es-UY" smtClean="0"/>
+              <a:t>11</a:t>
             </a:fld>
             <a:endParaRPr lang="es-UY"/>
           </a:p>
@@ -4336,6 +4506,321 @@
 </file>
 
 <file path=ppt/slides/slide10.xml><?xml version="1.0" encoding="utf-8"?>
+<p:sld xmlns:a="http://schemas.openxmlformats.org/drawingml/2006/main" xmlns:r="http://schemas.openxmlformats.org/officeDocument/2006/relationships" xmlns:p="http://schemas.openxmlformats.org/presentationml/2006/main">
+  <p:cSld>
+    <p:spTree>
+      <p:nvGrpSpPr>
+        <p:cNvPr id="1" name=""/>
+        <p:cNvGrpSpPr/>
+        <p:nvPr/>
+      </p:nvGrpSpPr>
+      <p:grpSpPr>
+        <a:xfrm>
+          <a:off x="0" y="0"/>
+          <a:ext cx="0" cy="0"/>
+          <a:chOff x="0" y="0"/>
+          <a:chExt cx="0" cy="0"/>
+        </a:xfrm>
+      </p:grpSpPr>
+      <p:grpSp>
+        <p:nvGrpSpPr>
+          <p:cNvPr id="2" name="1 Grupo"/>
+          <p:cNvGrpSpPr/>
+          <p:nvPr/>
+        </p:nvGrpSpPr>
+        <p:grpSpPr>
+          <a:xfrm>
+            <a:off x="2195736" y="1125471"/>
+            <a:ext cx="3456384" cy="3456384"/>
+            <a:chOff x="2195736" y="1125471"/>
+            <a:chExt cx="3456384" cy="3456384"/>
+          </a:xfrm>
+        </p:grpSpPr>
+        <p:sp>
+          <p:nvSpPr>
+            <p:cNvPr id="4" name="3 Rectángulo"/>
+            <p:cNvSpPr/>
+            <p:nvPr/>
+          </p:nvSpPr>
+          <p:spPr>
+            <a:xfrm>
+              <a:off x="2195736" y="1125471"/>
+              <a:ext cx="3456384" cy="3456384"/>
+            </a:xfrm>
+            <a:prstGeom prst="rect">
+              <a:avLst/>
+            </a:prstGeom>
+            <a:solidFill>
+              <a:srgbClr val="38383D"/>
+            </a:solidFill>
+            <a:ln>
+              <a:noFill/>
+            </a:ln>
+          </p:spPr>
+          <p:style>
+            <a:lnRef idx="2">
+              <a:schemeClr val="accent1">
+                <a:shade val="50000"/>
+              </a:schemeClr>
+            </a:lnRef>
+            <a:fillRef idx="1">
+              <a:schemeClr val="accent1"/>
+            </a:fillRef>
+            <a:effectRef idx="0">
+              <a:schemeClr val="accent1"/>
+            </a:effectRef>
+            <a:fontRef idx="minor">
+              <a:schemeClr val="lt1"/>
+            </a:fontRef>
+          </p:style>
+          <p:txBody>
+            <a:bodyPr rtlCol="0" anchor="ctr"/>
+            <a:lstStyle/>
+            <a:p>
+              <a:pPr algn="ctr"/>
+              <a:endParaRPr lang="es-UY"/>
+            </a:p>
+          </p:txBody>
+        </p:sp>
+        <p:pic>
+          <p:nvPicPr>
+            <p:cNvPr id="8200" name="Picture 8" descr="https://us.123rf.com/450wm/sonulkaster/sonulkaster1708/sonulkaster170800219/83783486-combinaci%C3%B3n-de-ases-de-juegos-de-casino-para-el-icono-de-vector-de-juego-de-poker-o-solitario.jpg?ver=6"/>
+            <p:cNvPicPr>
+              <a:picLocks noChangeAspect="1" noChangeArrowheads="1"/>
+            </p:cNvPicPr>
+            <p:nvPr/>
+          </p:nvPicPr>
+          <p:blipFill rotWithShape="1">
+            <a:blip r:embed="rId3">
+              <a:extLst>
+                <a:ext uri="{BEBA8EAE-BF5A-486C-A8C5-ECC9F3942E4B}">
+                  <a14:imgProps xmlns:a14="http://schemas.microsoft.com/office/drawing/2010/main">
+                    <a14:imgLayer r:embed="rId4">
+                      <a14:imgEffect>
+                        <a14:backgroundRemoval t="10000" b="90000" l="10000" r="90000"/>
+                      </a14:imgEffect>
+                    </a14:imgLayer>
+                  </a14:imgProps>
+                </a:ext>
+                <a:ext uri="{28A0092B-C50C-407E-A947-70E740481C1C}">
+                  <a14:useLocalDpi xmlns:a14="http://schemas.microsoft.com/office/drawing/2010/main" val="0"/>
+                </a:ext>
+              </a:extLst>
+            </a:blip>
+            <a:srcRect l="17501" t="13466" r="17501" b="13466"/>
+            <a:stretch/>
+          </p:blipFill>
+          <p:spPr bwMode="auto">
+            <a:xfrm>
+              <a:off x="2530929" y="1287718"/>
+              <a:ext cx="2785998" cy="3131890"/>
+            </a:xfrm>
+            <a:prstGeom prst="rect">
+              <a:avLst/>
+            </a:prstGeom>
+            <a:noFill/>
+            <a:extLst>
+              <a:ext uri="{909E8E84-426E-40DD-AFC4-6F175D3DCCD1}">
+                <a14:hiddenFill xmlns:a14="http://schemas.microsoft.com/office/drawing/2010/main">
+                  <a:solidFill>
+                    <a:srgbClr val="FFFFFF"/>
+                  </a:solidFill>
+                </a14:hiddenFill>
+              </a:ext>
+            </a:extLst>
+          </p:spPr>
+        </p:pic>
+      </p:grpSp>
+    </p:spTree>
+    <p:extLst>
+      <p:ext uri="{BB962C8B-B14F-4D97-AF65-F5344CB8AC3E}">
+        <p14:creationId xmlns:p14="http://schemas.microsoft.com/office/powerpoint/2010/main" val="2489351745"/>
+      </p:ext>
+    </p:extLst>
+  </p:cSld>
+  <p:clrMapOvr>
+    <a:masterClrMapping/>
+  </p:clrMapOvr>
+  <p:timing>
+    <p:tnLst>
+      <p:par>
+        <p:cTn id="1" dur="indefinite" restart="never" nodeType="tmRoot"/>
+      </p:par>
+    </p:tnLst>
+  </p:timing>
+</p:sld>
+</file>
+
+<file path=ppt/slides/slide11.xml><?xml version="1.0" encoding="utf-8"?>
+<p:sld xmlns:a="http://schemas.openxmlformats.org/drawingml/2006/main" xmlns:r="http://schemas.openxmlformats.org/officeDocument/2006/relationships" xmlns:p="http://schemas.openxmlformats.org/presentationml/2006/main">
+  <p:cSld>
+    <p:spTree>
+      <p:nvGrpSpPr>
+        <p:cNvPr id="1" name=""/>
+        <p:cNvGrpSpPr/>
+        <p:nvPr/>
+      </p:nvGrpSpPr>
+      <p:grpSpPr>
+        <a:xfrm>
+          <a:off x="0" y="0"/>
+          <a:ext cx="0" cy="0"/>
+          <a:chOff x="0" y="0"/>
+          <a:chExt cx="0" cy="0"/>
+        </a:xfrm>
+      </p:grpSpPr>
+      <p:grpSp>
+        <p:nvGrpSpPr>
+          <p:cNvPr id="2" name="1 Grupo"/>
+          <p:cNvGrpSpPr/>
+          <p:nvPr/>
+        </p:nvGrpSpPr>
+        <p:grpSpPr>
+          <a:xfrm>
+            <a:off x="2195736" y="1125471"/>
+            <a:ext cx="3456384" cy="3456384"/>
+            <a:chOff x="2195736" y="1125471"/>
+            <a:chExt cx="3456384" cy="3456384"/>
+          </a:xfrm>
+        </p:grpSpPr>
+        <p:sp>
+          <p:nvSpPr>
+            <p:cNvPr id="4" name="3 Rectángulo"/>
+            <p:cNvSpPr/>
+            <p:nvPr/>
+          </p:nvSpPr>
+          <p:spPr>
+            <a:xfrm>
+              <a:off x="2195736" y="1125471"/>
+              <a:ext cx="3456384" cy="3456384"/>
+            </a:xfrm>
+            <a:prstGeom prst="rect">
+              <a:avLst/>
+            </a:prstGeom>
+            <a:solidFill>
+              <a:srgbClr val="38383D"/>
+            </a:solidFill>
+            <a:ln>
+              <a:noFill/>
+            </a:ln>
+          </p:spPr>
+          <p:style>
+            <a:lnRef idx="2">
+              <a:schemeClr val="accent1">
+                <a:shade val="50000"/>
+              </a:schemeClr>
+            </a:lnRef>
+            <a:fillRef idx="1">
+              <a:schemeClr val="accent1"/>
+            </a:fillRef>
+            <a:effectRef idx="0">
+              <a:schemeClr val="accent1"/>
+            </a:effectRef>
+            <a:fontRef idx="minor">
+              <a:schemeClr val="lt1"/>
+            </a:fontRef>
+          </p:style>
+          <p:txBody>
+            <a:bodyPr rtlCol="0" anchor="ctr"/>
+            <a:lstStyle/>
+            <a:p>
+              <a:pPr algn="ctr"/>
+              <a:endParaRPr lang="es-UY"/>
+            </a:p>
+          </p:txBody>
+        </p:sp>
+        <p:pic>
+          <p:nvPicPr>
+            <p:cNvPr id="9220" name="Picture 4"/>
+            <p:cNvPicPr>
+              <a:picLocks noChangeAspect="1" noChangeArrowheads="1"/>
+            </p:cNvPicPr>
+            <p:nvPr/>
+          </p:nvPicPr>
+          <p:blipFill rotWithShape="1">
+            <a:blip r:embed="rId3" cstate="print">
+              <a:extLst>
+                <a:ext uri="{BEBA8EAE-BF5A-486C-A8C5-ECC9F3942E4B}">
+                  <a14:imgProps xmlns:a14="http://schemas.microsoft.com/office/drawing/2010/main">
+                    <a14:imgLayer r:embed="rId4">
+                      <a14:imgEffect>
+                        <a14:backgroundRemoval t="11667" b="88056" l="28229" r="71563"/>
+                      </a14:imgEffect>
+                    </a14:imgLayer>
+                  </a14:imgProps>
+                </a:ext>
+                <a:ext uri="{28A0092B-C50C-407E-A947-70E740481C1C}">
+                  <a14:useLocalDpi xmlns:a14="http://schemas.microsoft.com/office/drawing/2010/main" val="0"/>
+                </a:ext>
+              </a:extLst>
+            </a:blip>
+            <a:srcRect l="29054" t="12889" r="28411" b="11859"/>
+            <a:stretch/>
+          </p:blipFill>
+          <p:spPr bwMode="auto">
+            <a:xfrm>
+              <a:off x="2258919" y="1196753"/>
+              <a:ext cx="3330018" cy="3313820"/>
+            </a:xfrm>
+            <a:prstGeom prst="rect">
+              <a:avLst/>
+            </a:prstGeom>
+            <a:noFill/>
+            <a:ln>
+              <a:noFill/>
+            </a:ln>
+            <a:effectLst/>
+            <a:extLst>
+              <a:ext uri="{909E8E84-426E-40DD-AFC4-6F175D3DCCD1}">
+                <a14:hiddenFill xmlns:a14="http://schemas.microsoft.com/office/drawing/2010/main">
+                  <a:solidFill>
+                    <a:schemeClr val="accent1"/>
+                  </a:solidFill>
+                </a14:hiddenFill>
+              </a:ext>
+              <a:ext uri="{91240B29-F687-4F45-9708-019B960494DF}">
+                <a14:hiddenLine xmlns:a14="http://schemas.microsoft.com/office/drawing/2010/main" w="9525">
+                  <a:solidFill>
+                    <a:schemeClr val="tx1"/>
+                  </a:solidFill>
+                  <a:miter lim="800000"/>
+                  <a:headEnd/>
+                  <a:tailEnd/>
+                </a14:hiddenLine>
+              </a:ext>
+              <a:ext uri="{AF507438-7753-43E0-B8FC-AC1667EBCBE1}">
+                <a14:hiddenEffects xmlns:a14="http://schemas.microsoft.com/office/drawing/2010/main">
+                  <a:effectLst>
+                    <a:outerShdw dist="35921" dir="2700000" algn="ctr" rotWithShape="0">
+                      <a:schemeClr val="bg2"/>
+                    </a:outerShdw>
+                  </a:effectLst>
+                </a14:hiddenEffects>
+              </a:ext>
+            </a:extLst>
+          </p:spPr>
+        </p:pic>
+      </p:grpSp>
+    </p:spTree>
+    <p:extLst>
+      <p:ext uri="{BB962C8B-B14F-4D97-AF65-F5344CB8AC3E}">
+        <p14:creationId xmlns:p14="http://schemas.microsoft.com/office/powerpoint/2010/main" val="280964693"/>
+      </p:ext>
+    </p:extLst>
+  </p:cSld>
+  <p:clrMapOvr>
+    <a:masterClrMapping/>
+  </p:clrMapOvr>
+  <p:timing>
+    <p:tnLst>
+      <p:par>
+        <p:cTn id="1" dur="indefinite" restart="never" nodeType="tmRoot"/>
+      </p:par>
+    </p:tnLst>
+  </p:timing>
+</p:sld>
+</file>
+
+<file path=ppt/slides/slide12.xml><?xml version="1.0" encoding="utf-8"?>
 <p:sld xmlns:a="http://schemas.openxmlformats.org/drawingml/2006/main" xmlns:r="http://schemas.openxmlformats.org/officeDocument/2006/relationships" xmlns:p="http://schemas.openxmlformats.org/presentationml/2006/main">
   <p:cSld>
     <p:spTree>
@@ -5468,7 +5953,7 @@
       </p:grpSpPr>
       <p:grpSp>
         <p:nvGrpSpPr>
-          <p:cNvPr id="2" name="1 Grupo"/>
+          <p:cNvPr id="3" name="2 Grupo"/>
           <p:cNvGrpSpPr/>
           <p:nvPr/>
         </p:nvGrpSpPr>
@@ -5528,7 +6013,7 @@
         </p:sp>
         <p:pic>
           <p:nvPicPr>
-            <p:cNvPr id="8200" name="Picture 8" descr="https://us.123rf.com/450wm/sonulkaster/sonulkaster1708/sonulkaster170800219/83783486-combinaci%C3%B3n-de-ases-de-juegos-de-casino-para-el-icono-de-vector-de-juego-de-poker-o-solitario.jpg?ver=6"/>
+            <p:cNvPr id="1027" name="Picture 3" descr="C:\Users\Juan\Downloads\chess-icon-11288.png"/>
             <p:cNvPicPr>
               <a:picLocks noChangeAspect="1" noChangeArrowheads="1"/>
             </p:cNvPicPr>
@@ -5537,27 +6022,18 @@
           <p:blipFill rotWithShape="1">
             <a:blip r:embed="rId3">
               <a:extLst>
-                <a:ext uri="{BEBA8EAE-BF5A-486C-A8C5-ECC9F3942E4B}">
-                  <a14:imgProps xmlns:a14="http://schemas.microsoft.com/office/drawing/2010/main">
-                    <a14:imgLayer r:embed="rId4">
-                      <a14:imgEffect>
-                        <a14:backgroundRemoval t="10000" b="90000" l="10000" r="90000"/>
-                      </a14:imgEffect>
-                    </a14:imgLayer>
-                  </a14:imgProps>
-                </a:ext>
                 <a:ext uri="{28A0092B-C50C-407E-A947-70E740481C1C}">
                   <a14:useLocalDpi xmlns:a14="http://schemas.microsoft.com/office/drawing/2010/main" val="0"/>
                 </a:ext>
               </a:extLst>
             </a:blip>
-            <a:srcRect l="17501" t="13466" r="17501" b="13466"/>
+            <a:srcRect l="5717" t="3941" r="3368" b="5120"/>
             <a:stretch/>
           </p:blipFill>
           <p:spPr bwMode="auto">
             <a:xfrm>
-              <a:off x="2530929" y="1287718"/>
-              <a:ext cx="2785998" cy="3131890"/>
+              <a:off x="2335463" y="1268760"/>
+              <a:ext cx="3176930" cy="3169806"/>
             </a:xfrm>
             <a:prstGeom prst="rect">
               <a:avLst/>
@@ -5674,20 +6150,20 @@
         </p:sp>
         <p:pic>
           <p:nvPicPr>
-            <p:cNvPr id="9220" name="Picture 4"/>
+            <p:cNvPr id="3074" name="Picture 2" descr="https://pbs.twimg.com/profile_images/1206960097412501504/Ic61D7tZ_400x400.jpg"/>
             <p:cNvPicPr>
               <a:picLocks noChangeAspect="1" noChangeArrowheads="1"/>
             </p:cNvPicPr>
             <p:nvPr/>
           </p:nvPicPr>
           <p:blipFill rotWithShape="1">
-            <a:blip r:embed="rId3" cstate="print">
+            <a:blip r:embed="rId3">
               <a:extLst>
                 <a:ext uri="{BEBA8EAE-BF5A-486C-A8C5-ECC9F3942E4B}">
                   <a14:imgProps xmlns:a14="http://schemas.microsoft.com/office/drawing/2010/main">
                     <a14:imgLayer r:embed="rId4">
                       <a14:imgEffect>
-                        <a14:backgroundRemoval t="11667" b="88056" l="28229" r="71563"/>
+                        <a14:backgroundRemoval t="5500" b="92000" l="12750" r="87250"/>
                       </a14:imgEffect>
                     </a14:imgLayer>
                   </a14:imgProps>
@@ -5697,48 +6173,25 @@
                 </a:ext>
               </a:extLst>
             </a:blip>
-            <a:srcRect l="29054" t="12889" r="28411" b="11859"/>
+            <a:srcRect l="19144" t="3800" r="19144" b="7890"/>
             <a:stretch/>
           </p:blipFill>
           <p:spPr bwMode="auto">
             <a:xfrm>
-              <a:off x="2258919" y="1196753"/>
-              <a:ext cx="3330018" cy="3313820"/>
+              <a:off x="2771800" y="1204975"/>
+              <a:ext cx="2304256" cy="3297376"/>
             </a:xfrm>
             <a:prstGeom prst="rect">
               <a:avLst/>
             </a:prstGeom>
             <a:noFill/>
-            <a:ln>
-              <a:noFill/>
-            </a:ln>
-            <a:effectLst/>
             <a:extLst>
               <a:ext uri="{909E8E84-426E-40DD-AFC4-6F175D3DCCD1}">
                 <a14:hiddenFill xmlns:a14="http://schemas.microsoft.com/office/drawing/2010/main">
                   <a:solidFill>
-                    <a:schemeClr val="accent1"/>
+                    <a:srgbClr val="FFFFFF"/>
                   </a:solidFill>
                 </a14:hiddenFill>
-              </a:ext>
-              <a:ext uri="{91240B29-F687-4F45-9708-019B960494DF}">
-                <a14:hiddenLine xmlns:a14="http://schemas.microsoft.com/office/drawing/2010/main" w="9525">
-                  <a:solidFill>
-                    <a:schemeClr val="tx1"/>
-                  </a:solidFill>
-                  <a:miter lim="800000"/>
-                  <a:headEnd/>
-                  <a:tailEnd/>
-                </a14:hiddenLine>
-              </a:ext>
-              <a:ext uri="{AF507438-7753-43E0-B8FC-AC1667EBCBE1}">
-                <a14:hiddenEffects xmlns:a14="http://schemas.microsoft.com/office/drawing/2010/main">
-                  <a:effectLst>
-                    <a:outerShdw dist="35921" dir="2700000" algn="ctr" rotWithShape="0">
-                      <a:schemeClr val="bg2"/>
-                    </a:outerShdw>
-                  </a:effectLst>
-                </a14:hiddenEffects>
               </a:ext>
             </a:extLst>
           </p:spPr>
@@ -5747,7 +6200,7 @@
     </p:spTree>
     <p:extLst>
       <p:ext uri="{BB962C8B-B14F-4D97-AF65-F5344CB8AC3E}">
-        <p14:creationId xmlns:p14="http://schemas.microsoft.com/office/powerpoint/2010/main" val="280964693"/>
+        <p14:creationId xmlns:p14="http://schemas.microsoft.com/office/powerpoint/2010/main" val="689486972"/>
       </p:ext>
     </p:extLst>
   </p:cSld>

--- a/icons.pptx
+++ b/icons.pptx
@@ -5,21 +5,24 @@
     <p:sldMasterId id="2147483648" r:id="rId1"/>
   </p:sldMasterIdLst>
   <p:notesMasterIdLst>
-    <p:notesMasterId r:id="rId14"/>
+    <p:notesMasterId r:id="rId17"/>
   </p:notesMasterIdLst>
   <p:sldIdLst>
-    <p:sldId id="256" r:id="rId2"/>
-    <p:sldId id="257" r:id="rId3"/>
-    <p:sldId id="258" r:id="rId4"/>
-    <p:sldId id="259" r:id="rId5"/>
-    <p:sldId id="260" r:id="rId6"/>
-    <p:sldId id="261" r:id="rId7"/>
-    <p:sldId id="262" r:id="rId8"/>
-    <p:sldId id="263" r:id="rId9"/>
-    <p:sldId id="267" r:id="rId10"/>
-    <p:sldId id="266" r:id="rId11"/>
-    <p:sldId id="264" r:id="rId12"/>
-    <p:sldId id="265" r:id="rId13"/>
+    <p:sldId id="263" r:id="rId2"/>
+    <p:sldId id="267" r:id="rId3"/>
+    <p:sldId id="256" r:id="rId4"/>
+    <p:sldId id="264" r:id="rId5"/>
+    <p:sldId id="257" r:id="rId6"/>
+    <p:sldId id="269" r:id="rId7"/>
+    <p:sldId id="258" r:id="rId8"/>
+    <p:sldId id="271" r:id="rId9"/>
+    <p:sldId id="266" r:id="rId10"/>
+    <p:sldId id="261" r:id="rId11"/>
+    <p:sldId id="262" r:id="rId12"/>
+    <p:sldId id="270" r:id="rId13"/>
+    <p:sldId id="259" r:id="rId14"/>
+    <p:sldId id="260" r:id="rId15"/>
+    <p:sldId id="265" r:id="rId16"/>
   </p:sldIdLst>
   <p:sldSz cx="9144000" cy="6858000" type="screen4x3"/>
   <p:notesSz cx="6858000" cy="9144000"/>
@@ -705,6 +708,258 @@
             <a:fld id="{B6901A32-48B7-421F-8324-AC0234E88857}" type="slidenum">
               <a:rPr lang="es-UY" smtClean="0"/>
               <a:t>11</a:t>
+            </a:fld>
+            <a:endParaRPr lang="es-UY"/>
+          </a:p>
+        </p:txBody>
+      </p:sp>
+    </p:spTree>
+    <p:extLst>
+      <p:ext uri="{BB962C8B-B14F-4D97-AF65-F5344CB8AC3E}">
+        <p14:creationId xmlns:p14="http://schemas.microsoft.com/office/powerpoint/2010/main" val="2978505877"/>
+      </p:ext>
+    </p:extLst>
+  </p:cSld>
+  <p:clrMapOvr>
+    <a:masterClrMapping/>
+  </p:clrMapOvr>
+</p:notes>
+</file>
+
+<file path=ppt/notesSlides/notesSlide12.xml><?xml version="1.0" encoding="utf-8"?>
+<p:notes xmlns:a="http://schemas.openxmlformats.org/drawingml/2006/main" xmlns:r="http://schemas.openxmlformats.org/officeDocument/2006/relationships" xmlns:p="http://schemas.openxmlformats.org/presentationml/2006/main">
+  <p:cSld>
+    <p:spTree>
+      <p:nvGrpSpPr>
+        <p:cNvPr id="1" name=""/>
+        <p:cNvGrpSpPr/>
+        <p:nvPr/>
+      </p:nvGrpSpPr>
+      <p:grpSpPr>
+        <a:xfrm>
+          <a:off x="0" y="0"/>
+          <a:ext cx="0" cy="0"/>
+          <a:chOff x="0" y="0"/>
+          <a:chExt cx="0" cy="0"/>
+        </a:xfrm>
+      </p:grpSpPr>
+      <p:sp>
+        <p:nvSpPr>
+          <p:cNvPr id="2" name="1 Marcador de imagen de diapositiva"/>
+          <p:cNvSpPr>
+            <a:spLocks noGrp="1" noRot="1" noChangeAspect="1"/>
+          </p:cNvSpPr>
+          <p:nvPr>
+            <p:ph type="sldImg"/>
+          </p:nvPr>
+        </p:nvSpPr>
+        <p:spPr/>
+      </p:sp>
+      <p:sp>
+        <p:nvSpPr>
+          <p:cNvPr id="3" name="2 Marcador de notas"/>
+          <p:cNvSpPr>
+            <a:spLocks noGrp="1"/>
+          </p:cNvSpPr>
+          <p:nvPr>
+            <p:ph type="body" idx="1"/>
+          </p:nvPr>
+        </p:nvSpPr>
+        <p:spPr/>
+        <p:txBody>
+          <a:bodyPr/>
+          <a:lstStyle/>
+          <a:p>
+            <a:endParaRPr lang="es-UY" dirty="0"/>
+          </a:p>
+        </p:txBody>
+      </p:sp>
+      <p:sp>
+        <p:nvSpPr>
+          <p:cNvPr id="4" name="3 Marcador de número de diapositiva"/>
+          <p:cNvSpPr>
+            <a:spLocks noGrp="1"/>
+          </p:cNvSpPr>
+          <p:nvPr>
+            <p:ph type="sldNum" sz="quarter" idx="10"/>
+          </p:nvPr>
+        </p:nvSpPr>
+        <p:spPr/>
+        <p:txBody>
+          <a:bodyPr/>
+          <a:lstStyle/>
+          <a:p>
+            <a:fld id="{B6901A32-48B7-421F-8324-AC0234E88857}" type="slidenum">
+              <a:rPr lang="es-UY" smtClean="0"/>
+              <a:t>12</a:t>
+            </a:fld>
+            <a:endParaRPr lang="es-UY"/>
+          </a:p>
+        </p:txBody>
+      </p:sp>
+    </p:spTree>
+    <p:extLst>
+      <p:ext uri="{BB962C8B-B14F-4D97-AF65-F5344CB8AC3E}">
+        <p14:creationId xmlns:p14="http://schemas.microsoft.com/office/powerpoint/2010/main" val="2978505877"/>
+      </p:ext>
+    </p:extLst>
+  </p:cSld>
+  <p:clrMapOvr>
+    <a:masterClrMapping/>
+  </p:clrMapOvr>
+</p:notes>
+</file>
+
+<file path=ppt/notesSlides/notesSlide13.xml><?xml version="1.0" encoding="utf-8"?>
+<p:notes xmlns:a="http://schemas.openxmlformats.org/drawingml/2006/main" xmlns:r="http://schemas.openxmlformats.org/officeDocument/2006/relationships" xmlns:p="http://schemas.openxmlformats.org/presentationml/2006/main">
+  <p:cSld>
+    <p:spTree>
+      <p:nvGrpSpPr>
+        <p:cNvPr id="1" name=""/>
+        <p:cNvGrpSpPr/>
+        <p:nvPr/>
+      </p:nvGrpSpPr>
+      <p:grpSpPr>
+        <a:xfrm>
+          <a:off x="0" y="0"/>
+          <a:ext cx="0" cy="0"/>
+          <a:chOff x="0" y="0"/>
+          <a:chExt cx="0" cy="0"/>
+        </a:xfrm>
+      </p:grpSpPr>
+      <p:sp>
+        <p:nvSpPr>
+          <p:cNvPr id="2" name="1 Marcador de imagen de diapositiva"/>
+          <p:cNvSpPr>
+            <a:spLocks noGrp="1" noRot="1" noChangeAspect="1"/>
+          </p:cNvSpPr>
+          <p:nvPr>
+            <p:ph type="sldImg"/>
+          </p:nvPr>
+        </p:nvSpPr>
+        <p:spPr/>
+      </p:sp>
+      <p:sp>
+        <p:nvSpPr>
+          <p:cNvPr id="3" name="2 Marcador de notas"/>
+          <p:cNvSpPr>
+            <a:spLocks noGrp="1"/>
+          </p:cNvSpPr>
+          <p:nvPr>
+            <p:ph type="body" idx="1"/>
+          </p:nvPr>
+        </p:nvSpPr>
+        <p:spPr/>
+        <p:txBody>
+          <a:bodyPr/>
+          <a:lstStyle/>
+          <a:p>
+            <a:endParaRPr lang="es-UY" dirty="0"/>
+          </a:p>
+        </p:txBody>
+      </p:sp>
+      <p:sp>
+        <p:nvSpPr>
+          <p:cNvPr id="4" name="3 Marcador de número de diapositiva"/>
+          <p:cNvSpPr>
+            <a:spLocks noGrp="1"/>
+          </p:cNvSpPr>
+          <p:nvPr>
+            <p:ph type="sldNum" sz="quarter" idx="10"/>
+          </p:nvPr>
+        </p:nvSpPr>
+        <p:spPr/>
+        <p:txBody>
+          <a:bodyPr/>
+          <a:lstStyle/>
+          <a:p>
+            <a:fld id="{B6901A32-48B7-421F-8324-AC0234E88857}" type="slidenum">
+              <a:rPr lang="es-UY" smtClean="0"/>
+              <a:t>13</a:t>
+            </a:fld>
+            <a:endParaRPr lang="es-UY"/>
+          </a:p>
+        </p:txBody>
+      </p:sp>
+    </p:spTree>
+    <p:extLst>
+      <p:ext uri="{BB962C8B-B14F-4D97-AF65-F5344CB8AC3E}">
+        <p14:creationId xmlns:p14="http://schemas.microsoft.com/office/powerpoint/2010/main" val="2978505877"/>
+      </p:ext>
+    </p:extLst>
+  </p:cSld>
+  <p:clrMapOvr>
+    <a:masterClrMapping/>
+  </p:clrMapOvr>
+</p:notes>
+</file>
+
+<file path=ppt/notesSlides/notesSlide14.xml><?xml version="1.0" encoding="utf-8"?>
+<p:notes xmlns:a="http://schemas.openxmlformats.org/drawingml/2006/main" xmlns:r="http://schemas.openxmlformats.org/officeDocument/2006/relationships" xmlns:p="http://schemas.openxmlformats.org/presentationml/2006/main">
+  <p:cSld>
+    <p:spTree>
+      <p:nvGrpSpPr>
+        <p:cNvPr id="1" name=""/>
+        <p:cNvGrpSpPr/>
+        <p:nvPr/>
+      </p:nvGrpSpPr>
+      <p:grpSpPr>
+        <a:xfrm>
+          <a:off x="0" y="0"/>
+          <a:ext cx="0" cy="0"/>
+          <a:chOff x="0" y="0"/>
+          <a:chExt cx="0" cy="0"/>
+        </a:xfrm>
+      </p:grpSpPr>
+      <p:sp>
+        <p:nvSpPr>
+          <p:cNvPr id="2" name="1 Marcador de imagen de diapositiva"/>
+          <p:cNvSpPr>
+            <a:spLocks noGrp="1" noRot="1" noChangeAspect="1"/>
+          </p:cNvSpPr>
+          <p:nvPr>
+            <p:ph type="sldImg"/>
+          </p:nvPr>
+        </p:nvSpPr>
+        <p:spPr/>
+      </p:sp>
+      <p:sp>
+        <p:nvSpPr>
+          <p:cNvPr id="3" name="2 Marcador de notas"/>
+          <p:cNvSpPr>
+            <a:spLocks noGrp="1"/>
+          </p:cNvSpPr>
+          <p:nvPr>
+            <p:ph type="body" idx="1"/>
+          </p:nvPr>
+        </p:nvSpPr>
+        <p:spPr/>
+        <p:txBody>
+          <a:bodyPr/>
+          <a:lstStyle/>
+          <a:p>
+            <a:endParaRPr lang="es-UY" dirty="0"/>
+          </a:p>
+        </p:txBody>
+      </p:sp>
+      <p:sp>
+        <p:nvSpPr>
+          <p:cNvPr id="4" name="3 Marcador de número de diapositiva"/>
+          <p:cNvSpPr>
+            <a:spLocks noGrp="1"/>
+          </p:cNvSpPr>
+          <p:nvPr>
+            <p:ph type="sldNum" sz="quarter" idx="10"/>
+          </p:nvPr>
+        </p:nvSpPr>
+        <p:spPr/>
+        <p:txBody>
+          <a:bodyPr/>
+          <a:lstStyle/>
+          <a:p>
+            <a:fld id="{B6901A32-48B7-421F-8324-AC0234E88857}" type="slidenum">
+              <a:rPr lang="es-UY" smtClean="0"/>
+              <a:t>14</a:t>
             </a:fld>
             <a:endParaRPr lang="es-UY"/>
           </a:p>
@@ -4385,15 +4640,15 @@
       </p:grpSpPr>
       <p:grpSp>
         <p:nvGrpSpPr>
-          <p:cNvPr id="5" name="4 Grupo"/>
+          <p:cNvPr id="3" name="2 Grupo"/>
           <p:cNvGrpSpPr/>
           <p:nvPr/>
         </p:nvGrpSpPr>
         <p:grpSpPr>
           <a:xfrm>
-            <a:off x="2195736" y="1124744"/>
+            <a:off x="2195736" y="1125471"/>
             <a:ext cx="3456384" cy="3456384"/>
-            <a:chOff x="2195736" y="1124744"/>
+            <a:chOff x="2195736" y="1125471"/>
             <a:chExt cx="3456384" cy="3456384"/>
           </a:xfrm>
         </p:grpSpPr>
@@ -4405,7 +4660,7 @@
           </p:nvSpPr>
           <p:spPr>
             <a:xfrm>
-              <a:off x="2195736" y="1124744"/>
+              <a:off x="2195736" y="1125471"/>
               <a:ext cx="3456384" cy="3456384"/>
             </a:xfrm>
             <a:prstGeom prst="rect">
@@ -4445,13 +4700,13 @@
         </p:sp>
         <p:pic>
           <p:nvPicPr>
-            <p:cNvPr id="1028" name="Picture 4" descr="C:\Users\Juan\Desktop\google.png"/>
+            <p:cNvPr id="1027" name="Picture 3" descr="C:\Users\Juan\Downloads\chess-icon-11288.png"/>
             <p:cNvPicPr>
               <a:picLocks noChangeAspect="1" noChangeArrowheads="1"/>
             </p:cNvPicPr>
             <p:nvPr/>
           </p:nvPicPr>
-          <p:blipFill>
+          <p:blipFill rotWithShape="1">
             <a:blip r:embed="rId3">
               <a:extLst>
                 <a:ext uri="{28A0092B-C50C-407E-A947-70E740481C1C}">
@@ -4459,15 +4714,13 @@
                 </a:ext>
               </a:extLst>
             </a:blip>
-            <a:srcRect/>
-            <a:stretch>
-              <a:fillRect/>
-            </a:stretch>
+            <a:srcRect l="5717" t="3941" r="3368" b="5120"/>
+            <a:stretch/>
           </p:blipFill>
           <p:spPr bwMode="auto">
             <a:xfrm>
-              <a:off x="2339752" y="1268760"/>
-              <a:ext cx="3168350" cy="3168352"/>
+              <a:off x="2335463" y="1268760"/>
+              <a:ext cx="3176930" cy="3169806"/>
             </a:xfrm>
             <a:prstGeom prst="rect">
               <a:avLst/>
@@ -4488,7 +4741,7 @@
     </p:spTree>
     <p:extLst>
       <p:ext uri="{BB962C8B-B14F-4D97-AF65-F5344CB8AC3E}">
-        <p14:creationId xmlns:p14="http://schemas.microsoft.com/office/powerpoint/2010/main" val="666511151"/>
+        <p14:creationId xmlns:p14="http://schemas.microsoft.com/office/powerpoint/2010/main" val="1533916593"/>
       </p:ext>
     </p:extLst>
   </p:cSld>
@@ -4584,36 +4837,29 @@
         </p:sp>
         <p:pic>
           <p:nvPicPr>
-            <p:cNvPr id="8200" name="Picture 8" descr="https://us.123rf.com/450wm/sonulkaster/sonulkaster1708/sonulkaster170800219/83783486-combinaci%C3%B3n-de-ases-de-juegos-de-casino-para-el-icono-de-vector-de-juego-de-poker-o-solitario.jpg?ver=6"/>
+            <p:cNvPr id="6146" name="Picture 2" descr="https://cdn3.iconfinder.com/data/icons/popular-services-brands-vol-2/512/telegram-512.png"/>
             <p:cNvPicPr>
               <a:picLocks noChangeAspect="1" noChangeArrowheads="1"/>
             </p:cNvPicPr>
             <p:nvPr/>
           </p:nvPicPr>
-          <p:blipFill rotWithShape="1">
+          <p:blipFill>
             <a:blip r:embed="rId3">
               <a:extLst>
-                <a:ext uri="{BEBA8EAE-BF5A-486C-A8C5-ECC9F3942E4B}">
-                  <a14:imgProps xmlns:a14="http://schemas.microsoft.com/office/drawing/2010/main">
-                    <a14:imgLayer r:embed="rId4">
-                      <a14:imgEffect>
-                        <a14:backgroundRemoval t="10000" b="90000" l="10000" r="90000"/>
-                      </a14:imgEffect>
-                    </a14:imgLayer>
-                  </a14:imgProps>
-                </a:ext>
                 <a:ext uri="{28A0092B-C50C-407E-A947-70E740481C1C}">
                   <a14:useLocalDpi xmlns:a14="http://schemas.microsoft.com/office/drawing/2010/main" val="0"/>
                 </a:ext>
               </a:extLst>
             </a:blip>
-            <a:srcRect l="17501" t="13466" r="17501" b="13466"/>
-            <a:stretch/>
+            <a:srcRect/>
+            <a:stretch>
+              <a:fillRect/>
+            </a:stretch>
           </p:blipFill>
           <p:spPr bwMode="auto">
             <a:xfrm>
-              <a:off x="2530929" y="1287718"/>
-              <a:ext cx="2785998" cy="3131890"/>
+              <a:off x="2339026" y="1268760"/>
+              <a:ext cx="3169804" cy="3169806"/>
             </a:xfrm>
             <a:prstGeom prst="rect">
               <a:avLst/>
@@ -4634,7 +4880,7 @@
     </p:spTree>
     <p:extLst>
       <p:ext uri="{BB962C8B-B14F-4D97-AF65-F5344CB8AC3E}">
-        <p14:creationId xmlns:p14="http://schemas.microsoft.com/office/powerpoint/2010/main" val="2489351745"/>
+        <p14:creationId xmlns:p14="http://schemas.microsoft.com/office/powerpoint/2010/main" val="2680816217"/>
       </p:ext>
     </p:extLst>
   </p:cSld>
@@ -4730,71 +4976,39 @@
         </p:sp>
         <p:pic>
           <p:nvPicPr>
-            <p:cNvPr id="9220" name="Picture 4"/>
+            <p:cNvPr id="7170" name="Picture 2" descr="https://ev1.utec.edu.uy/moodle/theme/image.php/klass/theme/1574170910/home/logo"/>
             <p:cNvPicPr>
               <a:picLocks noChangeAspect="1" noChangeArrowheads="1"/>
             </p:cNvPicPr>
             <p:nvPr/>
           </p:nvPicPr>
           <p:blipFill rotWithShape="1">
-            <a:blip r:embed="rId3" cstate="print">
+            <a:blip r:embed="rId3">
               <a:extLst>
-                <a:ext uri="{BEBA8EAE-BF5A-486C-A8C5-ECC9F3942E4B}">
-                  <a14:imgProps xmlns:a14="http://schemas.microsoft.com/office/drawing/2010/main">
-                    <a14:imgLayer r:embed="rId4">
-                      <a14:imgEffect>
-                        <a14:backgroundRemoval t="11667" b="88056" l="28229" r="71563"/>
-                      </a14:imgEffect>
-                    </a14:imgLayer>
-                  </a14:imgProps>
-                </a:ext>
                 <a:ext uri="{28A0092B-C50C-407E-A947-70E740481C1C}">
                   <a14:useLocalDpi xmlns:a14="http://schemas.microsoft.com/office/drawing/2010/main" val="0"/>
                 </a:ext>
               </a:extLst>
             </a:blip>
-            <a:srcRect l="29054" t="12889" r="28411" b="11859"/>
+            <a:srcRect l="-5" r="79355" b="22630"/>
             <a:stretch/>
           </p:blipFill>
           <p:spPr bwMode="auto">
             <a:xfrm>
-              <a:off x="2258919" y="1196753"/>
-              <a:ext cx="3330018" cy="3313820"/>
+              <a:off x="2483768" y="1923829"/>
+              <a:ext cx="3015149" cy="1632906"/>
             </a:xfrm>
             <a:prstGeom prst="rect">
               <a:avLst/>
             </a:prstGeom>
             <a:noFill/>
-            <a:ln>
-              <a:noFill/>
-            </a:ln>
-            <a:effectLst/>
             <a:extLst>
               <a:ext uri="{909E8E84-426E-40DD-AFC4-6F175D3DCCD1}">
                 <a14:hiddenFill xmlns:a14="http://schemas.microsoft.com/office/drawing/2010/main">
                   <a:solidFill>
-                    <a:schemeClr val="accent1"/>
+                    <a:srgbClr val="FFFFFF"/>
                   </a:solidFill>
                 </a14:hiddenFill>
-              </a:ext>
-              <a:ext uri="{91240B29-F687-4F45-9708-019B960494DF}">
-                <a14:hiddenLine xmlns:a14="http://schemas.microsoft.com/office/drawing/2010/main" w="9525">
-                  <a:solidFill>
-                    <a:schemeClr val="tx1"/>
-                  </a:solidFill>
-                  <a:miter lim="800000"/>
-                  <a:headEnd/>
-                  <a:tailEnd/>
-                </a14:hiddenLine>
-              </a:ext>
-              <a:ext uri="{AF507438-7753-43E0-B8FC-AC1667EBCBE1}">
-                <a14:hiddenEffects xmlns:a14="http://schemas.microsoft.com/office/drawing/2010/main">
-                  <a:effectLst>
-                    <a:outerShdw dist="35921" dir="2700000" algn="ctr" rotWithShape="0">
-                      <a:schemeClr val="bg2"/>
-                    </a:outerShdw>
-                  </a:effectLst>
-                </a14:hiddenEffects>
               </a:ext>
             </a:extLst>
           </p:spPr>
@@ -4803,7 +5017,7 @@
     </p:spTree>
     <p:extLst>
       <p:ext uri="{BB962C8B-B14F-4D97-AF65-F5344CB8AC3E}">
-        <p14:creationId xmlns:p14="http://schemas.microsoft.com/office/powerpoint/2010/main" val="280964693"/>
+        <p14:creationId xmlns:p14="http://schemas.microsoft.com/office/powerpoint/2010/main" val="2062562605"/>
       </p:ext>
     </p:extLst>
   </p:cSld>
@@ -4821,6 +5035,469 @@
 </file>
 
 <file path=ppt/slides/slide12.xml><?xml version="1.0" encoding="utf-8"?>
+<p:sld xmlns:a="http://schemas.openxmlformats.org/drawingml/2006/main" xmlns:r="http://schemas.openxmlformats.org/officeDocument/2006/relationships" xmlns:p="http://schemas.openxmlformats.org/presentationml/2006/main">
+  <p:cSld>
+    <p:spTree>
+      <p:nvGrpSpPr>
+        <p:cNvPr id="1" name=""/>
+        <p:cNvGrpSpPr/>
+        <p:nvPr/>
+      </p:nvGrpSpPr>
+      <p:grpSpPr>
+        <a:xfrm>
+          <a:off x="0" y="0"/>
+          <a:ext cx="0" cy="0"/>
+          <a:chOff x="0" y="0"/>
+          <a:chExt cx="0" cy="0"/>
+        </a:xfrm>
+      </p:grpSpPr>
+      <p:grpSp>
+        <p:nvGrpSpPr>
+          <p:cNvPr id="2" name="1 Grupo"/>
+          <p:cNvGrpSpPr/>
+          <p:nvPr/>
+        </p:nvGrpSpPr>
+        <p:grpSpPr>
+          <a:xfrm>
+            <a:off x="2195736" y="1124744"/>
+            <a:ext cx="3456384" cy="3456384"/>
+            <a:chOff x="2195736" y="1124744"/>
+            <a:chExt cx="3456384" cy="3456384"/>
+          </a:xfrm>
+        </p:grpSpPr>
+        <p:sp>
+          <p:nvSpPr>
+            <p:cNvPr id="4" name="3 Rectángulo"/>
+            <p:cNvSpPr/>
+            <p:nvPr/>
+          </p:nvSpPr>
+          <p:spPr>
+            <a:xfrm>
+              <a:off x="2195736" y="1124744"/>
+              <a:ext cx="3456384" cy="3456384"/>
+            </a:xfrm>
+            <a:prstGeom prst="rect">
+              <a:avLst/>
+            </a:prstGeom>
+            <a:solidFill>
+              <a:srgbClr val="38383D"/>
+            </a:solidFill>
+            <a:ln>
+              <a:noFill/>
+            </a:ln>
+          </p:spPr>
+          <p:style>
+            <a:lnRef idx="2">
+              <a:schemeClr val="accent1">
+                <a:shade val="50000"/>
+              </a:schemeClr>
+            </a:lnRef>
+            <a:fillRef idx="1">
+              <a:schemeClr val="accent1"/>
+            </a:fillRef>
+            <a:effectRef idx="0">
+              <a:schemeClr val="accent1"/>
+            </a:effectRef>
+            <a:fontRef idx="minor">
+              <a:schemeClr val="lt1"/>
+            </a:fontRef>
+          </p:style>
+          <p:txBody>
+            <a:bodyPr rtlCol="0" anchor="ctr"/>
+            <a:lstStyle/>
+            <a:p>
+              <a:pPr algn="ctr"/>
+              <a:endParaRPr lang="es-UY"/>
+            </a:p>
+          </p:txBody>
+        </p:sp>
+        <p:pic>
+          <p:nvPicPr>
+            <p:cNvPr id="2050" name="Picture 2" descr="Resultado de imagen para youtube icon"/>
+            <p:cNvPicPr>
+              <a:picLocks noChangeAspect="1" noChangeArrowheads="1"/>
+            </p:cNvPicPr>
+            <p:nvPr/>
+          </p:nvPicPr>
+          <p:blipFill>
+            <a:blip r:embed="rId3" cstate="print">
+              <a:extLst>
+                <a:ext uri="{28A0092B-C50C-407E-A947-70E740481C1C}">
+                  <a14:useLocalDpi xmlns:a14="http://schemas.microsoft.com/office/drawing/2010/main" val="0"/>
+                </a:ext>
+              </a:extLst>
+            </a:blip>
+            <a:srcRect/>
+            <a:stretch>
+              <a:fillRect/>
+            </a:stretch>
+          </p:blipFill>
+          <p:spPr bwMode="auto">
+            <a:xfrm>
+              <a:off x="2289234" y="1700808"/>
+              <a:ext cx="3269388" cy="2304256"/>
+            </a:xfrm>
+            <a:prstGeom prst="rect">
+              <a:avLst/>
+            </a:prstGeom>
+            <a:noFill/>
+            <a:extLst>
+              <a:ext uri="{909E8E84-426E-40DD-AFC4-6F175D3DCCD1}">
+                <a14:hiddenFill xmlns:a14="http://schemas.microsoft.com/office/drawing/2010/main">
+                  <a:solidFill>
+                    <a:srgbClr val="FFFFFF"/>
+                  </a:solidFill>
+                </a14:hiddenFill>
+              </a:ext>
+            </a:extLst>
+          </p:spPr>
+        </p:pic>
+      </p:grpSp>
+    </p:spTree>
+    <p:extLst>
+      <p:ext uri="{BB962C8B-B14F-4D97-AF65-F5344CB8AC3E}">
+        <p14:creationId xmlns:p14="http://schemas.microsoft.com/office/powerpoint/2010/main" val="198720179"/>
+      </p:ext>
+    </p:extLst>
+  </p:cSld>
+  <p:clrMapOvr>
+    <a:masterClrMapping/>
+  </p:clrMapOvr>
+  <p:timing>
+    <p:tnLst>
+      <p:par>
+        <p:cTn id="1" dur="indefinite" restart="never" nodeType="tmRoot"/>
+      </p:par>
+    </p:tnLst>
+  </p:timing>
+</p:sld>
+</file>
+
+<file path=ppt/slides/slide13.xml><?xml version="1.0" encoding="utf-8"?>
+<p:sld xmlns:a="http://schemas.openxmlformats.org/drawingml/2006/main" xmlns:r="http://schemas.openxmlformats.org/officeDocument/2006/relationships" xmlns:p="http://schemas.openxmlformats.org/presentationml/2006/main">
+  <p:cSld>
+    <p:spTree>
+      <p:nvGrpSpPr>
+        <p:cNvPr id="1" name=""/>
+        <p:cNvGrpSpPr/>
+        <p:nvPr/>
+      </p:nvGrpSpPr>
+      <p:grpSpPr>
+        <a:xfrm>
+          <a:off x="0" y="0"/>
+          <a:ext cx="0" cy="0"/>
+          <a:chOff x="0" y="0"/>
+          <a:chExt cx="0" cy="0"/>
+        </a:xfrm>
+      </p:grpSpPr>
+      <p:grpSp>
+        <p:nvGrpSpPr>
+          <p:cNvPr id="2" name="1 Grupo"/>
+          <p:cNvGrpSpPr/>
+          <p:nvPr/>
+        </p:nvGrpSpPr>
+        <p:grpSpPr>
+          <a:xfrm>
+            <a:off x="2195736" y="1125471"/>
+            <a:ext cx="3456384" cy="3456384"/>
+            <a:chOff x="2195736" y="1125471"/>
+            <a:chExt cx="3456384" cy="3456384"/>
+          </a:xfrm>
+        </p:grpSpPr>
+        <p:sp>
+          <p:nvSpPr>
+            <p:cNvPr id="4" name="3 Rectángulo"/>
+            <p:cNvSpPr/>
+            <p:nvPr/>
+          </p:nvSpPr>
+          <p:spPr>
+            <a:xfrm>
+              <a:off x="2195736" y="1125471"/>
+              <a:ext cx="3456384" cy="3456384"/>
+            </a:xfrm>
+            <a:prstGeom prst="rect">
+              <a:avLst/>
+            </a:prstGeom>
+            <a:solidFill>
+              <a:srgbClr val="38383D"/>
+            </a:solidFill>
+            <a:ln>
+              <a:noFill/>
+            </a:ln>
+          </p:spPr>
+          <p:style>
+            <a:lnRef idx="2">
+              <a:schemeClr val="accent1">
+                <a:shade val="50000"/>
+              </a:schemeClr>
+            </a:lnRef>
+            <a:fillRef idx="1">
+              <a:schemeClr val="accent1"/>
+            </a:fillRef>
+            <a:effectRef idx="0">
+              <a:schemeClr val="accent1"/>
+            </a:effectRef>
+            <a:fontRef idx="minor">
+              <a:schemeClr val="lt1"/>
+            </a:fontRef>
+          </p:style>
+          <p:txBody>
+            <a:bodyPr rtlCol="0" anchor="ctr"/>
+            <a:lstStyle/>
+            <a:p>
+              <a:pPr algn="ctr"/>
+              <a:endParaRPr lang="es-UY"/>
+            </a:p>
+          </p:txBody>
+        </p:sp>
+        <p:pic>
+          <p:nvPicPr>
+            <p:cNvPr id="4100" name="Picture 4" descr="https://is3-ssl.mzstatic.com/image/thumb/Purple113/v4/ed/69/8d/ed698d73-6773-80b7-4ad8-b7c4fc17dc95/AppIcon-0-0-1x_U007emarketing-0-0-0-7-0-0-sRGB-0-0-0-GLES2_U002c0-512MB-85-220-0-0.png/400x400.png"/>
+            <p:cNvPicPr>
+              <a:picLocks noChangeAspect="1" noChangeArrowheads="1"/>
+            </p:cNvPicPr>
+            <p:nvPr/>
+          </p:nvPicPr>
+          <p:blipFill rotWithShape="1">
+            <a:blip r:embed="rId3">
+              <a:extLst>
+                <a:ext uri="{BEBA8EAE-BF5A-486C-A8C5-ECC9F3942E4B}">
+                  <a14:imgProps xmlns:a14="http://schemas.microsoft.com/office/drawing/2010/main">
+                    <a14:imgLayer r:embed="rId4">
+                      <a14:imgEffect>
+                        <a14:backgroundRemoval t="10000" b="90000" l="10000" r="90000">
+                          <a14:foregroundMark x1="38000" y1="43250" x2="38000" y2="43250"/>
+                          <a14:foregroundMark x1="49250" y1="50500" x2="49250" y2="50500"/>
+                          <a14:foregroundMark x1="47750" y1="47250" x2="47750" y2="47250"/>
+                          <a14:foregroundMark x1="47750" y1="47250" x2="47750" y2="47250"/>
+                          <a14:foregroundMark x1="41000" y1="31750" x2="41000" y2="31750"/>
+                          <a14:foregroundMark x1="39750" y1="36750" x2="57000" y2="58750"/>
+                          <a14:foregroundMark x1="40750" y1="55750" x2="60750" y2="37750"/>
+                          <a14:foregroundMark x1="42750" y1="50250" x2="55000" y2="43750"/>
+                          <a14:foregroundMark x1="42250" y1="55000" x2="58750" y2="48250"/>
+                          <a14:foregroundMark x1="41500" y1="59500" x2="58500" y2="51000"/>
+                          <a14:foregroundMark x1="51000" y1="34500" x2="51000" y2="23250"/>
+                          <a14:foregroundMark x1="58000" y1="35750" x2="80500" y2="45750"/>
+                          <a14:foregroundMark x1="58250" y1="27250" x2="74750" y2="44250"/>
+                          <a14:foregroundMark x1="71000" y1="42750" x2="65750" y2="65500"/>
+                          <a14:foregroundMark x1="67500" y1="61250" x2="74500" y2="57000"/>
+                          <a14:foregroundMark x1="69500" y1="54000" x2="72750" y2="42500"/>
+                          <a14:foregroundMark x1="71000" y1="59500" x2="71000" y2="44000"/>
+                          <a14:foregroundMark x1="61000" y1="68500" x2="43250" y2="75250"/>
+                          <a14:foregroundMark x1="60000" y1="63250" x2="43000" y2="65750"/>
+                          <a14:foregroundMark x1="42000" y1="70000" x2="24000" y2="67500"/>
+                          <a14:foregroundMark x1="44750" y1="67500" x2="25500" y2="61000"/>
+                          <a14:foregroundMark x1="35000" y1="65000" x2="26750" y2="57500"/>
+                          <a14:foregroundMark x1="37250" y1="59000" x2="25250" y2="50750"/>
+                          <a14:foregroundMark x1="35250" y1="56000" x2="28750" y2="40500"/>
+                          <a14:foregroundMark x1="31750" y1="52000" x2="36000" y2="31250"/>
+                          <a14:foregroundMark x1="34750" y1="45250" x2="45000" y2="25750"/>
+                          <a14:foregroundMark x1="43750" y1="33250" x2="64250" y2="21000"/>
+                          <a14:foregroundMark x1="56250" y1="34250" x2="71250" y2="33750"/>
+                          <a14:foregroundMark x1="60500" y1="34250" x2="73000" y2="42000"/>
+                          <a14:foregroundMark x1="66500" y1="44750" x2="79250" y2="52000"/>
+                          <a14:foregroundMark x1="66250" y1="49500" x2="74000" y2="62000"/>
+                          <a14:foregroundMark x1="65500" y1="56500" x2="65250" y2="67000"/>
+                          <a14:foregroundMark x1="58250" y1="59000" x2="49500" y2="67750"/>
+                          <a14:foregroundMark x1="46750" y1="61500" x2="40750" y2="69500"/>
+                          <a14:foregroundMark x1="39500" y1="64250" x2="29500" y2="69500"/>
+                          <a14:foregroundMark x1="32250" y1="60000" x2="15500" y2="56000"/>
+                          <a14:foregroundMark x1="28250" y1="55750" x2="21500" y2="47500"/>
+                          <a14:foregroundMark x1="31000" y1="51500" x2="23000" y2="40000"/>
+                          <a14:foregroundMark x1="31750" y1="45000" x2="26250" y2="28250"/>
+                          <a14:foregroundMark x1="32000" y1="33250" x2="38000" y2="22250"/>
+                        </a14:backgroundRemoval>
+                      </a14:imgEffect>
+                    </a14:imgLayer>
+                  </a14:imgProps>
+                </a:ext>
+                <a:ext uri="{28A0092B-C50C-407E-A947-70E740481C1C}">
+                  <a14:useLocalDpi xmlns:a14="http://schemas.microsoft.com/office/drawing/2010/main" val="0"/>
+                </a:ext>
+              </a:extLst>
+            </a:blip>
+            <a:srcRect l="8843" t="8843" r="8843" b="8843"/>
+            <a:stretch/>
+          </p:blipFill>
+          <p:spPr bwMode="auto">
+            <a:xfrm>
+              <a:off x="2267017" y="1196752"/>
+              <a:ext cx="3313822" cy="3313822"/>
+            </a:xfrm>
+            <a:prstGeom prst="rect">
+              <a:avLst/>
+            </a:prstGeom>
+            <a:noFill/>
+            <a:extLst>
+              <a:ext uri="{909E8E84-426E-40DD-AFC4-6F175D3DCCD1}">
+                <a14:hiddenFill xmlns:a14="http://schemas.microsoft.com/office/drawing/2010/main">
+                  <a:solidFill>
+                    <a:srgbClr val="FFFFFF"/>
+                  </a:solidFill>
+                </a14:hiddenFill>
+              </a:ext>
+            </a:extLst>
+          </p:spPr>
+        </p:pic>
+      </p:grpSp>
+    </p:spTree>
+    <p:extLst>
+      <p:ext uri="{BB962C8B-B14F-4D97-AF65-F5344CB8AC3E}">
+        <p14:creationId xmlns:p14="http://schemas.microsoft.com/office/powerpoint/2010/main" val="2643687619"/>
+      </p:ext>
+    </p:extLst>
+  </p:cSld>
+  <p:clrMapOvr>
+    <a:masterClrMapping/>
+  </p:clrMapOvr>
+  <p:timing>
+    <p:tnLst>
+      <p:par>
+        <p:cTn id="1" dur="indefinite" restart="never" nodeType="tmRoot"/>
+      </p:par>
+    </p:tnLst>
+  </p:timing>
+</p:sld>
+</file>
+
+<file path=ppt/slides/slide14.xml><?xml version="1.0" encoding="utf-8"?>
+<p:sld xmlns:a="http://schemas.openxmlformats.org/drawingml/2006/main" xmlns:r="http://schemas.openxmlformats.org/officeDocument/2006/relationships" xmlns:p="http://schemas.openxmlformats.org/presentationml/2006/main">
+  <p:cSld>
+    <p:spTree>
+      <p:nvGrpSpPr>
+        <p:cNvPr id="1" name=""/>
+        <p:cNvGrpSpPr/>
+        <p:nvPr/>
+      </p:nvGrpSpPr>
+      <p:grpSpPr>
+        <a:xfrm>
+          <a:off x="0" y="0"/>
+          <a:ext cx="0" cy="0"/>
+          <a:chOff x="0" y="0"/>
+          <a:chExt cx="0" cy="0"/>
+        </a:xfrm>
+      </p:grpSpPr>
+      <p:grpSp>
+        <p:nvGrpSpPr>
+          <p:cNvPr id="2" name="1 Grupo"/>
+          <p:cNvGrpSpPr/>
+          <p:nvPr/>
+        </p:nvGrpSpPr>
+        <p:grpSpPr>
+          <a:xfrm>
+            <a:off x="2195736" y="1125471"/>
+            <a:ext cx="3456384" cy="3456384"/>
+            <a:chOff x="2195736" y="1125471"/>
+            <a:chExt cx="3456384" cy="3456384"/>
+          </a:xfrm>
+        </p:grpSpPr>
+        <p:sp>
+          <p:nvSpPr>
+            <p:cNvPr id="4" name="3 Rectángulo"/>
+            <p:cNvSpPr/>
+            <p:nvPr/>
+          </p:nvSpPr>
+          <p:spPr>
+            <a:xfrm>
+              <a:off x="2195736" y="1125471"/>
+              <a:ext cx="3456384" cy="3456384"/>
+            </a:xfrm>
+            <a:prstGeom prst="rect">
+              <a:avLst/>
+            </a:prstGeom>
+            <a:solidFill>
+              <a:srgbClr val="38383D"/>
+            </a:solidFill>
+            <a:ln>
+              <a:noFill/>
+            </a:ln>
+          </p:spPr>
+          <p:style>
+            <a:lnRef idx="2">
+              <a:schemeClr val="accent1">
+                <a:shade val="50000"/>
+              </a:schemeClr>
+            </a:lnRef>
+            <a:fillRef idx="1">
+              <a:schemeClr val="accent1"/>
+            </a:fillRef>
+            <a:effectRef idx="0">
+              <a:schemeClr val="accent1"/>
+            </a:effectRef>
+            <a:fontRef idx="minor">
+              <a:schemeClr val="lt1"/>
+            </a:fontRef>
+          </p:style>
+          <p:txBody>
+            <a:bodyPr rtlCol="0" anchor="ctr"/>
+            <a:lstStyle/>
+            <a:p>
+              <a:pPr algn="ctr"/>
+              <a:endParaRPr lang="es-UY"/>
+            </a:p>
+          </p:txBody>
+        </p:sp>
+        <p:pic>
+          <p:nvPicPr>
+            <p:cNvPr id="5" name="Picture 2" descr="https://i.pinimg.com/originals/79/dc/31/79dc31280371b8ffbe56ec656418e122.png"/>
+            <p:cNvPicPr>
+              <a:picLocks noChangeAspect="1" noChangeArrowheads="1"/>
+            </p:cNvPicPr>
+            <p:nvPr/>
+          </p:nvPicPr>
+          <p:blipFill rotWithShape="1">
+            <a:blip r:embed="rId3">
+              <a:extLst>
+                <a:ext uri="{28A0092B-C50C-407E-A947-70E740481C1C}">
+                  <a14:useLocalDpi xmlns:a14="http://schemas.microsoft.com/office/drawing/2010/main" val="0"/>
+                </a:ext>
+              </a:extLst>
+            </a:blip>
+            <a:srcRect l="13182" t="13182" r="13182" b="13182"/>
+            <a:stretch/>
+          </p:blipFill>
+          <p:spPr bwMode="auto">
+            <a:xfrm>
+              <a:off x="2195736" y="1125471"/>
+              <a:ext cx="3456384" cy="3456384"/>
+            </a:xfrm>
+            <a:prstGeom prst="rect">
+              <a:avLst/>
+            </a:prstGeom>
+            <a:noFill/>
+            <a:extLst>
+              <a:ext uri="{909E8E84-426E-40DD-AFC4-6F175D3DCCD1}">
+                <a14:hiddenFill xmlns:a14="http://schemas.microsoft.com/office/drawing/2010/main">
+                  <a:solidFill>
+                    <a:srgbClr val="FFFFFF"/>
+                  </a:solidFill>
+                </a14:hiddenFill>
+              </a:ext>
+            </a:extLst>
+          </p:spPr>
+        </p:pic>
+      </p:grpSp>
+    </p:spTree>
+    <p:extLst>
+      <p:ext uri="{BB962C8B-B14F-4D97-AF65-F5344CB8AC3E}">
+        <p14:creationId xmlns:p14="http://schemas.microsoft.com/office/powerpoint/2010/main" val="4240436308"/>
+      </p:ext>
+    </p:extLst>
+  </p:cSld>
+  <p:clrMapOvr>
+    <a:masterClrMapping/>
+  </p:clrMapOvr>
+  <p:timing>
+    <p:tnLst>
+      <p:par>
+        <p:cTn id="1" dur="indefinite" restart="never" nodeType="tmRoot"/>
+      </p:par>
+    </p:tnLst>
+  </p:timing>
+</p:sld>
+</file>
+
+<file path=ppt/slides/slide15.xml><?xml version="1.0" encoding="utf-8"?>
 <p:sld xmlns:a="http://schemas.openxmlformats.org/drawingml/2006/main" xmlns:r="http://schemas.openxmlformats.org/officeDocument/2006/relationships" xmlns:p="http://schemas.openxmlformats.org/presentationml/2006/main">
   <p:cSld>
     <p:spTree>
@@ -5137,6 +5814,458 @@
         </p:sp>
         <p:pic>
           <p:nvPicPr>
+            <p:cNvPr id="3074" name="Picture 2" descr="https://pbs.twimg.com/profile_images/1206960097412501504/Ic61D7tZ_400x400.jpg"/>
+            <p:cNvPicPr>
+              <a:picLocks noChangeAspect="1" noChangeArrowheads="1"/>
+            </p:cNvPicPr>
+            <p:nvPr/>
+          </p:nvPicPr>
+          <p:blipFill rotWithShape="1">
+            <a:blip r:embed="rId3">
+              <a:extLst>
+                <a:ext uri="{BEBA8EAE-BF5A-486C-A8C5-ECC9F3942E4B}">
+                  <a14:imgProps xmlns:a14="http://schemas.microsoft.com/office/drawing/2010/main">
+                    <a14:imgLayer r:embed="rId4">
+                      <a14:imgEffect>
+                        <a14:backgroundRemoval t="5500" b="92000" l="12750" r="87250"/>
+                      </a14:imgEffect>
+                    </a14:imgLayer>
+                  </a14:imgProps>
+                </a:ext>
+                <a:ext uri="{28A0092B-C50C-407E-A947-70E740481C1C}">
+                  <a14:useLocalDpi xmlns:a14="http://schemas.microsoft.com/office/drawing/2010/main" val="0"/>
+                </a:ext>
+              </a:extLst>
+            </a:blip>
+            <a:srcRect l="19144" t="3800" r="19144" b="7890"/>
+            <a:stretch/>
+          </p:blipFill>
+          <p:spPr bwMode="auto">
+            <a:xfrm>
+              <a:off x="2771800" y="1204975"/>
+              <a:ext cx="2304256" cy="3297376"/>
+            </a:xfrm>
+            <a:prstGeom prst="rect">
+              <a:avLst/>
+            </a:prstGeom>
+            <a:noFill/>
+            <a:extLst>
+              <a:ext uri="{909E8E84-426E-40DD-AFC4-6F175D3DCCD1}">
+                <a14:hiddenFill xmlns:a14="http://schemas.microsoft.com/office/drawing/2010/main">
+                  <a:solidFill>
+                    <a:srgbClr val="FFFFFF"/>
+                  </a:solidFill>
+                </a14:hiddenFill>
+              </a:ext>
+            </a:extLst>
+          </p:spPr>
+        </p:pic>
+      </p:grpSp>
+    </p:spTree>
+    <p:extLst>
+      <p:ext uri="{BB962C8B-B14F-4D97-AF65-F5344CB8AC3E}">
+        <p14:creationId xmlns:p14="http://schemas.microsoft.com/office/powerpoint/2010/main" val="689486972"/>
+      </p:ext>
+    </p:extLst>
+  </p:cSld>
+  <p:clrMapOvr>
+    <a:masterClrMapping/>
+  </p:clrMapOvr>
+  <p:timing>
+    <p:tnLst>
+      <p:par>
+        <p:cTn id="1" dur="indefinite" restart="never" nodeType="tmRoot"/>
+      </p:par>
+    </p:tnLst>
+  </p:timing>
+</p:sld>
+</file>
+
+<file path=ppt/slides/slide3.xml><?xml version="1.0" encoding="utf-8"?>
+<p:sld xmlns:a="http://schemas.openxmlformats.org/drawingml/2006/main" xmlns:r="http://schemas.openxmlformats.org/officeDocument/2006/relationships" xmlns:p="http://schemas.openxmlformats.org/presentationml/2006/main">
+  <p:cSld>
+    <p:spTree>
+      <p:nvGrpSpPr>
+        <p:cNvPr id="1" name=""/>
+        <p:cNvGrpSpPr/>
+        <p:nvPr/>
+      </p:nvGrpSpPr>
+      <p:grpSpPr>
+        <a:xfrm>
+          <a:off x="0" y="0"/>
+          <a:ext cx="0" cy="0"/>
+          <a:chOff x="0" y="0"/>
+          <a:chExt cx="0" cy="0"/>
+        </a:xfrm>
+      </p:grpSpPr>
+      <p:grpSp>
+        <p:nvGrpSpPr>
+          <p:cNvPr id="2" name="1 Grupo"/>
+          <p:cNvGrpSpPr/>
+          <p:nvPr/>
+        </p:nvGrpSpPr>
+        <p:grpSpPr>
+          <a:xfrm>
+            <a:off x="2191182" y="1124744"/>
+            <a:ext cx="3465492" cy="3456384"/>
+            <a:chOff x="2191182" y="1124744"/>
+            <a:chExt cx="3465492" cy="3456384"/>
+          </a:xfrm>
+        </p:grpSpPr>
+        <p:sp>
+          <p:nvSpPr>
+            <p:cNvPr id="4" name="3 Rectángulo"/>
+            <p:cNvSpPr/>
+            <p:nvPr/>
+          </p:nvSpPr>
+          <p:spPr>
+            <a:xfrm>
+              <a:off x="2195736" y="1124744"/>
+              <a:ext cx="3456384" cy="3456384"/>
+            </a:xfrm>
+            <a:prstGeom prst="rect">
+              <a:avLst/>
+            </a:prstGeom>
+            <a:solidFill>
+              <a:srgbClr val="38383D"/>
+            </a:solidFill>
+            <a:ln>
+              <a:noFill/>
+            </a:ln>
+          </p:spPr>
+          <p:style>
+            <a:lnRef idx="2">
+              <a:schemeClr val="accent1">
+                <a:shade val="50000"/>
+              </a:schemeClr>
+            </a:lnRef>
+            <a:fillRef idx="1">
+              <a:schemeClr val="accent1"/>
+            </a:fillRef>
+            <a:effectRef idx="0">
+              <a:schemeClr val="accent1"/>
+            </a:effectRef>
+            <a:fontRef idx="minor">
+              <a:schemeClr val="lt1"/>
+            </a:fontRef>
+          </p:style>
+          <p:txBody>
+            <a:bodyPr rtlCol="0" anchor="ctr"/>
+            <a:lstStyle/>
+            <a:p>
+              <a:pPr algn="ctr"/>
+              <a:endParaRPr lang="es-UY"/>
+            </a:p>
+          </p:txBody>
+        </p:sp>
+        <p:pic>
+          <p:nvPicPr>
+            <p:cNvPr id="1026" name="Picture 2" descr="Resultado de imagen para facebook icon"/>
+            <p:cNvPicPr>
+              <a:picLocks noChangeAspect="1" noChangeArrowheads="1"/>
+            </p:cNvPicPr>
+            <p:nvPr/>
+          </p:nvPicPr>
+          <p:blipFill rotWithShape="1">
+            <a:blip r:embed="rId3" cstate="print">
+              <a:extLst>
+                <a:ext uri="{28A0092B-C50C-407E-A947-70E740481C1C}">
+                  <a14:useLocalDpi xmlns:a14="http://schemas.microsoft.com/office/drawing/2010/main" val="0"/>
+                </a:ext>
+              </a:extLst>
+            </a:blip>
+            <a:srcRect l="3373" t="3496" r="3373" b="3496"/>
+            <a:stretch/>
+          </p:blipFill>
+          <p:spPr bwMode="auto">
+            <a:xfrm>
+              <a:off x="2191182" y="1124744"/>
+              <a:ext cx="3465492" cy="3456384"/>
+            </a:xfrm>
+            <a:prstGeom prst="rect">
+              <a:avLst/>
+            </a:prstGeom>
+            <a:noFill/>
+            <a:extLst>
+              <a:ext uri="{909E8E84-426E-40DD-AFC4-6F175D3DCCD1}">
+                <a14:hiddenFill xmlns:a14="http://schemas.microsoft.com/office/drawing/2010/main">
+                  <a:solidFill>
+                    <a:srgbClr val="FFFFFF"/>
+                  </a:solidFill>
+                </a14:hiddenFill>
+              </a:ext>
+            </a:extLst>
+          </p:spPr>
+        </p:pic>
+      </p:grpSp>
+    </p:spTree>
+    <p:extLst>
+      <p:ext uri="{BB962C8B-B14F-4D97-AF65-F5344CB8AC3E}">
+        <p14:creationId xmlns:p14="http://schemas.microsoft.com/office/powerpoint/2010/main" val="666511151"/>
+      </p:ext>
+    </p:extLst>
+  </p:cSld>
+  <p:clrMapOvr>
+    <a:masterClrMapping/>
+  </p:clrMapOvr>
+  <p:timing>
+    <p:tnLst>
+      <p:par>
+        <p:cTn id="1" dur="indefinite" restart="never" nodeType="tmRoot"/>
+      </p:par>
+    </p:tnLst>
+  </p:timing>
+</p:sld>
+</file>
+
+<file path=ppt/slides/slide4.xml><?xml version="1.0" encoding="utf-8"?>
+<p:sld xmlns:a="http://schemas.openxmlformats.org/drawingml/2006/main" xmlns:r="http://schemas.openxmlformats.org/officeDocument/2006/relationships" xmlns:p="http://schemas.openxmlformats.org/presentationml/2006/main">
+  <p:cSld>
+    <p:spTree>
+      <p:nvGrpSpPr>
+        <p:cNvPr id="1" name=""/>
+        <p:cNvGrpSpPr/>
+        <p:nvPr/>
+      </p:nvGrpSpPr>
+      <p:grpSpPr>
+        <a:xfrm>
+          <a:off x="0" y="0"/>
+          <a:ext cx="0" cy="0"/>
+          <a:chOff x="0" y="0"/>
+          <a:chExt cx="0" cy="0"/>
+        </a:xfrm>
+      </p:grpSpPr>
+      <p:grpSp>
+        <p:nvGrpSpPr>
+          <p:cNvPr id="2" name="1 Grupo"/>
+          <p:cNvGrpSpPr/>
+          <p:nvPr/>
+        </p:nvGrpSpPr>
+        <p:grpSpPr>
+          <a:xfrm>
+            <a:off x="2195736" y="1125471"/>
+            <a:ext cx="3456384" cy="3456384"/>
+            <a:chOff x="2195736" y="1125471"/>
+            <a:chExt cx="3456384" cy="3456384"/>
+          </a:xfrm>
+        </p:grpSpPr>
+        <p:sp>
+          <p:nvSpPr>
+            <p:cNvPr id="4" name="3 Rectángulo"/>
+            <p:cNvSpPr/>
+            <p:nvPr/>
+          </p:nvSpPr>
+          <p:spPr>
+            <a:xfrm>
+              <a:off x="2195736" y="1125471"/>
+              <a:ext cx="3456384" cy="3456384"/>
+            </a:xfrm>
+            <a:prstGeom prst="rect">
+              <a:avLst/>
+            </a:prstGeom>
+            <a:solidFill>
+              <a:srgbClr val="38383D"/>
+            </a:solidFill>
+            <a:ln>
+              <a:noFill/>
+            </a:ln>
+          </p:spPr>
+          <p:style>
+            <a:lnRef idx="2">
+              <a:schemeClr val="accent1">
+                <a:shade val="50000"/>
+              </a:schemeClr>
+            </a:lnRef>
+            <a:fillRef idx="1">
+              <a:schemeClr val="accent1"/>
+            </a:fillRef>
+            <a:effectRef idx="0">
+              <a:schemeClr val="accent1"/>
+            </a:effectRef>
+            <a:fontRef idx="minor">
+              <a:schemeClr val="lt1"/>
+            </a:fontRef>
+          </p:style>
+          <p:txBody>
+            <a:bodyPr rtlCol="0" anchor="ctr"/>
+            <a:lstStyle/>
+            <a:p>
+              <a:pPr algn="ctr"/>
+              <a:endParaRPr lang="es-UY"/>
+            </a:p>
+          </p:txBody>
+        </p:sp>
+        <p:pic>
+          <p:nvPicPr>
+            <p:cNvPr id="9220" name="Picture 4"/>
+            <p:cNvPicPr>
+              <a:picLocks noChangeAspect="1" noChangeArrowheads="1"/>
+            </p:cNvPicPr>
+            <p:nvPr/>
+          </p:nvPicPr>
+          <p:blipFill rotWithShape="1">
+            <a:blip r:embed="rId3" cstate="print">
+              <a:extLst>
+                <a:ext uri="{BEBA8EAE-BF5A-486C-A8C5-ECC9F3942E4B}">
+                  <a14:imgProps xmlns:a14="http://schemas.microsoft.com/office/drawing/2010/main">
+                    <a14:imgLayer r:embed="rId4">
+                      <a14:imgEffect>
+                        <a14:backgroundRemoval t="11667" b="88056" l="28229" r="71563"/>
+                      </a14:imgEffect>
+                    </a14:imgLayer>
+                  </a14:imgProps>
+                </a:ext>
+                <a:ext uri="{28A0092B-C50C-407E-A947-70E740481C1C}">
+                  <a14:useLocalDpi xmlns:a14="http://schemas.microsoft.com/office/drawing/2010/main" val="0"/>
+                </a:ext>
+              </a:extLst>
+            </a:blip>
+            <a:srcRect l="29054" t="12889" r="28411" b="11859"/>
+            <a:stretch/>
+          </p:blipFill>
+          <p:spPr bwMode="auto">
+            <a:xfrm>
+              <a:off x="2258919" y="1196753"/>
+              <a:ext cx="3330018" cy="3313820"/>
+            </a:xfrm>
+            <a:prstGeom prst="rect">
+              <a:avLst/>
+            </a:prstGeom>
+            <a:noFill/>
+            <a:ln>
+              <a:noFill/>
+            </a:ln>
+            <a:effectLst/>
+            <a:extLst>
+              <a:ext uri="{909E8E84-426E-40DD-AFC4-6F175D3DCCD1}">
+                <a14:hiddenFill xmlns:a14="http://schemas.microsoft.com/office/drawing/2010/main">
+                  <a:solidFill>
+                    <a:schemeClr val="accent1"/>
+                  </a:solidFill>
+                </a14:hiddenFill>
+              </a:ext>
+              <a:ext uri="{91240B29-F687-4F45-9708-019B960494DF}">
+                <a14:hiddenLine xmlns:a14="http://schemas.microsoft.com/office/drawing/2010/main" w="9525">
+                  <a:solidFill>
+                    <a:schemeClr val="tx1"/>
+                  </a:solidFill>
+                  <a:miter lim="800000"/>
+                  <a:headEnd/>
+                  <a:tailEnd/>
+                </a14:hiddenLine>
+              </a:ext>
+              <a:ext uri="{AF507438-7753-43E0-B8FC-AC1667EBCBE1}">
+                <a14:hiddenEffects xmlns:a14="http://schemas.microsoft.com/office/drawing/2010/main">
+                  <a:effectLst>
+                    <a:outerShdw dist="35921" dir="2700000" algn="ctr" rotWithShape="0">
+                      <a:schemeClr val="bg2"/>
+                    </a:outerShdw>
+                  </a:effectLst>
+                </a14:hiddenEffects>
+              </a:ext>
+            </a:extLst>
+          </p:spPr>
+        </p:pic>
+      </p:grpSp>
+    </p:spTree>
+    <p:extLst>
+      <p:ext uri="{BB962C8B-B14F-4D97-AF65-F5344CB8AC3E}">
+        <p14:creationId xmlns:p14="http://schemas.microsoft.com/office/powerpoint/2010/main" val="280964693"/>
+      </p:ext>
+    </p:extLst>
+  </p:cSld>
+  <p:clrMapOvr>
+    <a:masterClrMapping/>
+  </p:clrMapOvr>
+  <p:timing>
+    <p:tnLst>
+      <p:par>
+        <p:cTn id="1" dur="indefinite" restart="never" nodeType="tmRoot"/>
+      </p:par>
+    </p:tnLst>
+  </p:timing>
+</p:sld>
+</file>
+
+<file path=ppt/slides/slide5.xml><?xml version="1.0" encoding="utf-8"?>
+<p:sld xmlns:a="http://schemas.openxmlformats.org/drawingml/2006/main" xmlns:r="http://schemas.openxmlformats.org/officeDocument/2006/relationships" xmlns:p="http://schemas.openxmlformats.org/presentationml/2006/main">
+  <p:cSld>
+    <p:spTree>
+      <p:nvGrpSpPr>
+        <p:cNvPr id="1" name=""/>
+        <p:cNvGrpSpPr/>
+        <p:nvPr/>
+      </p:nvGrpSpPr>
+      <p:grpSpPr>
+        <a:xfrm>
+          <a:off x="0" y="0"/>
+          <a:ext cx="0" cy="0"/>
+          <a:chOff x="0" y="0"/>
+          <a:chExt cx="0" cy="0"/>
+        </a:xfrm>
+      </p:grpSpPr>
+      <p:grpSp>
+        <p:nvGrpSpPr>
+          <p:cNvPr id="2" name="1 Grupo"/>
+          <p:cNvGrpSpPr/>
+          <p:nvPr/>
+        </p:nvGrpSpPr>
+        <p:grpSpPr>
+          <a:xfrm>
+            <a:off x="2195736" y="1125471"/>
+            <a:ext cx="3456384" cy="3456384"/>
+            <a:chOff x="2195736" y="1125471"/>
+            <a:chExt cx="3456384" cy="3456384"/>
+          </a:xfrm>
+        </p:grpSpPr>
+        <p:sp>
+          <p:nvSpPr>
+            <p:cNvPr id="4" name="3 Rectángulo"/>
+            <p:cNvSpPr/>
+            <p:nvPr/>
+          </p:nvSpPr>
+          <p:spPr>
+            <a:xfrm>
+              <a:off x="2195736" y="1125471"/>
+              <a:ext cx="3456384" cy="3456384"/>
+            </a:xfrm>
+            <a:prstGeom prst="rect">
+              <a:avLst/>
+            </a:prstGeom>
+            <a:solidFill>
+              <a:srgbClr val="38383D"/>
+            </a:solidFill>
+            <a:ln>
+              <a:noFill/>
+            </a:ln>
+          </p:spPr>
+          <p:style>
+            <a:lnRef idx="2">
+              <a:schemeClr val="accent1">
+                <a:shade val="50000"/>
+              </a:schemeClr>
+            </a:lnRef>
+            <a:fillRef idx="1">
+              <a:schemeClr val="accent1"/>
+            </a:fillRef>
+            <a:effectRef idx="0">
+              <a:schemeClr val="accent1"/>
+            </a:effectRef>
+            <a:fontRef idx="minor">
+              <a:schemeClr val="lt1"/>
+            </a:fontRef>
+          </p:style>
+          <p:txBody>
+            <a:bodyPr rtlCol="0" anchor="ctr"/>
+            <a:lstStyle/>
+            <a:p>
+              <a:pPr algn="ctr"/>
+              <a:endParaRPr lang="es-UY"/>
+            </a:p>
+          </p:txBody>
+        </p:sp>
+        <p:pic>
+          <p:nvPicPr>
             <p:cNvPr id="2050" name="Picture 2" descr="https://i.pinimg.com/originals/84/7c/08/847c083cc09040091439e3c05d1fedde.png"/>
             <p:cNvPicPr>
               <a:picLocks noChangeAspect="1" noChangeArrowheads="1"/>
@@ -5195,7 +6324,146 @@
 </p:sld>
 </file>
 
-<file path=ppt/slides/slide3.xml><?xml version="1.0" encoding="utf-8"?>
+<file path=ppt/slides/slide6.xml><?xml version="1.0" encoding="utf-8"?>
+<p:sld xmlns:a="http://schemas.openxmlformats.org/drawingml/2006/main" xmlns:r="http://schemas.openxmlformats.org/officeDocument/2006/relationships" xmlns:p="http://schemas.openxmlformats.org/presentationml/2006/main">
+  <p:cSld>
+    <p:spTree>
+      <p:nvGrpSpPr>
+        <p:cNvPr id="1" name=""/>
+        <p:cNvGrpSpPr/>
+        <p:nvPr/>
+      </p:nvGrpSpPr>
+      <p:grpSpPr>
+        <a:xfrm>
+          <a:off x="0" y="0"/>
+          <a:ext cx="0" cy="0"/>
+          <a:chOff x="0" y="0"/>
+          <a:chExt cx="0" cy="0"/>
+        </a:xfrm>
+      </p:grpSpPr>
+      <p:grpSp>
+        <p:nvGrpSpPr>
+          <p:cNvPr id="5" name="4 Grupo"/>
+          <p:cNvGrpSpPr/>
+          <p:nvPr/>
+        </p:nvGrpSpPr>
+        <p:grpSpPr>
+          <a:xfrm>
+            <a:off x="2195736" y="1124744"/>
+            <a:ext cx="3456384" cy="3456384"/>
+            <a:chOff x="2195736" y="1124744"/>
+            <a:chExt cx="3456384" cy="3456384"/>
+          </a:xfrm>
+        </p:grpSpPr>
+        <p:sp>
+          <p:nvSpPr>
+            <p:cNvPr id="4" name="3 Rectángulo"/>
+            <p:cNvSpPr/>
+            <p:nvPr/>
+          </p:nvSpPr>
+          <p:spPr>
+            <a:xfrm>
+              <a:off x="2195736" y="1124744"/>
+              <a:ext cx="3456384" cy="3456384"/>
+            </a:xfrm>
+            <a:prstGeom prst="rect">
+              <a:avLst/>
+            </a:prstGeom>
+            <a:solidFill>
+              <a:srgbClr val="38383D"/>
+            </a:solidFill>
+            <a:ln>
+              <a:noFill/>
+            </a:ln>
+          </p:spPr>
+          <p:style>
+            <a:lnRef idx="2">
+              <a:schemeClr val="accent1">
+                <a:shade val="50000"/>
+              </a:schemeClr>
+            </a:lnRef>
+            <a:fillRef idx="1">
+              <a:schemeClr val="accent1"/>
+            </a:fillRef>
+            <a:effectRef idx="0">
+              <a:schemeClr val="accent1"/>
+            </a:effectRef>
+            <a:fontRef idx="minor">
+              <a:schemeClr val="lt1"/>
+            </a:fontRef>
+          </p:style>
+          <p:txBody>
+            <a:bodyPr rtlCol="0" anchor="ctr"/>
+            <a:lstStyle/>
+            <a:p>
+              <a:pPr algn="ctr"/>
+              <a:endParaRPr lang="es-UY"/>
+            </a:p>
+          </p:txBody>
+        </p:sp>
+        <p:pic>
+          <p:nvPicPr>
+            <p:cNvPr id="1028" name="Picture 4" descr="C:\Users\Juan\Desktop\google.png"/>
+            <p:cNvPicPr>
+              <a:picLocks noChangeAspect="1" noChangeArrowheads="1"/>
+            </p:cNvPicPr>
+            <p:nvPr/>
+          </p:nvPicPr>
+          <p:blipFill>
+            <a:blip r:embed="rId3">
+              <a:extLst>
+                <a:ext uri="{28A0092B-C50C-407E-A947-70E740481C1C}">
+                  <a14:useLocalDpi xmlns:a14="http://schemas.microsoft.com/office/drawing/2010/main" val="0"/>
+                </a:ext>
+              </a:extLst>
+            </a:blip>
+            <a:srcRect/>
+            <a:stretch>
+              <a:fillRect/>
+            </a:stretch>
+          </p:blipFill>
+          <p:spPr bwMode="auto">
+            <a:xfrm>
+              <a:off x="2339752" y="1268760"/>
+              <a:ext cx="3168350" cy="3168352"/>
+            </a:xfrm>
+            <a:prstGeom prst="rect">
+              <a:avLst/>
+            </a:prstGeom>
+            <a:noFill/>
+            <a:extLst>
+              <a:ext uri="{909E8E84-426E-40DD-AFC4-6F175D3DCCD1}">
+                <a14:hiddenFill xmlns:a14="http://schemas.microsoft.com/office/drawing/2010/main">
+                  <a:solidFill>
+                    <a:srgbClr val="FFFFFF"/>
+                  </a:solidFill>
+                </a14:hiddenFill>
+              </a:ext>
+            </a:extLst>
+          </p:spPr>
+        </p:pic>
+      </p:grpSp>
+    </p:spTree>
+    <p:extLst>
+      <p:ext uri="{BB962C8B-B14F-4D97-AF65-F5344CB8AC3E}">
+        <p14:creationId xmlns:p14="http://schemas.microsoft.com/office/powerpoint/2010/main" val="2532933074"/>
+      </p:ext>
+    </p:extLst>
+  </p:cSld>
+  <p:clrMapOvr>
+    <a:masterClrMapping/>
+  </p:clrMapOvr>
+  <p:timing>
+    <p:tnLst>
+      <p:par>
+        <p:cTn id="1" dur="indefinite" restart="never" nodeType="tmRoot"/>
+      </p:par>
+    </p:tnLst>
+  </p:timing>
+</p:sld>
+</file>
+
+<file path=ppt/slides/slide7.xml><?xml version="1.0" encoding="utf-8"?>
 <p:sld xmlns:a="http://schemas.openxmlformats.org/drawingml/2006/main" xmlns:r="http://schemas.openxmlformats.org/officeDocument/2006/relationships" xmlns:p="http://schemas.openxmlformats.org/presentationml/2006/main">
   <p:cSld>
     <p:spTree>
@@ -5334,7 +6602,7 @@
 </p:sld>
 </file>
 
-<file path=ppt/slides/slide4.xml><?xml version="1.0" encoding="utf-8"?>
+<file path=ppt/slides/slide8.xml><?xml version="1.0" encoding="utf-8"?>
 <p:sld xmlns:a="http://schemas.openxmlformats.org/drawingml/2006/main" xmlns:r="http://schemas.openxmlformats.org/officeDocument/2006/relationships" xmlns:p="http://schemas.openxmlformats.org/presentationml/2006/main">
   <p:cSld>
     <p:spTree>
@@ -5353,15 +6621,15 @@
       </p:grpSpPr>
       <p:grpSp>
         <p:nvGrpSpPr>
-          <p:cNvPr id="2" name="1 Grupo"/>
+          <p:cNvPr id="3" name="2 Grupo"/>
           <p:cNvGrpSpPr/>
           <p:nvPr/>
         </p:nvGrpSpPr>
         <p:grpSpPr>
           <a:xfrm>
-            <a:off x="2195736" y="1125471"/>
+            <a:off x="2195736" y="1124744"/>
             <a:ext cx="3456384" cy="3456384"/>
-            <a:chOff x="2195736" y="1125471"/>
+            <a:chOff x="2195736" y="1124744"/>
             <a:chExt cx="3456384" cy="3456384"/>
           </a:xfrm>
         </p:grpSpPr>
@@ -5373,7 +6641,7 @@
           </p:nvSpPr>
           <p:spPr>
             <a:xfrm>
-              <a:off x="2195736" y="1125471"/>
+              <a:off x="2195736" y="1124744"/>
               <a:ext cx="3456384" cy="3456384"/>
             </a:xfrm>
             <a:prstGeom prst="rect">
@@ -5411,650 +6679,113 @@
             </a:p>
           </p:txBody>
         </p:sp>
-        <p:pic>
-          <p:nvPicPr>
-            <p:cNvPr id="4100" name="Picture 4" descr="https://is3-ssl.mzstatic.com/image/thumb/Purple113/v4/ed/69/8d/ed698d73-6773-80b7-4ad8-b7c4fc17dc95/AppIcon-0-0-1x_U007emarketing-0-0-0-7-0-0-sRGB-0-0-0-GLES2_U002c0-512MB-85-220-0-0.png/400x400.png"/>
-            <p:cNvPicPr>
-              <a:picLocks noChangeAspect="1" noChangeArrowheads="1"/>
-            </p:cNvPicPr>
+        <p:grpSp>
+          <p:nvGrpSpPr>
+            <p:cNvPr id="2" name="1 Grupo"/>
+            <p:cNvGrpSpPr/>
             <p:nvPr/>
-          </p:nvPicPr>
-          <p:blipFill rotWithShape="1">
-            <a:blip r:embed="rId3">
+          </p:nvGrpSpPr>
+          <p:grpSpPr>
+            <a:xfrm>
+              <a:off x="2267744" y="1196752"/>
+              <a:ext cx="3312368" cy="3312368"/>
+              <a:chOff x="2267744" y="1196752"/>
+              <a:chExt cx="3312368" cy="3312368"/>
+            </a:xfrm>
+          </p:grpSpPr>
+          <p:sp>
+            <p:nvSpPr>
+              <p:cNvPr id="5" name="4 Rectángulo"/>
+              <p:cNvSpPr/>
+              <p:nvPr/>
+            </p:nvSpPr>
+            <p:spPr>
+              <a:xfrm>
+                <a:off x="2591780" y="1444279"/>
+                <a:ext cx="2664296" cy="2817313"/>
+              </a:xfrm>
+              <a:prstGeom prst="rect">
+                <a:avLst/>
+              </a:prstGeom>
+              <a:solidFill>
+                <a:schemeClr val="bg1"/>
+              </a:solidFill>
+              <a:ln>
+                <a:noFill/>
+              </a:ln>
+            </p:spPr>
+            <p:style>
+              <a:lnRef idx="2">
+                <a:schemeClr val="accent1">
+                  <a:shade val="50000"/>
+                </a:schemeClr>
+              </a:lnRef>
+              <a:fillRef idx="1">
+                <a:schemeClr val="accent1"/>
+              </a:fillRef>
+              <a:effectRef idx="0">
+                <a:schemeClr val="accent1"/>
+              </a:effectRef>
+              <a:fontRef idx="minor">
+                <a:schemeClr val="lt1"/>
+              </a:fontRef>
+            </p:style>
+            <p:txBody>
+              <a:bodyPr rtlCol="0" anchor="ctr"/>
+              <a:lstStyle/>
+              <a:p>
+                <a:pPr algn="ctr"/>
+                <a:endParaRPr lang="es-UY"/>
+              </a:p>
+            </p:txBody>
+          </p:sp>
+          <p:pic>
+            <p:nvPicPr>
+              <p:cNvPr id="3074" name="Picture 2" descr="Resultado de imagen para instagram icon"/>
+              <p:cNvPicPr>
+                <a:picLocks noChangeAspect="1" noChangeArrowheads="1"/>
+              </p:cNvPicPr>
+              <p:nvPr/>
+            </p:nvPicPr>
+            <p:blipFill>
+              <a:blip r:embed="rId3">
+                <a:extLst>
+                  <a:ext uri="{28A0092B-C50C-407E-A947-70E740481C1C}">
+                    <a14:useLocalDpi xmlns:a14="http://schemas.microsoft.com/office/drawing/2010/main" val="0"/>
+                  </a:ext>
+                </a:extLst>
+              </a:blip>
+              <a:srcRect/>
+              <a:stretch>
+                <a:fillRect/>
+              </a:stretch>
+            </p:blipFill>
+            <p:spPr bwMode="auto">
+              <a:xfrm>
+                <a:off x="2267744" y="1196752"/>
+                <a:ext cx="3312368" cy="3312368"/>
+              </a:xfrm>
+              <a:prstGeom prst="rect">
+                <a:avLst/>
+              </a:prstGeom>
+              <a:noFill/>
               <a:extLst>
-                <a:ext uri="{BEBA8EAE-BF5A-486C-A8C5-ECC9F3942E4B}">
-                  <a14:imgProps xmlns:a14="http://schemas.microsoft.com/office/drawing/2010/main">
-                    <a14:imgLayer r:embed="rId4">
-                      <a14:imgEffect>
-                        <a14:backgroundRemoval t="10000" b="90000" l="10000" r="90000">
-                          <a14:foregroundMark x1="38000" y1="43250" x2="38000" y2="43250"/>
-                          <a14:foregroundMark x1="49250" y1="50500" x2="49250" y2="50500"/>
-                          <a14:foregroundMark x1="47750" y1="47250" x2="47750" y2="47250"/>
-                          <a14:foregroundMark x1="47750" y1="47250" x2="47750" y2="47250"/>
-                          <a14:foregroundMark x1="41000" y1="31750" x2="41000" y2="31750"/>
-                          <a14:foregroundMark x1="39750" y1="36750" x2="57000" y2="58750"/>
-                          <a14:foregroundMark x1="40750" y1="55750" x2="60750" y2="37750"/>
-                          <a14:foregroundMark x1="42750" y1="50250" x2="55000" y2="43750"/>
-                          <a14:foregroundMark x1="42250" y1="55000" x2="58750" y2="48250"/>
-                          <a14:foregroundMark x1="41500" y1="59500" x2="58500" y2="51000"/>
-                          <a14:foregroundMark x1="51000" y1="34500" x2="51000" y2="23250"/>
-                          <a14:foregroundMark x1="58000" y1="35750" x2="80500" y2="45750"/>
-                          <a14:foregroundMark x1="58250" y1="27250" x2="74750" y2="44250"/>
-                          <a14:foregroundMark x1="71000" y1="42750" x2="65750" y2="65500"/>
-                          <a14:foregroundMark x1="67500" y1="61250" x2="74500" y2="57000"/>
-                          <a14:foregroundMark x1="69500" y1="54000" x2="72750" y2="42500"/>
-                          <a14:foregroundMark x1="71000" y1="59500" x2="71000" y2="44000"/>
-                          <a14:foregroundMark x1="61000" y1="68500" x2="43250" y2="75250"/>
-                          <a14:foregroundMark x1="60000" y1="63250" x2="43000" y2="65750"/>
-                          <a14:foregroundMark x1="42000" y1="70000" x2="24000" y2="67500"/>
-                          <a14:foregroundMark x1="44750" y1="67500" x2="25500" y2="61000"/>
-                          <a14:foregroundMark x1="35000" y1="65000" x2="26750" y2="57500"/>
-                          <a14:foregroundMark x1="37250" y1="59000" x2="25250" y2="50750"/>
-                          <a14:foregroundMark x1="35250" y1="56000" x2="28750" y2="40500"/>
-                          <a14:foregroundMark x1="31750" y1="52000" x2="36000" y2="31250"/>
-                          <a14:foregroundMark x1="34750" y1="45250" x2="45000" y2="25750"/>
-                          <a14:foregroundMark x1="43750" y1="33250" x2="64250" y2="21000"/>
-                          <a14:foregroundMark x1="56250" y1="34250" x2="71250" y2="33750"/>
-                          <a14:foregroundMark x1="60500" y1="34250" x2="73000" y2="42000"/>
-                          <a14:foregroundMark x1="66500" y1="44750" x2="79250" y2="52000"/>
-                          <a14:foregroundMark x1="66250" y1="49500" x2="74000" y2="62000"/>
-                          <a14:foregroundMark x1="65500" y1="56500" x2="65250" y2="67000"/>
-                          <a14:foregroundMark x1="58250" y1="59000" x2="49500" y2="67750"/>
-                          <a14:foregroundMark x1="46750" y1="61500" x2="40750" y2="69500"/>
-                          <a14:foregroundMark x1="39500" y1="64250" x2="29500" y2="69500"/>
-                          <a14:foregroundMark x1="32250" y1="60000" x2="15500" y2="56000"/>
-                          <a14:foregroundMark x1="28250" y1="55750" x2="21500" y2="47500"/>
-                          <a14:foregroundMark x1="31000" y1="51500" x2="23000" y2="40000"/>
-                          <a14:foregroundMark x1="31750" y1="45000" x2="26250" y2="28250"/>
-                          <a14:foregroundMark x1="32000" y1="33250" x2="38000" y2="22250"/>
-                        </a14:backgroundRemoval>
-                      </a14:imgEffect>
-                    </a14:imgLayer>
-                  </a14:imgProps>
-                </a:ext>
-                <a:ext uri="{28A0092B-C50C-407E-A947-70E740481C1C}">
-                  <a14:useLocalDpi xmlns:a14="http://schemas.microsoft.com/office/drawing/2010/main" val="0"/>
+                <a:ext uri="{909E8E84-426E-40DD-AFC4-6F175D3DCCD1}">
+                  <a14:hiddenFill xmlns:a14="http://schemas.microsoft.com/office/drawing/2010/main">
+                    <a:solidFill>
+                      <a:srgbClr val="FFFFFF"/>
+                    </a:solidFill>
+                  </a14:hiddenFill>
                 </a:ext>
               </a:extLst>
-            </a:blip>
-            <a:srcRect l="8843" t="8843" r="8843" b="8843"/>
-            <a:stretch/>
-          </p:blipFill>
-          <p:spPr bwMode="auto">
-            <a:xfrm>
-              <a:off x="2267017" y="1196752"/>
-              <a:ext cx="3313822" cy="3313822"/>
-            </a:xfrm>
-            <a:prstGeom prst="rect">
-              <a:avLst/>
-            </a:prstGeom>
-            <a:noFill/>
-            <a:extLst>
-              <a:ext uri="{909E8E84-426E-40DD-AFC4-6F175D3DCCD1}">
-                <a14:hiddenFill xmlns:a14="http://schemas.microsoft.com/office/drawing/2010/main">
-                  <a:solidFill>
-                    <a:srgbClr val="FFFFFF"/>
-                  </a:solidFill>
-                </a14:hiddenFill>
-              </a:ext>
-            </a:extLst>
-          </p:spPr>
-        </p:pic>
+            </p:spPr>
+          </p:pic>
+        </p:grpSp>
       </p:grpSp>
     </p:spTree>
     <p:extLst>
       <p:ext uri="{BB962C8B-B14F-4D97-AF65-F5344CB8AC3E}">
-        <p14:creationId xmlns:p14="http://schemas.microsoft.com/office/powerpoint/2010/main" val="2643687619"/>
-      </p:ext>
-    </p:extLst>
-  </p:cSld>
-  <p:clrMapOvr>
-    <a:masterClrMapping/>
-  </p:clrMapOvr>
-  <p:timing>
-    <p:tnLst>
-      <p:par>
-        <p:cTn id="1" dur="indefinite" restart="never" nodeType="tmRoot"/>
-      </p:par>
-    </p:tnLst>
-  </p:timing>
-</p:sld>
-</file>
-
-<file path=ppt/slides/slide5.xml><?xml version="1.0" encoding="utf-8"?>
-<p:sld xmlns:a="http://schemas.openxmlformats.org/drawingml/2006/main" xmlns:r="http://schemas.openxmlformats.org/officeDocument/2006/relationships" xmlns:p="http://schemas.openxmlformats.org/presentationml/2006/main">
-  <p:cSld>
-    <p:spTree>
-      <p:nvGrpSpPr>
-        <p:cNvPr id="1" name=""/>
-        <p:cNvGrpSpPr/>
-        <p:nvPr/>
-      </p:nvGrpSpPr>
-      <p:grpSpPr>
-        <a:xfrm>
-          <a:off x="0" y="0"/>
-          <a:ext cx="0" cy="0"/>
-          <a:chOff x="0" y="0"/>
-          <a:chExt cx="0" cy="0"/>
-        </a:xfrm>
-      </p:grpSpPr>
-      <p:grpSp>
-        <p:nvGrpSpPr>
-          <p:cNvPr id="2" name="1 Grupo"/>
-          <p:cNvGrpSpPr/>
-          <p:nvPr/>
-        </p:nvGrpSpPr>
-        <p:grpSpPr>
-          <a:xfrm>
-            <a:off x="2195736" y="1125471"/>
-            <a:ext cx="3456384" cy="3456384"/>
-            <a:chOff x="2195736" y="1125471"/>
-            <a:chExt cx="3456384" cy="3456384"/>
-          </a:xfrm>
-        </p:grpSpPr>
-        <p:sp>
-          <p:nvSpPr>
-            <p:cNvPr id="4" name="3 Rectángulo"/>
-            <p:cNvSpPr/>
-            <p:nvPr/>
-          </p:nvSpPr>
-          <p:spPr>
-            <a:xfrm>
-              <a:off x="2195736" y="1125471"/>
-              <a:ext cx="3456384" cy="3456384"/>
-            </a:xfrm>
-            <a:prstGeom prst="rect">
-              <a:avLst/>
-            </a:prstGeom>
-            <a:solidFill>
-              <a:srgbClr val="38383D"/>
-            </a:solidFill>
-            <a:ln>
-              <a:noFill/>
-            </a:ln>
-          </p:spPr>
-          <p:style>
-            <a:lnRef idx="2">
-              <a:schemeClr val="accent1">
-                <a:shade val="50000"/>
-              </a:schemeClr>
-            </a:lnRef>
-            <a:fillRef idx="1">
-              <a:schemeClr val="accent1"/>
-            </a:fillRef>
-            <a:effectRef idx="0">
-              <a:schemeClr val="accent1"/>
-            </a:effectRef>
-            <a:fontRef idx="minor">
-              <a:schemeClr val="lt1"/>
-            </a:fontRef>
-          </p:style>
-          <p:txBody>
-            <a:bodyPr rtlCol="0" anchor="ctr"/>
-            <a:lstStyle/>
-            <a:p>
-              <a:pPr algn="ctr"/>
-              <a:endParaRPr lang="es-UY"/>
-            </a:p>
-          </p:txBody>
-        </p:sp>
-        <p:pic>
-          <p:nvPicPr>
-            <p:cNvPr id="5" name="Picture 2" descr="https://i.pinimg.com/originals/79/dc/31/79dc31280371b8ffbe56ec656418e122.png"/>
-            <p:cNvPicPr>
-              <a:picLocks noChangeAspect="1" noChangeArrowheads="1"/>
-            </p:cNvPicPr>
-            <p:nvPr/>
-          </p:nvPicPr>
-          <p:blipFill rotWithShape="1">
-            <a:blip r:embed="rId3">
-              <a:extLst>
-                <a:ext uri="{28A0092B-C50C-407E-A947-70E740481C1C}">
-                  <a14:useLocalDpi xmlns:a14="http://schemas.microsoft.com/office/drawing/2010/main" val="0"/>
-                </a:ext>
-              </a:extLst>
-            </a:blip>
-            <a:srcRect l="13182" t="13182" r="13182" b="13182"/>
-            <a:stretch/>
-          </p:blipFill>
-          <p:spPr bwMode="auto">
-            <a:xfrm>
-              <a:off x="2195736" y="1125471"/>
-              <a:ext cx="3456384" cy="3456384"/>
-            </a:xfrm>
-            <a:prstGeom prst="rect">
-              <a:avLst/>
-            </a:prstGeom>
-            <a:noFill/>
-            <a:extLst>
-              <a:ext uri="{909E8E84-426E-40DD-AFC4-6F175D3DCCD1}">
-                <a14:hiddenFill xmlns:a14="http://schemas.microsoft.com/office/drawing/2010/main">
-                  <a:solidFill>
-                    <a:srgbClr val="FFFFFF"/>
-                  </a:solidFill>
-                </a14:hiddenFill>
-              </a:ext>
-            </a:extLst>
-          </p:spPr>
-        </p:pic>
-      </p:grpSp>
-    </p:spTree>
-    <p:extLst>
-      <p:ext uri="{BB962C8B-B14F-4D97-AF65-F5344CB8AC3E}">
-        <p14:creationId xmlns:p14="http://schemas.microsoft.com/office/powerpoint/2010/main" val="4240436308"/>
-      </p:ext>
-    </p:extLst>
-  </p:cSld>
-  <p:clrMapOvr>
-    <a:masterClrMapping/>
-  </p:clrMapOvr>
-  <p:timing>
-    <p:tnLst>
-      <p:par>
-        <p:cTn id="1" dur="indefinite" restart="never" nodeType="tmRoot"/>
-      </p:par>
-    </p:tnLst>
-  </p:timing>
-</p:sld>
-</file>
-
-<file path=ppt/slides/slide6.xml><?xml version="1.0" encoding="utf-8"?>
-<p:sld xmlns:a="http://schemas.openxmlformats.org/drawingml/2006/main" xmlns:r="http://schemas.openxmlformats.org/officeDocument/2006/relationships" xmlns:p="http://schemas.openxmlformats.org/presentationml/2006/main">
-  <p:cSld>
-    <p:spTree>
-      <p:nvGrpSpPr>
-        <p:cNvPr id="1" name=""/>
-        <p:cNvGrpSpPr/>
-        <p:nvPr/>
-      </p:nvGrpSpPr>
-      <p:grpSpPr>
-        <a:xfrm>
-          <a:off x="0" y="0"/>
-          <a:ext cx="0" cy="0"/>
-          <a:chOff x="0" y="0"/>
-          <a:chExt cx="0" cy="0"/>
-        </a:xfrm>
-      </p:grpSpPr>
-      <p:grpSp>
-        <p:nvGrpSpPr>
-          <p:cNvPr id="2" name="1 Grupo"/>
-          <p:cNvGrpSpPr/>
-          <p:nvPr/>
-        </p:nvGrpSpPr>
-        <p:grpSpPr>
-          <a:xfrm>
-            <a:off x="2195736" y="1125471"/>
-            <a:ext cx="3456384" cy="3456384"/>
-            <a:chOff x="2195736" y="1125471"/>
-            <a:chExt cx="3456384" cy="3456384"/>
-          </a:xfrm>
-        </p:grpSpPr>
-        <p:sp>
-          <p:nvSpPr>
-            <p:cNvPr id="4" name="3 Rectángulo"/>
-            <p:cNvSpPr/>
-            <p:nvPr/>
-          </p:nvSpPr>
-          <p:spPr>
-            <a:xfrm>
-              <a:off x="2195736" y="1125471"/>
-              <a:ext cx="3456384" cy="3456384"/>
-            </a:xfrm>
-            <a:prstGeom prst="rect">
-              <a:avLst/>
-            </a:prstGeom>
-            <a:solidFill>
-              <a:srgbClr val="38383D"/>
-            </a:solidFill>
-            <a:ln>
-              <a:noFill/>
-            </a:ln>
-          </p:spPr>
-          <p:style>
-            <a:lnRef idx="2">
-              <a:schemeClr val="accent1">
-                <a:shade val="50000"/>
-              </a:schemeClr>
-            </a:lnRef>
-            <a:fillRef idx="1">
-              <a:schemeClr val="accent1"/>
-            </a:fillRef>
-            <a:effectRef idx="0">
-              <a:schemeClr val="accent1"/>
-            </a:effectRef>
-            <a:fontRef idx="minor">
-              <a:schemeClr val="lt1"/>
-            </a:fontRef>
-          </p:style>
-          <p:txBody>
-            <a:bodyPr rtlCol="0" anchor="ctr"/>
-            <a:lstStyle/>
-            <a:p>
-              <a:pPr algn="ctr"/>
-              <a:endParaRPr lang="es-UY"/>
-            </a:p>
-          </p:txBody>
-        </p:sp>
-        <p:pic>
-          <p:nvPicPr>
-            <p:cNvPr id="6146" name="Picture 2" descr="https://cdn3.iconfinder.com/data/icons/popular-services-brands-vol-2/512/telegram-512.png"/>
-            <p:cNvPicPr>
-              <a:picLocks noChangeAspect="1" noChangeArrowheads="1"/>
-            </p:cNvPicPr>
-            <p:nvPr/>
-          </p:nvPicPr>
-          <p:blipFill>
-            <a:blip r:embed="rId3">
-              <a:extLst>
-                <a:ext uri="{28A0092B-C50C-407E-A947-70E740481C1C}">
-                  <a14:useLocalDpi xmlns:a14="http://schemas.microsoft.com/office/drawing/2010/main" val="0"/>
-                </a:ext>
-              </a:extLst>
-            </a:blip>
-            <a:srcRect/>
-            <a:stretch>
-              <a:fillRect/>
-            </a:stretch>
-          </p:blipFill>
-          <p:spPr bwMode="auto">
-            <a:xfrm>
-              <a:off x="2339026" y="1268760"/>
-              <a:ext cx="3169804" cy="3169806"/>
-            </a:xfrm>
-            <a:prstGeom prst="rect">
-              <a:avLst/>
-            </a:prstGeom>
-            <a:noFill/>
-            <a:extLst>
-              <a:ext uri="{909E8E84-426E-40DD-AFC4-6F175D3DCCD1}">
-                <a14:hiddenFill xmlns:a14="http://schemas.microsoft.com/office/drawing/2010/main">
-                  <a:solidFill>
-                    <a:srgbClr val="FFFFFF"/>
-                  </a:solidFill>
-                </a14:hiddenFill>
-              </a:ext>
-            </a:extLst>
-          </p:spPr>
-        </p:pic>
-      </p:grpSp>
-    </p:spTree>
-    <p:extLst>
-      <p:ext uri="{BB962C8B-B14F-4D97-AF65-F5344CB8AC3E}">
-        <p14:creationId xmlns:p14="http://schemas.microsoft.com/office/powerpoint/2010/main" val="2680816217"/>
-      </p:ext>
-    </p:extLst>
-  </p:cSld>
-  <p:clrMapOvr>
-    <a:masterClrMapping/>
-  </p:clrMapOvr>
-  <p:timing>
-    <p:tnLst>
-      <p:par>
-        <p:cTn id="1" dur="indefinite" restart="never" nodeType="tmRoot"/>
-      </p:par>
-    </p:tnLst>
-  </p:timing>
-</p:sld>
-</file>
-
-<file path=ppt/slides/slide7.xml><?xml version="1.0" encoding="utf-8"?>
-<p:sld xmlns:a="http://schemas.openxmlformats.org/drawingml/2006/main" xmlns:r="http://schemas.openxmlformats.org/officeDocument/2006/relationships" xmlns:p="http://schemas.openxmlformats.org/presentationml/2006/main">
-  <p:cSld>
-    <p:spTree>
-      <p:nvGrpSpPr>
-        <p:cNvPr id="1" name=""/>
-        <p:cNvGrpSpPr/>
-        <p:nvPr/>
-      </p:nvGrpSpPr>
-      <p:grpSpPr>
-        <a:xfrm>
-          <a:off x="0" y="0"/>
-          <a:ext cx="0" cy="0"/>
-          <a:chOff x="0" y="0"/>
-          <a:chExt cx="0" cy="0"/>
-        </a:xfrm>
-      </p:grpSpPr>
-      <p:grpSp>
-        <p:nvGrpSpPr>
-          <p:cNvPr id="2" name="1 Grupo"/>
-          <p:cNvGrpSpPr/>
-          <p:nvPr/>
-        </p:nvGrpSpPr>
-        <p:grpSpPr>
-          <a:xfrm>
-            <a:off x="2195736" y="1125471"/>
-            <a:ext cx="3456384" cy="3456384"/>
-            <a:chOff x="2195736" y="1125471"/>
-            <a:chExt cx="3456384" cy="3456384"/>
-          </a:xfrm>
-        </p:grpSpPr>
-        <p:sp>
-          <p:nvSpPr>
-            <p:cNvPr id="4" name="3 Rectángulo"/>
-            <p:cNvSpPr/>
-            <p:nvPr/>
-          </p:nvSpPr>
-          <p:spPr>
-            <a:xfrm>
-              <a:off x="2195736" y="1125471"/>
-              <a:ext cx="3456384" cy="3456384"/>
-            </a:xfrm>
-            <a:prstGeom prst="rect">
-              <a:avLst/>
-            </a:prstGeom>
-            <a:solidFill>
-              <a:srgbClr val="38383D"/>
-            </a:solidFill>
-            <a:ln>
-              <a:noFill/>
-            </a:ln>
-          </p:spPr>
-          <p:style>
-            <a:lnRef idx="2">
-              <a:schemeClr val="accent1">
-                <a:shade val="50000"/>
-              </a:schemeClr>
-            </a:lnRef>
-            <a:fillRef idx="1">
-              <a:schemeClr val="accent1"/>
-            </a:fillRef>
-            <a:effectRef idx="0">
-              <a:schemeClr val="accent1"/>
-            </a:effectRef>
-            <a:fontRef idx="minor">
-              <a:schemeClr val="lt1"/>
-            </a:fontRef>
-          </p:style>
-          <p:txBody>
-            <a:bodyPr rtlCol="0" anchor="ctr"/>
-            <a:lstStyle/>
-            <a:p>
-              <a:pPr algn="ctr"/>
-              <a:endParaRPr lang="es-UY"/>
-            </a:p>
-          </p:txBody>
-        </p:sp>
-        <p:pic>
-          <p:nvPicPr>
-            <p:cNvPr id="7170" name="Picture 2" descr="https://ev1.utec.edu.uy/moodle/theme/image.php/klass/theme/1574170910/home/logo"/>
-            <p:cNvPicPr>
-              <a:picLocks noChangeAspect="1" noChangeArrowheads="1"/>
-            </p:cNvPicPr>
-            <p:nvPr/>
-          </p:nvPicPr>
-          <p:blipFill rotWithShape="1">
-            <a:blip r:embed="rId3">
-              <a:extLst>
-                <a:ext uri="{28A0092B-C50C-407E-A947-70E740481C1C}">
-                  <a14:useLocalDpi xmlns:a14="http://schemas.microsoft.com/office/drawing/2010/main" val="0"/>
-                </a:ext>
-              </a:extLst>
-            </a:blip>
-            <a:srcRect l="-5" r="79355" b="22630"/>
-            <a:stretch/>
-          </p:blipFill>
-          <p:spPr bwMode="auto">
-            <a:xfrm>
-              <a:off x="2483768" y="1923829"/>
-              <a:ext cx="3015149" cy="1632906"/>
-            </a:xfrm>
-            <a:prstGeom prst="rect">
-              <a:avLst/>
-            </a:prstGeom>
-            <a:noFill/>
-            <a:extLst>
-              <a:ext uri="{909E8E84-426E-40DD-AFC4-6F175D3DCCD1}">
-                <a14:hiddenFill xmlns:a14="http://schemas.microsoft.com/office/drawing/2010/main">
-                  <a:solidFill>
-                    <a:srgbClr val="FFFFFF"/>
-                  </a:solidFill>
-                </a14:hiddenFill>
-              </a:ext>
-            </a:extLst>
-          </p:spPr>
-        </p:pic>
-      </p:grpSp>
-    </p:spTree>
-    <p:extLst>
-      <p:ext uri="{BB962C8B-B14F-4D97-AF65-F5344CB8AC3E}">
-        <p14:creationId xmlns:p14="http://schemas.microsoft.com/office/powerpoint/2010/main" val="2062562605"/>
-      </p:ext>
-    </p:extLst>
-  </p:cSld>
-  <p:clrMapOvr>
-    <a:masterClrMapping/>
-  </p:clrMapOvr>
-  <p:timing>
-    <p:tnLst>
-      <p:par>
-        <p:cTn id="1" dur="indefinite" restart="never" nodeType="tmRoot"/>
-      </p:par>
-    </p:tnLst>
-  </p:timing>
-</p:sld>
-</file>
-
-<file path=ppt/slides/slide8.xml><?xml version="1.0" encoding="utf-8"?>
-<p:sld xmlns:a="http://schemas.openxmlformats.org/drawingml/2006/main" xmlns:r="http://schemas.openxmlformats.org/officeDocument/2006/relationships" xmlns:p="http://schemas.openxmlformats.org/presentationml/2006/main">
-  <p:cSld>
-    <p:spTree>
-      <p:nvGrpSpPr>
-        <p:cNvPr id="1" name=""/>
-        <p:cNvGrpSpPr/>
-        <p:nvPr/>
-      </p:nvGrpSpPr>
-      <p:grpSpPr>
-        <a:xfrm>
-          <a:off x="0" y="0"/>
-          <a:ext cx="0" cy="0"/>
-          <a:chOff x="0" y="0"/>
-          <a:chExt cx="0" cy="0"/>
-        </a:xfrm>
-      </p:grpSpPr>
-      <p:grpSp>
-        <p:nvGrpSpPr>
-          <p:cNvPr id="3" name="2 Grupo"/>
-          <p:cNvGrpSpPr/>
-          <p:nvPr/>
-        </p:nvGrpSpPr>
-        <p:grpSpPr>
-          <a:xfrm>
-            <a:off x="2195736" y="1125471"/>
-            <a:ext cx="3456384" cy="3456384"/>
-            <a:chOff x="2195736" y="1125471"/>
-            <a:chExt cx="3456384" cy="3456384"/>
-          </a:xfrm>
-        </p:grpSpPr>
-        <p:sp>
-          <p:nvSpPr>
-            <p:cNvPr id="4" name="3 Rectángulo"/>
-            <p:cNvSpPr/>
-            <p:nvPr/>
-          </p:nvSpPr>
-          <p:spPr>
-            <a:xfrm>
-              <a:off x="2195736" y="1125471"/>
-              <a:ext cx="3456384" cy="3456384"/>
-            </a:xfrm>
-            <a:prstGeom prst="rect">
-              <a:avLst/>
-            </a:prstGeom>
-            <a:solidFill>
-              <a:srgbClr val="38383D"/>
-            </a:solidFill>
-            <a:ln>
-              <a:noFill/>
-            </a:ln>
-          </p:spPr>
-          <p:style>
-            <a:lnRef idx="2">
-              <a:schemeClr val="accent1">
-                <a:shade val="50000"/>
-              </a:schemeClr>
-            </a:lnRef>
-            <a:fillRef idx="1">
-              <a:schemeClr val="accent1"/>
-            </a:fillRef>
-            <a:effectRef idx="0">
-              <a:schemeClr val="accent1"/>
-            </a:effectRef>
-            <a:fontRef idx="minor">
-              <a:schemeClr val="lt1"/>
-            </a:fontRef>
-          </p:style>
-          <p:txBody>
-            <a:bodyPr rtlCol="0" anchor="ctr"/>
-            <a:lstStyle/>
-            <a:p>
-              <a:pPr algn="ctr"/>
-              <a:endParaRPr lang="es-UY"/>
-            </a:p>
-          </p:txBody>
-        </p:sp>
-        <p:pic>
-          <p:nvPicPr>
-            <p:cNvPr id="1027" name="Picture 3" descr="C:\Users\Juan\Downloads\chess-icon-11288.png"/>
-            <p:cNvPicPr>
-              <a:picLocks noChangeAspect="1" noChangeArrowheads="1"/>
-            </p:cNvPicPr>
-            <p:nvPr/>
-          </p:nvPicPr>
-          <p:blipFill rotWithShape="1">
-            <a:blip r:embed="rId3">
-              <a:extLst>
-                <a:ext uri="{28A0092B-C50C-407E-A947-70E740481C1C}">
-                  <a14:useLocalDpi xmlns:a14="http://schemas.microsoft.com/office/drawing/2010/main" val="0"/>
-                </a:ext>
-              </a:extLst>
-            </a:blip>
-            <a:srcRect l="5717" t="3941" r="3368" b="5120"/>
-            <a:stretch/>
-          </p:blipFill>
-          <p:spPr bwMode="auto">
-            <a:xfrm>
-              <a:off x="2335463" y="1268760"/>
-              <a:ext cx="3176930" cy="3169806"/>
-            </a:xfrm>
-            <a:prstGeom prst="rect">
-              <a:avLst/>
-            </a:prstGeom>
-            <a:noFill/>
-            <a:extLst>
-              <a:ext uri="{909E8E84-426E-40DD-AFC4-6F175D3DCCD1}">
-                <a14:hiddenFill xmlns:a14="http://schemas.microsoft.com/office/drawing/2010/main">
-                  <a:solidFill>
-                    <a:srgbClr val="FFFFFF"/>
-                  </a:solidFill>
-                </a14:hiddenFill>
-              </a:ext>
-            </a:extLst>
-          </p:spPr>
-        </p:pic>
-      </p:grpSp>
-    </p:spTree>
-    <p:extLst>
-      <p:ext uri="{BB962C8B-B14F-4D97-AF65-F5344CB8AC3E}">
-        <p14:creationId xmlns:p14="http://schemas.microsoft.com/office/powerpoint/2010/main" val="1533916593"/>
+        <p14:creationId xmlns:p14="http://schemas.microsoft.com/office/powerpoint/2010/main" val="198720179"/>
       </p:ext>
     </p:extLst>
   </p:cSld>
@@ -6150,7 +6881,7 @@
         </p:sp>
         <p:pic>
           <p:nvPicPr>
-            <p:cNvPr id="3074" name="Picture 2" descr="https://pbs.twimg.com/profile_images/1206960097412501504/Ic61D7tZ_400x400.jpg"/>
+            <p:cNvPr id="8200" name="Picture 8" descr="https://us.123rf.com/450wm/sonulkaster/sonulkaster1708/sonulkaster170800219/83783486-combinaci%C3%B3n-de-ases-de-juegos-de-casino-para-el-icono-de-vector-de-juego-de-poker-o-solitario.jpg?ver=6"/>
             <p:cNvPicPr>
               <a:picLocks noChangeAspect="1" noChangeArrowheads="1"/>
             </p:cNvPicPr>
@@ -6163,7 +6894,7 @@
                   <a14:imgProps xmlns:a14="http://schemas.microsoft.com/office/drawing/2010/main">
                     <a14:imgLayer r:embed="rId4">
                       <a14:imgEffect>
-                        <a14:backgroundRemoval t="5500" b="92000" l="12750" r="87250"/>
+                        <a14:backgroundRemoval t="10000" b="90000" l="10000" r="90000"/>
                       </a14:imgEffect>
                     </a14:imgLayer>
                   </a14:imgProps>
@@ -6173,13 +6904,13 @@
                 </a:ext>
               </a:extLst>
             </a:blip>
-            <a:srcRect l="19144" t="3800" r="19144" b="7890"/>
+            <a:srcRect l="17501" t="13466" r="17501" b="13466"/>
             <a:stretch/>
           </p:blipFill>
           <p:spPr bwMode="auto">
             <a:xfrm>
-              <a:off x="2771800" y="1204975"/>
-              <a:ext cx="2304256" cy="3297376"/>
+              <a:off x="2530929" y="1287718"/>
+              <a:ext cx="2785998" cy="3131890"/>
             </a:xfrm>
             <a:prstGeom prst="rect">
               <a:avLst/>
@@ -6200,7 +6931,7 @@
     </p:spTree>
     <p:extLst>
       <p:ext uri="{BB962C8B-B14F-4D97-AF65-F5344CB8AC3E}">
-        <p14:creationId xmlns:p14="http://schemas.microsoft.com/office/powerpoint/2010/main" val="689486972"/>
+        <p14:creationId xmlns:p14="http://schemas.microsoft.com/office/powerpoint/2010/main" val="2489351745"/>
       </p:ext>
     </p:extLst>
   </p:cSld>

--- a/icons.pptx
+++ b/icons.pptx
@@ -5900,16 +5900,16 @@
       </p:grpSpPr>
       <p:grpSp>
         <p:nvGrpSpPr>
-          <p:cNvPr id="2" name="1 Grupo"/>
+          <p:cNvPr id="3" name="2 Grupo"/>
           <p:cNvGrpSpPr/>
           <p:nvPr/>
         </p:nvGrpSpPr>
         <p:grpSpPr>
           <a:xfrm>
-            <a:off x="2191182" y="1124744"/>
-            <a:ext cx="3465492" cy="3456384"/>
-            <a:chOff x="2191182" y="1124744"/>
-            <a:chExt cx="3465492" cy="3456384"/>
+            <a:off x="2195736" y="1124744"/>
+            <a:ext cx="3456384" cy="3456384"/>
+            <a:chOff x="2195736" y="1124744"/>
+            <a:chExt cx="3456384" cy="3456384"/>
           </a:xfrm>
         </p:grpSpPr>
         <p:sp>
@@ -5979,8 +5979,8 @@
           </p:blipFill>
           <p:spPr bwMode="auto">
             <a:xfrm>
-              <a:off x="2191182" y="1124744"/>
-              <a:ext cx="3465492" cy="3456384"/>
+              <a:off x="2229463" y="1162924"/>
+              <a:ext cx="3388930" cy="3380023"/>
             </a:xfrm>
             <a:prstGeom prst="rect">
               <a:avLst/>

--- a/icons.pptx
+++ b/icons.pptx
@@ -5523,9 +5523,9 @@
         <p:grpSpPr>
           <a:xfrm>
             <a:off x="516" y="0"/>
-            <a:ext cx="8819956" cy="6677026"/>
+            <a:ext cx="8819956" cy="6677025"/>
             <a:chOff x="516" y="0"/>
-            <a:chExt cx="8819956" cy="6677026"/>
+            <a:chExt cx="8819956" cy="6677025"/>
           </a:xfrm>
         </p:grpSpPr>
         <p:pic>
@@ -5569,101 +5569,46 @@
             </a:extLst>
           </p:spPr>
         </p:pic>
-        <p:grpSp>
-          <p:nvGrpSpPr>
-            <p:cNvPr id="4" name="3 Grupo"/>
-            <p:cNvGrpSpPr/>
+        <p:pic>
+          <p:nvPicPr>
+            <p:cNvPr id="1027" name="Picture 3"/>
+            <p:cNvPicPr>
+              <a:picLocks noChangeAspect="1" noChangeArrowheads="1"/>
+            </p:cNvPicPr>
             <p:nvPr/>
-          </p:nvGrpSpPr>
-          <p:grpSpPr>
-            <a:xfrm>
-              <a:off x="2723954" y="3429000"/>
-              <a:ext cx="6096518" cy="3248026"/>
-              <a:chOff x="3047999" y="3429000"/>
-              <a:chExt cx="6096518" cy="3248026"/>
-            </a:xfrm>
-          </p:grpSpPr>
-          <p:pic>
-            <p:nvPicPr>
-              <p:cNvPr id="1027" name="Picture 3" descr="C:\Users\Juan\Desktop\demo-despues.PNG"/>
-              <p:cNvPicPr>
-                <a:picLocks noChangeAspect="1" noChangeArrowheads="1"/>
-              </p:cNvPicPr>
-              <p:nvPr/>
-            </p:nvPicPr>
-            <p:blipFill>
-              <a:blip r:embed="rId3" cstate="print">
-                <a:extLst>
-                  <a:ext uri="{28A0092B-C50C-407E-A947-70E740481C1C}">
-                    <a14:useLocalDpi xmlns:a14="http://schemas.microsoft.com/office/drawing/2010/main" val="0"/>
-                  </a:ext>
-                </a:extLst>
-              </a:blip>
-              <a:srcRect/>
-              <a:stretch>
-                <a:fillRect/>
-              </a:stretch>
-            </p:blipFill>
-            <p:spPr bwMode="auto">
-              <a:xfrm>
-                <a:off x="3048516" y="3429000"/>
-                <a:ext cx="6096001" cy="3248026"/>
-              </a:xfrm>
-              <a:prstGeom prst="rect">
-                <a:avLst/>
-              </a:prstGeom>
-              <a:noFill/>
+          </p:nvPicPr>
+          <p:blipFill>
+            <a:blip r:embed="rId3" cstate="print">
               <a:extLst>
-                <a:ext uri="{909E8E84-426E-40DD-AFC4-6F175D3DCCD1}">
-                  <a14:hiddenFill xmlns:a14="http://schemas.microsoft.com/office/drawing/2010/main">
-                    <a:solidFill>
-                      <a:srgbClr val="FFFFFF"/>
-                    </a:solidFill>
-                  </a14:hiddenFill>
+                <a:ext uri="{28A0092B-C50C-407E-A947-70E740481C1C}">
+                  <a14:useLocalDpi xmlns:a14="http://schemas.microsoft.com/office/drawing/2010/main" val="0"/>
                 </a:ext>
               </a:extLst>
-            </p:spPr>
-          </p:pic>
-          <p:pic>
-            <p:nvPicPr>
-              <p:cNvPr id="6" name="Picture 2" descr="C:\Users\Juan\Desktop\demo-antes.PNG"/>
-              <p:cNvPicPr>
-                <a:picLocks noChangeAspect="1" noChangeArrowheads="1"/>
-              </p:cNvPicPr>
-              <p:nvPr/>
-            </p:nvPicPr>
-            <p:blipFill rotWithShape="1">
-              <a:blip r:embed="rId4" cstate="print">
-                <a:extLst>
-                  <a:ext uri="{28A0092B-C50C-407E-A947-70E740481C1C}">
-                    <a14:useLocalDpi xmlns:a14="http://schemas.microsoft.com/office/drawing/2010/main" val="0"/>
-                  </a:ext>
-                </a:extLst>
-              </a:blip>
-              <a:srcRect r="46634" b="82370"/>
-              <a:stretch/>
-            </p:blipFill>
-            <p:spPr bwMode="auto">
-              <a:xfrm>
-                <a:off x="3047999" y="3429000"/>
-                <a:ext cx="3253213" cy="572632"/>
-              </a:xfrm>
-              <a:prstGeom prst="rect">
-                <a:avLst/>
-              </a:prstGeom>
-              <a:noFill/>
-              <a:extLst>
-                <a:ext uri="{909E8E84-426E-40DD-AFC4-6F175D3DCCD1}">
-                  <a14:hiddenFill xmlns:a14="http://schemas.microsoft.com/office/drawing/2010/main">
-                    <a:solidFill>
-                      <a:srgbClr val="FFFFFF"/>
-                    </a:solidFill>
-                  </a14:hiddenFill>
-                </a:ext>
-              </a:extLst>
-            </p:spPr>
-          </p:pic>
-        </p:grpSp>
+            </a:blip>
+            <a:stretch>
+              <a:fillRect/>
+            </a:stretch>
+          </p:blipFill>
+          <p:spPr bwMode="auto">
+            <a:xfrm>
+              <a:off x="2724471" y="3429000"/>
+              <a:ext cx="6096001" cy="3248025"/>
+            </a:xfrm>
+            <a:prstGeom prst="rect">
+              <a:avLst/>
+            </a:prstGeom>
+            <a:noFill/>
+            <a:extLst>
+              <a:ext uri="{909E8E84-426E-40DD-AFC4-6F175D3DCCD1}">
+                <a14:hiddenFill xmlns:a14="http://schemas.microsoft.com/office/drawing/2010/main">
+                  <a:solidFill>
+                    <a:srgbClr val="FFFFFF"/>
+                  </a:solidFill>
+                </a14:hiddenFill>
+              </a:ext>
+            </a:extLst>
+          </p:spPr>
+        </p:pic>
         <p:sp>
           <p:nvSpPr>
             <p:cNvPr id="5" name="4 Flecha doblada"/>

--- a/icons.pptx
+++ b/icons.pptx
@@ -1,39 +1,472 @@
 
 <file path=ppt/presentation.xml><?xml version="1.0" encoding="utf-8"?>
-<p:presentation xmlns:a="http://schemas.openxmlformats.org/drawingml/2006/main" xmlns:p="http://schemas.openxmlformats.org/presentationml/2006/main" xmlns:r="http://schemas.openxmlformats.org/officeDocument/2006/relationships" xmlns:p14="http://schemas.microsoft.com/office/powerpoint/2010/main" xmlns:p15="http://schemas.microsoft.com/office/powerpoint/2012/main" xmlns:mc="http://schemas.openxmlformats.org/markup-compatibility/2006">
+<p:presentation xmlns:a="http://schemas.openxmlformats.org/drawingml/2006/main" xmlns:r="http://schemas.openxmlformats.org/officeDocument/2006/relationships" xmlns:p="http://schemas.openxmlformats.org/presentationml/2006/main">
   <p:sldMasterIdLst>
-    <p:sldMasterId id="2147483648" r:id="rId2"/>
-    <p:sldMasterId id="2147483661" r:id="rId3"/>
+    <p:sldMasterId id="2147483648" r:id="rId1"/>
+    <p:sldMasterId id="2147483661" r:id="rId2"/>
   </p:sldMasterIdLst>
   <p:notesMasterIdLst>
-    <p:notesMasterId r:id="rId4"/>
+    <p:notesMasterId r:id="rId21"/>
   </p:notesMasterIdLst>
   <p:sldIdLst>
-    <p:sldId id="256" r:id="rId5"/>
-    <p:sldId id="257" r:id="rId6"/>
-    <p:sldId id="258" r:id="rId7"/>
-    <p:sldId id="259" r:id="rId8"/>
-    <p:sldId id="260" r:id="rId9"/>
-    <p:sldId id="261" r:id="rId10"/>
-    <p:sldId id="262" r:id="rId11"/>
-    <p:sldId id="263" r:id="rId12"/>
-    <p:sldId id="264" r:id="rId13"/>
-    <p:sldId id="265" r:id="rId14"/>
-    <p:sldId id="266" r:id="rId15"/>
-    <p:sldId id="267" r:id="rId16"/>
-    <p:sldId id="268" r:id="rId17"/>
-    <p:sldId id="269" r:id="rId18"/>
-    <p:sldId id="270" r:id="rId19"/>
-    <p:sldId id="271" r:id="rId20"/>
-    <p:sldId id="272" r:id="rId21"/>
+    <p:sldId id="256" r:id="rId3"/>
+    <p:sldId id="257" r:id="rId4"/>
+    <p:sldId id="258" r:id="rId5"/>
+    <p:sldId id="259" r:id="rId6"/>
+    <p:sldId id="260" r:id="rId7"/>
+    <p:sldId id="273" r:id="rId8"/>
+    <p:sldId id="261" r:id="rId9"/>
+    <p:sldId id="262" r:id="rId10"/>
+    <p:sldId id="263" r:id="rId11"/>
+    <p:sldId id="264" r:id="rId12"/>
+    <p:sldId id="265" r:id="rId13"/>
+    <p:sldId id="266" r:id="rId14"/>
+    <p:sldId id="267" r:id="rId15"/>
+    <p:sldId id="268" r:id="rId16"/>
+    <p:sldId id="269" r:id="rId17"/>
+    <p:sldId id="270" r:id="rId18"/>
+    <p:sldId id="271" r:id="rId19"/>
+    <p:sldId id="272" r:id="rId20"/>
   </p:sldIdLst>
-  <p:sldSz cx="9144000" cy="6858000"/>
+  <p:sldSz cx="9144000" cy="6858000" type="screen4x3"/>
   <p:notesSz cx="6858000" cy="9144000"/>
+  <p:defaultTextStyle>
+    <a:defPPr>
+      <a:defRPr lang="es-UY"/>
+    </a:defPPr>
+    <a:lvl1pPr marL="0" algn="l" defTabSz="914400" rtl="0" eaLnBrk="1" latinLnBrk="0" hangingPunct="1">
+      <a:defRPr sz="1800" kern="1200">
+        <a:solidFill>
+          <a:schemeClr val="tx1"/>
+        </a:solidFill>
+        <a:latin typeface="+mn-lt"/>
+        <a:ea typeface="+mn-ea"/>
+        <a:cs typeface="+mn-cs"/>
+      </a:defRPr>
+    </a:lvl1pPr>
+    <a:lvl2pPr marL="457200" algn="l" defTabSz="914400" rtl="0" eaLnBrk="1" latinLnBrk="0" hangingPunct="1">
+      <a:defRPr sz="1800" kern="1200">
+        <a:solidFill>
+          <a:schemeClr val="tx1"/>
+        </a:solidFill>
+        <a:latin typeface="+mn-lt"/>
+        <a:ea typeface="+mn-ea"/>
+        <a:cs typeface="+mn-cs"/>
+      </a:defRPr>
+    </a:lvl2pPr>
+    <a:lvl3pPr marL="914400" algn="l" defTabSz="914400" rtl="0" eaLnBrk="1" latinLnBrk="0" hangingPunct="1">
+      <a:defRPr sz="1800" kern="1200">
+        <a:solidFill>
+          <a:schemeClr val="tx1"/>
+        </a:solidFill>
+        <a:latin typeface="+mn-lt"/>
+        <a:ea typeface="+mn-ea"/>
+        <a:cs typeface="+mn-cs"/>
+      </a:defRPr>
+    </a:lvl3pPr>
+    <a:lvl4pPr marL="1371600" algn="l" defTabSz="914400" rtl="0" eaLnBrk="1" latinLnBrk="0" hangingPunct="1">
+      <a:defRPr sz="1800" kern="1200">
+        <a:solidFill>
+          <a:schemeClr val="tx1"/>
+        </a:solidFill>
+        <a:latin typeface="+mn-lt"/>
+        <a:ea typeface="+mn-ea"/>
+        <a:cs typeface="+mn-cs"/>
+      </a:defRPr>
+    </a:lvl4pPr>
+    <a:lvl5pPr marL="1828800" algn="l" defTabSz="914400" rtl="0" eaLnBrk="1" latinLnBrk="0" hangingPunct="1">
+      <a:defRPr sz="1800" kern="1200">
+        <a:solidFill>
+          <a:schemeClr val="tx1"/>
+        </a:solidFill>
+        <a:latin typeface="+mn-lt"/>
+        <a:ea typeface="+mn-ea"/>
+        <a:cs typeface="+mn-cs"/>
+      </a:defRPr>
+    </a:lvl5pPr>
+    <a:lvl6pPr marL="2286000" algn="l" defTabSz="914400" rtl="0" eaLnBrk="1" latinLnBrk="0" hangingPunct="1">
+      <a:defRPr sz="1800" kern="1200">
+        <a:solidFill>
+          <a:schemeClr val="tx1"/>
+        </a:solidFill>
+        <a:latin typeface="+mn-lt"/>
+        <a:ea typeface="+mn-ea"/>
+        <a:cs typeface="+mn-cs"/>
+      </a:defRPr>
+    </a:lvl6pPr>
+    <a:lvl7pPr marL="2743200" algn="l" defTabSz="914400" rtl="0" eaLnBrk="1" latinLnBrk="0" hangingPunct="1">
+      <a:defRPr sz="1800" kern="1200">
+        <a:solidFill>
+          <a:schemeClr val="tx1"/>
+        </a:solidFill>
+        <a:latin typeface="+mn-lt"/>
+        <a:ea typeface="+mn-ea"/>
+        <a:cs typeface="+mn-cs"/>
+      </a:defRPr>
+    </a:lvl7pPr>
+    <a:lvl8pPr marL="3200400" algn="l" defTabSz="914400" rtl="0" eaLnBrk="1" latinLnBrk="0" hangingPunct="1">
+      <a:defRPr sz="1800" kern="1200">
+        <a:solidFill>
+          <a:schemeClr val="tx1"/>
+        </a:solidFill>
+        <a:latin typeface="+mn-lt"/>
+        <a:ea typeface="+mn-ea"/>
+        <a:cs typeface="+mn-cs"/>
+      </a:defRPr>
+    </a:lvl8pPr>
+    <a:lvl9pPr marL="3657600" algn="l" defTabSz="914400" rtl="0" eaLnBrk="1" latinLnBrk="0" hangingPunct="1">
+      <a:defRPr sz="1800" kern="1200">
+        <a:solidFill>
+          <a:schemeClr val="tx1"/>
+        </a:solidFill>
+        <a:latin typeface="+mn-lt"/>
+        <a:ea typeface="+mn-ea"/>
+        <a:cs typeface="+mn-cs"/>
+      </a:defRPr>
+    </a:lvl9pPr>
+  </p:defaultTextStyle>
 </p:presentation>
 </file>
 
 <file path=ppt/notesMasters/notesMaster1.xml><?xml version="1.0" encoding="utf-8"?>
-<p:notesMaster xmlns:a="http://schemas.openxmlformats.org/drawingml/2006/main" xmlns:p="http://schemas.openxmlformats.org/presentationml/2006/main" xmlns:r="http://schemas.openxmlformats.org/officeDocument/2006/relationships" xmlns:p14="http://schemas.microsoft.com/office/powerpoint/2010/main" xmlns:p15="http://schemas.microsoft.com/office/powerpoint/2012/main" xmlns:mc="http://schemas.openxmlformats.org/markup-compatibility/2006">
+<p:notesMaster xmlns:a="http://schemas.openxmlformats.org/drawingml/2006/main" xmlns:r="http://schemas.openxmlformats.org/officeDocument/2006/relationships" xmlns:p="http://schemas.openxmlformats.org/presentationml/2006/main">
+  <p:cSld>
+    <p:bg>
+      <p:bgRef idx="1001">
+        <a:schemeClr val="bg1"/>
+      </p:bgRef>
+    </p:bg>
+    <p:spTree>
+      <p:nvGrpSpPr>
+        <p:cNvPr id="1" name=""/>
+        <p:cNvGrpSpPr/>
+        <p:nvPr/>
+      </p:nvGrpSpPr>
+      <p:grpSpPr>
+        <a:xfrm>
+          <a:off x="0" y="0"/>
+          <a:ext cx="0" cy="0"/>
+          <a:chOff x="0" y="0"/>
+          <a:chExt cx="0" cy="0"/>
+        </a:xfrm>
+      </p:grpSpPr>
+      <p:sp>
+        <p:nvSpPr>
+          <p:cNvPr id="82" name="PlaceHolder 1"/>
+          <p:cNvSpPr>
+            <a:spLocks noGrp="1" noRot="1" noChangeAspect="1"/>
+          </p:cNvSpPr>
+          <p:nvPr>
+            <p:ph type="sldImg"/>
+          </p:nvPr>
+        </p:nvSpPr>
+        <p:spPr>
+          <a:xfrm>
+            <a:off x="216000" y="812520"/>
+            <a:ext cx="7127280" cy="4008960"/>
+          </a:xfrm>
+          <a:prstGeom prst="rect">
+            <a:avLst/>
+          </a:prstGeom>
+        </p:spPr>
+        <p:txBody>
+          <a:bodyPr lIns="0" tIns="0" rIns="0" bIns="0" anchor="ctr">
+            <a:noAutofit/>
+          </a:bodyPr>
+          <a:lstStyle/>
+          <a:p>
+            <a:r>
+              <a:rPr lang="es-UY" sz="1800" b="0" strike="noStrike" spc="-1">
+                <a:solidFill>
+                  <a:srgbClr val="000000"/>
+                </a:solidFill>
+                <a:latin typeface="Calibri"/>
+              </a:rPr>
+              <a:t>Pulse para desplazar la página</a:t>
+            </a:r>
+          </a:p>
+        </p:txBody>
+      </p:sp>
+      <p:sp>
+        <p:nvSpPr>
+          <p:cNvPr id="83" name="PlaceHolder 2"/>
+          <p:cNvSpPr>
+            <a:spLocks noGrp="1"/>
+          </p:cNvSpPr>
+          <p:nvPr>
+            <p:ph type="body"/>
+          </p:nvPr>
+        </p:nvSpPr>
+        <p:spPr>
+          <a:xfrm>
+            <a:off x="756000" y="5078520"/>
+            <a:ext cx="6047640" cy="4811040"/>
+          </a:xfrm>
+          <a:prstGeom prst="rect">
+            <a:avLst/>
+          </a:prstGeom>
+        </p:spPr>
+        <p:txBody>
+          <a:bodyPr lIns="0" tIns="0" rIns="0" bIns="0">
+            <a:noAutofit/>
+          </a:bodyPr>
+          <a:lstStyle/>
+          <a:p>
+            <a:r>
+              <a:rPr lang="es-UY" sz="2000" b="0" strike="noStrike" spc="-1">
+                <a:latin typeface="Arial"/>
+              </a:rPr>
+              <a:t>Pulse para editar el formato de las notas</a:t>
+            </a:r>
+          </a:p>
+        </p:txBody>
+      </p:sp>
+      <p:sp>
+        <p:nvSpPr>
+          <p:cNvPr id="84" name="PlaceHolder 3"/>
+          <p:cNvSpPr>
+            <a:spLocks noGrp="1"/>
+          </p:cNvSpPr>
+          <p:nvPr>
+            <p:ph type="hdr"/>
+          </p:nvPr>
+        </p:nvSpPr>
+        <p:spPr>
+          <a:xfrm>
+            <a:off x="0" y="0"/>
+            <a:ext cx="3280680" cy="534240"/>
+          </a:xfrm>
+          <a:prstGeom prst="rect">
+            <a:avLst/>
+          </a:prstGeom>
+        </p:spPr>
+        <p:txBody>
+          <a:bodyPr lIns="0" tIns="0" rIns="0" bIns="0">
+            <a:noAutofit/>
+          </a:bodyPr>
+          <a:lstStyle/>
+          <a:p>
+            <a:r>
+              <a:rPr lang="es-UY" sz="1400" b="0" strike="noStrike" spc="-1">
+                <a:latin typeface="Times New Roman"/>
+              </a:rPr>
+              <a:t>&lt;cabecera&gt;</a:t>
+            </a:r>
+          </a:p>
+        </p:txBody>
+      </p:sp>
+      <p:sp>
+        <p:nvSpPr>
+          <p:cNvPr id="85" name="PlaceHolder 4"/>
+          <p:cNvSpPr>
+            <a:spLocks noGrp="1"/>
+          </p:cNvSpPr>
+          <p:nvPr>
+            <p:ph type="dt"/>
+          </p:nvPr>
+        </p:nvSpPr>
+        <p:spPr>
+          <a:xfrm>
+            <a:off x="4278960" y="0"/>
+            <a:ext cx="3280680" cy="534240"/>
+          </a:xfrm>
+          <a:prstGeom prst="rect">
+            <a:avLst/>
+          </a:prstGeom>
+        </p:spPr>
+        <p:txBody>
+          <a:bodyPr lIns="0" tIns="0" rIns="0" bIns="0">
+            <a:noAutofit/>
+          </a:bodyPr>
+          <a:lstStyle/>
+          <a:p>
+            <a:pPr algn="r"/>
+            <a:r>
+              <a:rPr lang="es-UY" sz="1400" b="0" strike="noStrike" spc="-1">
+                <a:latin typeface="Times New Roman"/>
+              </a:rPr>
+              <a:t>&lt;fecha/hora&gt;</a:t>
+            </a:r>
+          </a:p>
+        </p:txBody>
+      </p:sp>
+      <p:sp>
+        <p:nvSpPr>
+          <p:cNvPr id="86" name="PlaceHolder 5"/>
+          <p:cNvSpPr>
+            <a:spLocks noGrp="1"/>
+          </p:cNvSpPr>
+          <p:nvPr>
+            <p:ph type="ftr"/>
+          </p:nvPr>
+        </p:nvSpPr>
+        <p:spPr>
+          <a:xfrm>
+            <a:off x="0" y="10157400"/>
+            <a:ext cx="3280680" cy="534240"/>
+          </a:xfrm>
+          <a:prstGeom prst="rect">
+            <a:avLst/>
+          </a:prstGeom>
+        </p:spPr>
+        <p:txBody>
+          <a:bodyPr lIns="0" tIns="0" rIns="0" bIns="0" anchor="b">
+            <a:noAutofit/>
+          </a:bodyPr>
+          <a:lstStyle/>
+          <a:p>
+            <a:r>
+              <a:rPr lang="es-UY" sz="1400" b="0" strike="noStrike" spc="-1">
+                <a:latin typeface="Times New Roman"/>
+              </a:rPr>
+              <a:t>&lt;pie de página&gt;</a:t>
+            </a:r>
+          </a:p>
+        </p:txBody>
+      </p:sp>
+      <p:sp>
+        <p:nvSpPr>
+          <p:cNvPr id="87" name="PlaceHolder 6"/>
+          <p:cNvSpPr>
+            <a:spLocks noGrp="1"/>
+          </p:cNvSpPr>
+          <p:nvPr>
+            <p:ph type="sldNum"/>
+          </p:nvPr>
+        </p:nvSpPr>
+        <p:spPr>
+          <a:xfrm>
+            <a:off x="4278960" y="10157400"/>
+            <a:ext cx="3280680" cy="534240"/>
+          </a:xfrm>
+          <a:prstGeom prst="rect">
+            <a:avLst/>
+          </a:prstGeom>
+        </p:spPr>
+        <p:txBody>
+          <a:bodyPr lIns="0" tIns="0" rIns="0" bIns="0" anchor="b">
+            <a:noAutofit/>
+          </a:bodyPr>
+          <a:lstStyle/>
+          <a:p>
+            <a:pPr algn="r"/>
+            <a:fld id="{1B9E65A9-A847-4838-9906-8A2AF69EABEC}" type="slidenum">
+              <a:rPr lang="es-UY" sz="1400" b="0" strike="noStrike" spc="-1">
+                <a:latin typeface="Times New Roman"/>
+              </a:rPr>
+              <a:t>‹Nº›</a:t>
+            </a:fld>
+            <a:endParaRPr lang="es-UY" sz="1400" b="0" strike="noStrike" spc="-1">
+              <a:latin typeface="Times New Roman"/>
+            </a:endParaRPr>
+          </a:p>
+        </p:txBody>
+      </p:sp>
+    </p:spTree>
+    <p:extLst>
+      <p:ext uri="{BB962C8B-B14F-4D97-AF65-F5344CB8AC3E}">
+        <p14:creationId xmlns:p14="http://schemas.microsoft.com/office/powerpoint/2010/main" val="1942147496"/>
+      </p:ext>
+    </p:extLst>
+  </p:cSld>
+  <p:clrMap bg1="lt1" tx1="dk1" bg2="lt2" tx2="dk2" accent1="accent1" accent2="accent2" accent3="accent3" accent4="accent4" accent5="accent5" accent6="accent6" hlink="hlink" folHlink="folHlink"/>
+  <p:notesStyle>
+    <a:lvl1pPr marL="0" algn="l" defTabSz="914400" rtl="0" eaLnBrk="1" latinLnBrk="0" hangingPunct="1">
+      <a:defRPr sz="1200" kern="1200">
+        <a:solidFill>
+          <a:schemeClr val="tx1"/>
+        </a:solidFill>
+        <a:latin typeface="+mn-lt"/>
+        <a:ea typeface="+mn-ea"/>
+        <a:cs typeface="+mn-cs"/>
+      </a:defRPr>
+    </a:lvl1pPr>
+    <a:lvl2pPr marL="457200" algn="l" defTabSz="914400" rtl="0" eaLnBrk="1" latinLnBrk="0" hangingPunct="1">
+      <a:defRPr sz="1200" kern="1200">
+        <a:solidFill>
+          <a:schemeClr val="tx1"/>
+        </a:solidFill>
+        <a:latin typeface="+mn-lt"/>
+        <a:ea typeface="+mn-ea"/>
+        <a:cs typeface="+mn-cs"/>
+      </a:defRPr>
+    </a:lvl2pPr>
+    <a:lvl3pPr marL="914400" algn="l" defTabSz="914400" rtl="0" eaLnBrk="1" latinLnBrk="0" hangingPunct="1">
+      <a:defRPr sz="1200" kern="1200">
+        <a:solidFill>
+          <a:schemeClr val="tx1"/>
+        </a:solidFill>
+        <a:latin typeface="+mn-lt"/>
+        <a:ea typeface="+mn-ea"/>
+        <a:cs typeface="+mn-cs"/>
+      </a:defRPr>
+    </a:lvl3pPr>
+    <a:lvl4pPr marL="1371600" algn="l" defTabSz="914400" rtl="0" eaLnBrk="1" latinLnBrk="0" hangingPunct="1">
+      <a:defRPr sz="1200" kern="1200">
+        <a:solidFill>
+          <a:schemeClr val="tx1"/>
+        </a:solidFill>
+        <a:latin typeface="+mn-lt"/>
+        <a:ea typeface="+mn-ea"/>
+        <a:cs typeface="+mn-cs"/>
+      </a:defRPr>
+    </a:lvl4pPr>
+    <a:lvl5pPr marL="1828800" algn="l" defTabSz="914400" rtl="0" eaLnBrk="1" latinLnBrk="0" hangingPunct="1">
+      <a:defRPr sz="1200" kern="1200">
+        <a:solidFill>
+          <a:schemeClr val="tx1"/>
+        </a:solidFill>
+        <a:latin typeface="+mn-lt"/>
+        <a:ea typeface="+mn-ea"/>
+        <a:cs typeface="+mn-cs"/>
+      </a:defRPr>
+    </a:lvl5pPr>
+    <a:lvl6pPr marL="2286000" algn="l" defTabSz="914400" rtl="0" eaLnBrk="1" latinLnBrk="0" hangingPunct="1">
+      <a:defRPr sz="1200" kern="1200">
+        <a:solidFill>
+          <a:schemeClr val="tx1"/>
+        </a:solidFill>
+        <a:latin typeface="+mn-lt"/>
+        <a:ea typeface="+mn-ea"/>
+        <a:cs typeface="+mn-cs"/>
+      </a:defRPr>
+    </a:lvl6pPr>
+    <a:lvl7pPr marL="2743200" algn="l" defTabSz="914400" rtl="0" eaLnBrk="1" latinLnBrk="0" hangingPunct="1">
+      <a:defRPr sz="1200" kern="1200">
+        <a:solidFill>
+          <a:schemeClr val="tx1"/>
+        </a:solidFill>
+        <a:latin typeface="+mn-lt"/>
+        <a:ea typeface="+mn-ea"/>
+        <a:cs typeface="+mn-cs"/>
+      </a:defRPr>
+    </a:lvl7pPr>
+    <a:lvl8pPr marL="3200400" algn="l" defTabSz="914400" rtl="0" eaLnBrk="1" latinLnBrk="0" hangingPunct="1">
+      <a:defRPr sz="1200" kern="1200">
+        <a:solidFill>
+          <a:schemeClr val="tx1"/>
+        </a:solidFill>
+        <a:latin typeface="+mn-lt"/>
+        <a:ea typeface="+mn-ea"/>
+        <a:cs typeface="+mn-cs"/>
+      </a:defRPr>
+    </a:lvl8pPr>
+    <a:lvl9pPr marL="3657600" algn="l" defTabSz="914400" rtl="0" eaLnBrk="1" latinLnBrk="0" hangingPunct="1">
+      <a:defRPr sz="1200" kern="1200">
+        <a:solidFill>
+          <a:schemeClr val="tx1"/>
+        </a:solidFill>
+        <a:latin typeface="+mn-lt"/>
+        <a:ea typeface="+mn-ea"/>
+        <a:cs typeface="+mn-cs"/>
+      </a:defRPr>
+    </a:lvl9pPr>
+  </p:notesStyle>
+</p:notesMaster>
+</file>
+
+<file path=ppt/notesSlides/notesSlide1.xml><?xml version="1.0" encoding="utf-8"?>
+<p:notes xmlns:a="http://schemas.openxmlformats.org/drawingml/2006/main" xmlns:r="http://schemas.openxmlformats.org/officeDocument/2006/relationships" xmlns:p="http://schemas.openxmlformats.org/presentationml/2006/main">
   <p:cSld>
     <p:spTree>
       <p:nvGrpSpPr>
@@ -51,9 +484,9 @@
       </p:grpSpPr>
       <p:sp>
         <p:nvSpPr>
-          <p:cNvPr id="82" name="PlaceHolder 1"/>
-          <p:cNvSpPr>
-            <a:spLocks noGrp="1"/>
+          <p:cNvPr id="145" name="PlaceHolder 1"/>
+          <p:cNvSpPr>
+            <a:spLocks noGrp="1" noRot="1" noChangeAspect="1"/>
           </p:cNvSpPr>
           <p:nvPr>
             <p:ph type="sldImg"/>
@@ -61,213 +494,86 @@
         </p:nvSpPr>
         <p:spPr>
           <a:xfrm>
-            <a:off x="216000" y="812520"/>
-            <a:ext cx="7127280" cy="4008960"/>
-          </a:xfrm>
-          <a:prstGeom prst="rect">
-            <a:avLst/>
-          </a:prstGeom>
-        </p:spPr>
-        <p:txBody>
-          <a:bodyPr lIns="0" rIns="0" tIns="0" bIns="0" anchor="ctr">
+            <a:off x="1143000" y="685800"/>
+            <a:ext cx="4571640" cy="3428640"/>
+          </a:xfrm>
+          <a:prstGeom prst="rect">
+            <a:avLst/>
+          </a:prstGeom>
+        </p:spPr>
+      </p:sp>
+      <p:sp>
+        <p:nvSpPr>
+          <p:cNvPr id="146" name="PlaceHolder 2"/>
+          <p:cNvSpPr>
+            <a:spLocks noGrp="1"/>
+          </p:cNvSpPr>
+          <p:nvPr>
+            <p:ph type="body"/>
+          </p:nvPr>
+        </p:nvSpPr>
+        <p:spPr>
+          <a:xfrm>
+            <a:off x="685800" y="4343400"/>
+            <a:ext cx="5486040" cy="4114440"/>
+          </a:xfrm>
+          <a:prstGeom prst="rect">
+            <a:avLst/>
+          </a:prstGeom>
+        </p:spPr>
+        <p:txBody>
+          <a:bodyPr>
             <a:noAutofit/>
           </a:bodyPr>
-          <a:p>
-            <a:r>
-              <a:rPr b="0" lang="es-UY" sz="1800" spc="-1" strike="noStrike">
+          <a:lstStyle/>
+          <a:p>
+            <a:endParaRPr lang="es-UY" sz="2000" b="0" strike="noStrike" spc="-1">
+              <a:latin typeface="Arial"/>
+            </a:endParaRPr>
+          </a:p>
+        </p:txBody>
+      </p:sp>
+      <p:sp>
+        <p:nvSpPr>
+          <p:cNvPr id="147" name="TextShape 3"/>
+          <p:cNvSpPr txBox="1"/>
+          <p:nvPr/>
+        </p:nvSpPr>
+        <p:spPr>
+          <a:xfrm>
+            <a:off x="3884760" y="8685360"/>
+            <a:ext cx="2971440" cy="456840"/>
+          </a:xfrm>
+          <a:prstGeom prst="rect">
+            <a:avLst/>
+          </a:prstGeom>
+          <a:noFill/>
+          <a:ln>
+            <a:noFill/>
+          </a:ln>
+        </p:spPr>
+        <p:txBody>
+          <a:bodyPr anchor="b">
+            <a:noAutofit/>
+          </a:bodyPr>
+          <a:lstStyle/>
+          <a:p>
+            <a:pPr algn="r">
+              <a:lnSpc>
+                <a:spcPct val="100000"/>
+              </a:lnSpc>
+            </a:pPr>
+            <a:fld id="{67169DCE-93A9-4214-811D-D67D720DC251}" type="slidenum">
+              <a:rPr lang="es-UY" sz="1200" b="0" strike="noStrike" spc="-1">
                 <a:solidFill>
                   <a:srgbClr val="000000"/>
                 </a:solidFill>
-                <a:latin typeface="Calibri"/>
+                <a:latin typeface="+mn-lt"/>
+                <a:ea typeface="+mn-ea"/>
               </a:rPr>
-              <a:t>Pulse para desplazar la página</a:t>
-            </a:r>
-            <a:endParaRPr b="0" lang="es-UY" sz="1800" spc="-1" strike="noStrike">
-              <a:solidFill>
-                <a:srgbClr val="000000"/>
-              </a:solidFill>
-              <a:latin typeface="Calibri"/>
-            </a:endParaRPr>
-          </a:p>
-        </p:txBody>
-      </p:sp>
-      <p:sp>
-        <p:nvSpPr>
-          <p:cNvPr id="83" name="PlaceHolder 2"/>
-          <p:cNvSpPr>
-            <a:spLocks noGrp="1"/>
-          </p:cNvSpPr>
-          <p:nvPr>
-            <p:ph type="body"/>
-          </p:nvPr>
-        </p:nvSpPr>
-        <p:spPr>
-          <a:xfrm>
-            <a:off x="756000" y="5078520"/>
-            <a:ext cx="6047640" cy="4811040"/>
-          </a:xfrm>
-          <a:prstGeom prst="rect">
-            <a:avLst/>
-          </a:prstGeom>
-        </p:spPr>
-        <p:txBody>
-          <a:bodyPr lIns="0" rIns="0" tIns="0" bIns="0">
-            <a:noAutofit/>
-          </a:bodyPr>
-          <a:p>
-            <a:r>
-              <a:rPr b="0" lang="es-UY" sz="2000" spc="-1" strike="noStrike">
-                <a:latin typeface="Arial"/>
-              </a:rPr>
-              <a:t>Pulse para editar el formato de las notas</a:t>
-            </a:r>
-            <a:endParaRPr b="0" lang="es-UY" sz="2000" spc="-1" strike="noStrike">
-              <a:latin typeface="Arial"/>
-            </a:endParaRPr>
-          </a:p>
-        </p:txBody>
-      </p:sp>
-      <p:sp>
-        <p:nvSpPr>
-          <p:cNvPr id="84" name="PlaceHolder 3"/>
-          <p:cNvSpPr>
-            <a:spLocks noGrp="1"/>
-          </p:cNvSpPr>
-          <p:nvPr>
-            <p:ph type="hdr"/>
-          </p:nvPr>
-        </p:nvSpPr>
-        <p:spPr>
-          <a:xfrm>
-            <a:off x="0" y="0"/>
-            <a:ext cx="3280680" cy="534240"/>
-          </a:xfrm>
-          <a:prstGeom prst="rect">
-            <a:avLst/>
-          </a:prstGeom>
-        </p:spPr>
-        <p:txBody>
-          <a:bodyPr lIns="0" rIns="0" tIns="0" bIns="0">
-            <a:noAutofit/>
-          </a:bodyPr>
-          <a:p>
-            <a:r>
-              <a:rPr b="0" lang="es-UY" sz="1400" spc="-1" strike="noStrike">
-                <a:latin typeface="Times New Roman"/>
-              </a:rPr>
-              <a:t>&lt;cabecera&gt;</a:t>
-            </a:r>
-            <a:endParaRPr b="0" lang="es-UY" sz="1400" spc="-1" strike="noStrike">
-              <a:latin typeface="Times New Roman"/>
-            </a:endParaRPr>
-          </a:p>
-        </p:txBody>
-      </p:sp>
-      <p:sp>
-        <p:nvSpPr>
-          <p:cNvPr id="85" name="PlaceHolder 4"/>
-          <p:cNvSpPr>
-            <a:spLocks noGrp="1"/>
-          </p:cNvSpPr>
-          <p:nvPr>
-            <p:ph type="dt"/>
-          </p:nvPr>
-        </p:nvSpPr>
-        <p:spPr>
-          <a:xfrm>
-            <a:off x="4278960" y="0"/>
-            <a:ext cx="3280680" cy="534240"/>
-          </a:xfrm>
-          <a:prstGeom prst="rect">
-            <a:avLst/>
-          </a:prstGeom>
-        </p:spPr>
-        <p:txBody>
-          <a:bodyPr lIns="0" rIns="0" tIns="0" bIns="0">
-            <a:noAutofit/>
-          </a:bodyPr>
-          <a:p>
-            <a:pPr algn="r"/>
-            <a:r>
-              <a:rPr b="0" lang="es-UY" sz="1400" spc="-1" strike="noStrike">
-                <a:latin typeface="Times New Roman"/>
-              </a:rPr>
-              <a:t>&lt;fecha/hora&gt;</a:t>
-            </a:r>
-            <a:endParaRPr b="0" lang="es-UY" sz="1400" spc="-1" strike="noStrike">
-              <a:latin typeface="Times New Roman"/>
-            </a:endParaRPr>
-          </a:p>
-        </p:txBody>
-      </p:sp>
-      <p:sp>
-        <p:nvSpPr>
-          <p:cNvPr id="86" name="PlaceHolder 5"/>
-          <p:cNvSpPr>
-            <a:spLocks noGrp="1"/>
-          </p:cNvSpPr>
-          <p:nvPr>
-            <p:ph type="ftr"/>
-          </p:nvPr>
-        </p:nvSpPr>
-        <p:spPr>
-          <a:xfrm>
-            <a:off x="0" y="10157400"/>
-            <a:ext cx="3280680" cy="534240"/>
-          </a:xfrm>
-          <a:prstGeom prst="rect">
-            <a:avLst/>
-          </a:prstGeom>
-        </p:spPr>
-        <p:txBody>
-          <a:bodyPr lIns="0" rIns="0" tIns="0" bIns="0" anchor="b">
-            <a:noAutofit/>
-          </a:bodyPr>
-          <a:p>
-            <a:r>
-              <a:rPr b="0" lang="es-UY" sz="1400" spc="-1" strike="noStrike">
-                <a:latin typeface="Times New Roman"/>
-              </a:rPr>
-              <a:t>&lt;pie de página&gt;</a:t>
-            </a:r>
-            <a:endParaRPr b="0" lang="es-UY" sz="1400" spc="-1" strike="noStrike">
-              <a:latin typeface="Times New Roman"/>
-            </a:endParaRPr>
-          </a:p>
-        </p:txBody>
-      </p:sp>
-      <p:sp>
-        <p:nvSpPr>
-          <p:cNvPr id="87" name="PlaceHolder 6"/>
-          <p:cNvSpPr>
-            <a:spLocks noGrp="1"/>
-          </p:cNvSpPr>
-          <p:nvPr>
-            <p:ph type="sldNum"/>
-          </p:nvPr>
-        </p:nvSpPr>
-        <p:spPr>
-          <a:xfrm>
-            <a:off x="4278960" y="10157400"/>
-            <a:ext cx="3280680" cy="534240"/>
-          </a:xfrm>
-          <a:prstGeom prst="rect">
-            <a:avLst/>
-          </a:prstGeom>
-        </p:spPr>
-        <p:txBody>
-          <a:bodyPr lIns="0" rIns="0" tIns="0" bIns="0" anchor="b">
-            <a:noAutofit/>
-          </a:bodyPr>
-          <a:p>
-            <a:pPr algn="r"/>
-            <a:fld id="{1B9E65A9-A847-4838-9906-8A2AF69EABEC}" type="slidenum">
-              <a:rPr b="0" lang="es-UY" sz="1400" spc="-1" strike="noStrike">
-                <a:latin typeface="Times New Roman"/>
-              </a:rPr>
-              <a:t>&lt;número&gt;</a:t>
+              <a:t>1</a:t>
             </a:fld>
-            <a:endParaRPr b="0" lang="es-UY" sz="1400" spc="-1" strike="noStrike">
+            <a:endParaRPr lang="es-UY" sz="1200" b="0" strike="noStrike" spc="-1">
               <a:latin typeface="Times New Roman"/>
             </a:endParaRPr>
           </a:p>
@@ -275,12 +581,14 @@
       </p:sp>
     </p:spTree>
   </p:cSld>
-  <p:clrMap bg1="lt1" bg2="lt2" tx1="dk1" tx2="dk2" accent1="accent1" accent2="accent2" accent3="accent3" accent4="accent4" accent5="accent5" accent6="accent6" hlink="hlink" folHlink="folHlink"/>
-</p:notesMaster>
+  <p:clrMapOvr>
+    <a:masterClrMapping/>
+  </p:clrMapOvr>
+</p:notes>
 </file>
 
-<file path=ppt/notesSlides/notesSlide1.xml><?xml version="1.0" encoding="utf-8"?>
-<p:notes xmlns:a="http://schemas.openxmlformats.org/drawingml/2006/main" xmlns:p="http://schemas.openxmlformats.org/presentationml/2006/main" xmlns:r="http://schemas.openxmlformats.org/officeDocument/2006/relationships" xmlns:p14="http://schemas.microsoft.com/office/powerpoint/2010/main" xmlns:p15="http://schemas.microsoft.com/office/powerpoint/2012/main" xmlns:mc="http://schemas.openxmlformats.org/markup-compatibility/2006">
+<file path=ppt/notesSlides/notesSlide10.xml><?xml version="1.0" encoding="utf-8"?>
+<p:notes xmlns:a="http://schemas.openxmlformats.org/drawingml/2006/main" xmlns:r="http://schemas.openxmlformats.org/officeDocument/2006/relationships" xmlns:p="http://schemas.openxmlformats.org/presentationml/2006/main">
   <p:cSld>
     <p:spTree>
       <p:nvGrpSpPr>
@@ -298,9 +606,9 @@
       </p:grpSpPr>
       <p:sp>
         <p:nvSpPr>
-          <p:cNvPr id="145" name="PlaceHolder 1"/>
-          <p:cNvSpPr>
-            <a:spLocks noGrp="1"/>
+          <p:cNvPr id="169" name="PlaceHolder 1"/>
+          <p:cNvSpPr>
+            <a:spLocks noGrp="1" noRot="1" noChangeAspect="1"/>
           </p:cNvSpPr>
           <p:nvPr>
             <p:ph type="sldImg"/>
@@ -318,7 +626,7 @@
       </p:sp>
       <p:sp>
         <p:nvSpPr>
-          <p:cNvPr id="146" name="PlaceHolder 2"/>
+          <p:cNvPr id="170" name="PlaceHolder 2"/>
           <p:cNvSpPr>
             <a:spLocks noGrp="1"/>
           </p:cNvSpPr>
@@ -339,8 +647,9 @@
           <a:bodyPr>
             <a:noAutofit/>
           </a:bodyPr>
-          <a:p>
-            <a:endParaRPr b="0" lang="es-UY" sz="2000" spc="-1" strike="noStrike">
+          <a:lstStyle/>
+          <a:p>
+            <a:endParaRPr lang="es-UY" sz="2000" b="0" strike="noStrike" spc="-1">
               <a:latin typeface="Arial"/>
             </a:endParaRPr>
           </a:p>
@@ -348,7 +657,7 @@
       </p:sp>
       <p:sp>
         <p:nvSpPr>
-          <p:cNvPr id="147" name="TextShape 3"/>
+          <p:cNvPr id="171" name="TextShape 3"/>
           <p:cNvSpPr txBox="1"/>
           <p:nvPr/>
         </p:nvSpPr>
@@ -369,23 +678,24 @@
           <a:bodyPr anchor="b">
             <a:noAutofit/>
           </a:bodyPr>
+          <a:lstStyle/>
           <a:p>
             <a:pPr algn="r">
               <a:lnSpc>
                 <a:spcPct val="100000"/>
               </a:lnSpc>
             </a:pPr>
-            <a:fld id="{67169DCE-93A9-4214-811D-D67D720DC251}" type="slidenum">
-              <a:rPr b="0" lang="es-UY" sz="1200" spc="-1" strike="noStrike">
+            <a:fld id="{0A0461A6-DC6F-4CB2-A6F6-3969ADE797AC}" type="slidenum">
+              <a:rPr lang="es-UY" sz="1200" b="0" strike="noStrike" spc="-1">
                 <a:solidFill>
                   <a:srgbClr val="000000"/>
                 </a:solidFill>
                 <a:latin typeface="+mn-lt"/>
                 <a:ea typeface="+mn-ea"/>
               </a:rPr>
-              <a:t>&lt;número&gt;</a:t>
+              <a:t>10</a:t>
             </a:fld>
-            <a:endParaRPr b="0" lang="es-UY" sz="1200" spc="-1" strike="noStrike">
+            <a:endParaRPr lang="es-UY" sz="1200" b="0" strike="noStrike" spc="-1">
               <a:latin typeface="Times New Roman"/>
             </a:endParaRPr>
           </a:p>
@@ -393,11 +703,14 @@
       </p:sp>
     </p:spTree>
   </p:cSld>
+  <p:clrMapOvr>
+    <a:masterClrMapping/>
+  </p:clrMapOvr>
 </p:notes>
 </file>
 
-<file path=ppt/notesSlides/notesSlide10.xml><?xml version="1.0" encoding="utf-8"?>
-<p:notes xmlns:a="http://schemas.openxmlformats.org/drawingml/2006/main" xmlns:p="http://schemas.openxmlformats.org/presentationml/2006/main" xmlns:r="http://schemas.openxmlformats.org/officeDocument/2006/relationships" xmlns:p14="http://schemas.microsoft.com/office/powerpoint/2010/main" xmlns:p15="http://schemas.microsoft.com/office/powerpoint/2012/main" xmlns:mc="http://schemas.openxmlformats.org/markup-compatibility/2006">
+<file path=ppt/notesSlides/notesSlide11.xml><?xml version="1.0" encoding="utf-8"?>
+<p:notes xmlns:a="http://schemas.openxmlformats.org/drawingml/2006/main" xmlns:r="http://schemas.openxmlformats.org/officeDocument/2006/relationships" xmlns:p="http://schemas.openxmlformats.org/presentationml/2006/main">
   <p:cSld>
     <p:spTree>
       <p:nvGrpSpPr>
@@ -417,7 +730,7 @@
         <p:nvSpPr>
           <p:cNvPr id="172" name="PlaceHolder 1"/>
           <p:cNvSpPr>
-            <a:spLocks noGrp="1"/>
+            <a:spLocks noGrp="1" noRot="1" noChangeAspect="1"/>
           </p:cNvSpPr>
           <p:nvPr>
             <p:ph type="sldImg"/>
@@ -456,8 +769,9 @@
           <a:bodyPr>
             <a:noAutofit/>
           </a:bodyPr>
-          <a:p>
-            <a:endParaRPr b="0" lang="es-UY" sz="2000" spc="-1" strike="noStrike">
+          <a:lstStyle/>
+          <a:p>
+            <a:endParaRPr lang="es-UY" sz="2000" b="0" strike="noStrike" spc="-1">
               <a:latin typeface="Arial"/>
             </a:endParaRPr>
           </a:p>
@@ -486,6 +800,7 @@
           <a:bodyPr anchor="b">
             <a:noAutofit/>
           </a:bodyPr>
+          <a:lstStyle/>
           <a:p>
             <a:pPr algn="r">
               <a:lnSpc>
@@ -493,16 +808,16 @@
               </a:lnSpc>
             </a:pPr>
             <a:fld id="{317CB4DE-FAB5-4EAE-B7C2-065A5B09F9E9}" type="slidenum">
-              <a:rPr b="0" lang="es-UY" sz="1200" spc="-1" strike="noStrike">
+              <a:rPr lang="es-UY" sz="1200" b="0" strike="noStrike" spc="-1">
                 <a:solidFill>
                   <a:srgbClr val="000000"/>
                 </a:solidFill>
                 <a:latin typeface="+mn-lt"/>
                 <a:ea typeface="+mn-ea"/>
               </a:rPr>
-              <a:t>&lt;número&gt;</a:t>
+              <a:t>11</a:t>
             </a:fld>
-            <a:endParaRPr b="0" lang="es-UY" sz="1200" spc="-1" strike="noStrike">
+            <a:endParaRPr lang="es-UY" sz="1200" b="0" strike="noStrike" spc="-1">
               <a:latin typeface="Times New Roman"/>
             </a:endParaRPr>
           </a:p>
@@ -510,11 +825,14 @@
       </p:sp>
     </p:spTree>
   </p:cSld>
+  <p:clrMapOvr>
+    <a:masterClrMapping/>
+  </p:clrMapOvr>
 </p:notes>
 </file>
 
-<file path=ppt/notesSlides/notesSlide11.xml><?xml version="1.0" encoding="utf-8"?>
-<p:notes xmlns:a="http://schemas.openxmlformats.org/drawingml/2006/main" xmlns:p="http://schemas.openxmlformats.org/presentationml/2006/main" xmlns:r="http://schemas.openxmlformats.org/officeDocument/2006/relationships" xmlns:p14="http://schemas.microsoft.com/office/powerpoint/2010/main" xmlns:p15="http://schemas.microsoft.com/office/powerpoint/2012/main" xmlns:mc="http://schemas.openxmlformats.org/markup-compatibility/2006">
+<file path=ppt/notesSlides/notesSlide12.xml><?xml version="1.0" encoding="utf-8"?>
+<p:notes xmlns:a="http://schemas.openxmlformats.org/drawingml/2006/main" xmlns:r="http://schemas.openxmlformats.org/officeDocument/2006/relationships" xmlns:p="http://schemas.openxmlformats.org/presentationml/2006/main">
   <p:cSld>
     <p:spTree>
       <p:nvGrpSpPr>
@@ -534,7 +852,7 @@
         <p:nvSpPr>
           <p:cNvPr id="175" name="PlaceHolder 1"/>
           <p:cNvSpPr>
-            <a:spLocks noGrp="1"/>
+            <a:spLocks noGrp="1" noRot="1" noChangeAspect="1"/>
           </p:cNvSpPr>
           <p:nvPr>
             <p:ph type="sldImg"/>
@@ -573,8 +891,9 @@
           <a:bodyPr>
             <a:noAutofit/>
           </a:bodyPr>
-          <a:p>
-            <a:endParaRPr b="0" lang="es-UY" sz="2000" spc="-1" strike="noStrike">
+          <a:lstStyle/>
+          <a:p>
+            <a:endParaRPr lang="es-UY" sz="2000" b="0" strike="noStrike" spc="-1">
               <a:latin typeface="Arial"/>
             </a:endParaRPr>
           </a:p>
@@ -603,6 +922,7 @@
           <a:bodyPr anchor="b">
             <a:noAutofit/>
           </a:bodyPr>
+          <a:lstStyle/>
           <a:p>
             <a:pPr algn="r">
               <a:lnSpc>
@@ -610,16 +930,16 @@
               </a:lnSpc>
             </a:pPr>
             <a:fld id="{FDF48158-16AC-485D-990B-8B6FA9B5D7BF}" type="slidenum">
-              <a:rPr b="0" lang="es-UY" sz="1200" spc="-1" strike="noStrike">
+              <a:rPr lang="es-UY" sz="1200" b="0" strike="noStrike" spc="-1">
                 <a:solidFill>
                   <a:srgbClr val="000000"/>
                 </a:solidFill>
                 <a:latin typeface="+mn-lt"/>
                 <a:ea typeface="+mn-ea"/>
               </a:rPr>
-              <a:t>&lt;número&gt;</a:t>
+              <a:t>12</a:t>
             </a:fld>
-            <a:endParaRPr b="0" lang="es-UY" sz="1200" spc="-1" strike="noStrike">
+            <a:endParaRPr lang="es-UY" sz="1200" b="0" strike="noStrike" spc="-1">
               <a:latin typeface="Times New Roman"/>
             </a:endParaRPr>
           </a:p>
@@ -627,11 +947,14 @@
       </p:sp>
     </p:spTree>
   </p:cSld>
+  <p:clrMapOvr>
+    <a:masterClrMapping/>
+  </p:clrMapOvr>
 </p:notes>
 </file>
 
-<file path=ppt/notesSlides/notesSlide12.xml><?xml version="1.0" encoding="utf-8"?>
-<p:notes xmlns:a="http://schemas.openxmlformats.org/drawingml/2006/main" xmlns:p="http://schemas.openxmlformats.org/presentationml/2006/main" xmlns:r="http://schemas.openxmlformats.org/officeDocument/2006/relationships" xmlns:p14="http://schemas.microsoft.com/office/powerpoint/2010/main" xmlns:p15="http://schemas.microsoft.com/office/powerpoint/2012/main" xmlns:mc="http://schemas.openxmlformats.org/markup-compatibility/2006">
+<file path=ppt/notesSlides/notesSlide13.xml><?xml version="1.0" encoding="utf-8"?>
+<p:notes xmlns:a="http://schemas.openxmlformats.org/drawingml/2006/main" xmlns:r="http://schemas.openxmlformats.org/officeDocument/2006/relationships" xmlns:p="http://schemas.openxmlformats.org/presentationml/2006/main">
   <p:cSld>
     <p:spTree>
       <p:nvGrpSpPr>
@@ -651,7 +974,7 @@
         <p:nvSpPr>
           <p:cNvPr id="178" name="PlaceHolder 1"/>
           <p:cNvSpPr>
-            <a:spLocks noGrp="1"/>
+            <a:spLocks noGrp="1" noRot="1" noChangeAspect="1"/>
           </p:cNvSpPr>
           <p:nvPr>
             <p:ph type="sldImg"/>
@@ -690,8 +1013,9 @@
           <a:bodyPr>
             <a:noAutofit/>
           </a:bodyPr>
-          <a:p>
-            <a:endParaRPr b="0" lang="es-UY" sz="2000" spc="-1" strike="noStrike">
+          <a:lstStyle/>
+          <a:p>
+            <a:endParaRPr lang="es-UY" sz="2000" b="0" strike="noStrike" spc="-1">
               <a:latin typeface="Arial"/>
             </a:endParaRPr>
           </a:p>
@@ -720,6 +1044,7 @@
           <a:bodyPr anchor="b">
             <a:noAutofit/>
           </a:bodyPr>
+          <a:lstStyle/>
           <a:p>
             <a:pPr algn="r">
               <a:lnSpc>
@@ -727,16 +1052,16 @@
               </a:lnSpc>
             </a:pPr>
             <a:fld id="{1E5BA087-C4F7-4F47-8183-CE820CE581D8}" type="slidenum">
-              <a:rPr b="0" lang="es-UY" sz="1200" spc="-1" strike="noStrike">
+              <a:rPr lang="es-UY" sz="1200" b="0" strike="noStrike" spc="-1">
                 <a:solidFill>
                   <a:srgbClr val="000000"/>
                 </a:solidFill>
                 <a:latin typeface="+mn-lt"/>
                 <a:ea typeface="+mn-ea"/>
               </a:rPr>
-              <a:t>&lt;número&gt;</a:t>
+              <a:t>13</a:t>
             </a:fld>
-            <a:endParaRPr b="0" lang="es-UY" sz="1200" spc="-1" strike="noStrike">
+            <a:endParaRPr lang="es-UY" sz="1200" b="0" strike="noStrike" spc="-1">
               <a:latin typeface="Times New Roman"/>
             </a:endParaRPr>
           </a:p>
@@ -744,11 +1069,14 @@
       </p:sp>
     </p:spTree>
   </p:cSld>
+  <p:clrMapOvr>
+    <a:masterClrMapping/>
+  </p:clrMapOvr>
 </p:notes>
 </file>
 
-<file path=ppt/notesSlides/notesSlide13.xml><?xml version="1.0" encoding="utf-8"?>
-<p:notes xmlns:a="http://schemas.openxmlformats.org/drawingml/2006/main" xmlns:p="http://schemas.openxmlformats.org/presentationml/2006/main" xmlns:r="http://schemas.openxmlformats.org/officeDocument/2006/relationships" xmlns:p14="http://schemas.microsoft.com/office/powerpoint/2010/main" xmlns:p15="http://schemas.microsoft.com/office/powerpoint/2012/main" xmlns:mc="http://schemas.openxmlformats.org/markup-compatibility/2006">
+<file path=ppt/notesSlides/notesSlide14.xml><?xml version="1.0" encoding="utf-8"?>
+<p:notes xmlns:a="http://schemas.openxmlformats.org/drawingml/2006/main" xmlns:r="http://schemas.openxmlformats.org/officeDocument/2006/relationships" xmlns:p="http://schemas.openxmlformats.org/presentationml/2006/main">
   <p:cSld>
     <p:spTree>
       <p:nvGrpSpPr>
@@ -768,7 +1096,7 @@
         <p:nvSpPr>
           <p:cNvPr id="181" name="PlaceHolder 1"/>
           <p:cNvSpPr>
-            <a:spLocks noGrp="1"/>
+            <a:spLocks noGrp="1" noRot="1" noChangeAspect="1"/>
           </p:cNvSpPr>
           <p:nvPr>
             <p:ph type="sldImg"/>
@@ -807,8 +1135,9 @@
           <a:bodyPr>
             <a:noAutofit/>
           </a:bodyPr>
-          <a:p>
-            <a:endParaRPr b="0" lang="es-UY" sz="2000" spc="-1" strike="noStrike">
+          <a:lstStyle/>
+          <a:p>
+            <a:endParaRPr lang="es-UY" sz="2000" b="0" strike="noStrike" spc="-1">
               <a:latin typeface="Arial"/>
             </a:endParaRPr>
           </a:p>
@@ -837,6 +1166,7 @@
           <a:bodyPr anchor="b">
             <a:noAutofit/>
           </a:bodyPr>
+          <a:lstStyle/>
           <a:p>
             <a:pPr algn="r">
               <a:lnSpc>
@@ -844,16 +1174,16 @@
               </a:lnSpc>
             </a:pPr>
             <a:fld id="{01423B7C-F0AD-4266-B235-50758273F490}" type="slidenum">
-              <a:rPr b="0" lang="es-UY" sz="1200" spc="-1" strike="noStrike">
+              <a:rPr lang="es-UY" sz="1200" b="0" strike="noStrike" spc="-1">
                 <a:solidFill>
                   <a:srgbClr val="000000"/>
                 </a:solidFill>
                 <a:latin typeface="+mn-lt"/>
                 <a:ea typeface="+mn-ea"/>
               </a:rPr>
-              <a:t>&lt;número&gt;</a:t>
+              <a:t>14</a:t>
             </a:fld>
-            <a:endParaRPr b="0" lang="es-UY" sz="1200" spc="-1" strike="noStrike">
+            <a:endParaRPr lang="es-UY" sz="1200" b="0" strike="noStrike" spc="-1">
               <a:latin typeface="Times New Roman"/>
             </a:endParaRPr>
           </a:p>
@@ -861,11 +1191,14 @@
       </p:sp>
     </p:spTree>
   </p:cSld>
+  <p:clrMapOvr>
+    <a:masterClrMapping/>
+  </p:clrMapOvr>
 </p:notes>
 </file>
 
-<file path=ppt/notesSlides/notesSlide14.xml><?xml version="1.0" encoding="utf-8"?>
-<p:notes xmlns:a="http://schemas.openxmlformats.org/drawingml/2006/main" xmlns:p="http://schemas.openxmlformats.org/presentationml/2006/main" xmlns:r="http://schemas.openxmlformats.org/officeDocument/2006/relationships" xmlns:p14="http://schemas.microsoft.com/office/powerpoint/2010/main" xmlns:p15="http://schemas.microsoft.com/office/powerpoint/2012/main" xmlns:mc="http://schemas.openxmlformats.org/markup-compatibility/2006">
+<file path=ppt/notesSlides/notesSlide15.xml><?xml version="1.0" encoding="utf-8"?>
+<p:notes xmlns:a="http://schemas.openxmlformats.org/drawingml/2006/main" xmlns:r="http://schemas.openxmlformats.org/officeDocument/2006/relationships" xmlns:p="http://schemas.openxmlformats.org/presentationml/2006/main">
   <p:cSld>
     <p:spTree>
       <p:nvGrpSpPr>
@@ -885,7 +1218,7 @@
         <p:nvSpPr>
           <p:cNvPr id="184" name="PlaceHolder 1"/>
           <p:cNvSpPr>
-            <a:spLocks noGrp="1"/>
+            <a:spLocks noGrp="1" noRot="1" noChangeAspect="1"/>
           </p:cNvSpPr>
           <p:nvPr>
             <p:ph type="sldImg"/>
@@ -924,8 +1257,9 @@
           <a:bodyPr>
             <a:noAutofit/>
           </a:bodyPr>
-          <a:p>
-            <a:endParaRPr b="0" lang="es-UY" sz="2000" spc="-1" strike="noStrike">
+          <a:lstStyle/>
+          <a:p>
+            <a:endParaRPr lang="es-UY" sz="2000" b="0" strike="noStrike" spc="-1">
               <a:latin typeface="Arial"/>
             </a:endParaRPr>
           </a:p>
@@ -954,6 +1288,7 @@
           <a:bodyPr anchor="b">
             <a:noAutofit/>
           </a:bodyPr>
+          <a:lstStyle/>
           <a:p>
             <a:pPr algn="r">
               <a:lnSpc>
@@ -961,16 +1296,16 @@
               </a:lnSpc>
             </a:pPr>
             <a:fld id="{148899C6-6D84-4E32-BE69-ADA394A64825}" type="slidenum">
-              <a:rPr b="0" lang="es-UY" sz="1200" spc="-1" strike="noStrike">
+              <a:rPr lang="es-UY" sz="1200" b="0" strike="noStrike" spc="-1">
                 <a:solidFill>
                   <a:srgbClr val="000000"/>
                 </a:solidFill>
                 <a:latin typeface="+mn-lt"/>
                 <a:ea typeface="+mn-ea"/>
               </a:rPr>
-              <a:t>&lt;número&gt;</a:t>
+              <a:t>15</a:t>
             </a:fld>
-            <a:endParaRPr b="0" lang="es-UY" sz="1200" spc="-1" strike="noStrike">
+            <a:endParaRPr lang="es-UY" sz="1200" b="0" strike="noStrike" spc="-1">
               <a:latin typeface="Times New Roman"/>
             </a:endParaRPr>
           </a:p>
@@ -978,11 +1313,14 @@
       </p:sp>
     </p:spTree>
   </p:cSld>
+  <p:clrMapOvr>
+    <a:masterClrMapping/>
+  </p:clrMapOvr>
 </p:notes>
 </file>
 
-<file path=ppt/notesSlides/notesSlide15.xml><?xml version="1.0" encoding="utf-8"?>
-<p:notes xmlns:a="http://schemas.openxmlformats.org/drawingml/2006/main" xmlns:p="http://schemas.openxmlformats.org/presentationml/2006/main" xmlns:r="http://schemas.openxmlformats.org/officeDocument/2006/relationships" xmlns:p14="http://schemas.microsoft.com/office/powerpoint/2010/main" xmlns:p15="http://schemas.microsoft.com/office/powerpoint/2012/main" xmlns:mc="http://schemas.openxmlformats.org/markup-compatibility/2006">
+<file path=ppt/notesSlides/notesSlide16.xml><?xml version="1.0" encoding="utf-8"?>
+<p:notes xmlns:a="http://schemas.openxmlformats.org/drawingml/2006/main" xmlns:r="http://schemas.openxmlformats.org/officeDocument/2006/relationships" xmlns:p="http://schemas.openxmlformats.org/presentationml/2006/main">
   <p:cSld>
     <p:spTree>
       <p:nvGrpSpPr>
@@ -1002,7 +1340,7 @@
         <p:nvSpPr>
           <p:cNvPr id="187" name="PlaceHolder 1"/>
           <p:cNvSpPr>
-            <a:spLocks noGrp="1"/>
+            <a:spLocks noGrp="1" noRot="1" noChangeAspect="1"/>
           </p:cNvSpPr>
           <p:nvPr>
             <p:ph type="sldImg"/>
@@ -1041,8 +1379,9 @@
           <a:bodyPr>
             <a:noAutofit/>
           </a:bodyPr>
-          <a:p>
-            <a:endParaRPr b="0" lang="es-UY" sz="2000" spc="-1" strike="noStrike">
+          <a:lstStyle/>
+          <a:p>
+            <a:endParaRPr lang="es-UY" sz="2000" b="0" strike="noStrike" spc="-1">
               <a:latin typeface="Arial"/>
             </a:endParaRPr>
           </a:p>
@@ -1071,6 +1410,7 @@
           <a:bodyPr anchor="b">
             <a:noAutofit/>
           </a:bodyPr>
+          <a:lstStyle/>
           <a:p>
             <a:pPr algn="r">
               <a:lnSpc>
@@ -1078,16 +1418,16 @@
               </a:lnSpc>
             </a:pPr>
             <a:fld id="{2AC5A412-FDC1-434E-80F7-41342E44D408}" type="slidenum">
-              <a:rPr b="0" lang="es-UY" sz="1200" spc="-1" strike="noStrike">
+              <a:rPr lang="es-UY" sz="1200" b="0" strike="noStrike" spc="-1">
                 <a:solidFill>
                   <a:srgbClr val="000000"/>
                 </a:solidFill>
                 <a:latin typeface="+mn-lt"/>
                 <a:ea typeface="+mn-ea"/>
               </a:rPr>
-              <a:t>&lt;número&gt;</a:t>
+              <a:t>16</a:t>
             </a:fld>
-            <a:endParaRPr b="0" lang="es-UY" sz="1200" spc="-1" strike="noStrike">
+            <a:endParaRPr lang="es-UY" sz="1200" b="0" strike="noStrike" spc="-1">
               <a:latin typeface="Times New Roman"/>
             </a:endParaRPr>
           </a:p>
@@ -1095,11 +1435,14 @@
       </p:sp>
     </p:spTree>
   </p:cSld>
+  <p:clrMapOvr>
+    <a:masterClrMapping/>
+  </p:clrMapOvr>
 </p:notes>
 </file>
 
-<file path=ppt/notesSlides/notesSlide16.xml><?xml version="1.0" encoding="utf-8"?>
-<p:notes xmlns:a="http://schemas.openxmlformats.org/drawingml/2006/main" xmlns:p="http://schemas.openxmlformats.org/presentationml/2006/main" xmlns:r="http://schemas.openxmlformats.org/officeDocument/2006/relationships" xmlns:p14="http://schemas.microsoft.com/office/powerpoint/2010/main" xmlns:p15="http://schemas.microsoft.com/office/powerpoint/2012/main" xmlns:mc="http://schemas.openxmlformats.org/markup-compatibility/2006">
+<file path=ppt/notesSlides/notesSlide17.xml><?xml version="1.0" encoding="utf-8"?>
+<p:notes xmlns:a="http://schemas.openxmlformats.org/drawingml/2006/main" xmlns:r="http://schemas.openxmlformats.org/officeDocument/2006/relationships" xmlns:p="http://schemas.openxmlformats.org/presentationml/2006/main">
   <p:cSld>
     <p:spTree>
       <p:nvGrpSpPr>
@@ -1119,7 +1462,7 @@
         <p:nvSpPr>
           <p:cNvPr id="190" name="PlaceHolder 1"/>
           <p:cNvSpPr>
-            <a:spLocks noGrp="1"/>
+            <a:spLocks noGrp="1" noRot="1" noChangeAspect="1"/>
           </p:cNvSpPr>
           <p:nvPr>
             <p:ph type="sldImg"/>
@@ -1158,8 +1501,9 @@
           <a:bodyPr>
             <a:noAutofit/>
           </a:bodyPr>
-          <a:p>
-            <a:endParaRPr b="0" lang="es-UY" sz="2000" spc="-1" strike="noStrike">
+          <a:lstStyle/>
+          <a:p>
+            <a:endParaRPr lang="es-UY" sz="2000" b="0" strike="noStrike" spc="-1">
               <a:latin typeface="Arial"/>
             </a:endParaRPr>
           </a:p>
@@ -1188,6 +1532,7 @@
           <a:bodyPr anchor="b">
             <a:noAutofit/>
           </a:bodyPr>
+          <a:lstStyle/>
           <a:p>
             <a:pPr algn="r">
               <a:lnSpc>
@@ -1195,16 +1540,16 @@
               </a:lnSpc>
             </a:pPr>
             <a:fld id="{9427C290-0326-4A87-A9A2-F24D8096E619}" type="slidenum">
-              <a:rPr b="0" lang="es-UY" sz="1200" spc="-1" strike="noStrike">
+              <a:rPr lang="es-UY" sz="1200" b="0" strike="noStrike" spc="-1">
                 <a:solidFill>
                   <a:srgbClr val="000000"/>
                 </a:solidFill>
                 <a:latin typeface="+mn-lt"/>
                 <a:ea typeface="+mn-ea"/>
               </a:rPr>
-              <a:t>&lt;número&gt;</a:t>
+              <a:t>17</a:t>
             </a:fld>
-            <a:endParaRPr b="0" lang="es-UY" sz="1200" spc="-1" strike="noStrike">
+            <a:endParaRPr lang="es-UY" sz="1200" b="0" strike="noStrike" spc="-1">
               <a:latin typeface="Times New Roman"/>
             </a:endParaRPr>
           </a:p>
@@ -1212,11 +1557,14 @@
       </p:sp>
     </p:spTree>
   </p:cSld>
+  <p:clrMapOvr>
+    <a:masterClrMapping/>
+  </p:clrMapOvr>
 </p:notes>
 </file>
 
 <file path=ppt/notesSlides/notesSlide2.xml><?xml version="1.0" encoding="utf-8"?>
-<p:notes xmlns:a="http://schemas.openxmlformats.org/drawingml/2006/main" xmlns:p="http://schemas.openxmlformats.org/presentationml/2006/main" xmlns:r="http://schemas.openxmlformats.org/officeDocument/2006/relationships" xmlns:p14="http://schemas.microsoft.com/office/powerpoint/2010/main" xmlns:p15="http://schemas.microsoft.com/office/powerpoint/2012/main" xmlns:mc="http://schemas.openxmlformats.org/markup-compatibility/2006">
+<p:notes xmlns:a="http://schemas.openxmlformats.org/drawingml/2006/main" xmlns:r="http://schemas.openxmlformats.org/officeDocument/2006/relationships" xmlns:p="http://schemas.openxmlformats.org/presentationml/2006/main">
   <p:cSld>
     <p:spTree>
       <p:nvGrpSpPr>
@@ -1236,7 +1584,7 @@
         <p:nvSpPr>
           <p:cNvPr id="148" name="PlaceHolder 1"/>
           <p:cNvSpPr>
-            <a:spLocks noGrp="1"/>
+            <a:spLocks noGrp="1" noRot="1" noChangeAspect="1"/>
           </p:cNvSpPr>
           <p:nvPr>
             <p:ph type="sldImg"/>
@@ -1275,8 +1623,9 @@
           <a:bodyPr>
             <a:noAutofit/>
           </a:bodyPr>
-          <a:p>
-            <a:endParaRPr b="0" lang="es-UY" sz="2000" spc="-1" strike="noStrike">
+          <a:lstStyle/>
+          <a:p>
+            <a:endParaRPr lang="es-UY" sz="2000" b="0" strike="noStrike" spc="-1">
               <a:latin typeface="Arial"/>
             </a:endParaRPr>
           </a:p>
@@ -1305,6 +1654,7 @@
           <a:bodyPr anchor="b">
             <a:noAutofit/>
           </a:bodyPr>
+          <a:lstStyle/>
           <a:p>
             <a:pPr algn="r">
               <a:lnSpc>
@@ -1312,16 +1662,16 @@
               </a:lnSpc>
             </a:pPr>
             <a:fld id="{1AF0C706-E221-4D07-81BF-3FDD5EB2E383}" type="slidenum">
-              <a:rPr b="0" lang="es-UY" sz="1200" spc="-1" strike="noStrike">
+              <a:rPr lang="es-UY" sz="1200" b="0" strike="noStrike" spc="-1">
                 <a:solidFill>
                   <a:srgbClr val="000000"/>
                 </a:solidFill>
                 <a:latin typeface="+mn-lt"/>
                 <a:ea typeface="+mn-ea"/>
               </a:rPr>
-              <a:t>&lt;número&gt;</a:t>
+              <a:t>2</a:t>
             </a:fld>
-            <a:endParaRPr b="0" lang="es-UY" sz="1200" spc="-1" strike="noStrike">
+            <a:endParaRPr lang="es-UY" sz="1200" b="0" strike="noStrike" spc="-1">
               <a:latin typeface="Times New Roman"/>
             </a:endParaRPr>
           </a:p>
@@ -1329,11 +1679,14 @@
       </p:sp>
     </p:spTree>
   </p:cSld>
+  <p:clrMapOvr>
+    <a:masterClrMapping/>
+  </p:clrMapOvr>
 </p:notes>
 </file>
 
 <file path=ppt/notesSlides/notesSlide3.xml><?xml version="1.0" encoding="utf-8"?>
-<p:notes xmlns:a="http://schemas.openxmlformats.org/drawingml/2006/main" xmlns:p="http://schemas.openxmlformats.org/presentationml/2006/main" xmlns:r="http://schemas.openxmlformats.org/officeDocument/2006/relationships" xmlns:p14="http://schemas.microsoft.com/office/powerpoint/2010/main" xmlns:p15="http://schemas.microsoft.com/office/powerpoint/2012/main" xmlns:mc="http://schemas.openxmlformats.org/markup-compatibility/2006">
+<p:notes xmlns:a="http://schemas.openxmlformats.org/drawingml/2006/main" xmlns:r="http://schemas.openxmlformats.org/officeDocument/2006/relationships" xmlns:p="http://schemas.openxmlformats.org/presentationml/2006/main">
   <p:cSld>
     <p:spTree>
       <p:nvGrpSpPr>
@@ -1353,7 +1706,7 @@
         <p:nvSpPr>
           <p:cNvPr id="151" name="PlaceHolder 1"/>
           <p:cNvSpPr>
-            <a:spLocks noGrp="1"/>
+            <a:spLocks noGrp="1" noRot="1" noChangeAspect="1"/>
           </p:cNvSpPr>
           <p:nvPr>
             <p:ph type="sldImg"/>
@@ -1392,8 +1745,9 @@
           <a:bodyPr>
             <a:noAutofit/>
           </a:bodyPr>
-          <a:p>
-            <a:endParaRPr b="0" lang="es-UY" sz="2000" spc="-1" strike="noStrike">
+          <a:lstStyle/>
+          <a:p>
+            <a:endParaRPr lang="es-UY" sz="2000" b="0" strike="noStrike" spc="-1">
               <a:latin typeface="Arial"/>
             </a:endParaRPr>
           </a:p>
@@ -1422,6 +1776,7 @@
           <a:bodyPr anchor="b">
             <a:noAutofit/>
           </a:bodyPr>
+          <a:lstStyle/>
           <a:p>
             <a:pPr algn="r">
               <a:lnSpc>
@@ -1429,16 +1784,16 @@
               </a:lnSpc>
             </a:pPr>
             <a:fld id="{F5D64667-9D05-4B40-B5E1-10A25413DA6E}" type="slidenum">
-              <a:rPr b="0" lang="es-UY" sz="1200" spc="-1" strike="noStrike">
+              <a:rPr lang="es-UY" sz="1200" b="0" strike="noStrike" spc="-1">
                 <a:solidFill>
                   <a:srgbClr val="000000"/>
                 </a:solidFill>
                 <a:latin typeface="+mn-lt"/>
                 <a:ea typeface="+mn-ea"/>
               </a:rPr>
-              <a:t>&lt;número&gt;</a:t>
+              <a:t>3</a:t>
             </a:fld>
-            <a:endParaRPr b="0" lang="es-UY" sz="1200" spc="-1" strike="noStrike">
+            <a:endParaRPr lang="es-UY" sz="1200" b="0" strike="noStrike" spc="-1">
               <a:latin typeface="Times New Roman"/>
             </a:endParaRPr>
           </a:p>
@@ -1446,11 +1801,14 @@
       </p:sp>
     </p:spTree>
   </p:cSld>
+  <p:clrMapOvr>
+    <a:masterClrMapping/>
+  </p:clrMapOvr>
 </p:notes>
 </file>
 
 <file path=ppt/notesSlides/notesSlide4.xml><?xml version="1.0" encoding="utf-8"?>
-<p:notes xmlns:a="http://schemas.openxmlformats.org/drawingml/2006/main" xmlns:p="http://schemas.openxmlformats.org/presentationml/2006/main" xmlns:r="http://schemas.openxmlformats.org/officeDocument/2006/relationships" xmlns:p14="http://schemas.microsoft.com/office/powerpoint/2010/main" xmlns:p15="http://schemas.microsoft.com/office/powerpoint/2012/main" xmlns:mc="http://schemas.openxmlformats.org/markup-compatibility/2006">
+<p:notes xmlns:a="http://schemas.openxmlformats.org/drawingml/2006/main" xmlns:r="http://schemas.openxmlformats.org/officeDocument/2006/relationships" xmlns:p="http://schemas.openxmlformats.org/presentationml/2006/main">
   <p:cSld>
     <p:spTree>
       <p:nvGrpSpPr>
@@ -1470,7 +1828,7 @@
         <p:nvSpPr>
           <p:cNvPr id="154" name="PlaceHolder 1"/>
           <p:cNvSpPr>
-            <a:spLocks noGrp="1"/>
+            <a:spLocks noGrp="1" noRot="1" noChangeAspect="1"/>
           </p:cNvSpPr>
           <p:nvPr>
             <p:ph type="sldImg"/>
@@ -1509,8 +1867,9 @@
           <a:bodyPr>
             <a:noAutofit/>
           </a:bodyPr>
-          <a:p>
-            <a:endParaRPr b="0" lang="es-UY" sz="2000" spc="-1" strike="noStrike">
+          <a:lstStyle/>
+          <a:p>
+            <a:endParaRPr lang="es-UY" sz="2000" b="0" strike="noStrike" spc="-1">
               <a:latin typeface="Arial"/>
             </a:endParaRPr>
           </a:p>
@@ -1539,6 +1898,7 @@
           <a:bodyPr anchor="b">
             <a:noAutofit/>
           </a:bodyPr>
+          <a:lstStyle/>
           <a:p>
             <a:pPr algn="r">
               <a:lnSpc>
@@ -1546,16 +1906,16 @@
               </a:lnSpc>
             </a:pPr>
             <a:fld id="{E5550BB8-2C83-497F-B62A-F76FC6DE4522}" type="slidenum">
-              <a:rPr b="0" lang="es-UY" sz="1200" spc="-1" strike="noStrike">
+              <a:rPr lang="es-UY" sz="1200" b="0" strike="noStrike" spc="-1">
                 <a:solidFill>
                   <a:srgbClr val="000000"/>
                 </a:solidFill>
                 <a:latin typeface="+mn-lt"/>
                 <a:ea typeface="+mn-ea"/>
               </a:rPr>
-              <a:t>&lt;número&gt;</a:t>
+              <a:t>4</a:t>
             </a:fld>
-            <a:endParaRPr b="0" lang="es-UY" sz="1200" spc="-1" strike="noStrike">
+            <a:endParaRPr lang="es-UY" sz="1200" b="0" strike="noStrike" spc="-1">
               <a:latin typeface="Times New Roman"/>
             </a:endParaRPr>
           </a:p>
@@ -1563,11 +1923,14 @@
       </p:sp>
     </p:spTree>
   </p:cSld>
+  <p:clrMapOvr>
+    <a:masterClrMapping/>
+  </p:clrMapOvr>
 </p:notes>
 </file>
 
 <file path=ppt/notesSlides/notesSlide5.xml><?xml version="1.0" encoding="utf-8"?>
-<p:notes xmlns:a="http://schemas.openxmlformats.org/drawingml/2006/main" xmlns:p="http://schemas.openxmlformats.org/presentationml/2006/main" xmlns:r="http://schemas.openxmlformats.org/officeDocument/2006/relationships" xmlns:p14="http://schemas.microsoft.com/office/powerpoint/2010/main" xmlns:p15="http://schemas.microsoft.com/office/powerpoint/2012/main" xmlns:mc="http://schemas.openxmlformats.org/markup-compatibility/2006">
+<p:notes xmlns:a="http://schemas.openxmlformats.org/drawingml/2006/main" xmlns:r="http://schemas.openxmlformats.org/officeDocument/2006/relationships" xmlns:p="http://schemas.openxmlformats.org/presentationml/2006/main">
   <p:cSld>
     <p:spTree>
       <p:nvGrpSpPr>
@@ -1587,7 +1950,7 @@
         <p:nvSpPr>
           <p:cNvPr id="157" name="PlaceHolder 1"/>
           <p:cNvSpPr>
-            <a:spLocks noGrp="1"/>
+            <a:spLocks noGrp="1" noRot="1" noChangeAspect="1"/>
           </p:cNvSpPr>
           <p:nvPr>
             <p:ph type="sldImg"/>
@@ -1626,8 +1989,9 @@
           <a:bodyPr>
             <a:noAutofit/>
           </a:bodyPr>
-          <a:p>
-            <a:endParaRPr b="0" lang="es-UY" sz="2000" spc="-1" strike="noStrike">
+          <a:lstStyle/>
+          <a:p>
+            <a:endParaRPr lang="es-UY" sz="2000" b="0" strike="noStrike" spc="-1">
               <a:latin typeface="Arial"/>
             </a:endParaRPr>
           </a:p>
@@ -1656,6 +2020,7 @@
           <a:bodyPr anchor="b">
             <a:noAutofit/>
           </a:bodyPr>
+          <a:lstStyle/>
           <a:p>
             <a:pPr algn="r">
               <a:lnSpc>
@@ -1663,16 +2028,16 @@
               </a:lnSpc>
             </a:pPr>
             <a:fld id="{D6C96DAC-C443-43AB-B9BD-6CD3F051A3C3}" type="slidenum">
-              <a:rPr b="0" lang="es-UY" sz="1200" spc="-1" strike="noStrike">
+              <a:rPr lang="es-UY" sz="1200" b="0" strike="noStrike" spc="-1">
                 <a:solidFill>
                   <a:srgbClr val="000000"/>
                 </a:solidFill>
                 <a:latin typeface="+mn-lt"/>
                 <a:ea typeface="+mn-ea"/>
               </a:rPr>
-              <a:t>&lt;número&gt;</a:t>
+              <a:t>5</a:t>
             </a:fld>
-            <a:endParaRPr b="0" lang="es-UY" sz="1200" spc="-1" strike="noStrike">
+            <a:endParaRPr lang="es-UY" sz="1200" b="0" strike="noStrike" spc="-1">
               <a:latin typeface="Times New Roman"/>
             </a:endParaRPr>
           </a:p>
@@ -1680,11 +2045,14 @@
       </p:sp>
     </p:spTree>
   </p:cSld>
+  <p:clrMapOvr>
+    <a:masterClrMapping/>
+  </p:clrMapOvr>
 </p:notes>
 </file>
 
 <file path=ppt/notesSlides/notesSlide6.xml><?xml version="1.0" encoding="utf-8"?>
-<p:notes xmlns:a="http://schemas.openxmlformats.org/drawingml/2006/main" xmlns:p="http://schemas.openxmlformats.org/presentationml/2006/main" xmlns:r="http://schemas.openxmlformats.org/officeDocument/2006/relationships" xmlns:p14="http://schemas.microsoft.com/office/powerpoint/2010/main" xmlns:p15="http://schemas.microsoft.com/office/powerpoint/2012/main" xmlns:mc="http://schemas.openxmlformats.org/markup-compatibility/2006">
+<p:notes xmlns:a="http://schemas.openxmlformats.org/drawingml/2006/main" xmlns:r="http://schemas.openxmlformats.org/officeDocument/2006/relationships" xmlns:p="http://schemas.openxmlformats.org/presentationml/2006/main">
   <p:cSld>
     <p:spTree>
       <p:nvGrpSpPr>
@@ -1702,9 +2070,9 @@
       </p:grpSpPr>
       <p:sp>
         <p:nvSpPr>
-          <p:cNvPr id="160" name="PlaceHolder 1"/>
-          <p:cNvSpPr>
-            <a:spLocks noGrp="1"/>
+          <p:cNvPr id="157" name="PlaceHolder 1"/>
+          <p:cNvSpPr>
+            <a:spLocks noGrp="1" noRot="1" noChangeAspect="1"/>
           </p:cNvSpPr>
           <p:nvPr>
             <p:ph type="sldImg"/>
@@ -1713,16 +2081,16 @@
         <p:spPr>
           <a:xfrm>
             <a:off x="1143000" y="685800"/>
-            <a:ext cx="4571640" cy="3428640"/>
-          </a:xfrm>
-          <a:prstGeom prst="rect">
-            <a:avLst/>
-          </a:prstGeom>
-        </p:spPr>
-      </p:sp>
-      <p:sp>
-        <p:nvSpPr>
-          <p:cNvPr id="161" name="PlaceHolder 2"/>
+            <a:ext cx="4572000" cy="3429000"/>
+          </a:xfrm>
+          <a:prstGeom prst="rect">
+            <a:avLst/>
+          </a:prstGeom>
+        </p:spPr>
+      </p:sp>
+      <p:sp>
+        <p:nvSpPr>
+          <p:cNvPr id="158" name="PlaceHolder 2"/>
           <p:cNvSpPr>
             <a:spLocks noGrp="1"/>
           </p:cNvSpPr>
@@ -1743,8 +2111,9 @@
           <a:bodyPr>
             <a:noAutofit/>
           </a:bodyPr>
-          <a:p>
-            <a:endParaRPr b="0" lang="es-UY" sz="2000" spc="-1" strike="noStrike">
+          <a:lstStyle/>
+          <a:p>
+            <a:endParaRPr lang="es-UY" sz="2000" b="0" strike="noStrike" spc="-1">
               <a:latin typeface="Arial"/>
             </a:endParaRPr>
           </a:p>
@@ -1752,7 +2121,7 @@
       </p:sp>
       <p:sp>
         <p:nvSpPr>
-          <p:cNvPr id="162" name="TextShape 3"/>
+          <p:cNvPr id="159" name="TextShape 3"/>
           <p:cNvSpPr txBox="1"/>
           <p:nvPr/>
         </p:nvSpPr>
@@ -1773,23 +2142,24 @@
           <a:bodyPr anchor="b">
             <a:noAutofit/>
           </a:bodyPr>
+          <a:lstStyle/>
           <a:p>
             <a:pPr algn="r">
               <a:lnSpc>
                 <a:spcPct val="100000"/>
               </a:lnSpc>
             </a:pPr>
-            <a:fld id="{2F7B78F8-DABF-48E0-B885-2BD7F1681E70}" type="slidenum">
-              <a:rPr b="0" lang="es-UY" sz="1200" spc="-1" strike="noStrike">
+            <a:fld id="{D6C96DAC-C443-43AB-B9BD-6CD3F051A3C3}" type="slidenum">
+              <a:rPr lang="es-UY" sz="1200" b="0" strike="noStrike" spc="-1">
                 <a:solidFill>
                   <a:srgbClr val="000000"/>
                 </a:solidFill>
                 <a:latin typeface="+mn-lt"/>
                 <a:ea typeface="+mn-ea"/>
               </a:rPr>
-              <a:t>&lt;número&gt;</a:t>
+              <a:t>6</a:t>
             </a:fld>
-            <a:endParaRPr b="0" lang="es-UY" sz="1200" spc="-1" strike="noStrike">
+            <a:endParaRPr lang="es-UY" sz="1200" b="0" strike="noStrike" spc="-1">
               <a:latin typeface="Times New Roman"/>
             </a:endParaRPr>
           </a:p>
@@ -1797,11 +2167,14 @@
       </p:sp>
     </p:spTree>
   </p:cSld>
+  <p:clrMapOvr>
+    <a:masterClrMapping/>
+  </p:clrMapOvr>
 </p:notes>
 </file>
 
 <file path=ppt/notesSlides/notesSlide7.xml><?xml version="1.0" encoding="utf-8"?>
-<p:notes xmlns:a="http://schemas.openxmlformats.org/drawingml/2006/main" xmlns:p="http://schemas.openxmlformats.org/presentationml/2006/main" xmlns:r="http://schemas.openxmlformats.org/officeDocument/2006/relationships" xmlns:p14="http://schemas.microsoft.com/office/powerpoint/2010/main" xmlns:p15="http://schemas.microsoft.com/office/powerpoint/2012/main" xmlns:mc="http://schemas.openxmlformats.org/markup-compatibility/2006">
+<p:notes xmlns:a="http://schemas.openxmlformats.org/drawingml/2006/main" xmlns:r="http://schemas.openxmlformats.org/officeDocument/2006/relationships" xmlns:p="http://schemas.openxmlformats.org/presentationml/2006/main">
   <p:cSld>
     <p:spTree>
       <p:nvGrpSpPr>
@@ -1819,9 +2192,9 @@
       </p:grpSpPr>
       <p:sp>
         <p:nvSpPr>
-          <p:cNvPr id="163" name="PlaceHolder 1"/>
-          <p:cNvSpPr>
-            <a:spLocks noGrp="1"/>
+          <p:cNvPr id="160" name="PlaceHolder 1"/>
+          <p:cNvSpPr>
+            <a:spLocks noGrp="1" noRot="1" noChangeAspect="1"/>
           </p:cNvSpPr>
           <p:nvPr>
             <p:ph type="sldImg"/>
@@ -1839,7 +2212,7 @@
       </p:sp>
       <p:sp>
         <p:nvSpPr>
-          <p:cNvPr id="164" name="PlaceHolder 2"/>
+          <p:cNvPr id="161" name="PlaceHolder 2"/>
           <p:cNvSpPr>
             <a:spLocks noGrp="1"/>
           </p:cNvSpPr>
@@ -1860,8 +2233,9 @@
           <a:bodyPr>
             <a:noAutofit/>
           </a:bodyPr>
-          <a:p>
-            <a:endParaRPr b="0" lang="es-UY" sz="2000" spc="-1" strike="noStrike">
+          <a:lstStyle/>
+          <a:p>
+            <a:endParaRPr lang="es-UY" sz="2000" b="0" strike="noStrike" spc="-1">
               <a:latin typeface="Arial"/>
             </a:endParaRPr>
           </a:p>
@@ -1869,7 +2243,7 @@
       </p:sp>
       <p:sp>
         <p:nvSpPr>
-          <p:cNvPr id="165" name="TextShape 3"/>
+          <p:cNvPr id="162" name="TextShape 3"/>
           <p:cNvSpPr txBox="1"/>
           <p:nvPr/>
         </p:nvSpPr>
@@ -1890,23 +2264,24 @@
           <a:bodyPr anchor="b">
             <a:noAutofit/>
           </a:bodyPr>
+          <a:lstStyle/>
           <a:p>
             <a:pPr algn="r">
               <a:lnSpc>
                 <a:spcPct val="100000"/>
               </a:lnSpc>
             </a:pPr>
-            <a:fld id="{52E8E218-05B3-49C4-9312-6898D958C20F}" type="slidenum">
-              <a:rPr b="0" lang="es-UY" sz="1200" spc="-1" strike="noStrike">
+            <a:fld id="{2F7B78F8-DABF-48E0-B885-2BD7F1681E70}" type="slidenum">
+              <a:rPr lang="es-UY" sz="1200" b="0" strike="noStrike" spc="-1">
                 <a:solidFill>
                   <a:srgbClr val="000000"/>
                 </a:solidFill>
                 <a:latin typeface="+mn-lt"/>
                 <a:ea typeface="+mn-ea"/>
               </a:rPr>
-              <a:t>&lt;número&gt;</a:t>
+              <a:t>7</a:t>
             </a:fld>
-            <a:endParaRPr b="0" lang="es-UY" sz="1200" spc="-1" strike="noStrike">
+            <a:endParaRPr lang="es-UY" sz="1200" b="0" strike="noStrike" spc="-1">
               <a:latin typeface="Times New Roman"/>
             </a:endParaRPr>
           </a:p>
@@ -1914,11 +2289,14 @@
       </p:sp>
     </p:spTree>
   </p:cSld>
+  <p:clrMapOvr>
+    <a:masterClrMapping/>
+  </p:clrMapOvr>
 </p:notes>
 </file>
 
 <file path=ppt/notesSlides/notesSlide8.xml><?xml version="1.0" encoding="utf-8"?>
-<p:notes xmlns:a="http://schemas.openxmlformats.org/drawingml/2006/main" xmlns:p="http://schemas.openxmlformats.org/presentationml/2006/main" xmlns:r="http://schemas.openxmlformats.org/officeDocument/2006/relationships" xmlns:p14="http://schemas.microsoft.com/office/powerpoint/2010/main" xmlns:p15="http://schemas.microsoft.com/office/powerpoint/2012/main" xmlns:mc="http://schemas.openxmlformats.org/markup-compatibility/2006">
+<p:notes xmlns:a="http://schemas.openxmlformats.org/drawingml/2006/main" xmlns:r="http://schemas.openxmlformats.org/officeDocument/2006/relationships" xmlns:p="http://schemas.openxmlformats.org/presentationml/2006/main">
   <p:cSld>
     <p:spTree>
       <p:nvGrpSpPr>
@@ -1936,9 +2314,9 @@
       </p:grpSpPr>
       <p:sp>
         <p:nvSpPr>
-          <p:cNvPr id="166" name="PlaceHolder 1"/>
-          <p:cNvSpPr>
-            <a:spLocks noGrp="1"/>
+          <p:cNvPr id="163" name="PlaceHolder 1"/>
+          <p:cNvSpPr>
+            <a:spLocks noGrp="1" noRot="1" noChangeAspect="1"/>
           </p:cNvSpPr>
           <p:nvPr>
             <p:ph type="sldImg"/>
@@ -1956,7 +2334,7 @@
       </p:sp>
       <p:sp>
         <p:nvSpPr>
-          <p:cNvPr id="167" name="PlaceHolder 2"/>
+          <p:cNvPr id="164" name="PlaceHolder 2"/>
           <p:cNvSpPr>
             <a:spLocks noGrp="1"/>
           </p:cNvSpPr>
@@ -1977,8 +2355,9 @@
           <a:bodyPr>
             <a:noAutofit/>
           </a:bodyPr>
-          <a:p>
-            <a:endParaRPr b="0" lang="es-UY" sz="2000" spc="-1" strike="noStrike">
+          <a:lstStyle/>
+          <a:p>
+            <a:endParaRPr lang="es-UY" sz="2000" b="0" strike="noStrike" spc="-1">
               <a:latin typeface="Arial"/>
             </a:endParaRPr>
           </a:p>
@@ -1986,7 +2365,7 @@
       </p:sp>
       <p:sp>
         <p:nvSpPr>
-          <p:cNvPr id="168" name="TextShape 3"/>
+          <p:cNvPr id="165" name="TextShape 3"/>
           <p:cNvSpPr txBox="1"/>
           <p:nvPr/>
         </p:nvSpPr>
@@ -2007,23 +2386,24 @@
           <a:bodyPr anchor="b">
             <a:noAutofit/>
           </a:bodyPr>
+          <a:lstStyle/>
           <a:p>
             <a:pPr algn="r">
               <a:lnSpc>
                 <a:spcPct val="100000"/>
               </a:lnSpc>
             </a:pPr>
-            <a:fld id="{4B042B99-29BF-4D7A-B19A-A8B89119003D}" type="slidenum">
-              <a:rPr b="0" lang="es-UY" sz="1200" spc="-1" strike="noStrike">
+            <a:fld id="{52E8E218-05B3-49C4-9312-6898D958C20F}" type="slidenum">
+              <a:rPr lang="es-UY" sz="1200" b="0" strike="noStrike" spc="-1">
                 <a:solidFill>
                   <a:srgbClr val="000000"/>
                 </a:solidFill>
                 <a:latin typeface="+mn-lt"/>
                 <a:ea typeface="+mn-ea"/>
               </a:rPr>
-              <a:t>&lt;número&gt;</a:t>
+              <a:t>8</a:t>
             </a:fld>
-            <a:endParaRPr b="0" lang="es-UY" sz="1200" spc="-1" strike="noStrike">
+            <a:endParaRPr lang="es-UY" sz="1200" b="0" strike="noStrike" spc="-1">
               <a:latin typeface="Times New Roman"/>
             </a:endParaRPr>
           </a:p>
@@ -2031,11 +2411,14 @@
       </p:sp>
     </p:spTree>
   </p:cSld>
+  <p:clrMapOvr>
+    <a:masterClrMapping/>
+  </p:clrMapOvr>
 </p:notes>
 </file>
 
 <file path=ppt/notesSlides/notesSlide9.xml><?xml version="1.0" encoding="utf-8"?>
-<p:notes xmlns:a="http://schemas.openxmlformats.org/drawingml/2006/main" xmlns:p="http://schemas.openxmlformats.org/presentationml/2006/main" xmlns:r="http://schemas.openxmlformats.org/officeDocument/2006/relationships" xmlns:p14="http://schemas.microsoft.com/office/powerpoint/2010/main" xmlns:p15="http://schemas.microsoft.com/office/powerpoint/2012/main" xmlns:mc="http://schemas.openxmlformats.org/markup-compatibility/2006">
+<p:notes xmlns:a="http://schemas.openxmlformats.org/drawingml/2006/main" xmlns:r="http://schemas.openxmlformats.org/officeDocument/2006/relationships" xmlns:p="http://schemas.openxmlformats.org/presentationml/2006/main">
   <p:cSld>
     <p:spTree>
       <p:nvGrpSpPr>
@@ -2053,9 +2436,9 @@
       </p:grpSpPr>
       <p:sp>
         <p:nvSpPr>
-          <p:cNvPr id="169" name="PlaceHolder 1"/>
-          <p:cNvSpPr>
-            <a:spLocks noGrp="1"/>
+          <p:cNvPr id="166" name="PlaceHolder 1"/>
+          <p:cNvSpPr>
+            <a:spLocks noGrp="1" noRot="1" noChangeAspect="1"/>
           </p:cNvSpPr>
           <p:nvPr>
             <p:ph type="sldImg"/>
@@ -2073,7 +2456,7 @@
       </p:sp>
       <p:sp>
         <p:nvSpPr>
-          <p:cNvPr id="170" name="PlaceHolder 2"/>
+          <p:cNvPr id="167" name="PlaceHolder 2"/>
           <p:cNvSpPr>
             <a:spLocks noGrp="1"/>
           </p:cNvSpPr>
@@ -2094,8 +2477,9 @@
           <a:bodyPr>
             <a:noAutofit/>
           </a:bodyPr>
-          <a:p>
-            <a:endParaRPr b="0" lang="es-UY" sz="2000" spc="-1" strike="noStrike">
+          <a:lstStyle/>
+          <a:p>
+            <a:endParaRPr lang="es-UY" sz="2000" b="0" strike="noStrike" spc="-1">
               <a:latin typeface="Arial"/>
             </a:endParaRPr>
           </a:p>
@@ -2103,7 +2487,7 @@
       </p:sp>
       <p:sp>
         <p:nvSpPr>
-          <p:cNvPr id="171" name="TextShape 3"/>
+          <p:cNvPr id="168" name="TextShape 3"/>
           <p:cNvSpPr txBox="1"/>
           <p:nvPr/>
         </p:nvSpPr>
@@ -2124,23 +2508,24 @@
           <a:bodyPr anchor="b">
             <a:noAutofit/>
           </a:bodyPr>
+          <a:lstStyle/>
           <a:p>
             <a:pPr algn="r">
               <a:lnSpc>
                 <a:spcPct val="100000"/>
               </a:lnSpc>
             </a:pPr>
-            <a:fld id="{0A0461A6-DC6F-4CB2-A6F6-3969ADE797AC}" type="slidenum">
-              <a:rPr b="0" lang="es-UY" sz="1200" spc="-1" strike="noStrike">
+            <a:fld id="{4B042B99-29BF-4D7A-B19A-A8B89119003D}" type="slidenum">
+              <a:rPr lang="es-UY" sz="1200" b="0" strike="noStrike" spc="-1">
                 <a:solidFill>
                   <a:srgbClr val="000000"/>
                 </a:solidFill>
                 <a:latin typeface="+mn-lt"/>
                 <a:ea typeface="+mn-ea"/>
               </a:rPr>
-              <a:t>&lt;número&gt;</a:t>
+              <a:t>9</a:t>
             </a:fld>
-            <a:endParaRPr b="0" lang="es-UY" sz="1200" spc="-1" strike="noStrike">
+            <a:endParaRPr lang="es-UY" sz="1200" b="0" strike="noStrike" spc="-1">
               <a:latin typeface="Times New Roman"/>
             </a:endParaRPr>
           </a:p>
@@ -2148,11 +2533,14 @@
       </p:sp>
     </p:spTree>
   </p:cSld>
+  <p:clrMapOvr>
+    <a:masterClrMapping/>
+  </p:clrMapOvr>
 </p:notes>
 </file>
 
 <file path=ppt/slideLayouts/slideLayout1.xml><?xml version="1.0" encoding="utf-8"?>
-<p:sldLayout xmlns:a="http://schemas.openxmlformats.org/drawingml/2006/main" xmlns:p="http://schemas.openxmlformats.org/presentationml/2006/main" xmlns:r="http://schemas.openxmlformats.org/officeDocument/2006/relationships" xmlns:p14="http://schemas.microsoft.com/office/powerpoint/2010/main" xmlns:p15="http://schemas.microsoft.com/office/powerpoint/2012/main" xmlns:mc="http://schemas.openxmlformats.org/markup-compatibility/2006" type="blank" preserve="1">
+<p:sldLayout xmlns:a="http://schemas.openxmlformats.org/drawingml/2006/main" xmlns:r="http://schemas.openxmlformats.org/officeDocument/2006/relationships" xmlns:p="http://schemas.openxmlformats.org/presentationml/2006/main" type="blank" preserve="1">
   <p:cSld name="Blank Slide">
     <p:spTree>
       <p:nvGrpSpPr>
@@ -2170,11 +2558,14 @@
       </p:grpSpPr>
     </p:spTree>
   </p:cSld>
+  <p:clrMapOvr>
+    <a:masterClrMapping/>
+  </p:clrMapOvr>
 </p:sldLayout>
 </file>
 
 <file path=ppt/slideLayouts/slideLayout10.xml><?xml version="1.0" encoding="utf-8"?>
-<p:sldLayout xmlns:a="http://schemas.openxmlformats.org/drawingml/2006/main" xmlns:p="http://schemas.openxmlformats.org/presentationml/2006/main" xmlns:r="http://schemas.openxmlformats.org/officeDocument/2006/relationships" xmlns:p14="http://schemas.microsoft.com/office/powerpoint/2010/main" xmlns:p15="http://schemas.microsoft.com/office/powerpoint/2012/main" xmlns:mc="http://schemas.openxmlformats.org/markup-compatibility/2006" type="objOverTx" preserve="1">
+<p:sldLayout xmlns:a="http://schemas.openxmlformats.org/drawingml/2006/main" xmlns:r="http://schemas.openxmlformats.org/officeDocument/2006/relationships" xmlns:p="http://schemas.openxmlformats.org/presentationml/2006/main" type="objOverTx" preserve="1">
   <p:cSld name="Title, Content over Content">
     <p:spTree>
       <p:nvGrpSpPr>
@@ -2210,11 +2601,12 @@
           </a:prstGeom>
         </p:spPr>
         <p:txBody>
-          <a:bodyPr lIns="0" rIns="0" tIns="0" bIns="0" anchor="ctr">
+          <a:bodyPr lIns="0" tIns="0" rIns="0" bIns="0" anchor="ctr">
             <a:noAutofit/>
           </a:bodyPr>
-          <a:p>
-            <a:endParaRPr b="0" lang="es-UY" sz="1800" spc="-1" strike="noStrike">
+          <a:lstStyle/>
+          <a:p>
+            <a:endParaRPr lang="es-UY" sz="1800" b="0" strike="noStrike" spc="-1">
               <a:solidFill>
                 <a:srgbClr val="000000"/>
               </a:solidFill>
@@ -2243,11 +2635,12 @@
           </a:prstGeom>
         </p:spPr>
         <p:txBody>
-          <a:bodyPr lIns="0" rIns="0" tIns="0" bIns="0">
+          <a:bodyPr lIns="0" tIns="0" rIns="0" bIns="0">
             <a:normAutofit/>
           </a:bodyPr>
-          <a:p>
-            <a:endParaRPr b="0" lang="es-UY" sz="3200" spc="-1" strike="noStrike">
+          <a:lstStyle/>
+          <a:p>
+            <a:endParaRPr lang="es-UY" sz="3200" b="0" strike="noStrike" spc="-1">
               <a:solidFill>
                 <a:srgbClr val="000000"/>
               </a:solidFill>
@@ -2276,11 +2669,12 @@
           </a:prstGeom>
         </p:spPr>
         <p:txBody>
-          <a:bodyPr lIns="0" rIns="0" tIns="0" bIns="0">
+          <a:bodyPr lIns="0" tIns="0" rIns="0" bIns="0">
             <a:normAutofit/>
           </a:bodyPr>
-          <a:p>
-            <a:endParaRPr b="0" lang="es-UY" sz="3200" spc="-1" strike="noStrike">
+          <a:lstStyle/>
+          <a:p>
+            <a:endParaRPr lang="es-UY" sz="3200" b="0" strike="noStrike" spc="-1">
               <a:solidFill>
                 <a:srgbClr val="000000"/>
               </a:solidFill>
@@ -2291,11 +2685,14 @@
       </p:sp>
     </p:spTree>
   </p:cSld>
+  <p:clrMapOvr>
+    <a:masterClrMapping/>
+  </p:clrMapOvr>
 </p:sldLayout>
 </file>
 
 <file path=ppt/slideLayouts/slideLayout11.xml><?xml version="1.0" encoding="utf-8"?>
-<p:sldLayout xmlns:a="http://schemas.openxmlformats.org/drawingml/2006/main" xmlns:p="http://schemas.openxmlformats.org/presentationml/2006/main" xmlns:r="http://schemas.openxmlformats.org/officeDocument/2006/relationships" xmlns:p14="http://schemas.microsoft.com/office/powerpoint/2010/main" xmlns:p15="http://schemas.microsoft.com/office/powerpoint/2012/main" xmlns:mc="http://schemas.openxmlformats.org/markup-compatibility/2006" type="fourObj" preserve="1">
+<p:sldLayout xmlns:a="http://schemas.openxmlformats.org/drawingml/2006/main" xmlns:r="http://schemas.openxmlformats.org/officeDocument/2006/relationships" xmlns:p="http://schemas.openxmlformats.org/presentationml/2006/main" type="fourObj" preserve="1">
   <p:cSld name="Title, 4 Content">
     <p:spTree>
       <p:nvGrpSpPr>
@@ -2331,11 +2728,12 @@
           </a:prstGeom>
         </p:spPr>
         <p:txBody>
-          <a:bodyPr lIns="0" rIns="0" tIns="0" bIns="0" anchor="ctr">
+          <a:bodyPr lIns="0" tIns="0" rIns="0" bIns="0" anchor="ctr">
             <a:noAutofit/>
           </a:bodyPr>
-          <a:p>
-            <a:endParaRPr b="0" lang="es-UY" sz="1800" spc="-1" strike="noStrike">
+          <a:lstStyle/>
+          <a:p>
+            <a:endParaRPr lang="es-UY" sz="1800" b="0" strike="noStrike" spc="-1">
               <a:solidFill>
                 <a:srgbClr val="000000"/>
               </a:solidFill>
@@ -2364,11 +2762,12 @@
           </a:prstGeom>
         </p:spPr>
         <p:txBody>
-          <a:bodyPr lIns="0" rIns="0" tIns="0" bIns="0">
+          <a:bodyPr lIns="0" tIns="0" rIns="0" bIns="0">
             <a:normAutofit/>
           </a:bodyPr>
-          <a:p>
-            <a:endParaRPr b="0" lang="es-UY" sz="3200" spc="-1" strike="noStrike">
+          <a:lstStyle/>
+          <a:p>
+            <a:endParaRPr lang="es-UY" sz="3200" b="0" strike="noStrike" spc="-1">
               <a:solidFill>
                 <a:srgbClr val="000000"/>
               </a:solidFill>
@@ -2397,11 +2796,12 @@
           </a:prstGeom>
         </p:spPr>
         <p:txBody>
-          <a:bodyPr lIns="0" rIns="0" tIns="0" bIns="0">
+          <a:bodyPr lIns="0" tIns="0" rIns="0" bIns="0">
             <a:normAutofit/>
           </a:bodyPr>
-          <a:p>
-            <a:endParaRPr b="0" lang="es-UY" sz="3200" spc="-1" strike="noStrike">
+          <a:lstStyle/>
+          <a:p>
+            <a:endParaRPr lang="es-UY" sz="3200" b="0" strike="noStrike" spc="-1">
               <a:solidFill>
                 <a:srgbClr val="000000"/>
               </a:solidFill>
@@ -2430,11 +2830,12 @@
           </a:prstGeom>
         </p:spPr>
         <p:txBody>
-          <a:bodyPr lIns="0" rIns="0" tIns="0" bIns="0">
+          <a:bodyPr lIns="0" tIns="0" rIns="0" bIns="0">
             <a:normAutofit/>
           </a:bodyPr>
-          <a:p>
-            <a:endParaRPr b="0" lang="es-UY" sz="3200" spc="-1" strike="noStrike">
+          <a:lstStyle/>
+          <a:p>
+            <a:endParaRPr lang="es-UY" sz="3200" b="0" strike="noStrike" spc="-1">
               <a:solidFill>
                 <a:srgbClr val="000000"/>
               </a:solidFill>
@@ -2463,11 +2864,12 @@
           </a:prstGeom>
         </p:spPr>
         <p:txBody>
-          <a:bodyPr lIns="0" rIns="0" tIns="0" bIns="0">
+          <a:bodyPr lIns="0" tIns="0" rIns="0" bIns="0">
             <a:normAutofit/>
           </a:bodyPr>
-          <a:p>
-            <a:endParaRPr b="0" lang="es-UY" sz="3200" spc="-1" strike="noStrike">
+          <a:lstStyle/>
+          <a:p>
+            <a:endParaRPr lang="es-UY" sz="3200" b="0" strike="noStrike" spc="-1">
               <a:solidFill>
                 <a:srgbClr val="000000"/>
               </a:solidFill>
@@ -2478,11 +2880,14 @@
       </p:sp>
     </p:spTree>
   </p:cSld>
+  <p:clrMapOvr>
+    <a:masterClrMapping/>
+  </p:clrMapOvr>
 </p:sldLayout>
 </file>
 
 <file path=ppt/slideLayouts/slideLayout12.xml><?xml version="1.0" encoding="utf-8"?>
-<p:sldLayout xmlns:a="http://schemas.openxmlformats.org/drawingml/2006/main" xmlns:p="http://schemas.openxmlformats.org/presentationml/2006/main" xmlns:r="http://schemas.openxmlformats.org/officeDocument/2006/relationships" xmlns:p14="http://schemas.microsoft.com/office/powerpoint/2010/main" xmlns:p15="http://schemas.microsoft.com/office/powerpoint/2012/main" xmlns:mc="http://schemas.openxmlformats.org/markup-compatibility/2006" type="blank" preserve="1">
+<p:sldLayout xmlns:a="http://schemas.openxmlformats.org/drawingml/2006/main" xmlns:r="http://schemas.openxmlformats.org/officeDocument/2006/relationships" xmlns:p="http://schemas.openxmlformats.org/presentationml/2006/main" type="blank" preserve="1">
   <p:cSld name="Title, 6 Content">
     <p:spTree>
       <p:nvGrpSpPr>
@@ -2518,11 +2923,12 @@
           </a:prstGeom>
         </p:spPr>
         <p:txBody>
-          <a:bodyPr lIns="0" rIns="0" tIns="0" bIns="0" anchor="ctr">
+          <a:bodyPr lIns="0" tIns="0" rIns="0" bIns="0" anchor="ctr">
             <a:noAutofit/>
           </a:bodyPr>
-          <a:p>
-            <a:endParaRPr b="0" lang="es-UY" sz="1800" spc="-1" strike="noStrike">
+          <a:lstStyle/>
+          <a:p>
+            <a:endParaRPr lang="es-UY" sz="1800" b="0" strike="noStrike" spc="-1">
               <a:solidFill>
                 <a:srgbClr val="000000"/>
               </a:solidFill>
@@ -2551,11 +2957,12 @@
           </a:prstGeom>
         </p:spPr>
         <p:txBody>
-          <a:bodyPr lIns="0" rIns="0" tIns="0" bIns="0">
+          <a:bodyPr lIns="0" tIns="0" rIns="0" bIns="0">
             <a:normAutofit/>
           </a:bodyPr>
-          <a:p>
-            <a:endParaRPr b="0" lang="es-UY" sz="3200" spc="-1" strike="noStrike">
+          <a:lstStyle/>
+          <a:p>
+            <a:endParaRPr lang="es-UY" sz="3200" b="0" strike="noStrike" spc="-1">
               <a:solidFill>
                 <a:srgbClr val="000000"/>
               </a:solidFill>
@@ -2584,11 +2991,12 @@
           </a:prstGeom>
         </p:spPr>
         <p:txBody>
-          <a:bodyPr lIns="0" rIns="0" tIns="0" bIns="0">
+          <a:bodyPr lIns="0" tIns="0" rIns="0" bIns="0">
             <a:normAutofit/>
           </a:bodyPr>
-          <a:p>
-            <a:endParaRPr b="0" lang="es-UY" sz="3200" spc="-1" strike="noStrike">
+          <a:lstStyle/>
+          <a:p>
+            <a:endParaRPr lang="es-UY" sz="3200" b="0" strike="noStrike" spc="-1">
               <a:solidFill>
                 <a:srgbClr val="000000"/>
               </a:solidFill>
@@ -2617,11 +3025,12 @@
           </a:prstGeom>
         </p:spPr>
         <p:txBody>
-          <a:bodyPr lIns="0" rIns="0" tIns="0" bIns="0">
+          <a:bodyPr lIns="0" tIns="0" rIns="0" bIns="0">
             <a:normAutofit/>
           </a:bodyPr>
-          <a:p>
-            <a:endParaRPr b="0" lang="es-UY" sz="3200" spc="-1" strike="noStrike">
+          <a:lstStyle/>
+          <a:p>
+            <a:endParaRPr lang="es-UY" sz="3200" b="0" strike="noStrike" spc="-1">
               <a:solidFill>
                 <a:srgbClr val="000000"/>
               </a:solidFill>
@@ -2650,11 +3059,12 @@
           </a:prstGeom>
         </p:spPr>
         <p:txBody>
-          <a:bodyPr lIns="0" rIns="0" tIns="0" bIns="0">
+          <a:bodyPr lIns="0" tIns="0" rIns="0" bIns="0">
             <a:normAutofit/>
           </a:bodyPr>
-          <a:p>
-            <a:endParaRPr b="0" lang="es-UY" sz="3200" spc="-1" strike="noStrike">
+          <a:lstStyle/>
+          <a:p>
+            <a:endParaRPr lang="es-UY" sz="3200" b="0" strike="noStrike" spc="-1">
               <a:solidFill>
                 <a:srgbClr val="000000"/>
               </a:solidFill>
@@ -2683,11 +3093,12 @@
           </a:prstGeom>
         </p:spPr>
         <p:txBody>
-          <a:bodyPr lIns="0" rIns="0" tIns="0" bIns="0">
+          <a:bodyPr lIns="0" tIns="0" rIns="0" bIns="0">
             <a:normAutofit/>
           </a:bodyPr>
-          <a:p>
-            <a:endParaRPr b="0" lang="es-UY" sz="3200" spc="-1" strike="noStrike">
+          <a:lstStyle/>
+          <a:p>
+            <a:endParaRPr lang="es-UY" sz="3200" b="0" strike="noStrike" spc="-1">
               <a:solidFill>
                 <a:srgbClr val="000000"/>
               </a:solidFill>
@@ -2716,11 +3127,12 @@
           </a:prstGeom>
         </p:spPr>
         <p:txBody>
-          <a:bodyPr lIns="0" rIns="0" tIns="0" bIns="0">
+          <a:bodyPr lIns="0" tIns="0" rIns="0" bIns="0">
             <a:normAutofit/>
           </a:bodyPr>
-          <a:p>
-            <a:endParaRPr b="0" lang="es-UY" sz="3200" spc="-1" strike="noStrike">
+          <a:lstStyle/>
+          <a:p>
+            <a:endParaRPr lang="es-UY" sz="3200" b="0" strike="noStrike" spc="-1">
               <a:solidFill>
                 <a:srgbClr val="000000"/>
               </a:solidFill>
@@ -2731,11 +3143,14 @@
       </p:sp>
     </p:spTree>
   </p:cSld>
+  <p:clrMapOvr>
+    <a:masterClrMapping/>
+  </p:clrMapOvr>
 </p:sldLayout>
 </file>
 
 <file path=ppt/slideLayouts/slideLayout13.xml><?xml version="1.0" encoding="utf-8"?>
-<p:sldLayout xmlns:a="http://schemas.openxmlformats.org/drawingml/2006/main" xmlns:p="http://schemas.openxmlformats.org/presentationml/2006/main" xmlns:r="http://schemas.openxmlformats.org/officeDocument/2006/relationships" xmlns:p14="http://schemas.microsoft.com/office/powerpoint/2010/main" xmlns:p15="http://schemas.microsoft.com/office/powerpoint/2012/main" xmlns:mc="http://schemas.openxmlformats.org/markup-compatibility/2006" type="blank" preserve="1">
+<p:sldLayout xmlns:a="http://schemas.openxmlformats.org/drawingml/2006/main" xmlns:r="http://schemas.openxmlformats.org/officeDocument/2006/relationships" xmlns:p="http://schemas.openxmlformats.org/presentationml/2006/main" type="blank" preserve="1">
   <p:cSld name="Blank Slide">
     <p:spTree>
       <p:nvGrpSpPr>
@@ -2753,11 +3168,14 @@
       </p:grpSpPr>
     </p:spTree>
   </p:cSld>
+  <p:clrMapOvr>
+    <a:masterClrMapping/>
+  </p:clrMapOvr>
 </p:sldLayout>
 </file>
 
 <file path=ppt/slideLayouts/slideLayout14.xml><?xml version="1.0" encoding="utf-8"?>
-<p:sldLayout xmlns:a="http://schemas.openxmlformats.org/drawingml/2006/main" xmlns:p="http://schemas.openxmlformats.org/presentationml/2006/main" xmlns:r="http://schemas.openxmlformats.org/officeDocument/2006/relationships" xmlns:p14="http://schemas.microsoft.com/office/powerpoint/2010/main" xmlns:p15="http://schemas.microsoft.com/office/powerpoint/2012/main" xmlns:mc="http://schemas.openxmlformats.org/markup-compatibility/2006" type="tx" preserve="1">
+<p:sldLayout xmlns:a="http://schemas.openxmlformats.org/drawingml/2006/main" xmlns:r="http://schemas.openxmlformats.org/officeDocument/2006/relationships" xmlns:p="http://schemas.openxmlformats.org/presentationml/2006/main" type="tx" preserve="1">
   <p:cSld name="Title Slide">
     <p:spTree>
       <p:nvGrpSpPr>
@@ -2793,11 +3211,12 @@
           </a:prstGeom>
         </p:spPr>
         <p:txBody>
-          <a:bodyPr lIns="0" rIns="0" tIns="0" bIns="0" anchor="ctr">
+          <a:bodyPr lIns="0" tIns="0" rIns="0" bIns="0" anchor="ctr">
             <a:noAutofit/>
           </a:bodyPr>
-          <a:p>
-            <a:endParaRPr b="0" lang="es-UY" sz="1800" spc="-1" strike="noStrike">
+          <a:lstStyle/>
+          <a:p>
+            <a:endParaRPr lang="es-UY" sz="1800" b="0" strike="noStrike" spc="-1">
               <a:solidFill>
                 <a:srgbClr val="000000"/>
               </a:solidFill>
@@ -2826,12 +3245,13 @@
           </a:prstGeom>
         </p:spPr>
         <p:txBody>
-          <a:bodyPr lIns="0" rIns="0" tIns="0" bIns="0" anchor="ctr">
+          <a:bodyPr lIns="0" tIns="0" rIns="0" bIns="0" anchor="ctr">
             <a:noAutofit/>
           </a:bodyPr>
+          <a:lstStyle/>
           <a:p>
             <a:pPr algn="ctr"/>
-            <a:endParaRPr b="0" lang="es-UY" sz="3200" spc="-1" strike="noStrike">
+            <a:endParaRPr lang="es-UY" sz="3200" b="0" strike="noStrike" spc="-1">
               <a:latin typeface="Arial"/>
             </a:endParaRPr>
           </a:p>
@@ -2839,11 +3259,14 @@
       </p:sp>
     </p:spTree>
   </p:cSld>
+  <p:clrMapOvr>
+    <a:masterClrMapping/>
+  </p:clrMapOvr>
 </p:sldLayout>
 </file>
 
 <file path=ppt/slideLayouts/slideLayout15.xml><?xml version="1.0" encoding="utf-8"?>
-<p:sldLayout xmlns:a="http://schemas.openxmlformats.org/drawingml/2006/main" xmlns:p="http://schemas.openxmlformats.org/presentationml/2006/main" xmlns:r="http://schemas.openxmlformats.org/officeDocument/2006/relationships" xmlns:p14="http://schemas.microsoft.com/office/powerpoint/2010/main" xmlns:p15="http://schemas.microsoft.com/office/powerpoint/2012/main" xmlns:mc="http://schemas.openxmlformats.org/markup-compatibility/2006" type="obj" preserve="1">
+<p:sldLayout xmlns:a="http://schemas.openxmlformats.org/drawingml/2006/main" xmlns:r="http://schemas.openxmlformats.org/officeDocument/2006/relationships" xmlns:p="http://schemas.openxmlformats.org/presentationml/2006/main" type="obj" preserve="1">
   <p:cSld name="Title, Content">
     <p:spTree>
       <p:nvGrpSpPr>
@@ -2879,11 +3302,12 @@
           </a:prstGeom>
         </p:spPr>
         <p:txBody>
-          <a:bodyPr lIns="0" rIns="0" tIns="0" bIns="0" anchor="ctr">
+          <a:bodyPr lIns="0" tIns="0" rIns="0" bIns="0" anchor="ctr">
             <a:noAutofit/>
           </a:bodyPr>
-          <a:p>
-            <a:endParaRPr b="0" lang="es-UY" sz="1800" spc="-1" strike="noStrike">
+          <a:lstStyle/>
+          <a:p>
+            <a:endParaRPr lang="es-UY" sz="1800" b="0" strike="noStrike" spc="-1">
               <a:solidFill>
                 <a:srgbClr val="000000"/>
               </a:solidFill>
@@ -2912,11 +3336,12 @@
           </a:prstGeom>
         </p:spPr>
         <p:txBody>
-          <a:bodyPr lIns="0" rIns="0" tIns="0" bIns="0">
+          <a:bodyPr lIns="0" tIns="0" rIns="0" bIns="0">
             <a:normAutofit/>
           </a:bodyPr>
-          <a:p>
-            <a:endParaRPr b="0" lang="es-UY" sz="3200" spc="-1" strike="noStrike">
+          <a:lstStyle/>
+          <a:p>
+            <a:endParaRPr lang="es-UY" sz="3200" b="0" strike="noStrike" spc="-1">
               <a:solidFill>
                 <a:srgbClr val="000000"/>
               </a:solidFill>
@@ -2927,11 +3352,14 @@
       </p:sp>
     </p:spTree>
   </p:cSld>
+  <p:clrMapOvr>
+    <a:masterClrMapping/>
+  </p:clrMapOvr>
 </p:sldLayout>
 </file>
 
 <file path=ppt/slideLayouts/slideLayout16.xml><?xml version="1.0" encoding="utf-8"?>
-<p:sldLayout xmlns:a="http://schemas.openxmlformats.org/drawingml/2006/main" xmlns:p="http://schemas.openxmlformats.org/presentationml/2006/main" xmlns:r="http://schemas.openxmlformats.org/officeDocument/2006/relationships" xmlns:p14="http://schemas.microsoft.com/office/powerpoint/2010/main" xmlns:p15="http://schemas.microsoft.com/office/powerpoint/2012/main" xmlns:mc="http://schemas.openxmlformats.org/markup-compatibility/2006" type="twoObj" preserve="1">
+<p:sldLayout xmlns:a="http://schemas.openxmlformats.org/drawingml/2006/main" xmlns:r="http://schemas.openxmlformats.org/officeDocument/2006/relationships" xmlns:p="http://schemas.openxmlformats.org/presentationml/2006/main" type="twoObj" preserve="1">
   <p:cSld name="Title, 2 Content">
     <p:spTree>
       <p:nvGrpSpPr>
@@ -2967,11 +3395,12 @@
           </a:prstGeom>
         </p:spPr>
         <p:txBody>
-          <a:bodyPr lIns="0" rIns="0" tIns="0" bIns="0" anchor="ctr">
+          <a:bodyPr lIns="0" tIns="0" rIns="0" bIns="0" anchor="ctr">
             <a:noAutofit/>
           </a:bodyPr>
-          <a:p>
-            <a:endParaRPr b="0" lang="es-UY" sz="1800" spc="-1" strike="noStrike">
+          <a:lstStyle/>
+          <a:p>
+            <a:endParaRPr lang="es-UY" sz="1800" b="0" strike="noStrike" spc="-1">
               <a:solidFill>
                 <a:srgbClr val="000000"/>
               </a:solidFill>
@@ -3000,11 +3429,12 @@
           </a:prstGeom>
         </p:spPr>
         <p:txBody>
-          <a:bodyPr lIns="0" rIns="0" tIns="0" bIns="0">
+          <a:bodyPr lIns="0" tIns="0" rIns="0" bIns="0">
             <a:normAutofit/>
           </a:bodyPr>
-          <a:p>
-            <a:endParaRPr b="0" lang="es-UY" sz="3200" spc="-1" strike="noStrike">
+          <a:lstStyle/>
+          <a:p>
+            <a:endParaRPr lang="es-UY" sz="3200" b="0" strike="noStrike" spc="-1">
               <a:solidFill>
                 <a:srgbClr val="000000"/>
               </a:solidFill>
@@ -3033,11 +3463,12 @@
           </a:prstGeom>
         </p:spPr>
         <p:txBody>
-          <a:bodyPr lIns="0" rIns="0" tIns="0" bIns="0">
+          <a:bodyPr lIns="0" tIns="0" rIns="0" bIns="0">
             <a:normAutofit/>
           </a:bodyPr>
-          <a:p>
-            <a:endParaRPr b="0" lang="es-UY" sz="3200" spc="-1" strike="noStrike">
+          <a:lstStyle/>
+          <a:p>
+            <a:endParaRPr lang="es-UY" sz="3200" b="0" strike="noStrike" spc="-1">
               <a:solidFill>
                 <a:srgbClr val="000000"/>
               </a:solidFill>
@@ -3048,11 +3479,14 @@
       </p:sp>
     </p:spTree>
   </p:cSld>
+  <p:clrMapOvr>
+    <a:masterClrMapping/>
+  </p:clrMapOvr>
 </p:sldLayout>
 </file>
 
 <file path=ppt/slideLayouts/slideLayout17.xml><?xml version="1.0" encoding="utf-8"?>
-<p:sldLayout xmlns:a="http://schemas.openxmlformats.org/drawingml/2006/main" xmlns:p="http://schemas.openxmlformats.org/presentationml/2006/main" xmlns:r="http://schemas.openxmlformats.org/officeDocument/2006/relationships" xmlns:p14="http://schemas.microsoft.com/office/powerpoint/2010/main" xmlns:p15="http://schemas.microsoft.com/office/powerpoint/2012/main" xmlns:mc="http://schemas.openxmlformats.org/markup-compatibility/2006" type="titleOnly" preserve="1">
+<p:sldLayout xmlns:a="http://schemas.openxmlformats.org/drawingml/2006/main" xmlns:r="http://schemas.openxmlformats.org/officeDocument/2006/relationships" xmlns:p="http://schemas.openxmlformats.org/presentationml/2006/main" type="titleOnly" preserve="1">
   <p:cSld name="Title Only">
     <p:spTree>
       <p:nvGrpSpPr>
@@ -3088,11 +3522,12 @@
           </a:prstGeom>
         </p:spPr>
         <p:txBody>
-          <a:bodyPr lIns="0" rIns="0" tIns="0" bIns="0" anchor="ctr">
+          <a:bodyPr lIns="0" tIns="0" rIns="0" bIns="0" anchor="ctr">
             <a:noAutofit/>
           </a:bodyPr>
-          <a:p>
-            <a:endParaRPr b="0" lang="es-UY" sz="1800" spc="-1" strike="noStrike">
+          <a:lstStyle/>
+          <a:p>
+            <a:endParaRPr lang="es-UY" sz="1800" b="0" strike="noStrike" spc="-1">
               <a:solidFill>
                 <a:srgbClr val="000000"/>
               </a:solidFill>
@@ -3103,11 +3538,14 @@
       </p:sp>
     </p:spTree>
   </p:cSld>
+  <p:clrMapOvr>
+    <a:masterClrMapping/>
+  </p:clrMapOvr>
 </p:sldLayout>
 </file>
 
 <file path=ppt/slideLayouts/slideLayout18.xml><?xml version="1.0" encoding="utf-8"?>
-<p:sldLayout xmlns:a="http://schemas.openxmlformats.org/drawingml/2006/main" xmlns:p="http://schemas.openxmlformats.org/presentationml/2006/main" xmlns:r="http://schemas.openxmlformats.org/officeDocument/2006/relationships" xmlns:p14="http://schemas.microsoft.com/office/powerpoint/2010/main" xmlns:p15="http://schemas.microsoft.com/office/powerpoint/2012/main" xmlns:mc="http://schemas.openxmlformats.org/markup-compatibility/2006" type="objOnly" preserve="1">
+<p:sldLayout xmlns:a="http://schemas.openxmlformats.org/drawingml/2006/main" xmlns:r="http://schemas.openxmlformats.org/officeDocument/2006/relationships" xmlns:p="http://schemas.openxmlformats.org/presentationml/2006/main" type="objOnly" preserve="1">
   <p:cSld name="Centered Text">
     <p:spTree>
       <p:nvGrpSpPr>
@@ -3143,12 +3581,13 @@
           </a:prstGeom>
         </p:spPr>
         <p:txBody>
-          <a:bodyPr lIns="0" rIns="0" tIns="0" bIns="0" anchor="ctr">
+          <a:bodyPr lIns="0" tIns="0" rIns="0" bIns="0" anchor="ctr">
             <a:noAutofit/>
           </a:bodyPr>
+          <a:lstStyle/>
           <a:p>
             <a:pPr algn="ctr"/>
-            <a:endParaRPr b="0" lang="es-UY" sz="3200" spc="-1" strike="noStrike">
+            <a:endParaRPr lang="es-UY" sz="3200" b="0" strike="noStrike" spc="-1">
               <a:latin typeface="Arial"/>
             </a:endParaRPr>
           </a:p>
@@ -3156,11 +3595,14 @@
       </p:sp>
     </p:spTree>
   </p:cSld>
+  <p:clrMapOvr>
+    <a:masterClrMapping/>
+  </p:clrMapOvr>
 </p:sldLayout>
 </file>
 
 <file path=ppt/slideLayouts/slideLayout19.xml><?xml version="1.0" encoding="utf-8"?>
-<p:sldLayout xmlns:a="http://schemas.openxmlformats.org/drawingml/2006/main" xmlns:p="http://schemas.openxmlformats.org/presentationml/2006/main" xmlns:r="http://schemas.openxmlformats.org/officeDocument/2006/relationships" xmlns:p14="http://schemas.microsoft.com/office/powerpoint/2010/main" xmlns:p15="http://schemas.microsoft.com/office/powerpoint/2012/main" xmlns:mc="http://schemas.openxmlformats.org/markup-compatibility/2006" type="twoObjAndObj" preserve="1">
+<p:sldLayout xmlns:a="http://schemas.openxmlformats.org/drawingml/2006/main" xmlns:r="http://schemas.openxmlformats.org/officeDocument/2006/relationships" xmlns:p="http://schemas.openxmlformats.org/presentationml/2006/main" type="twoObjAndObj" preserve="1">
   <p:cSld name="Title, 2 Content and Content">
     <p:spTree>
       <p:nvGrpSpPr>
@@ -3196,11 +3638,12 @@
           </a:prstGeom>
         </p:spPr>
         <p:txBody>
-          <a:bodyPr lIns="0" rIns="0" tIns="0" bIns="0" anchor="ctr">
+          <a:bodyPr lIns="0" tIns="0" rIns="0" bIns="0" anchor="ctr">
             <a:noAutofit/>
           </a:bodyPr>
-          <a:p>
-            <a:endParaRPr b="0" lang="es-UY" sz="1800" spc="-1" strike="noStrike">
+          <a:lstStyle/>
+          <a:p>
+            <a:endParaRPr lang="es-UY" sz="1800" b="0" strike="noStrike" spc="-1">
               <a:solidFill>
                 <a:srgbClr val="000000"/>
               </a:solidFill>
@@ -3229,11 +3672,12 @@
           </a:prstGeom>
         </p:spPr>
         <p:txBody>
-          <a:bodyPr lIns="0" rIns="0" tIns="0" bIns="0">
+          <a:bodyPr lIns="0" tIns="0" rIns="0" bIns="0">
             <a:normAutofit/>
           </a:bodyPr>
-          <a:p>
-            <a:endParaRPr b="0" lang="es-UY" sz="3200" spc="-1" strike="noStrike">
+          <a:lstStyle/>
+          <a:p>
+            <a:endParaRPr lang="es-UY" sz="3200" b="0" strike="noStrike" spc="-1">
               <a:solidFill>
                 <a:srgbClr val="000000"/>
               </a:solidFill>
@@ -3262,11 +3706,12 @@
           </a:prstGeom>
         </p:spPr>
         <p:txBody>
-          <a:bodyPr lIns="0" rIns="0" tIns="0" bIns="0">
+          <a:bodyPr lIns="0" tIns="0" rIns="0" bIns="0">
             <a:normAutofit/>
           </a:bodyPr>
-          <a:p>
-            <a:endParaRPr b="0" lang="es-UY" sz="3200" spc="-1" strike="noStrike">
+          <a:lstStyle/>
+          <a:p>
+            <a:endParaRPr lang="es-UY" sz="3200" b="0" strike="noStrike" spc="-1">
               <a:solidFill>
                 <a:srgbClr val="000000"/>
               </a:solidFill>
@@ -3295,11 +3740,12 @@
           </a:prstGeom>
         </p:spPr>
         <p:txBody>
-          <a:bodyPr lIns="0" rIns="0" tIns="0" bIns="0">
+          <a:bodyPr lIns="0" tIns="0" rIns="0" bIns="0">
             <a:normAutofit/>
           </a:bodyPr>
-          <a:p>
-            <a:endParaRPr b="0" lang="es-UY" sz="3200" spc="-1" strike="noStrike">
+          <a:lstStyle/>
+          <a:p>
+            <a:endParaRPr lang="es-UY" sz="3200" b="0" strike="noStrike" spc="-1">
               <a:solidFill>
                 <a:srgbClr val="000000"/>
               </a:solidFill>
@@ -3310,11 +3756,14 @@
       </p:sp>
     </p:spTree>
   </p:cSld>
+  <p:clrMapOvr>
+    <a:masterClrMapping/>
+  </p:clrMapOvr>
 </p:sldLayout>
 </file>
 
 <file path=ppt/slideLayouts/slideLayout2.xml><?xml version="1.0" encoding="utf-8"?>
-<p:sldLayout xmlns:a="http://schemas.openxmlformats.org/drawingml/2006/main" xmlns:p="http://schemas.openxmlformats.org/presentationml/2006/main" xmlns:r="http://schemas.openxmlformats.org/officeDocument/2006/relationships" xmlns:p14="http://schemas.microsoft.com/office/powerpoint/2010/main" xmlns:p15="http://schemas.microsoft.com/office/powerpoint/2012/main" xmlns:mc="http://schemas.openxmlformats.org/markup-compatibility/2006" type="tx" preserve="1">
+<p:sldLayout xmlns:a="http://schemas.openxmlformats.org/drawingml/2006/main" xmlns:r="http://schemas.openxmlformats.org/officeDocument/2006/relationships" xmlns:p="http://schemas.openxmlformats.org/presentationml/2006/main" type="tx" preserve="1">
   <p:cSld name="Title Slide">
     <p:spTree>
       <p:nvGrpSpPr>
@@ -3350,11 +3799,12 @@
           </a:prstGeom>
         </p:spPr>
         <p:txBody>
-          <a:bodyPr lIns="0" rIns="0" tIns="0" bIns="0" anchor="ctr">
+          <a:bodyPr lIns="0" tIns="0" rIns="0" bIns="0" anchor="ctr">
             <a:noAutofit/>
           </a:bodyPr>
-          <a:p>
-            <a:endParaRPr b="0" lang="es-UY" sz="1800" spc="-1" strike="noStrike">
+          <a:lstStyle/>
+          <a:p>
+            <a:endParaRPr lang="es-UY" sz="1800" b="0" strike="noStrike" spc="-1">
               <a:solidFill>
                 <a:srgbClr val="000000"/>
               </a:solidFill>
@@ -3383,12 +3833,13 @@
           </a:prstGeom>
         </p:spPr>
         <p:txBody>
-          <a:bodyPr lIns="0" rIns="0" tIns="0" bIns="0" anchor="ctr">
+          <a:bodyPr lIns="0" tIns="0" rIns="0" bIns="0" anchor="ctr">
             <a:noAutofit/>
           </a:bodyPr>
+          <a:lstStyle/>
           <a:p>
             <a:pPr algn="ctr"/>
-            <a:endParaRPr b="0" lang="es-UY" sz="3200" spc="-1" strike="noStrike">
+            <a:endParaRPr lang="es-UY" sz="3200" b="0" strike="noStrike" spc="-1">
               <a:latin typeface="Arial"/>
             </a:endParaRPr>
           </a:p>
@@ -3396,11 +3847,14 @@
       </p:sp>
     </p:spTree>
   </p:cSld>
+  <p:clrMapOvr>
+    <a:masterClrMapping/>
+  </p:clrMapOvr>
 </p:sldLayout>
 </file>
 
 <file path=ppt/slideLayouts/slideLayout20.xml><?xml version="1.0" encoding="utf-8"?>
-<p:sldLayout xmlns:a="http://schemas.openxmlformats.org/drawingml/2006/main" xmlns:p="http://schemas.openxmlformats.org/presentationml/2006/main" xmlns:r="http://schemas.openxmlformats.org/officeDocument/2006/relationships" xmlns:p14="http://schemas.microsoft.com/office/powerpoint/2010/main" xmlns:p15="http://schemas.microsoft.com/office/powerpoint/2012/main" xmlns:mc="http://schemas.openxmlformats.org/markup-compatibility/2006" type="objAndTwoObj" preserve="1">
+<p:sldLayout xmlns:a="http://schemas.openxmlformats.org/drawingml/2006/main" xmlns:r="http://schemas.openxmlformats.org/officeDocument/2006/relationships" xmlns:p="http://schemas.openxmlformats.org/presentationml/2006/main" type="objAndTwoObj" preserve="1">
   <p:cSld name="Title Content and 2 Content">
     <p:spTree>
       <p:nvGrpSpPr>
@@ -3436,11 +3890,12 @@
           </a:prstGeom>
         </p:spPr>
         <p:txBody>
-          <a:bodyPr lIns="0" rIns="0" tIns="0" bIns="0" anchor="ctr">
+          <a:bodyPr lIns="0" tIns="0" rIns="0" bIns="0" anchor="ctr">
             <a:noAutofit/>
           </a:bodyPr>
-          <a:p>
-            <a:endParaRPr b="0" lang="es-UY" sz="1800" spc="-1" strike="noStrike">
+          <a:lstStyle/>
+          <a:p>
+            <a:endParaRPr lang="es-UY" sz="1800" b="0" strike="noStrike" spc="-1">
               <a:solidFill>
                 <a:srgbClr val="000000"/>
               </a:solidFill>
@@ -3469,11 +3924,12 @@
           </a:prstGeom>
         </p:spPr>
         <p:txBody>
-          <a:bodyPr lIns="0" rIns="0" tIns="0" bIns="0">
+          <a:bodyPr lIns="0" tIns="0" rIns="0" bIns="0">
             <a:normAutofit/>
           </a:bodyPr>
-          <a:p>
-            <a:endParaRPr b="0" lang="es-UY" sz="3200" spc="-1" strike="noStrike">
+          <a:lstStyle/>
+          <a:p>
+            <a:endParaRPr lang="es-UY" sz="3200" b="0" strike="noStrike" spc="-1">
               <a:solidFill>
                 <a:srgbClr val="000000"/>
               </a:solidFill>
@@ -3502,11 +3958,12 @@
           </a:prstGeom>
         </p:spPr>
         <p:txBody>
-          <a:bodyPr lIns="0" rIns="0" tIns="0" bIns="0">
+          <a:bodyPr lIns="0" tIns="0" rIns="0" bIns="0">
             <a:normAutofit/>
           </a:bodyPr>
-          <a:p>
-            <a:endParaRPr b="0" lang="es-UY" sz="3200" spc="-1" strike="noStrike">
+          <a:lstStyle/>
+          <a:p>
+            <a:endParaRPr lang="es-UY" sz="3200" b="0" strike="noStrike" spc="-1">
               <a:solidFill>
                 <a:srgbClr val="000000"/>
               </a:solidFill>
@@ -3535,11 +3992,12 @@
           </a:prstGeom>
         </p:spPr>
         <p:txBody>
-          <a:bodyPr lIns="0" rIns="0" tIns="0" bIns="0">
+          <a:bodyPr lIns="0" tIns="0" rIns="0" bIns="0">
             <a:normAutofit/>
           </a:bodyPr>
-          <a:p>
-            <a:endParaRPr b="0" lang="es-UY" sz="3200" spc="-1" strike="noStrike">
+          <a:lstStyle/>
+          <a:p>
+            <a:endParaRPr lang="es-UY" sz="3200" b="0" strike="noStrike" spc="-1">
               <a:solidFill>
                 <a:srgbClr val="000000"/>
               </a:solidFill>
@@ -3550,11 +4008,14 @@
       </p:sp>
     </p:spTree>
   </p:cSld>
+  <p:clrMapOvr>
+    <a:masterClrMapping/>
+  </p:clrMapOvr>
 </p:sldLayout>
 </file>
 
 <file path=ppt/slideLayouts/slideLayout21.xml><?xml version="1.0" encoding="utf-8"?>
-<p:sldLayout xmlns:a="http://schemas.openxmlformats.org/drawingml/2006/main" xmlns:p="http://schemas.openxmlformats.org/presentationml/2006/main" xmlns:r="http://schemas.openxmlformats.org/officeDocument/2006/relationships" xmlns:p14="http://schemas.microsoft.com/office/powerpoint/2010/main" xmlns:p15="http://schemas.microsoft.com/office/powerpoint/2012/main" xmlns:mc="http://schemas.openxmlformats.org/markup-compatibility/2006" type="twoObjOverTx" preserve="1">
+<p:sldLayout xmlns:a="http://schemas.openxmlformats.org/drawingml/2006/main" xmlns:r="http://schemas.openxmlformats.org/officeDocument/2006/relationships" xmlns:p="http://schemas.openxmlformats.org/presentationml/2006/main" type="twoObjOverTx" preserve="1">
   <p:cSld name="Title, 2 Content over Content">
     <p:spTree>
       <p:nvGrpSpPr>
@@ -3590,11 +4051,12 @@
           </a:prstGeom>
         </p:spPr>
         <p:txBody>
-          <a:bodyPr lIns="0" rIns="0" tIns="0" bIns="0" anchor="ctr">
+          <a:bodyPr lIns="0" tIns="0" rIns="0" bIns="0" anchor="ctr">
             <a:noAutofit/>
           </a:bodyPr>
-          <a:p>
-            <a:endParaRPr b="0" lang="es-UY" sz="1800" spc="-1" strike="noStrike">
+          <a:lstStyle/>
+          <a:p>
+            <a:endParaRPr lang="es-UY" sz="1800" b="0" strike="noStrike" spc="-1">
               <a:solidFill>
                 <a:srgbClr val="000000"/>
               </a:solidFill>
@@ -3623,11 +4085,12 @@
           </a:prstGeom>
         </p:spPr>
         <p:txBody>
-          <a:bodyPr lIns="0" rIns="0" tIns="0" bIns="0">
+          <a:bodyPr lIns="0" tIns="0" rIns="0" bIns="0">
             <a:normAutofit/>
           </a:bodyPr>
-          <a:p>
-            <a:endParaRPr b="0" lang="es-UY" sz="3200" spc="-1" strike="noStrike">
+          <a:lstStyle/>
+          <a:p>
+            <a:endParaRPr lang="es-UY" sz="3200" b="0" strike="noStrike" spc="-1">
               <a:solidFill>
                 <a:srgbClr val="000000"/>
               </a:solidFill>
@@ -3656,11 +4119,12 @@
           </a:prstGeom>
         </p:spPr>
         <p:txBody>
-          <a:bodyPr lIns="0" rIns="0" tIns="0" bIns="0">
+          <a:bodyPr lIns="0" tIns="0" rIns="0" bIns="0">
             <a:normAutofit/>
           </a:bodyPr>
-          <a:p>
-            <a:endParaRPr b="0" lang="es-UY" sz="3200" spc="-1" strike="noStrike">
+          <a:lstStyle/>
+          <a:p>
+            <a:endParaRPr lang="es-UY" sz="3200" b="0" strike="noStrike" spc="-1">
               <a:solidFill>
                 <a:srgbClr val="000000"/>
               </a:solidFill>
@@ -3689,11 +4153,12 @@
           </a:prstGeom>
         </p:spPr>
         <p:txBody>
-          <a:bodyPr lIns="0" rIns="0" tIns="0" bIns="0">
+          <a:bodyPr lIns="0" tIns="0" rIns="0" bIns="0">
             <a:normAutofit/>
           </a:bodyPr>
-          <a:p>
-            <a:endParaRPr b="0" lang="es-UY" sz="3200" spc="-1" strike="noStrike">
+          <a:lstStyle/>
+          <a:p>
+            <a:endParaRPr lang="es-UY" sz="3200" b="0" strike="noStrike" spc="-1">
               <a:solidFill>
                 <a:srgbClr val="000000"/>
               </a:solidFill>
@@ -3704,11 +4169,14 @@
       </p:sp>
     </p:spTree>
   </p:cSld>
+  <p:clrMapOvr>
+    <a:masterClrMapping/>
+  </p:clrMapOvr>
 </p:sldLayout>
 </file>
 
 <file path=ppt/slideLayouts/slideLayout22.xml><?xml version="1.0" encoding="utf-8"?>
-<p:sldLayout xmlns:a="http://schemas.openxmlformats.org/drawingml/2006/main" xmlns:p="http://schemas.openxmlformats.org/presentationml/2006/main" xmlns:r="http://schemas.openxmlformats.org/officeDocument/2006/relationships" xmlns:p14="http://schemas.microsoft.com/office/powerpoint/2010/main" xmlns:p15="http://schemas.microsoft.com/office/powerpoint/2012/main" xmlns:mc="http://schemas.openxmlformats.org/markup-compatibility/2006" type="objOverTx" preserve="1">
+<p:sldLayout xmlns:a="http://schemas.openxmlformats.org/drawingml/2006/main" xmlns:r="http://schemas.openxmlformats.org/officeDocument/2006/relationships" xmlns:p="http://schemas.openxmlformats.org/presentationml/2006/main" type="objOverTx" preserve="1">
   <p:cSld name="Title, Content over Content">
     <p:spTree>
       <p:nvGrpSpPr>
@@ -3744,11 +4212,12 @@
           </a:prstGeom>
         </p:spPr>
         <p:txBody>
-          <a:bodyPr lIns="0" rIns="0" tIns="0" bIns="0" anchor="ctr">
+          <a:bodyPr lIns="0" tIns="0" rIns="0" bIns="0" anchor="ctr">
             <a:noAutofit/>
           </a:bodyPr>
-          <a:p>
-            <a:endParaRPr b="0" lang="es-UY" sz="1800" spc="-1" strike="noStrike">
+          <a:lstStyle/>
+          <a:p>
+            <a:endParaRPr lang="es-UY" sz="1800" b="0" strike="noStrike" spc="-1">
               <a:solidFill>
                 <a:srgbClr val="000000"/>
               </a:solidFill>
@@ -3777,11 +4246,12 @@
           </a:prstGeom>
         </p:spPr>
         <p:txBody>
-          <a:bodyPr lIns="0" rIns="0" tIns="0" bIns="0">
+          <a:bodyPr lIns="0" tIns="0" rIns="0" bIns="0">
             <a:normAutofit/>
           </a:bodyPr>
-          <a:p>
-            <a:endParaRPr b="0" lang="es-UY" sz="3200" spc="-1" strike="noStrike">
+          <a:lstStyle/>
+          <a:p>
+            <a:endParaRPr lang="es-UY" sz="3200" b="0" strike="noStrike" spc="-1">
               <a:solidFill>
                 <a:srgbClr val="000000"/>
               </a:solidFill>
@@ -3810,11 +4280,12 @@
           </a:prstGeom>
         </p:spPr>
         <p:txBody>
-          <a:bodyPr lIns="0" rIns="0" tIns="0" bIns="0">
+          <a:bodyPr lIns="0" tIns="0" rIns="0" bIns="0">
             <a:normAutofit/>
           </a:bodyPr>
-          <a:p>
-            <a:endParaRPr b="0" lang="es-UY" sz="3200" spc="-1" strike="noStrike">
+          <a:lstStyle/>
+          <a:p>
+            <a:endParaRPr lang="es-UY" sz="3200" b="0" strike="noStrike" spc="-1">
               <a:solidFill>
                 <a:srgbClr val="000000"/>
               </a:solidFill>
@@ -3825,11 +4296,14 @@
       </p:sp>
     </p:spTree>
   </p:cSld>
+  <p:clrMapOvr>
+    <a:masterClrMapping/>
+  </p:clrMapOvr>
 </p:sldLayout>
 </file>
 
 <file path=ppt/slideLayouts/slideLayout23.xml><?xml version="1.0" encoding="utf-8"?>
-<p:sldLayout xmlns:a="http://schemas.openxmlformats.org/drawingml/2006/main" xmlns:p="http://schemas.openxmlformats.org/presentationml/2006/main" xmlns:r="http://schemas.openxmlformats.org/officeDocument/2006/relationships" xmlns:p14="http://schemas.microsoft.com/office/powerpoint/2010/main" xmlns:p15="http://schemas.microsoft.com/office/powerpoint/2012/main" xmlns:mc="http://schemas.openxmlformats.org/markup-compatibility/2006" type="fourObj" preserve="1">
+<p:sldLayout xmlns:a="http://schemas.openxmlformats.org/drawingml/2006/main" xmlns:r="http://schemas.openxmlformats.org/officeDocument/2006/relationships" xmlns:p="http://schemas.openxmlformats.org/presentationml/2006/main" type="fourObj" preserve="1">
   <p:cSld name="Title, 4 Content">
     <p:spTree>
       <p:nvGrpSpPr>
@@ -3865,11 +4339,12 @@
           </a:prstGeom>
         </p:spPr>
         <p:txBody>
-          <a:bodyPr lIns="0" rIns="0" tIns="0" bIns="0" anchor="ctr">
+          <a:bodyPr lIns="0" tIns="0" rIns="0" bIns="0" anchor="ctr">
             <a:noAutofit/>
           </a:bodyPr>
-          <a:p>
-            <a:endParaRPr b="0" lang="es-UY" sz="1800" spc="-1" strike="noStrike">
+          <a:lstStyle/>
+          <a:p>
+            <a:endParaRPr lang="es-UY" sz="1800" b="0" strike="noStrike" spc="-1">
               <a:solidFill>
                 <a:srgbClr val="000000"/>
               </a:solidFill>
@@ -3898,11 +4373,12 @@
           </a:prstGeom>
         </p:spPr>
         <p:txBody>
-          <a:bodyPr lIns="0" rIns="0" tIns="0" bIns="0">
+          <a:bodyPr lIns="0" tIns="0" rIns="0" bIns="0">
             <a:normAutofit/>
           </a:bodyPr>
-          <a:p>
-            <a:endParaRPr b="0" lang="es-UY" sz="3200" spc="-1" strike="noStrike">
+          <a:lstStyle/>
+          <a:p>
+            <a:endParaRPr lang="es-UY" sz="3200" b="0" strike="noStrike" spc="-1">
               <a:solidFill>
                 <a:srgbClr val="000000"/>
               </a:solidFill>
@@ -3931,11 +4407,12 @@
           </a:prstGeom>
         </p:spPr>
         <p:txBody>
-          <a:bodyPr lIns="0" rIns="0" tIns="0" bIns="0">
+          <a:bodyPr lIns="0" tIns="0" rIns="0" bIns="0">
             <a:normAutofit/>
           </a:bodyPr>
-          <a:p>
-            <a:endParaRPr b="0" lang="es-UY" sz="3200" spc="-1" strike="noStrike">
+          <a:lstStyle/>
+          <a:p>
+            <a:endParaRPr lang="es-UY" sz="3200" b="0" strike="noStrike" spc="-1">
               <a:solidFill>
                 <a:srgbClr val="000000"/>
               </a:solidFill>
@@ -3964,11 +4441,12 @@
           </a:prstGeom>
         </p:spPr>
         <p:txBody>
-          <a:bodyPr lIns="0" rIns="0" tIns="0" bIns="0">
+          <a:bodyPr lIns="0" tIns="0" rIns="0" bIns="0">
             <a:normAutofit/>
           </a:bodyPr>
-          <a:p>
-            <a:endParaRPr b="0" lang="es-UY" sz="3200" spc="-1" strike="noStrike">
+          <a:lstStyle/>
+          <a:p>
+            <a:endParaRPr lang="es-UY" sz="3200" b="0" strike="noStrike" spc="-1">
               <a:solidFill>
                 <a:srgbClr val="000000"/>
               </a:solidFill>
@@ -3997,11 +4475,12 @@
           </a:prstGeom>
         </p:spPr>
         <p:txBody>
-          <a:bodyPr lIns="0" rIns="0" tIns="0" bIns="0">
+          <a:bodyPr lIns="0" tIns="0" rIns="0" bIns="0">
             <a:normAutofit/>
           </a:bodyPr>
-          <a:p>
-            <a:endParaRPr b="0" lang="es-UY" sz="3200" spc="-1" strike="noStrike">
+          <a:lstStyle/>
+          <a:p>
+            <a:endParaRPr lang="es-UY" sz="3200" b="0" strike="noStrike" spc="-1">
               <a:solidFill>
                 <a:srgbClr val="000000"/>
               </a:solidFill>
@@ -4012,11 +4491,14 @@
       </p:sp>
     </p:spTree>
   </p:cSld>
+  <p:clrMapOvr>
+    <a:masterClrMapping/>
+  </p:clrMapOvr>
 </p:sldLayout>
 </file>
 
 <file path=ppt/slideLayouts/slideLayout24.xml><?xml version="1.0" encoding="utf-8"?>
-<p:sldLayout xmlns:a="http://schemas.openxmlformats.org/drawingml/2006/main" xmlns:p="http://schemas.openxmlformats.org/presentationml/2006/main" xmlns:r="http://schemas.openxmlformats.org/officeDocument/2006/relationships" xmlns:p14="http://schemas.microsoft.com/office/powerpoint/2010/main" xmlns:p15="http://schemas.microsoft.com/office/powerpoint/2012/main" xmlns:mc="http://schemas.openxmlformats.org/markup-compatibility/2006" type="blank" preserve="1">
+<p:sldLayout xmlns:a="http://schemas.openxmlformats.org/drawingml/2006/main" xmlns:r="http://schemas.openxmlformats.org/officeDocument/2006/relationships" xmlns:p="http://schemas.openxmlformats.org/presentationml/2006/main" type="blank" preserve="1">
   <p:cSld name="Title, 6 Content">
     <p:spTree>
       <p:nvGrpSpPr>
@@ -4052,11 +4534,12 @@
           </a:prstGeom>
         </p:spPr>
         <p:txBody>
-          <a:bodyPr lIns="0" rIns="0" tIns="0" bIns="0" anchor="ctr">
+          <a:bodyPr lIns="0" tIns="0" rIns="0" bIns="0" anchor="ctr">
             <a:noAutofit/>
           </a:bodyPr>
-          <a:p>
-            <a:endParaRPr b="0" lang="es-UY" sz="1800" spc="-1" strike="noStrike">
+          <a:lstStyle/>
+          <a:p>
+            <a:endParaRPr lang="es-UY" sz="1800" b="0" strike="noStrike" spc="-1">
               <a:solidFill>
                 <a:srgbClr val="000000"/>
               </a:solidFill>
@@ -4085,11 +4568,12 @@
           </a:prstGeom>
         </p:spPr>
         <p:txBody>
-          <a:bodyPr lIns="0" rIns="0" tIns="0" bIns="0">
+          <a:bodyPr lIns="0" tIns="0" rIns="0" bIns="0">
             <a:normAutofit/>
           </a:bodyPr>
-          <a:p>
-            <a:endParaRPr b="0" lang="es-UY" sz="3200" spc="-1" strike="noStrike">
+          <a:lstStyle/>
+          <a:p>
+            <a:endParaRPr lang="es-UY" sz="3200" b="0" strike="noStrike" spc="-1">
               <a:solidFill>
                 <a:srgbClr val="000000"/>
               </a:solidFill>
@@ -4118,11 +4602,12 @@
           </a:prstGeom>
         </p:spPr>
         <p:txBody>
-          <a:bodyPr lIns="0" rIns="0" tIns="0" bIns="0">
+          <a:bodyPr lIns="0" tIns="0" rIns="0" bIns="0">
             <a:normAutofit/>
           </a:bodyPr>
-          <a:p>
-            <a:endParaRPr b="0" lang="es-UY" sz="3200" spc="-1" strike="noStrike">
+          <a:lstStyle/>
+          <a:p>
+            <a:endParaRPr lang="es-UY" sz="3200" b="0" strike="noStrike" spc="-1">
               <a:solidFill>
                 <a:srgbClr val="000000"/>
               </a:solidFill>
@@ -4151,11 +4636,12 @@
           </a:prstGeom>
         </p:spPr>
         <p:txBody>
-          <a:bodyPr lIns="0" rIns="0" tIns="0" bIns="0">
+          <a:bodyPr lIns="0" tIns="0" rIns="0" bIns="0">
             <a:normAutofit/>
           </a:bodyPr>
-          <a:p>
-            <a:endParaRPr b="0" lang="es-UY" sz="3200" spc="-1" strike="noStrike">
+          <a:lstStyle/>
+          <a:p>
+            <a:endParaRPr lang="es-UY" sz="3200" b="0" strike="noStrike" spc="-1">
               <a:solidFill>
                 <a:srgbClr val="000000"/>
               </a:solidFill>
@@ -4184,11 +4670,12 @@
           </a:prstGeom>
         </p:spPr>
         <p:txBody>
-          <a:bodyPr lIns="0" rIns="0" tIns="0" bIns="0">
+          <a:bodyPr lIns="0" tIns="0" rIns="0" bIns="0">
             <a:normAutofit/>
           </a:bodyPr>
-          <a:p>
-            <a:endParaRPr b="0" lang="es-UY" sz="3200" spc="-1" strike="noStrike">
+          <a:lstStyle/>
+          <a:p>
+            <a:endParaRPr lang="es-UY" sz="3200" b="0" strike="noStrike" spc="-1">
               <a:solidFill>
                 <a:srgbClr val="000000"/>
               </a:solidFill>
@@ -4217,11 +4704,12 @@
           </a:prstGeom>
         </p:spPr>
         <p:txBody>
-          <a:bodyPr lIns="0" rIns="0" tIns="0" bIns="0">
+          <a:bodyPr lIns="0" tIns="0" rIns="0" bIns="0">
             <a:normAutofit/>
           </a:bodyPr>
-          <a:p>
-            <a:endParaRPr b="0" lang="es-UY" sz="3200" spc="-1" strike="noStrike">
+          <a:lstStyle/>
+          <a:p>
+            <a:endParaRPr lang="es-UY" sz="3200" b="0" strike="noStrike" spc="-1">
               <a:solidFill>
                 <a:srgbClr val="000000"/>
               </a:solidFill>
@@ -4250,11 +4738,12 @@
           </a:prstGeom>
         </p:spPr>
         <p:txBody>
-          <a:bodyPr lIns="0" rIns="0" tIns="0" bIns="0">
+          <a:bodyPr lIns="0" tIns="0" rIns="0" bIns="0">
             <a:normAutofit/>
           </a:bodyPr>
-          <a:p>
-            <a:endParaRPr b="0" lang="es-UY" sz="3200" spc="-1" strike="noStrike">
+          <a:lstStyle/>
+          <a:p>
+            <a:endParaRPr lang="es-UY" sz="3200" b="0" strike="noStrike" spc="-1">
               <a:solidFill>
                 <a:srgbClr val="000000"/>
               </a:solidFill>
@@ -4265,11 +4754,14 @@
       </p:sp>
     </p:spTree>
   </p:cSld>
+  <p:clrMapOvr>
+    <a:masterClrMapping/>
+  </p:clrMapOvr>
 </p:sldLayout>
 </file>
 
 <file path=ppt/slideLayouts/slideLayout3.xml><?xml version="1.0" encoding="utf-8"?>
-<p:sldLayout xmlns:a="http://schemas.openxmlformats.org/drawingml/2006/main" xmlns:p="http://schemas.openxmlformats.org/presentationml/2006/main" xmlns:r="http://schemas.openxmlformats.org/officeDocument/2006/relationships" xmlns:p14="http://schemas.microsoft.com/office/powerpoint/2010/main" xmlns:p15="http://schemas.microsoft.com/office/powerpoint/2012/main" xmlns:mc="http://schemas.openxmlformats.org/markup-compatibility/2006" type="obj" preserve="1">
+<p:sldLayout xmlns:a="http://schemas.openxmlformats.org/drawingml/2006/main" xmlns:r="http://schemas.openxmlformats.org/officeDocument/2006/relationships" xmlns:p="http://schemas.openxmlformats.org/presentationml/2006/main" type="obj" preserve="1">
   <p:cSld name="Title, Content">
     <p:spTree>
       <p:nvGrpSpPr>
@@ -4305,11 +4797,12 @@
           </a:prstGeom>
         </p:spPr>
         <p:txBody>
-          <a:bodyPr lIns="0" rIns="0" tIns="0" bIns="0" anchor="ctr">
+          <a:bodyPr lIns="0" tIns="0" rIns="0" bIns="0" anchor="ctr">
             <a:noAutofit/>
           </a:bodyPr>
-          <a:p>
-            <a:endParaRPr b="0" lang="es-UY" sz="1800" spc="-1" strike="noStrike">
+          <a:lstStyle/>
+          <a:p>
+            <a:endParaRPr lang="es-UY" sz="1800" b="0" strike="noStrike" spc="-1">
               <a:solidFill>
                 <a:srgbClr val="000000"/>
               </a:solidFill>
@@ -4338,11 +4831,12 @@
           </a:prstGeom>
         </p:spPr>
         <p:txBody>
-          <a:bodyPr lIns="0" rIns="0" tIns="0" bIns="0">
+          <a:bodyPr lIns="0" tIns="0" rIns="0" bIns="0">
             <a:normAutofit/>
           </a:bodyPr>
-          <a:p>
-            <a:endParaRPr b="0" lang="es-UY" sz="3200" spc="-1" strike="noStrike">
+          <a:lstStyle/>
+          <a:p>
+            <a:endParaRPr lang="es-UY" sz="3200" b="0" strike="noStrike" spc="-1">
               <a:solidFill>
                 <a:srgbClr val="000000"/>
               </a:solidFill>
@@ -4353,11 +4847,14 @@
       </p:sp>
     </p:spTree>
   </p:cSld>
+  <p:clrMapOvr>
+    <a:masterClrMapping/>
+  </p:clrMapOvr>
 </p:sldLayout>
 </file>
 
 <file path=ppt/slideLayouts/slideLayout4.xml><?xml version="1.0" encoding="utf-8"?>
-<p:sldLayout xmlns:a="http://schemas.openxmlformats.org/drawingml/2006/main" xmlns:p="http://schemas.openxmlformats.org/presentationml/2006/main" xmlns:r="http://schemas.openxmlformats.org/officeDocument/2006/relationships" xmlns:p14="http://schemas.microsoft.com/office/powerpoint/2010/main" xmlns:p15="http://schemas.microsoft.com/office/powerpoint/2012/main" xmlns:mc="http://schemas.openxmlformats.org/markup-compatibility/2006" type="twoObj" preserve="1">
+<p:sldLayout xmlns:a="http://schemas.openxmlformats.org/drawingml/2006/main" xmlns:r="http://schemas.openxmlformats.org/officeDocument/2006/relationships" xmlns:p="http://schemas.openxmlformats.org/presentationml/2006/main" type="twoObj" preserve="1">
   <p:cSld name="Title, 2 Content">
     <p:spTree>
       <p:nvGrpSpPr>
@@ -4393,11 +4890,12 @@
           </a:prstGeom>
         </p:spPr>
         <p:txBody>
-          <a:bodyPr lIns="0" rIns="0" tIns="0" bIns="0" anchor="ctr">
+          <a:bodyPr lIns="0" tIns="0" rIns="0" bIns="0" anchor="ctr">
             <a:noAutofit/>
           </a:bodyPr>
-          <a:p>
-            <a:endParaRPr b="0" lang="es-UY" sz="1800" spc="-1" strike="noStrike">
+          <a:lstStyle/>
+          <a:p>
+            <a:endParaRPr lang="es-UY" sz="1800" b="0" strike="noStrike" spc="-1">
               <a:solidFill>
                 <a:srgbClr val="000000"/>
               </a:solidFill>
@@ -4426,11 +4924,12 @@
           </a:prstGeom>
         </p:spPr>
         <p:txBody>
-          <a:bodyPr lIns="0" rIns="0" tIns="0" bIns="0">
+          <a:bodyPr lIns="0" tIns="0" rIns="0" bIns="0">
             <a:normAutofit/>
           </a:bodyPr>
-          <a:p>
-            <a:endParaRPr b="0" lang="es-UY" sz="3200" spc="-1" strike="noStrike">
+          <a:lstStyle/>
+          <a:p>
+            <a:endParaRPr lang="es-UY" sz="3200" b="0" strike="noStrike" spc="-1">
               <a:solidFill>
                 <a:srgbClr val="000000"/>
               </a:solidFill>
@@ -4459,11 +4958,12 @@
           </a:prstGeom>
         </p:spPr>
         <p:txBody>
-          <a:bodyPr lIns="0" rIns="0" tIns="0" bIns="0">
+          <a:bodyPr lIns="0" tIns="0" rIns="0" bIns="0">
             <a:normAutofit/>
           </a:bodyPr>
-          <a:p>
-            <a:endParaRPr b="0" lang="es-UY" sz="3200" spc="-1" strike="noStrike">
+          <a:lstStyle/>
+          <a:p>
+            <a:endParaRPr lang="es-UY" sz="3200" b="0" strike="noStrike" spc="-1">
               <a:solidFill>
                 <a:srgbClr val="000000"/>
               </a:solidFill>
@@ -4474,11 +4974,14 @@
       </p:sp>
     </p:spTree>
   </p:cSld>
+  <p:clrMapOvr>
+    <a:masterClrMapping/>
+  </p:clrMapOvr>
 </p:sldLayout>
 </file>
 
 <file path=ppt/slideLayouts/slideLayout5.xml><?xml version="1.0" encoding="utf-8"?>
-<p:sldLayout xmlns:a="http://schemas.openxmlformats.org/drawingml/2006/main" xmlns:p="http://schemas.openxmlformats.org/presentationml/2006/main" xmlns:r="http://schemas.openxmlformats.org/officeDocument/2006/relationships" xmlns:p14="http://schemas.microsoft.com/office/powerpoint/2010/main" xmlns:p15="http://schemas.microsoft.com/office/powerpoint/2012/main" xmlns:mc="http://schemas.openxmlformats.org/markup-compatibility/2006" type="titleOnly" preserve="1">
+<p:sldLayout xmlns:a="http://schemas.openxmlformats.org/drawingml/2006/main" xmlns:r="http://schemas.openxmlformats.org/officeDocument/2006/relationships" xmlns:p="http://schemas.openxmlformats.org/presentationml/2006/main" type="titleOnly" preserve="1">
   <p:cSld name="Title Only">
     <p:spTree>
       <p:nvGrpSpPr>
@@ -4514,11 +5017,12 @@
           </a:prstGeom>
         </p:spPr>
         <p:txBody>
-          <a:bodyPr lIns="0" rIns="0" tIns="0" bIns="0" anchor="ctr">
+          <a:bodyPr lIns="0" tIns="0" rIns="0" bIns="0" anchor="ctr">
             <a:noAutofit/>
           </a:bodyPr>
-          <a:p>
-            <a:endParaRPr b="0" lang="es-UY" sz="1800" spc="-1" strike="noStrike">
+          <a:lstStyle/>
+          <a:p>
+            <a:endParaRPr lang="es-UY" sz="1800" b="0" strike="noStrike" spc="-1">
               <a:solidFill>
                 <a:srgbClr val="000000"/>
               </a:solidFill>
@@ -4529,11 +5033,14 @@
       </p:sp>
     </p:spTree>
   </p:cSld>
+  <p:clrMapOvr>
+    <a:masterClrMapping/>
+  </p:clrMapOvr>
 </p:sldLayout>
 </file>
 
 <file path=ppt/slideLayouts/slideLayout6.xml><?xml version="1.0" encoding="utf-8"?>
-<p:sldLayout xmlns:a="http://schemas.openxmlformats.org/drawingml/2006/main" xmlns:p="http://schemas.openxmlformats.org/presentationml/2006/main" xmlns:r="http://schemas.openxmlformats.org/officeDocument/2006/relationships" xmlns:p14="http://schemas.microsoft.com/office/powerpoint/2010/main" xmlns:p15="http://schemas.microsoft.com/office/powerpoint/2012/main" xmlns:mc="http://schemas.openxmlformats.org/markup-compatibility/2006" type="objOnly" preserve="1">
+<p:sldLayout xmlns:a="http://schemas.openxmlformats.org/drawingml/2006/main" xmlns:r="http://schemas.openxmlformats.org/officeDocument/2006/relationships" xmlns:p="http://schemas.openxmlformats.org/presentationml/2006/main" type="objOnly" preserve="1">
   <p:cSld name="Centered Text">
     <p:spTree>
       <p:nvGrpSpPr>
@@ -4569,12 +5076,13 @@
           </a:prstGeom>
         </p:spPr>
         <p:txBody>
-          <a:bodyPr lIns="0" rIns="0" tIns="0" bIns="0" anchor="ctr">
+          <a:bodyPr lIns="0" tIns="0" rIns="0" bIns="0" anchor="ctr">
             <a:noAutofit/>
           </a:bodyPr>
+          <a:lstStyle/>
           <a:p>
             <a:pPr algn="ctr"/>
-            <a:endParaRPr b="0" lang="es-UY" sz="3200" spc="-1" strike="noStrike">
+            <a:endParaRPr lang="es-UY" sz="3200" b="0" strike="noStrike" spc="-1">
               <a:latin typeface="Arial"/>
             </a:endParaRPr>
           </a:p>
@@ -4582,11 +5090,14 @@
       </p:sp>
     </p:spTree>
   </p:cSld>
+  <p:clrMapOvr>
+    <a:masterClrMapping/>
+  </p:clrMapOvr>
 </p:sldLayout>
 </file>
 
 <file path=ppt/slideLayouts/slideLayout7.xml><?xml version="1.0" encoding="utf-8"?>
-<p:sldLayout xmlns:a="http://schemas.openxmlformats.org/drawingml/2006/main" xmlns:p="http://schemas.openxmlformats.org/presentationml/2006/main" xmlns:r="http://schemas.openxmlformats.org/officeDocument/2006/relationships" xmlns:p14="http://schemas.microsoft.com/office/powerpoint/2010/main" xmlns:p15="http://schemas.microsoft.com/office/powerpoint/2012/main" xmlns:mc="http://schemas.openxmlformats.org/markup-compatibility/2006" type="twoObjAndObj" preserve="1">
+<p:sldLayout xmlns:a="http://schemas.openxmlformats.org/drawingml/2006/main" xmlns:r="http://schemas.openxmlformats.org/officeDocument/2006/relationships" xmlns:p="http://schemas.openxmlformats.org/presentationml/2006/main" type="twoObjAndObj" preserve="1">
   <p:cSld name="Title, 2 Content and Content">
     <p:spTree>
       <p:nvGrpSpPr>
@@ -4622,11 +5133,12 @@
           </a:prstGeom>
         </p:spPr>
         <p:txBody>
-          <a:bodyPr lIns="0" rIns="0" tIns="0" bIns="0" anchor="ctr">
+          <a:bodyPr lIns="0" tIns="0" rIns="0" bIns="0" anchor="ctr">
             <a:noAutofit/>
           </a:bodyPr>
-          <a:p>
-            <a:endParaRPr b="0" lang="es-UY" sz="1800" spc="-1" strike="noStrike">
+          <a:lstStyle/>
+          <a:p>
+            <a:endParaRPr lang="es-UY" sz="1800" b="0" strike="noStrike" spc="-1">
               <a:solidFill>
                 <a:srgbClr val="000000"/>
               </a:solidFill>
@@ -4655,11 +5167,12 @@
           </a:prstGeom>
         </p:spPr>
         <p:txBody>
-          <a:bodyPr lIns="0" rIns="0" tIns="0" bIns="0">
+          <a:bodyPr lIns="0" tIns="0" rIns="0" bIns="0">
             <a:normAutofit/>
           </a:bodyPr>
-          <a:p>
-            <a:endParaRPr b="0" lang="es-UY" sz="3200" spc="-1" strike="noStrike">
+          <a:lstStyle/>
+          <a:p>
+            <a:endParaRPr lang="es-UY" sz="3200" b="0" strike="noStrike" spc="-1">
               <a:solidFill>
                 <a:srgbClr val="000000"/>
               </a:solidFill>
@@ -4688,11 +5201,12 @@
           </a:prstGeom>
         </p:spPr>
         <p:txBody>
-          <a:bodyPr lIns="0" rIns="0" tIns="0" bIns="0">
+          <a:bodyPr lIns="0" tIns="0" rIns="0" bIns="0">
             <a:normAutofit/>
           </a:bodyPr>
-          <a:p>
-            <a:endParaRPr b="0" lang="es-UY" sz="3200" spc="-1" strike="noStrike">
+          <a:lstStyle/>
+          <a:p>
+            <a:endParaRPr lang="es-UY" sz="3200" b="0" strike="noStrike" spc="-1">
               <a:solidFill>
                 <a:srgbClr val="000000"/>
               </a:solidFill>
@@ -4721,11 +5235,12 @@
           </a:prstGeom>
         </p:spPr>
         <p:txBody>
-          <a:bodyPr lIns="0" rIns="0" tIns="0" bIns="0">
+          <a:bodyPr lIns="0" tIns="0" rIns="0" bIns="0">
             <a:normAutofit/>
           </a:bodyPr>
-          <a:p>
-            <a:endParaRPr b="0" lang="es-UY" sz="3200" spc="-1" strike="noStrike">
+          <a:lstStyle/>
+          <a:p>
+            <a:endParaRPr lang="es-UY" sz="3200" b="0" strike="noStrike" spc="-1">
               <a:solidFill>
                 <a:srgbClr val="000000"/>
               </a:solidFill>
@@ -4736,11 +5251,14 @@
       </p:sp>
     </p:spTree>
   </p:cSld>
+  <p:clrMapOvr>
+    <a:masterClrMapping/>
+  </p:clrMapOvr>
 </p:sldLayout>
 </file>
 
 <file path=ppt/slideLayouts/slideLayout8.xml><?xml version="1.0" encoding="utf-8"?>
-<p:sldLayout xmlns:a="http://schemas.openxmlformats.org/drawingml/2006/main" xmlns:p="http://schemas.openxmlformats.org/presentationml/2006/main" xmlns:r="http://schemas.openxmlformats.org/officeDocument/2006/relationships" xmlns:p14="http://schemas.microsoft.com/office/powerpoint/2010/main" xmlns:p15="http://schemas.microsoft.com/office/powerpoint/2012/main" xmlns:mc="http://schemas.openxmlformats.org/markup-compatibility/2006" type="objAndTwoObj" preserve="1">
+<p:sldLayout xmlns:a="http://schemas.openxmlformats.org/drawingml/2006/main" xmlns:r="http://schemas.openxmlformats.org/officeDocument/2006/relationships" xmlns:p="http://schemas.openxmlformats.org/presentationml/2006/main" type="objAndTwoObj" preserve="1">
   <p:cSld name="Title Content and 2 Content">
     <p:spTree>
       <p:nvGrpSpPr>
@@ -4776,11 +5294,12 @@
           </a:prstGeom>
         </p:spPr>
         <p:txBody>
-          <a:bodyPr lIns="0" rIns="0" tIns="0" bIns="0" anchor="ctr">
+          <a:bodyPr lIns="0" tIns="0" rIns="0" bIns="0" anchor="ctr">
             <a:noAutofit/>
           </a:bodyPr>
-          <a:p>
-            <a:endParaRPr b="0" lang="es-UY" sz="1800" spc="-1" strike="noStrike">
+          <a:lstStyle/>
+          <a:p>
+            <a:endParaRPr lang="es-UY" sz="1800" b="0" strike="noStrike" spc="-1">
               <a:solidFill>
                 <a:srgbClr val="000000"/>
               </a:solidFill>
@@ -4809,11 +5328,12 @@
           </a:prstGeom>
         </p:spPr>
         <p:txBody>
-          <a:bodyPr lIns="0" rIns="0" tIns="0" bIns="0">
+          <a:bodyPr lIns="0" tIns="0" rIns="0" bIns="0">
             <a:normAutofit/>
           </a:bodyPr>
-          <a:p>
-            <a:endParaRPr b="0" lang="es-UY" sz="3200" spc="-1" strike="noStrike">
+          <a:lstStyle/>
+          <a:p>
+            <a:endParaRPr lang="es-UY" sz="3200" b="0" strike="noStrike" spc="-1">
               <a:solidFill>
                 <a:srgbClr val="000000"/>
               </a:solidFill>
@@ -4842,11 +5362,12 @@
           </a:prstGeom>
         </p:spPr>
         <p:txBody>
-          <a:bodyPr lIns="0" rIns="0" tIns="0" bIns="0">
+          <a:bodyPr lIns="0" tIns="0" rIns="0" bIns="0">
             <a:normAutofit/>
           </a:bodyPr>
-          <a:p>
-            <a:endParaRPr b="0" lang="es-UY" sz="3200" spc="-1" strike="noStrike">
+          <a:lstStyle/>
+          <a:p>
+            <a:endParaRPr lang="es-UY" sz="3200" b="0" strike="noStrike" spc="-1">
               <a:solidFill>
                 <a:srgbClr val="000000"/>
               </a:solidFill>
@@ -4875,11 +5396,12 @@
           </a:prstGeom>
         </p:spPr>
         <p:txBody>
-          <a:bodyPr lIns="0" rIns="0" tIns="0" bIns="0">
+          <a:bodyPr lIns="0" tIns="0" rIns="0" bIns="0">
             <a:normAutofit/>
           </a:bodyPr>
-          <a:p>
-            <a:endParaRPr b="0" lang="es-UY" sz="3200" spc="-1" strike="noStrike">
+          <a:lstStyle/>
+          <a:p>
+            <a:endParaRPr lang="es-UY" sz="3200" b="0" strike="noStrike" spc="-1">
               <a:solidFill>
                 <a:srgbClr val="000000"/>
               </a:solidFill>
@@ -4890,11 +5412,14 @@
       </p:sp>
     </p:spTree>
   </p:cSld>
+  <p:clrMapOvr>
+    <a:masterClrMapping/>
+  </p:clrMapOvr>
 </p:sldLayout>
 </file>
 
 <file path=ppt/slideLayouts/slideLayout9.xml><?xml version="1.0" encoding="utf-8"?>
-<p:sldLayout xmlns:a="http://schemas.openxmlformats.org/drawingml/2006/main" xmlns:p="http://schemas.openxmlformats.org/presentationml/2006/main" xmlns:r="http://schemas.openxmlformats.org/officeDocument/2006/relationships" xmlns:p14="http://schemas.microsoft.com/office/powerpoint/2010/main" xmlns:p15="http://schemas.microsoft.com/office/powerpoint/2012/main" xmlns:mc="http://schemas.openxmlformats.org/markup-compatibility/2006" type="twoObjOverTx" preserve="1">
+<p:sldLayout xmlns:a="http://schemas.openxmlformats.org/drawingml/2006/main" xmlns:r="http://schemas.openxmlformats.org/officeDocument/2006/relationships" xmlns:p="http://schemas.openxmlformats.org/presentationml/2006/main" type="twoObjOverTx" preserve="1">
   <p:cSld name="Title, 2 Content over Content">
     <p:spTree>
       <p:nvGrpSpPr>
@@ -4930,11 +5455,12 @@
           </a:prstGeom>
         </p:spPr>
         <p:txBody>
-          <a:bodyPr lIns="0" rIns="0" tIns="0" bIns="0" anchor="ctr">
+          <a:bodyPr lIns="0" tIns="0" rIns="0" bIns="0" anchor="ctr">
             <a:noAutofit/>
           </a:bodyPr>
-          <a:p>
-            <a:endParaRPr b="0" lang="es-UY" sz="1800" spc="-1" strike="noStrike">
+          <a:lstStyle/>
+          <a:p>
+            <a:endParaRPr lang="es-UY" sz="1800" b="0" strike="noStrike" spc="-1">
               <a:solidFill>
                 <a:srgbClr val="000000"/>
               </a:solidFill>
@@ -4963,11 +5489,12 @@
           </a:prstGeom>
         </p:spPr>
         <p:txBody>
-          <a:bodyPr lIns="0" rIns="0" tIns="0" bIns="0">
+          <a:bodyPr lIns="0" tIns="0" rIns="0" bIns="0">
             <a:normAutofit/>
           </a:bodyPr>
-          <a:p>
-            <a:endParaRPr b="0" lang="es-UY" sz="3200" spc="-1" strike="noStrike">
+          <a:lstStyle/>
+          <a:p>
+            <a:endParaRPr lang="es-UY" sz="3200" b="0" strike="noStrike" spc="-1">
               <a:solidFill>
                 <a:srgbClr val="000000"/>
               </a:solidFill>
@@ -4996,11 +5523,12 @@
           </a:prstGeom>
         </p:spPr>
         <p:txBody>
-          <a:bodyPr lIns="0" rIns="0" tIns="0" bIns="0">
+          <a:bodyPr lIns="0" tIns="0" rIns="0" bIns="0">
             <a:normAutofit/>
           </a:bodyPr>
-          <a:p>
-            <a:endParaRPr b="0" lang="es-UY" sz="3200" spc="-1" strike="noStrike">
+          <a:lstStyle/>
+          <a:p>
+            <a:endParaRPr lang="es-UY" sz="3200" b="0" strike="noStrike" spc="-1">
               <a:solidFill>
                 <a:srgbClr val="000000"/>
               </a:solidFill>
@@ -5029,11 +5557,12 @@
           </a:prstGeom>
         </p:spPr>
         <p:txBody>
-          <a:bodyPr lIns="0" rIns="0" tIns="0" bIns="0">
+          <a:bodyPr lIns="0" tIns="0" rIns="0" bIns="0">
             <a:normAutofit/>
           </a:bodyPr>
-          <a:p>
-            <a:endParaRPr b="0" lang="es-UY" sz="3200" spc="-1" strike="noStrike">
+          <a:lstStyle/>
+          <a:p>
+            <a:endParaRPr lang="es-UY" sz="3200" b="0" strike="noStrike" spc="-1">
               <a:solidFill>
                 <a:srgbClr val="000000"/>
               </a:solidFill>
@@ -5044,17 +5573,21 @@
       </p:sp>
     </p:spTree>
   </p:cSld>
+  <p:clrMapOvr>
+    <a:masterClrMapping/>
+  </p:clrMapOvr>
 </p:sldLayout>
 </file>
 
 <file path=ppt/slideMasters/slideMaster1.xml><?xml version="1.0" encoding="utf-8"?>
-<p:sldMaster xmlns:a="http://schemas.openxmlformats.org/drawingml/2006/main" xmlns:p="http://schemas.openxmlformats.org/presentationml/2006/main" xmlns:r="http://schemas.openxmlformats.org/officeDocument/2006/relationships" xmlns:p14="http://schemas.microsoft.com/office/powerpoint/2010/main" xmlns:p15="http://schemas.microsoft.com/office/powerpoint/2012/main" xmlns:mc="http://schemas.openxmlformats.org/markup-compatibility/2006">
+<p:sldMaster xmlns:a="http://schemas.openxmlformats.org/drawingml/2006/main" xmlns:r="http://schemas.openxmlformats.org/officeDocument/2006/relationships" xmlns:p="http://schemas.openxmlformats.org/presentationml/2006/main">
   <p:cSld>
     <p:bg>
       <p:bgPr>
         <a:solidFill>
-          <a:srgbClr val="ffffff"/>
+          <a:srgbClr val="FFFFFF"/>
         </a:solidFill>
+        <a:effectLst/>
       </p:bgPr>
     </p:bg>
     <p:spTree>
@@ -5073,7 +5606,7 @@
       </p:grpSpPr>
       <p:sp>
         <p:nvSpPr>
-          <p:cNvPr id="0" name="PlaceHolder 1"/>
+          <p:cNvPr id="5" name="PlaceHolder 1"/>
           <p:cNvSpPr>
             <a:spLocks noGrp="1"/>
           </p:cNvSpPr>
@@ -5094,6 +5627,7 @@
           <a:bodyPr anchor="ctr">
             <a:noAutofit/>
           </a:bodyPr>
+          <a:lstStyle/>
           <a:p>
             <a:pPr algn="ctr">
               <a:lnSpc>
@@ -5101,7 +5635,7 @@
               </a:lnSpc>
             </a:pPr>
             <a:r>
-              <a:rPr b="0" lang="es-UY" sz="4400" spc="-1" strike="noStrike">
+              <a:rPr lang="es-UY" sz="4400" b="0" strike="noStrike" spc="-1">
                 <a:solidFill>
                   <a:srgbClr val="000000"/>
                 </a:solidFill>
@@ -5109,18 +5643,12 @@
               </a:rPr>
               <a:t>Haga clic para modificar el estilo de título del patrón</a:t>
             </a:r>
-            <a:endParaRPr b="0" lang="es-UY" sz="4400" spc="-1" strike="noStrike">
-              <a:solidFill>
-                <a:srgbClr val="000000"/>
-              </a:solidFill>
-              <a:latin typeface="Calibri"/>
-            </a:endParaRPr>
-          </a:p>
-        </p:txBody>
-      </p:sp>
-      <p:sp>
-        <p:nvSpPr>
-          <p:cNvPr id="1" name="PlaceHolder 2"/>
+          </a:p>
+        </p:txBody>
+      </p:sp>
+      <p:sp>
+        <p:nvSpPr>
+          <p:cNvPr id="6" name="PlaceHolder 2"/>
           <p:cNvSpPr>
             <a:spLocks noGrp="1"/>
           </p:cNvSpPr>
@@ -5141,6 +5669,7 @@
           <a:bodyPr anchor="ctr">
             <a:noAutofit/>
           </a:bodyPr>
+          <a:lstStyle/>
           <a:p>
             <a:pPr>
               <a:lnSpc>
@@ -5148,15 +5677,15 @@
               </a:lnSpc>
             </a:pPr>
             <a:fld id="{BD1EFB3F-299B-4A45-9A48-23F368376CF8}" type="datetime">
-              <a:rPr b="0" lang="es-UY" sz="1200" spc="-1" strike="noStrike">
+              <a:rPr lang="es-UY" sz="1200" b="0" strike="noStrike" spc="-1">
                 <a:solidFill>
-                  <a:srgbClr val="8b8b8b"/>
+                  <a:srgbClr val="8B8B8B"/>
                 </a:solidFill>
                 <a:latin typeface="Calibri"/>
               </a:rPr>
-              <a:t>14/03/20</a:t>
+              <a:t>21/8/2020</a:t>
             </a:fld>
-            <a:endParaRPr b="0" lang="es-UY" sz="1200" spc="-1" strike="noStrike">
+            <a:endParaRPr lang="es-UY" sz="1200" b="0" strike="noStrike" spc="-1">
               <a:latin typeface="Times New Roman"/>
             </a:endParaRPr>
           </a:p>
@@ -5185,8 +5714,9 @@
           <a:bodyPr anchor="ctr">
             <a:noAutofit/>
           </a:bodyPr>
-          <a:p>
-            <a:endParaRPr b="0" lang="es-UY" sz="2400" spc="-1" strike="noStrike">
+          <a:lstStyle/>
+          <a:p>
+            <a:endParaRPr lang="es-UY" sz="2400" b="0" strike="noStrike" spc="-1">
               <a:latin typeface="Times New Roman"/>
             </a:endParaRPr>
           </a:p>
@@ -5215,6 +5745,7 @@
           <a:bodyPr anchor="ctr">
             <a:noAutofit/>
           </a:bodyPr>
+          <a:lstStyle/>
           <a:p>
             <a:pPr algn="r">
               <a:lnSpc>
@@ -5222,15 +5753,15 @@
               </a:lnSpc>
             </a:pPr>
             <a:fld id="{AB943A1A-71EC-4368-85E7-B9F2AA96DD4A}" type="slidenum">
-              <a:rPr b="0" lang="es-UY" sz="1200" spc="-1" strike="noStrike">
+              <a:rPr lang="es-UY" sz="1200" b="0" strike="noStrike" spc="-1">
                 <a:solidFill>
-                  <a:srgbClr val="8b8b8b"/>
+                  <a:srgbClr val="8B8B8B"/>
                 </a:solidFill>
                 <a:latin typeface="Calibri"/>
               </a:rPr>
-              <a:t>&lt;número&gt;</a:t>
+              <a:t>‹Nº›</a:t>
             </a:fld>
-            <a:endParaRPr b="0" lang="es-UY" sz="1200" spc="-1" strike="noStrike">
+            <a:endParaRPr lang="es-UY" sz="1200" b="0" strike="noStrike" spc="-1">
               <a:latin typeface="Times New Roman"/>
             </a:endParaRPr>
           </a:p>
@@ -5256,9 +5787,10 @@
           </a:prstGeom>
         </p:spPr>
         <p:txBody>
-          <a:bodyPr lIns="0" rIns="0" tIns="0" bIns="0">
+          <a:bodyPr lIns="0" tIns="0" rIns="0" bIns="0">
             <a:normAutofit/>
           </a:bodyPr>
+          <a:lstStyle/>
           <a:p>
             <a:pPr marL="432000" indent="-324000">
               <a:spcBef>
@@ -5272,7 +5804,7 @@
               <a:buChar char=""/>
             </a:pPr>
             <a:r>
-              <a:rPr b="0" lang="es-UY" sz="3200" spc="-1" strike="noStrike">
+              <a:rPr lang="es-UY" sz="3200" b="0" strike="noStrike" spc="-1">
                 <a:solidFill>
                   <a:srgbClr val="000000"/>
                 </a:solidFill>
@@ -5280,15 +5812,9 @@
               </a:rPr>
               <a:t>Pulse para editar el formato de esquema del texto</a:t>
             </a:r>
-            <a:endParaRPr b="0" lang="es-UY" sz="3200" spc="-1" strike="noStrike">
-              <a:solidFill>
-                <a:srgbClr val="000000"/>
-              </a:solidFill>
-              <a:latin typeface="Calibri"/>
-            </a:endParaRPr>
-          </a:p>
-          <a:p>
-            <a:pPr lvl="1" marL="864000" indent="-324000">
+          </a:p>
+          <a:p>
+            <a:pPr marL="864000" lvl="1" indent="-324000">
               <a:spcBef>
                 <a:spcPts val="1134"/>
               </a:spcBef>
@@ -5300,7 +5826,7 @@
               <a:buChar char=""/>
             </a:pPr>
             <a:r>
-              <a:rPr b="0" lang="es-UY" sz="2400" spc="-1" strike="noStrike">
+              <a:rPr lang="es-UY" sz="2400" b="0" strike="noStrike" spc="-1">
                 <a:solidFill>
                   <a:srgbClr val="000000"/>
                 </a:solidFill>
@@ -5308,15 +5834,9 @@
               </a:rPr>
               <a:t>Segundo nivel del esquema</a:t>
             </a:r>
-            <a:endParaRPr b="0" lang="es-UY" sz="2400" spc="-1" strike="noStrike">
-              <a:solidFill>
-                <a:srgbClr val="000000"/>
-              </a:solidFill>
-              <a:latin typeface="Calibri"/>
-            </a:endParaRPr>
-          </a:p>
-          <a:p>
-            <a:pPr lvl="2" marL="1296000" indent="-288000">
+          </a:p>
+          <a:p>
+            <a:pPr marL="1296000" lvl="2" indent="-288000">
               <a:spcBef>
                 <a:spcPts val="850"/>
               </a:spcBef>
@@ -5328,7 +5848,7 @@
               <a:buChar char=""/>
             </a:pPr>
             <a:r>
-              <a:rPr b="0" lang="es-UY" sz="2000" spc="-1" strike="noStrike">
+              <a:rPr lang="es-UY" sz="2000" b="0" strike="noStrike" spc="-1">
                 <a:solidFill>
                   <a:srgbClr val="000000"/>
                 </a:solidFill>
@@ -5336,15 +5856,9 @@
               </a:rPr>
               <a:t>Tercer nivel del esquema</a:t>
             </a:r>
-            <a:endParaRPr b="0" lang="es-UY" sz="2000" spc="-1" strike="noStrike">
-              <a:solidFill>
-                <a:srgbClr val="000000"/>
-              </a:solidFill>
-              <a:latin typeface="Calibri"/>
-            </a:endParaRPr>
-          </a:p>
-          <a:p>
-            <a:pPr lvl="3" marL="1728000" indent="-216000">
+          </a:p>
+          <a:p>
+            <a:pPr marL="1728000" lvl="3" indent="-216000">
               <a:spcBef>
                 <a:spcPts val="567"/>
               </a:spcBef>
@@ -5356,7 +5870,7 @@
               <a:buChar char=""/>
             </a:pPr>
             <a:r>
-              <a:rPr b="0" lang="es-UY" sz="2000" spc="-1" strike="noStrike">
+              <a:rPr lang="es-UY" sz="2000" b="0" strike="noStrike" spc="-1">
                 <a:solidFill>
                   <a:srgbClr val="000000"/>
                 </a:solidFill>
@@ -5364,15 +5878,9 @@
               </a:rPr>
               <a:t>Cuarto nivel del esquema</a:t>
             </a:r>
-            <a:endParaRPr b="0" lang="es-UY" sz="2000" spc="-1" strike="noStrike">
-              <a:solidFill>
-                <a:srgbClr val="000000"/>
-              </a:solidFill>
-              <a:latin typeface="Calibri"/>
-            </a:endParaRPr>
-          </a:p>
-          <a:p>
-            <a:pPr lvl="4" marL="2160000" indent="-216000">
+          </a:p>
+          <a:p>
+            <a:pPr marL="2160000" lvl="4" indent="-216000">
               <a:spcBef>
                 <a:spcPts val="283"/>
               </a:spcBef>
@@ -5384,7 +5892,7 @@
               <a:buChar char=""/>
             </a:pPr>
             <a:r>
-              <a:rPr b="0" lang="es-UY" sz="2000" spc="-1" strike="noStrike">
+              <a:rPr lang="es-UY" sz="2000" b="0" strike="noStrike" spc="-1">
                 <a:solidFill>
                   <a:srgbClr val="000000"/>
                 </a:solidFill>
@@ -5392,15 +5900,9 @@
               </a:rPr>
               <a:t>Quinto nivel del esquema</a:t>
             </a:r>
-            <a:endParaRPr b="0" lang="es-UY" sz="2000" spc="-1" strike="noStrike">
-              <a:solidFill>
-                <a:srgbClr val="000000"/>
-              </a:solidFill>
-              <a:latin typeface="Calibri"/>
-            </a:endParaRPr>
-          </a:p>
-          <a:p>
-            <a:pPr lvl="5" marL="2592000" indent="-216000">
+          </a:p>
+          <a:p>
+            <a:pPr marL="2592000" lvl="5" indent="-216000">
               <a:spcBef>
                 <a:spcPts val="283"/>
               </a:spcBef>
@@ -5412,7 +5914,7 @@
               <a:buChar char=""/>
             </a:pPr>
             <a:r>
-              <a:rPr b="0" lang="es-UY" sz="2000" spc="-1" strike="noStrike">
+              <a:rPr lang="es-UY" sz="2000" b="0" strike="noStrike" spc="-1">
                 <a:solidFill>
                   <a:srgbClr val="000000"/>
                 </a:solidFill>
@@ -5420,15 +5922,9 @@
               </a:rPr>
               <a:t>Sexto nivel del esquema</a:t>
             </a:r>
-            <a:endParaRPr b="0" lang="es-UY" sz="2000" spc="-1" strike="noStrike">
-              <a:solidFill>
-                <a:srgbClr val="000000"/>
-              </a:solidFill>
-              <a:latin typeface="Calibri"/>
-            </a:endParaRPr>
-          </a:p>
-          <a:p>
-            <a:pPr lvl="6" marL="3024000" indent="-216000">
+          </a:p>
+          <a:p>
+            <a:pPr marL="3024000" lvl="6" indent="-216000">
               <a:spcBef>
                 <a:spcPts val="283"/>
               </a:spcBef>
@@ -5440,7 +5936,7 @@
               <a:buChar char=""/>
             </a:pPr>
             <a:r>
-              <a:rPr b="0" lang="es-UY" sz="2000" spc="-1" strike="noStrike">
+              <a:rPr lang="es-UY" sz="2000" b="0" strike="noStrike" spc="-1">
                 <a:solidFill>
                   <a:srgbClr val="000000"/>
                 </a:solidFill>
@@ -5448,43 +5944,43 @@
               </a:rPr>
               <a:t>Séptimo nivel del esquema</a:t>
             </a:r>
-            <a:endParaRPr b="0" lang="es-UY" sz="2000" spc="-1" strike="noStrike">
-              <a:solidFill>
-                <a:srgbClr val="000000"/>
-              </a:solidFill>
-              <a:latin typeface="Calibri"/>
-            </a:endParaRPr>
           </a:p>
         </p:txBody>
       </p:sp>
     </p:spTree>
   </p:cSld>
-  <p:clrMap bg1="lt1" bg2="lt2" tx1="dk1" tx2="dk2" accent1="accent1" accent2="accent2" accent3="accent3" accent4="accent4" accent5="accent5" accent6="accent6" hlink="hlink" folHlink="folHlink"/>
+  <p:clrMap bg1="lt1" tx1="dk1" bg2="lt2" tx2="dk2" accent1="accent1" accent2="accent2" accent3="accent3" accent4="accent4" accent5="accent5" accent6="accent6" hlink="hlink" folHlink="folHlink"/>
   <p:sldLayoutIdLst>
-    <p:sldLayoutId id="2147483649" r:id="rId2"/>
-    <p:sldLayoutId id="2147483650" r:id="rId3"/>
-    <p:sldLayoutId id="2147483651" r:id="rId4"/>
-    <p:sldLayoutId id="2147483652" r:id="rId5"/>
-    <p:sldLayoutId id="2147483653" r:id="rId6"/>
-    <p:sldLayoutId id="2147483654" r:id="rId7"/>
-    <p:sldLayoutId id="2147483655" r:id="rId8"/>
-    <p:sldLayoutId id="2147483656" r:id="rId9"/>
-    <p:sldLayoutId id="2147483657" r:id="rId10"/>
-    <p:sldLayoutId id="2147483658" r:id="rId11"/>
-    <p:sldLayoutId id="2147483659" r:id="rId12"/>
-    <p:sldLayoutId id="2147483660" r:id="rId13"/>
+    <p:sldLayoutId id="2147483649" r:id="rId1"/>
+    <p:sldLayoutId id="2147483650" r:id="rId2"/>
+    <p:sldLayoutId id="2147483651" r:id="rId3"/>
+    <p:sldLayoutId id="2147483652" r:id="rId4"/>
+    <p:sldLayoutId id="2147483653" r:id="rId5"/>
+    <p:sldLayoutId id="2147483654" r:id="rId6"/>
+    <p:sldLayoutId id="2147483655" r:id="rId7"/>
+    <p:sldLayoutId id="2147483656" r:id="rId8"/>
+    <p:sldLayoutId id="2147483657" r:id="rId9"/>
+    <p:sldLayoutId id="2147483658" r:id="rId10"/>
+    <p:sldLayoutId id="2147483659" r:id="rId11"/>
+    <p:sldLayoutId id="2147483660" r:id="rId12"/>
   </p:sldLayoutIdLst>
+  <p:txStyles>
+    <p:titleStyle/>
+    <p:bodyStyle/>
+    <p:otherStyle/>
+  </p:txStyles>
 </p:sldMaster>
 </file>
 
 <file path=ppt/slideMasters/slideMaster2.xml><?xml version="1.0" encoding="utf-8"?>
-<p:sldMaster xmlns:a="http://schemas.openxmlformats.org/drawingml/2006/main" xmlns:p="http://schemas.openxmlformats.org/presentationml/2006/main" xmlns:r="http://schemas.openxmlformats.org/officeDocument/2006/relationships" xmlns:p14="http://schemas.microsoft.com/office/powerpoint/2010/main" xmlns:p15="http://schemas.microsoft.com/office/powerpoint/2012/main" xmlns:mc="http://schemas.openxmlformats.org/markup-compatibility/2006">
+<p:sldMaster xmlns:a="http://schemas.openxmlformats.org/drawingml/2006/main" xmlns:r="http://schemas.openxmlformats.org/officeDocument/2006/relationships" xmlns:p="http://schemas.openxmlformats.org/presentationml/2006/main">
   <p:cSld>
     <p:bg>
       <p:bgPr>
         <a:solidFill>
-          <a:srgbClr val="ffffff"/>
+          <a:srgbClr val="FFFFFF"/>
         </a:solidFill>
+        <a:effectLst/>
       </p:bgPr>
     </p:bg>
     <p:spTree>
@@ -5524,6 +6020,7 @@
           <a:bodyPr anchor="ctr">
             <a:noAutofit/>
           </a:bodyPr>
+          <a:lstStyle/>
           <a:p>
             <a:pPr algn="ctr">
               <a:lnSpc>
@@ -5531,7 +6028,7 @@
               </a:lnSpc>
             </a:pPr>
             <a:r>
-              <a:rPr b="0" lang="es-UY" sz="4400" spc="-1" strike="noStrike">
+              <a:rPr lang="es-UY" sz="4400" b="0" strike="noStrike" spc="-1">
                 <a:solidFill>
                   <a:srgbClr val="000000"/>
                 </a:solidFill>
@@ -5539,12 +6036,6 @@
               </a:rPr>
               <a:t>Haga clic para modificar el estilo de título del patrón</a:t>
             </a:r>
-            <a:endParaRPr b="0" lang="es-UY" sz="4400" spc="-1" strike="noStrike">
-              <a:solidFill>
-                <a:srgbClr val="000000"/>
-              </a:solidFill>
-              <a:latin typeface="Calibri"/>
-            </a:endParaRPr>
           </a:p>
         </p:txBody>
       </p:sp>
@@ -5571,6 +6062,7 @@
           <a:bodyPr>
             <a:noAutofit/>
           </a:bodyPr>
+          <a:lstStyle/>
           <a:p>
             <a:pPr marL="343080" indent="-342720">
               <a:lnSpc>
@@ -5586,7 +6078,7 @@
               <a:buChar char="•"/>
             </a:pPr>
             <a:r>
-              <a:rPr b="0" lang="es-UY" sz="3200" spc="-1" strike="noStrike">
+              <a:rPr lang="es-UY" sz="3200" b="0" strike="noStrike" spc="-1">
                 <a:solidFill>
                   <a:srgbClr val="000000"/>
                 </a:solidFill>
@@ -5594,15 +6086,9 @@
               </a:rPr>
               <a:t>Haga clic para modificar el estilo de texto del patrón</a:t>
             </a:r>
-            <a:endParaRPr b="0" lang="es-UY" sz="3200" spc="-1" strike="noStrike">
-              <a:solidFill>
-                <a:srgbClr val="000000"/>
-              </a:solidFill>
-              <a:latin typeface="Calibri"/>
-            </a:endParaRPr>
-          </a:p>
-          <a:p>
-            <a:pPr lvl="1" marL="743040" indent="-285480">
+          </a:p>
+          <a:p>
+            <a:pPr marL="743040" lvl="1" indent="-285480">
               <a:lnSpc>
                 <a:spcPct val="100000"/>
               </a:lnSpc>
@@ -5616,7 +6102,7 @@
               <a:buChar char="–"/>
             </a:pPr>
             <a:r>
-              <a:rPr b="0" lang="es-UY" sz="2800" spc="-1" strike="noStrike">
+              <a:rPr lang="es-UY" sz="2800" b="0" strike="noStrike" spc="-1">
                 <a:solidFill>
                   <a:srgbClr val="000000"/>
                 </a:solidFill>
@@ -5624,15 +6110,9 @@
               </a:rPr>
               <a:t>Segundo nivel</a:t>
             </a:r>
-            <a:endParaRPr b="0" lang="es-UY" sz="2800" spc="-1" strike="noStrike">
-              <a:solidFill>
-                <a:srgbClr val="000000"/>
-              </a:solidFill>
-              <a:latin typeface="Calibri"/>
-            </a:endParaRPr>
-          </a:p>
-          <a:p>
-            <a:pPr lvl="2" marL="1143000" indent="-228240">
+          </a:p>
+          <a:p>
+            <a:pPr marL="1143000" lvl="2" indent="-228240">
               <a:lnSpc>
                 <a:spcPct val="100000"/>
               </a:lnSpc>
@@ -5646,7 +6126,7 @@
               <a:buChar char="•"/>
             </a:pPr>
             <a:r>
-              <a:rPr b="0" lang="es-UY" sz="2400" spc="-1" strike="noStrike">
+              <a:rPr lang="es-UY" sz="2400" b="0" strike="noStrike" spc="-1">
                 <a:solidFill>
                   <a:srgbClr val="000000"/>
                 </a:solidFill>
@@ -5654,15 +6134,9 @@
               </a:rPr>
               <a:t>Tercer nivel</a:t>
             </a:r>
-            <a:endParaRPr b="0" lang="es-UY" sz="2400" spc="-1" strike="noStrike">
-              <a:solidFill>
-                <a:srgbClr val="000000"/>
-              </a:solidFill>
-              <a:latin typeface="Calibri"/>
-            </a:endParaRPr>
-          </a:p>
-          <a:p>
-            <a:pPr lvl="3" marL="1600200" indent="-228240">
+          </a:p>
+          <a:p>
+            <a:pPr marL="1600200" lvl="3" indent="-228240">
               <a:lnSpc>
                 <a:spcPct val="100000"/>
               </a:lnSpc>
@@ -5676,7 +6150,7 @@
               <a:buChar char="–"/>
             </a:pPr>
             <a:r>
-              <a:rPr b="0" lang="es-UY" sz="2000" spc="-1" strike="noStrike">
+              <a:rPr lang="es-UY" sz="2000" b="0" strike="noStrike" spc="-1">
                 <a:solidFill>
                   <a:srgbClr val="000000"/>
                 </a:solidFill>
@@ -5684,15 +6158,9 @@
               </a:rPr>
               <a:t>Cuarto nivel</a:t>
             </a:r>
-            <a:endParaRPr b="0" lang="es-UY" sz="2000" spc="-1" strike="noStrike">
-              <a:solidFill>
-                <a:srgbClr val="000000"/>
-              </a:solidFill>
-              <a:latin typeface="Calibri"/>
-            </a:endParaRPr>
-          </a:p>
-          <a:p>
-            <a:pPr lvl="4" marL="2057400" indent="-228240">
+          </a:p>
+          <a:p>
+            <a:pPr marL="2057400" lvl="4" indent="-228240">
               <a:lnSpc>
                 <a:spcPct val="100000"/>
               </a:lnSpc>
@@ -5706,7 +6174,7 @@
               <a:buChar char="»"/>
             </a:pPr>
             <a:r>
-              <a:rPr b="0" lang="es-UY" sz="2000" spc="-1" strike="noStrike">
+              <a:rPr lang="es-UY" sz="2000" b="0" strike="noStrike" spc="-1">
                 <a:solidFill>
                   <a:srgbClr val="000000"/>
                 </a:solidFill>
@@ -5714,12 +6182,6 @@
               </a:rPr>
               <a:t>Quinto nivel</a:t>
             </a:r>
-            <a:endParaRPr b="0" lang="es-UY" sz="2000" spc="-1" strike="noStrike">
-              <a:solidFill>
-                <a:srgbClr val="000000"/>
-              </a:solidFill>
-              <a:latin typeface="Calibri"/>
-            </a:endParaRPr>
           </a:p>
         </p:txBody>
       </p:sp>
@@ -5746,6 +6208,7 @@
           <a:bodyPr anchor="ctr">
             <a:noAutofit/>
           </a:bodyPr>
+          <a:lstStyle/>
           <a:p>
             <a:pPr>
               <a:lnSpc>
@@ -5753,15 +6216,15 @@
               </a:lnSpc>
             </a:pPr>
             <a:fld id="{2EA1CE6B-2C41-40DB-8495-E1D83152D991}" type="datetime">
-              <a:rPr b="0" lang="es-UY" sz="1200" spc="-1" strike="noStrike">
+              <a:rPr lang="es-UY" sz="1200" b="0" strike="noStrike" spc="-1">
                 <a:solidFill>
-                  <a:srgbClr val="8b8b8b"/>
+                  <a:srgbClr val="8B8B8B"/>
                 </a:solidFill>
                 <a:latin typeface="Calibri"/>
               </a:rPr>
-              <a:t>14/03/20</a:t>
+              <a:t>21/8/2020</a:t>
             </a:fld>
-            <a:endParaRPr b="0" lang="es-UY" sz="1200" spc="-1" strike="noStrike">
+            <a:endParaRPr lang="es-UY" sz="1200" b="0" strike="noStrike" spc="-1">
               <a:latin typeface="Times New Roman"/>
             </a:endParaRPr>
           </a:p>
@@ -5790,8 +6253,9 @@
           <a:bodyPr anchor="ctr">
             <a:noAutofit/>
           </a:bodyPr>
-          <a:p>
-            <a:endParaRPr b="0" lang="es-UY" sz="2400" spc="-1" strike="noStrike">
+          <a:lstStyle/>
+          <a:p>
+            <a:endParaRPr lang="es-UY" sz="2400" b="0" strike="noStrike" spc="-1">
               <a:latin typeface="Times New Roman"/>
             </a:endParaRPr>
           </a:p>
@@ -5820,6 +6284,7 @@
           <a:bodyPr anchor="ctr">
             <a:noAutofit/>
           </a:bodyPr>
+          <a:lstStyle/>
           <a:p>
             <a:pPr algn="r">
               <a:lnSpc>
@@ -5827,15 +6292,15 @@
               </a:lnSpc>
             </a:pPr>
             <a:fld id="{1A28E645-A193-42F8-82C8-BD90C5898A67}" type="slidenum">
-              <a:rPr b="0" lang="es-UY" sz="1200" spc="-1" strike="noStrike">
+              <a:rPr lang="es-UY" sz="1200" b="0" strike="noStrike" spc="-1">
                 <a:solidFill>
-                  <a:srgbClr val="8b8b8b"/>
+                  <a:srgbClr val="8B8B8B"/>
                 </a:solidFill>
                 <a:latin typeface="Calibri"/>
               </a:rPr>
-              <a:t>&lt;número&gt;</a:t>
+              <a:t>‹Nº›</a:t>
             </a:fld>
-            <a:endParaRPr b="0" lang="es-UY" sz="1200" spc="-1" strike="noStrike">
+            <a:endParaRPr lang="es-UY" sz="1200" b="0" strike="noStrike" spc="-1">
               <a:latin typeface="Times New Roman"/>
             </a:endParaRPr>
           </a:p>
@@ -5843,26 +6308,31 @@
       </p:sp>
     </p:spTree>
   </p:cSld>
-  <p:clrMap bg1="lt1" bg2="lt2" tx1="dk1" tx2="dk2" accent1="accent1" accent2="accent2" accent3="accent3" accent4="accent4" accent5="accent5" accent6="accent6" hlink="hlink" folHlink="folHlink"/>
+  <p:clrMap bg1="lt1" tx1="dk1" bg2="lt2" tx2="dk2" accent1="accent1" accent2="accent2" accent3="accent3" accent4="accent4" accent5="accent5" accent6="accent6" hlink="hlink" folHlink="folHlink"/>
   <p:sldLayoutIdLst>
-    <p:sldLayoutId id="2147483662" r:id="rId2"/>
-    <p:sldLayoutId id="2147483663" r:id="rId3"/>
-    <p:sldLayoutId id="2147483664" r:id="rId4"/>
-    <p:sldLayoutId id="2147483665" r:id="rId5"/>
-    <p:sldLayoutId id="2147483666" r:id="rId6"/>
-    <p:sldLayoutId id="2147483667" r:id="rId7"/>
-    <p:sldLayoutId id="2147483668" r:id="rId8"/>
-    <p:sldLayoutId id="2147483669" r:id="rId9"/>
-    <p:sldLayoutId id="2147483670" r:id="rId10"/>
-    <p:sldLayoutId id="2147483671" r:id="rId11"/>
-    <p:sldLayoutId id="2147483672" r:id="rId12"/>
-    <p:sldLayoutId id="2147483673" r:id="rId13"/>
+    <p:sldLayoutId id="2147483662" r:id="rId1"/>
+    <p:sldLayoutId id="2147483663" r:id="rId2"/>
+    <p:sldLayoutId id="2147483664" r:id="rId3"/>
+    <p:sldLayoutId id="2147483665" r:id="rId4"/>
+    <p:sldLayoutId id="2147483666" r:id="rId5"/>
+    <p:sldLayoutId id="2147483667" r:id="rId6"/>
+    <p:sldLayoutId id="2147483668" r:id="rId7"/>
+    <p:sldLayoutId id="2147483669" r:id="rId8"/>
+    <p:sldLayoutId id="2147483670" r:id="rId9"/>
+    <p:sldLayoutId id="2147483671" r:id="rId10"/>
+    <p:sldLayoutId id="2147483672" r:id="rId11"/>
+    <p:sldLayoutId id="2147483673" r:id="rId12"/>
   </p:sldLayoutIdLst>
+  <p:txStyles>
+    <p:titleStyle/>
+    <p:bodyStyle/>
+    <p:otherStyle/>
+  </p:txStyles>
 </p:sldMaster>
 </file>
 
 <file path=ppt/slides/slide1.xml><?xml version="1.0" encoding="utf-8"?>
-<p:sld xmlns:a="http://schemas.openxmlformats.org/drawingml/2006/main" xmlns:p="http://schemas.openxmlformats.org/presentationml/2006/main" xmlns:r="http://schemas.openxmlformats.org/officeDocument/2006/relationships" xmlns:p14="http://schemas.microsoft.com/office/powerpoint/2010/main" xmlns:p15="http://schemas.microsoft.com/office/powerpoint/2012/main" xmlns:mc="http://schemas.openxmlformats.org/markup-compatibility/2006">
+<p:sld xmlns:a="http://schemas.openxmlformats.org/drawingml/2006/main" xmlns:r="http://schemas.openxmlformats.org/officeDocument/2006/relationships" xmlns:p="http://schemas.openxmlformats.org/presentationml/2006/main">
   <p:cSld>
     <p:spTree>
       <p:nvGrpSpPr>
@@ -5907,7 +6377,7 @@
               <a:avLst/>
             </a:prstGeom>
             <a:solidFill>
-              <a:srgbClr val="38383d"/>
+              <a:srgbClr val="38383D"/>
             </a:solidFill>
             <a:ln>
               <a:noFill/>
@@ -5935,7 +6405,7 @@
             <p:nvPr/>
           </p:nvPicPr>
           <p:blipFill>
-            <a:blip r:embed="rId1"/>
+            <a:blip r:embed="rId3"/>
             <a:srcRect l="5712" t="3940" r="3369" b="5114"/>
             <a:stretch/>
           </p:blipFill>
@@ -5955,11 +6425,14 @@
       </p:grpSp>
     </p:spTree>
   </p:cSld>
-  <mc:AlternateContent>
+  <p:clrMapOvr>
+    <a:masterClrMapping/>
+  </p:clrMapOvr>
+  <mc:AlternateContent xmlns:mc="http://schemas.openxmlformats.org/markup-compatibility/2006" xmlns:p14="http://schemas.microsoft.com/office/powerpoint/2010/main">
     <mc:Choice Requires="p14">
       <p:transition spd="slow" p14:dur="2000"/>
     </mc:Choice>
-    <mc:Fallback>
+    <mc:Fallback xmlns:p15="http://schemas.microsoft.com/office/powerpoint/2012/main" xmlns="">
       <p:transition spd="slow"/>
     </mc:Fallback>
   </mc:AlternateContent>
@@ -5967,7 +6440,137 @@
 </file>
 
 <file path=ppt/slides/slide10.xml><?xml version="1.0" encoding="utf-8"?>
-<p:sld xmlns:a="http://schemas.openxmlformats.org/drawingml/2006/main" xmlns:p="http://schemas.openxmlformats.org/presentationml/2006/main" xmlns:r="http://schemas.openxmlformats.org/officeDocument/2006/relationships" xmlns:p14="http://schemas.microsoft.com/office/powerpoint/2010/main" xmlns:p15="http://schemas.microsoft.com/office/powerpoint/2012/main" xmlns:mc="http://schemas.openxmlformats.org/markup-compatibility/2006">
+<p:sld xmlns:a="http://schemas.openxmlformats.org/drawingml/2006/main" xmlns:r="http://schemas.openxmlformats.org/officeDocument/2006/relationships" xmlns:p="http://schemas.openxmlformats.org/presentationml/2006/main">
+  <p:cSld>
+    <p:spTree>
+      <p:nvGrpSpPr>
+        <p:cNvPr id="1" name=""/>
+        <p:cNvGrpSpPr/>
+        <p:nvPr/>
+      </p:nvGrpSpPr>
+      <p:grpSpPr>
+        <a:xfrm>
+          <a:off x="0" y="0"/>
+          <a:ext cx="0" cy="0"/>
+          <a:chOff x="0" y="0"/>
+          <a:chExt cx="0" cy="0"/>
+        </a:xfrm>
+      </p:grpSpPr>
+      <p:grpSp>
+        <p:nvGrpSpPr>
+          <p:cNvPr id="114" name="Group 1"/>
+          <p:cNvGrpSpPr/>
+          <p:nvPr/>
+        </p:nvGrpSpPr>
+        <p:grpSpPr>
+          <a:xfrm>
+            <a:off x="2195640" y="1125360"/>
+            <a:ext cx="3456000" cy="3456000"/>
+            <a:chOff x="2195640" y="1125360"/>
+            <a:chExt cx="3456000" cy="3456000"/>
+          </a:xfrm>
+        </p:grpSpPr>
+        <p:sp>
+          <p:nvSpPr>
+            <p:cNvPr id="115" name="CustomShape 2"/>
+            <p:cNvSpPr/>
+            <p:nvPr/>
+          </p:nvSpPr>
+          <p:spPr>
+            <a:xfrm>
+              <a:off x="2195640" y="1125360"/>
+              <a:ext cx="3456000" cy="3456000"/>
+            </a:xfrm>
+            <a:prstGeom prst="rect">
+              <a:avLst/>
+            </a:prstGeom>
+            <a:solidFill>
+              <a:srgbClr val="38383D"/>
+            </a:solidFill>
+            <a:ln>
+              <a:noFill/>
+            </a:ln>
+          </p:spPr>
+          <p:style>
+            <a:lnRef idx="2">
+              <a:schemeClr val="accent1">
+                <a:shade val="50000"/>
+              </a:schemeClr>
+            </a:lnRef>
+            <a:fillRef idx="1">
+              <a:schemeClr val="accent1"/>
+            </a:fillRef>
+            <a:effectRef idx="0">
+              <a:schemeClr val="accent1"/>
+            </a:effectRef>
+            <a:fontRef idx="minor"/>
+          </p:style>
+        </p:sp>
+        <p:pic>
+          <p:nvPicPr>
+            <p:cNvPr id="116" name="115 Imagen"/>
+            <p:cNvPicPr/>
+            <p:nvPr/>
+          </p:nvPicPr>
+          <p:blipFill>
+            <a:blip r:embed="rId3"/>
+            <a:stretch/>
+          </p:blipFill>
+          <p:spPr>
+            <a:xfrm>
+              <a:off x="2339640" y="1269360"/>
+              <a:ext cx="3168000" cy="3168000"/>
+            </a:xfrm>
+            <a:prstGeom prst="rect">
+              <a:avLst/>
+            </a:prstGeom>
+            <a:ln>
+              <a:noFill/>
+            </a:ln>
+          </p:spPr>
+        </p:pic>
+      </p:grpSp>
+      <p:pic>
+        <p:nvPicPr>
+          <p:cNvPr id="117" name="116 Imagen"/>
+          <p:cNvPicPr/>
+          <p:nvPr/>
+        </p:nvPicPr>
+        <p:blipFill>
+          <a:blip r:embed="rId4"/>
+          <a:stretch/>
+        </p:blipFill>
+        <p:spPr>
+          <a:xfrm>
+            <a:off x="6048000" y="3240000"/>
+            <a:ext cx="3456000" cy="3456000"/>
+          </a:xfrm>
+          <a:prstGeom prst="rect">
+            <a:avLst/>
+          </a:prstGeom>
+          <a:ln>
+            <a:noFill/>
+          </a:ln>
+        </p:spPr>
+      </p:pic>
+    </p:spTree>
+  </p:cSld>
+  <p:clrMapOvr>
+    <a:masterClrMapping/>
+  </p:clrMapOvr>
+  <mc:AlternateContent xmlns:mc="http://schemas.openxmlformats.org/markup-compatibility/2006" xmlns:p14="http://schemas.microsoft.com/office/powerpoint/2010/main">
+    <mc:Choice Requires="p14">
+      <p:transition spd="slow" p14:dur="2000"/>
+    </mc:Choice>
+    <mc:Fallback xmlns:p15="http://schemas.microsoft.com/office/powerpoint/2012/main" xmlns="">
+      <p:transition spd="slow"/>
+    </mc:Fallback>
+  </mc:AlternateContent>
+</p:sld>
+</file>
+
+<file path=ppt/slides/slide11.xml><?xml version="1.0" encoding="utf-8"?>
+<p:sld xmlns:a="http://schemas.openxmlformats.org/drawingml/2006/main" xmlns:r="http://schemas.openxmlformats.org/officeDocument/2006/relationships" xmlns:p="http://schemas.openxmlformats.org/presentationml/2006/main">
   <p:cSld>
     <p:spTree>
       <p:nvGrpSpPr>
@@ -6012,7 +6615,7 @@
               <a:avLst/>
             </a:prstGeom>
             <a:solidFill>
-              <a:srgbClr val="38383d"/>
+              <a:srgbClr val="38383D"/>
             </a:solidFill>
             <a:ln>
               <a:noFill/>
@@ -6090,7 +6693,7 @@
               <p:nvPr/>
             </p:nvPicPr>
             <p:blipFill>
-              <a:blip r:embed="rId1"/>
+              <a:blip r:embed="rId3"/>
               <a:stretch/>
             </p:blipFill>
             <p:spPr>
@@ -6110,19 +6713,22 @@
       </p:grpSp>
     </p:spTree>
   </p:cSld>
-  <mc:AlternateContent>
+  <p:clrMapOvr>
+    <a:masterClrMapping/>
+  </p:clrMapOvr>
+  <mc:AlternateContent xmlns:mc="http://schemas.openxmlformats.org/markup-compatibility/2006" xmlns:p14="http://schemas.microsoft.com/office/powerpoint/2010/main">
     <mc:Choice Requires="p14">
       <p:transition spd="slow" p14:dur="2000"/>
     </mc:Choice>
-    <mc:Fallback>
+    <mc:Fallback xmlns:p15="http://schemas.microsoft.com/office/powerpoint/2012/main" xmlns="">
       <p:transition spd="slow"/>
     </mc:Fallback>
   </mc:AlternateContent>
 </p:sld>
 </file>
 
-<file path=ppt/slides/slide11.xml><?xml version="1.0" encoding="utf-8"?>
-<p:sld xmlns:a="http://schemas.openxmlformats.org/drawingml/2006/main" xmlns:p="http://schemas.openxmlformats.org/presentationml/2006/main" xmlns:r="http://schemas.openxmlformats.org/officeDocument/2006/relationships" xmlns:p14="http://schemas.microsoft.com/office/powerpoint/2010/main" xmlns:p15="http://schemas.microsoft.com/office/powerpoint/2012/main" xmlns:mc="http://schemas.openxmlformats.org/markup-compatibility/2006">
+<file path=ppt/slides/slide12.xml><?xml version="1.0" encoding="utf-8"?>
+<p:sld xmlns:a="http://schemas.openxmlformats.org/drawingml/2006/main" xmlns:r="http://schemas.openxmlformats.org/officeDocument/2006/relationships" xmlns:p="http://schemas.openxmlformats.org/presentationml/2006/main">
   <p:cSld>
     <p:spTree>
       <p:nvGrpSpPr>
@@ -6167,7 +6773,7 @@
               <a:avLst/>
             </a:prstGeom>
             <a:solidFill>
-              <a:srgbClr val="38383d"/>
+              <a:srgbClr val="38383D"/>
             </a:solidFill>
             <a:ln>
               <a:noFill/>
@@ -6195,7 +6801,7 @@
             <p:nvPr/>
           </p:nvPicPr>
           <p:blipFill>
-            <a:blip r:embed="rId1"/>
+            <a:blip r:embed="rId3"/>
             <a:srcRect l="17507" t="13445" r="17507" b="13445"/>
             <a:stretch/>
           </p:blipFill>
@@ -6215,19 +6821,22 @@
       </p:grpSp>
     </p:spTree>
   </p:cSld>
-  <mc:AlternateContent>
+  <p:clrMapOvr>
+    <a:masterClrMapping/>
+  </p:clrMapOvr>
+  <mc:AlternateContent xmlns:mc="http://schemas.openxmlformats.org/markup-compatibility/2006" xmlns:p14="http://schemas.microsoft.com/office/powerpoint/2010/main">
     <mc:Choice Requires="p14">
       <p:transition spd="slow" p14:dur="2000"/>
     </mc:Choice>
-    <mc:Fallback>
+    <mc:Fallback xmlns:p15="http://schemas.microsoft.com/office/powerpoint/2012/main" xmlns="">
       <p:transition spd="slow"/>
     </mc:Fallback>
   </mc:AlternateContent>
 </p:sld>
 </file>
 
-<file path=ppt/slides/slide12.xml><?xml version="1.0" encoding="utf-8"?>
-<p:sld xmlns:a="http://schemas.openxmlformats.org/drawingml/2006/main" xmlns:p="http://schemas.openxmlformats.org/presentationml/2006/main" xmlns:r="http://schemas.openxmlformats.org/officeDocument/2006/relationships" xmlns:p14="http://schemas.microsoft.com/office/powerpoint/2010/main" xmlns:p15="http://schemas.microsoft.com/office/powerpoint/2012/main" xmlns:mc="http://schemas.openxmlformats.org/markup-compatibility/2006">
+<file path=ppt/slides/slide13.xml><?xml version="1.0" encoding="utf-8"?>
+<p:sld xmlns:a="http://schemas.openxmlformats.org/drawingml/2006/main" xmlns:r="http://schemas.openxmlformats.org/officeDocument/2006/relationships" xmlns:p="http://schemas.openxmlformats.org/presentationml/2006/main">
   <p:cSld>
     <p:spTree>
       <p:nvGrpSpPr>
@@ -6272,7 +6881,7 @@
               <a:avLst/>
             </a:prstGeom>
             <a:solidFill>
-              <a:srgbClr val="38383d"/>
+              <a:srgbClr val="38383D"/>
             </a:solidFill>
             <a:ln>
               <a:noFill/>
@@ -6300,7 +6909,7 @@
             <p:nvPr/>
           </p:nvPicPr>
           <p:blipFill>
-            <a:blip r:embed="rId1"/>
+            <a:blip r:embed="rId3"/>
             <a:stretch/>
           </p:blipFill>
           <p:spPr>
@@ -6319,19 +6928,22 @@
       </p:grpSp>
     </p:spTree>
   </p:cSld>
-  <mc:AlternateContent>
+  <p:clrMapOvr>
+    <a:masterClrMapping/>
+  </p:clrMapOvr>
+  <mc:AlternateContent xmlns:mc="http://schemas.openxmlformats.org/markup-compatibility/2006" xmlns:p14="http://schemas.microsoft.com/office/powerpoint/2010/main">
     <mc:Choice Requires="p14">
       <p:transition spd="slow" p14:dur="2000"/>
     </mc:Choice>
-    <mc:Fallback>
+    <mc:Fallback xmlns:p15="http://schemas.microsoft.com/office/powerpoint/2012/main" xmlns="">
       <p:transition spd="slow"/>
     </mc:Fallback>
   </mc:AlternateContent>
 </p:sld>
 </file>
 
-<file path=ppt/slides/slide13.xml><?xml version="1.0" encoding="utf-8"?>
-<p:sld xmlns:a="http://schemas.openxmlformats.org/drawingml/2006/main" xmlns:p="http://schemas.openxmlformats.org/presentationml/2006/main" xmlns:r="http://schemas.openxmlformats.org/officeDocument/2006/relationships" xmlns:p14="http://schemas.microsoft.com/office/powerpoint/2010/main" xmlns:p15="http://schemas.microsoft.com/office/powerpoint/2012/main" xmlns:mc="http://schemas.openxmlformats.org/markup-compatibility/2006">
+<file path=ppt/slides/slide14.xml><?xml version="1.0" encoding="utf-8"?>
+<p:sld xmlns:a="http://schemas.openxmlformats.org/drawingml/2006/main" xmlns:r="http://schemas.openxmlformats.org/officeDocument/2006/relationships" xmlns:p="http://schemas.openxmlformats.org/presentationml/2006/main">
   <p:cSld>
     <p:spTree>
       <p:nvGrpSpPr>
@@ -6376,7 +6988,7 @@
               <a:avLst/>
             </a:prstGeom>
             <a:solidFill>
-              <a:srgbClr val="38383d"/>
+              <a:srgbClr val="38383D"/>
             </a:solidFill>
             <a:ln>
               <a:noFill/>
@@ -6404,8 +7016,8 @@
             <p:nvPr/>
           </p:nvPicPr>
           <p:blipFill>
-            <a:blip r:embed="rId1"/>
-            <a:srcRect l="-5" t="0" r="79354" b="22615"/>
+            <a:blip r:embed="rId3"/>
+            <a:srcRect l="-5" r="79354" b="22615"/>
             <a:stretch/>
           </p:blipFill>
           <p:spPr>
@@ -6424,19 +7036,22 @@
       </p:grpSp>
     </p:spTree>
   </p:cSld>
-  <mc:AlternateContent>
+  <p:clrMapOvr>
+    <a:masterClrMapping/>
+  </p:clrMapOvr>
+  <mc:AlternateContent xmlns:mc="http://schemas.openxmlformats.org/markup-compatibility/2006" xmlns:p14="http://schemas.microsoft.com/office/powerpoint/2010/main">
     <mc:Choice Requires="p14">
       <p:transition spd="slow" p14:dur="2000"/>
     </mc:Choice>
-    <mc:Fallback>
+    <mc:Fallback xmlns:p15="http://schemas.microsoft.com/office/powerpoint/2012/main" xmlns="">
       <p:transition spd="slow"/>
     </mc:Fallback>
   </mc:AlternateContent>
 </p:sld>
 </file>
 
-<file path=ppt/slides/slide14.xml><?xml version="1.0" encoding="utf-8"?>
-<p:sld xmlns:a="http://schemas.openxmlformats.org/drawingml/2006/main" xmlns:p="http://schemas.openxmlformats.org/presentationml/2006/main" xmlns:r="http://schemas.openxmlformats.org/officeDocument/2006/relationships" xmlns:p14="http://schemas.microsoft.com/office/powerpoint/2010/main" xmlns:p15="http://schemas.microsoft.com/office/powerpoint/2012/main" xmlns:mc="http://schemas.openxmlformats.org/markup-compatibility/2006">
+<file path=ppt/slides/slide15.xml><?xml version="1.0" encoding="utf-8"?>
+<p:sld xmlns:a="http://schemas.openxmlformats.org/drawingml/2006/main" xmlns:r="http://schemas.openxmlformats.org/officeDocument/2006/relationships" xmlns:p="http://schemas.openxmlformats.org/presentationml/2006/main">
   <p:cSld>
     <p:spTree>
       <p:nvGrpSpPr>
@@ -6481,7 +7096,7 @@
               <a:avLst/>
             </a:prstGeom>
             <a:solidFill>
-              <a:srgbClr val="38383d"/>
+              <a:srgbClr val="38383D"/>
             </a:solidFill>
             <a:ln>
               <a:noFill/>
@@ -6509,7 +7124,7 @@
             <p:nvPr/>
           </p:nvPicPr>
           <p:blipFill>
-            <a:blip r:embed="rId1"/>
+            <a:blip r:embed="rId3"/>
             <a:stretch/>
           </p:blipFill>
           <p:spPr>
@@ -6528,19 +7143,22 @@
       </p:grpSp>
     </p:spTree>
   </p:cSld>
-  <mc:AlternateContent>
+  <p:clrMapOvr>
+    <a:masterClrMapping/>
+  </p:clrMapOvr>
+  <mc:AlternateContent xmlns:mc="http://schemas.openxmlformats.org/markup-compatibility/2006" xmlns:p14="http://schemas.microsoft.com/office/powerpoint/2010/main">
     <mc:Choice Requires="p14">
       <p:transition spd="slow" p14:dur="2000"/>
     </mc:Choice>
-    <mc:Fallback>
+    <mc:Fallback xmlns:p15="http://schemas.microsoft.com/office/powerpoint/2012/main" xmlns="">
       <p:transition spd="slow"/>
     </mc:Fallback>
   </mc:AlternateContent>
 </p:sld>
 </file>
 
-<file path=ppt/slides/slide15.xml><?xml version="1.0" encoding="utf-8"?>
-<p:sld xmlns:a="http://schemas.openxmlformats.org/drawingml/2006/main" xmlns:p="http://schemas.openxmlformats.org/presentationml/2006/main" xmlns:r="http://schemas.openxmlformats.org/officeDocument/2006/relationships" xmlns:p14="http://schemas.microsoft.com/office/powerpoint/2010/main" xmlns:p15="http://schemas.microsoft.com/office/powerpoint/2012/main" xmlns:mc="http://schemas.openxmlformats.org/markup-compatibility/2006">
+<file path=ppt/slides/slide16.xml><?xml version="1.0" encoding="utf-8"?>
+<p:sld xmlns:a="http://schemas.openxmlformats.org/drawingml/2006/main" xmlns:r="http://schemas.openxmlformats.org/officeDocument/2006/relationships" xmlns:p="http://schemas.openxmlformats.org/presentationml/2006/main">
   <p:cSld>
     <p:spTree>
       <p:nvGrpSpPr>
@@ -6585,7 +7203,7 @@
               <a:avLst/>
             </a:prstGeom>
             <a:solidFill>
-              <a:srgbClr val="38383d"/>
+              <a:srgbClr val="38383D"/>
             </a:solidFill>
             <a:ln>
               <a:noFill/>
@@ -6613,7 +7231,7 @@
             <p:nvPr/>
           </p:nvPicPr>
           <p:blipFill>
-            <a:blip r:embed="rId1"/>
+            <a:blip r:embed="rId3"/>
             <a:srcRect l="8837" t="8837" r="8837" b="8837"/>
             <a:stretch/>
           </p:blipFill>
@@ -6633,19 +7251,22 @@
       </p:grpSp>
     </p:spTree>
   </p:cSld>
-  <mc:AlternateContent>
+  <p:clrMapOvr>
+    <a:masterClrMapping/>
+  </p:clrMapOvr>
+  <mc:AlternateContent xmlns:mc="http://schemas.openxmlformats.org/markup-compatibility/2006" xmlns:p14="http://schemas.microsoft.com/office/powerpoint/2010/main">
     <mc:Choice Requires="p14">
       <p:transition spd="slow" p14:dur="2000"/>
     </mc:Choice>
-    <mc:Fallback>
+    <mc:Fallback xmlns:p15="http://schemas.microsoft.com/office/powerpoint/2012/main" xmlns="">
       <p:transition spd="slow"/>
     </mc:Fallback>
   </mc:AlternateContent>
 </p:sld>
 </file>
 
-<file path=ppt/slides/slide16.xml><?xml version="1.0" encoding="utf-8"?>
-<p:sld xmlns:a="http://schemas.openxmlformats.org/drawingml/2006/main" xmlns:p="http://schemas.openxmlformats.org/presentationml/2006/main" xmlns:r="http://schemas.openxmlformats.org/officeDocument/2006/relationships" xmlns:p14="http://schemas.microsoft.com/office/powerpoint/2010/main" xmlns:p15="http://schemas.microsoft.com/office/powerpoint/2012/main" xmlns:mc="http://schemas.openxmlformats.org/markup-compatibility/2006">
+<file path=ppt/slides/slide17.xml><?xml version="1.0" encoding="utf-8"?>
+<p:sld xmlns:a="http://schemas.openxmlformats.org/drawingml/2006/main" xmlns:r="http://schemas.openxmlformats.org/officeDocument/2006/relationships" xmlns:p="http://schemas.openxmlformats.org/presentationml/2006/main">
   <p:cSld>
     <p:spTree>
       <p:nvGrpSpPr>
@@ -6690,7 +7311,7 @@
               <a:avLst/>
             </a:prstGeom>
             <a:solidFill>
-              <a:srgbClr val="38383d"/>
+              <a:srgbClr val="38383D"/>
             </a:solidFill>
             <a:ln>
               <a:noFill/>
@@ -6718,7 +7339,7 @@
             <p:nvPr/>
           </p:nvPicPr>
           <p:blipFill>
-            <a:blip r:embed="rId1"/>
+            <a:blip r:embed="rId3"/>
             <a:srcRect l="13186" t="13186" r="13186" b="13186"/>
             <a:stretch/>
           </p:blipFill>
@@ -6738,19 +7359,22 @@
       </p:grpSp>
     </p:spTree>
   </p:cSld>
-  <mc:AlternateContent>
+  <p:clrMapOvr>
+    <a:masterClrMapping/>
+  </p:clrMapOvr>
+  <mc:AlternateContent xmlns:mc="http://schemas.openxmlformats.org/markup-compatibility/2006" xmlns:p14="http://schemas.microsoft.com/office/powerpoint/2010/main">
     <mc:Choice Requires="p14">
       <p:transition spd="slow" p14:dur="2000"/>
     </mc:Choice>
-    <mc:Fallback>
+    <mc:Fallback xmlns:p15="http://schemas.microsoft.com/office/powerpoint/2012/main" xmlns="">
       <p:transition spd="slow"/>
     </mc:Fallback>
   </mc:AlternateContent>
 </p:sld>
 </file>
 
-<file path=ppt/slides/slide17.xml><?xml version="1.0" encoding="utf-8"?>
-<p:sld xmlns:a="http://schemas.openxmlformats.org/drawingml/2006/main" xmlns:p="http://schemas.openxmlformats.org/presentationml/2006/main" xmlns:r="http://schemas.openxmlformats.org/officeDocument/2006/relationships" xmlns:p14="http://schemas.microsoft.com/office/powerpoint/2010/main" xmlns:p15="http://schemas.microsoft.com/office/powerpoint/2012/main" xmlns:mc="http://schemas.openxmlformats.org/markup-compatibility/2006">
+<file path=ppt/slides/slide18.xml><?xml version="1.0" encoding="utf-8"?>
+<p:sld xmlns:a="http://schemas.openxmlformats.org/drawingml/2006/main" xmlns:r="http://schemas.openxmlformats.org/officeDocument/2006/relationships" xmlns:p="http://schemas.openxmlformats.org/presentationml/2006/main">
   <p:cSld>
     <p:spTree>
       <p:nvGrpSpPr>
@@ -6787,7 +7411,7 @@
             <p:nvPr/>
           </p:nvPicPr>
           <p:blipFill>
-            <a:blip r:embed="rId1"/>
+            <a:blip r:embed="rId2"/>
             <a:stretch/>
           </p:blipFill>
           <p:spPr>
@@ -6805,12 +7429,12 @@
         </p:pic>
         <p:pic>
           <p:nvPicPr>
-            <p:cNvPr id="143" name="Picture 3" descr=""/>
+            <p:cNvPr id="143" name="Picture 3"/>
             <p:cNvPicPr/>
             <p:nvPr/>
           </p:nvPicPr>
           <p:blipFill>
-            <a:blip r:embed="rId2"/>
+            <a:blip r:embed="rId3"/>
             <a:stretch/>
           </p:blipFill>
           <p:spPr>
@@ -6872,11 +7496,14 @@
       </p:grpSp>
     </p:spTree>
   </p:cSld>
-  <mc:AlternateContent>
+  <p:clrMapOvr>
+    <a:masterClrMapping/>
+  </p:clrMapOvr>
+  <mc:AlternateContent xmlns:mc="http://schemas.openxmlformats.org/markup-compatibility/2006" xmlns:p14="http://schemas.microsoft.com/office/powerpoint/2010/main">
     <mc:Choice Requires="p14">
       <p:transition spd="slow" p14:dur="2000"/>
     </mc:Choice>
-    <mc:Fallback>
+    <mc:Fallback xmlns:p15="http://schemas.microsoft.com/office/powerpoint/2012/main" xmlns="">
       <p:transition spd="slow"/>
     </mc:Fallback>
   </mc:AlternateContent>
@@ -6884,7 +7511,7 @@
 </file>
 
 <file path=ppt/slides/slide2.xml><?xml version="1.0" encoding="utf-8"?>
-<p:sld xmlns:a="http://schemas.openxmlformats.org/drawingml/2006/main" xmlns:p="http://schemas.openxmlformats.org/presentationml/2006/main" xmlns:r="http://schemas.openxmlformats.org/officeDocument/2006/relationships" xmlns:p14="http://schemas.microsoft.com/office/powerpoint/2010/main" xmlns:p15="http://schemas.microsoft.com/office/powerpoint/2012/main" xmlns:mc="http://schemas.openxmlformats.org/markup-compatibility/2006">
+<p:sld xmlns:a="http://schemas.openxmlformats.org/drawingml/2006/main" xmlns:r="http://schemas.openxmlformats.org/officeDocument/2006/relationships" xmlns:p="http://schemas.openxmlformats.org/presentationml/2006/main">
   <p:cSld>
     <p:spTree>
       <p:nvGrpSpPr>
@@ -6929,7 +7556,7 @@
               <a:avLst/>
             </a:prstGeom>
             <a:solidFill>
-              <a:srgbClr val="38383d"/>
+              <a:srgbClr val="38383D"/>
             </a:solidFill>
             <a:ln>
               <a:noFill/>
@@ -6957,7 +7584,7 @@
             <p:nvPr/>
           </p:nvPicPr>
           <p:blipFill>
-            <a:blip r:embed="rId1"/>
+            <a:blip r:embed="rId3"/>
             <a:srcRect l="19137" t="3798" r="19137" b="7887"/>
             <a:stretch/>
           </p:blipFill>
@@ -6977,11 +7604,14 @@
       </p:grpSp>
     </p:spTree>
   </p:cSld>
-  <mc:AlternateContent>
+  <p:clrMapOvr>
+    <a:masterClrMapping/>
+  </p:clrMapOvr>
+  <mc:AlternateContent xmlns:mc="http://schemas.openxmlformats.org/markup-compatibility/2006" xmlns:p14="http://schemas.microsoft.com/office/powerpoint/2010/main">
     <mc:Choice Requires="p14">
       <p:transition spd="slow" p14:dur="2000"/>
     </mc:Choice>
-    <mc:Fallback>
+    <mc:Fallback xmlns:p15="http://schemas.microsoft.com/office/powerpoint/2012/main" xmlns="">
       <p:transition spd="slow"/>
     </mc:Fallback>
   </mc:AlternateContent>
@@ -6989,7 +7619,7 @@
 </file>
 
 <file path=ppt/slides/slide3.xml><?xml version="1.0" encoding="utf-8"?>
-<p:sld xmlns:a="http://schemas.openxmlformats.org/drawingml/2006/main" xmlns:p="http://schemas.openxmlformats.org/presentationml/2006/main" xmlns:r="http://schemas.openxmlformats.org/officeDocument/2006/relationships" xmlns:p14="http://schemas.microsoft.com/office/powerpoint/2010/main" xmlns:p15="http://schemas.microsoft.com/office/powerpoint/2012/main" xmlns:mc="http://schemas.openxmlformats.org/markup-compatibility/2006">
+<p:sld xmlns:a="http://schemas.openxmlformats.org/drawingml/2006/main" xmlns:r="http://schemas.openxmlformats.org/officeDocument/2006/relationships" xmlns:p="http://schemas.openxmlformats.org/presentationml/2006/main">
   <p:cSld>
     <p:spTree>
       <p:nvGrpSpPr>
@@ -7034,7 +7664,7 @@
               <a:avLst/>
             </a:prstGeom>
             <a:solidFill>
-              <a:srgbClr val="38383d"/>
+              <a:srgbClr val="38383D"/>
             </a:solidFill>
             <a:ln>
               <a:noFill/>
@@ -7057,12 +7687,12 @@
         </p:sp>
         <p:pic>
           <p:nvPicPr>
-            <p:cNvPr id="96" name="" descr=""/>
+            <p:cNvPr id="96" name="95 Imagen"/>
             <p:cNvPicPr/>
             <p:nvPr/>
           </p:nvPicPr>
           <p:blipFill>
-            <a:blip r:embed="rId1"/>
+            <a:blip r:embed="rId3"/>
             <a:srcRect l="1566" t="33360" r="85040" b="25530"/>
             <a:stretch/>
           </p:blipFill>
@@ -7081,12 +7711,12 @@
         </p:pic>
         <p:pic>
           <p:nvPicPr>
-            <p:cNvPr id="97" name="" descr=""/>
+            <p:cNvPr id="97" name="96 Imagen"/>
             <p:cNvPicPr/>
             <p:nvPr/>
           </p:nvPicPr>
           <p:blipFill>
-            <a:blip r:embed="rId2"/>
+            <a:blip r:embed="rId3"/>
             <a:srcRect l="14947" t="33378" r="58267" b="22949"/>
             <a:stretch/>
           </p:blipFill>
@@ -7106,12 +7736,12 @@
       </p:grpSp>
       <p:pic>
         <p:nvPicPr>
-          <p:cNvPr id="98" name="" descr=""/>
+          <p:cNvPr id="98" name="97 Imagen"/>
           <p:cNvPicPr/>
           <p:nvPr/>
         </p:nvPicPr>
         <p:blipFill>
-          <a:blip r:embed="rId3"/>
+          <a:blip r:embed="rId4"/>
           <a:stretch/>
         </p:blipFill>
         <p:spPr>
@@ -7129,11 +7759,14 @@
       </p:pic>
     </p:spTree>
   </p:cSld>
-  <mc:AlternateContent>
+  <p:clrMapOvr>
+    <a:masterClrMapping/>
+  </p:clrMapOvr>
+  <mc:AlternateContent xmlns:mc="http://schemas.openxmlformats.org/markup-compatibility/2006" xmlns:p14="http://schemas.microsoft.com/office/powerpoint/2010/main">
     <mc:Choice Requires="p14">
       <p:transition spd="slow" p14:dur="2000"/>
     </mc:Choice>
-    <mc:Fallback>
+    <mc:Fallback xmlns:p15="http://schemas.microsoft.com/office/powerpoint/2012/main" xmlns="">
       <p:transition spd="slow"/>
     </mc:Fallback>
   </mc:AlternateContent>
@@ -7141,7 +7774,7 @@
 </file>
 
 <file path=ppt/slides/slide4.xml><?xml version="1.0" encoding="utf-8"?>
-<p:sld xmlns:a="http://schemas.openxmlformats.org/drawingml/2006/main" xmlns:p="http://schemas.openxmlformats.org/presentationml/2006/main" xmlns:r="http://schemas.openxmlformats.org/officeDocument/2006/relationships" xmlns:p14="http://schemas.microsoft.com/office/powerpoint/2010/main" xmlns:p15="http://schemas.microsoft.com/office/powerpoint/2012/main" xmlns:mc="http://schemas.openxmlformats.org/markup-compatibility/2006">
+<p:sld xmlns:a="http://schemas.openxmlformats.org/drawingml/2006/main" xmlns:r="http://schemas.openxmlformats.org/officeDocument/2006/relationships" xmlns:p="http://schemas.openxmlformats.org/presentationml/2006/main">
   <p:cSld>
     <p:spTree>
       <p:nvGrpSpPr>
@@ -7186,7 +7819,7 @@
               <a:avLst/>
             </a:prstGeom>
             <a:solidFill>
-              <a:srgbClr val="38383d"/>
+              <a:srgbClr val="38383D"/>
             </a:solidFill>
             <a:ln>
               <a:noFill/>
@@ -7214,7 +7847,7 @@
             <p:nvPr/>
           </p:nvPicPr>
           <p:blipFill>
-            <a:blip r:embed="rId1"/>
+            <a:blip r:embed="rId3"/>
             <a:srcRect l="3375" t="3498" r="3375" b="3498"/>
             <a:stretch/>
           </p:blipFill>
@@ -7234,11 +7867,14 @@
       </p:grpSp>
     </p:spTree>
   </p:cSld>
-  <mc:AlternateContent>
+  <p:clrMapOvr>
+    <a:masterClrMapping/>
+  </p:clrMapOvr>
+  <mc:AlternateContent xmlns:mc="http://schemas.openxmlformats.org/markup-compatibility/2006" xmlns:p14="http://schemas.microsoft.com/office/powerpoint/2010/main">
     <mc:Choice Requires="p14">
       <p:transition spd="slow" p14:dur="2000"/>
     </mc:Choice>
-    <mc:Fallback>
+    <mc:Fallback xmlns:p15="http://schemas.microsoft.com/office/powerpoint/2012/main" xmlns="">
       <p:transition spd="slow"/>
     </mc:Fallback>
   </mc:AlternateContent>
@@ -7246,7 +7882,7 @@
 </file>
 
 <file path=ppt/slides/slide5.xml><?xml version="1.0" encoding="utf-8"?>
-<p:sld xmlns:a="http://schemas.openxmlformats.org/drawingml/2006/main" xmlns:p="http://schemas.openxmlformats.org/presentationml/2006/main" xmlns:r="http://schemas.openxmlformats.org/officeDocument/2006/relationships" xmlns:p14="http://schemas.microsoft.com/office/powerpoint/2010/main" xmlns:p15="http://schemas.microsoft.com/office/powerpoint/2012/main" xmlns:mc="http://schemas.openxmlformats.org/markup-compatibility/2006">
+<p:sld xmlns:a="http://schemas.openxmlformats.org/drawingml/2006/main" xmlns:r="http://schemas.openxmlformats.org/officeDocument/2006/relationships" xmlns:p="http://schemas.openxmlformats.org/presentationml/2006/main">
   <p:cSld>
     <p:spTree>
       <p:nvGrpSpPr>
@@ -7291,7 +7927,7 @@
               <a:avLst/>
             </a:prstGeom>
             <a:solidFill>
-              <a:srgbClr val="38383d"/>
+              <a:srgbClr val="38383D"/>
             </a:solidFill>
             <a:ln>
               <a:noFill/>
@@ -7314,12 +7950,12 @@
         </p:sp>
         <p:pic>
           <p:nvPicPr>
-            <p:cNvPr id="104" name="Picture 4" descr=""/>
+            <p:cNvPr id="104" name="Picture 4"/>
             <p:cNvPicPr/>
             <p:nvPr/>
           </p:nvPicPr>
           <p:blipFill>
-            <a:blip r:embed="rId1"/>
+            <a:blip r:embed="rId3"/>
             <a:srcRect l="29056" t="12890" r="28409" b="11861"/>
             <a:stretch/>
           </p:blipFill>
@@ -7339,11 +7975,14 @@
       </p:grpSp>
     </p:spTree>
   </p:cSld>
-  <mc:AlternateContent>
+  <p:clrMapOvr>
+    <a:masterClrMapping/>
+  </p:clrMapOvr>
+  <mc:AlternateContent xmlns:mc="http://schemas.openxmlformats.org/markup-compatibility/2006" xmlns:p14="http://schemas.microsoft.com/office/powerpoint/2010/main">
     <mc:Choice Requires="p14">
       <p:transition spd="slow" p14:dur="2000"/>
     </mc:Choice>
-    <mc:Fallback>
+    <mc:Fallback xmlns:p15="http://schemas.microsoft.com/office/powerpoint/2012/main" xmlns="">
       <p:transition spd="slow"/>
     </mc:Fallback>
   </mc:AlternateContent>
@@ -7351,7 +7990,135 @@
 </file>
 
 <file path=ppt/slides/slide6.xml><?xml version="1.0" encoding="utf-8"?>
-<p:sld xmlns:a="http://schemas.openxmlformats.org/drawingml/2006/main" xmlns:p="http://schemas.openxmlformats.org/presentationml/2006/main" xmlns:r="http://schemas.openxmlformats.org/officeDocument/2006/relationships" xmlns:p14="http://schemas.microsoft.com/office/powerpoint/2010/main" xmlns:p15="http://schemas.microsoft.com/office/powerpoint/2012/main" xmlns:mc="http://schemas.openxmlformats.org/markup-compatibility/2006">
+<p:sld xmlns:a="http://schemas.openxmlformats.org/drawingml/2006/main" xmlns:r="http://schemas.openxmlformats.org/officeDocument/2006/relationships" xmlns:p="http://schemas.openxmlformats.org/presentationml/2006/main">
+  <p:cSld>
+    <p:spTree>
+      <p:nvGrpSpPr>
+        <p:cNvPr id="1" name=""/>
+        <p:cNvGrpSpPr/>
+        <p:nvPr/>
+      </p:nvGrpSpPr>
+      <p:grpSpPr>
+        <a:xfrm>
+          <a:off x="0" y="0"/>
+          <a:ext cx="0" cy="0"/>
+          <a:chOff x="0" y="0"/>
+          <a:chExt cx="0" cy="0"/>
+        </a:xfrm>
+      </p:grpSpPr>
+      <p:grpSp>
+        <p:nvGrpSpPr>
+          <p:cNvPr id="3" name="2 Grupo"/>
+          <p:cNvGrpSpPr/>
+          <p:nvPr/>
+        </p:nvGrpSpPr>
+        <p:grpSpPr>
+          <a:xfrm>
+            <a:off x="2195640" y="1125360"/>
+            <a:ext cx="3456000" cy="3456000"/>
+            <a:chOff x="2195640" y="1125360"/>
+            <a:chExt cx="3456000" cy="3456000"/>
+          </a:xfrm>
+        </p:grpSpPr>
+        <p:sp>
+          <p:nvSpPr>
+            <p:cNvPr id="103" name="CustomShape 2"/>
+            <p:cNvSpPr/>
+            <p:nvPr/>
+          </p:nvSpPr>
+          <p:spPr>
+            <a:xfrm>
+              <a:off x="2195640" y="1125360"/>
+              <a:ext cx="3456000" cy="3456000"/>
+            </a:xfrm>
+            <a:prstGeom prst="rect">
+              <a:avLst/>
+            </a:prstGeom>
+            <a:solidFill>
+              <a:srgbClr val="38383D"/>
+            </a:solidFill>
+            <a:ln>
+              <a:noFill/>
+            </a:ln>
+          </p:spPr>
+          <p:style>
+            <a:lnRef idx="2">
+              <a:schemeClr val="accent1">
+                <a:shade val="50000"/>
+              </a:schemeClr>
+            </a:lnRef>
+            <a:fillRef idx="1">
+              <a:schemeClr val="accent1"/>
+            </a:fillRef>
+            <a:effectRef idx="0">
+              <a:schemeClr val="accent1"/>
+            </a:effectRef>
+            <a:fontRef idx="minor"/>
+          </p:style>
+        </p:sp>
+        <p:pic>
+          <p:nvPicPr>
+            <p:cNvPr id="1028" name="Picture 4" descr="https://upload.wikimedia.org/wikipedia/commons/thumb/c/c6/GitLab_logo.png/799px-GitLab_logo.png"/>
+            <p:cNvPicPr>
+              <a:picLocks noChangeAspect="1" noChangeArrowheads="1"/>
+            </p:cNvPicPr>
+            <p:nvPr/>
+          </p:nvPicPr>
+          <p:blipFill rotWithShape="1">
+            <a:blip r:embed="rId3">
+              <a:extLst>
+                <a:ext uri="{28A0092B-C50C-407E-A947-70E740481C1C}">
+                  <a14:useLocalDpi xmlns:a14="http://schemas.microsoft.com/office/drawing/2010/main" val="0"/>
+                </a:ext>
+              </a:extLst>
+            </a:blip>
+            <a:srcRect r="61147"/>
+            <a:stretch/>
+          </p:blipFill>
+          <p:spPr bwMode="auto">
+            <a:xfrm>
+              <a:off x="2267744" y="1338481"/>
+              <a:ext cx="3311792" cy="3029758"/>
+            </a:xfrm>
+            <a:prstGeom prst="rect">
+              <a:avLst/>
+            </a:prstGeom>
+            <a:noFill/>
+            <a:extLst>
+              <a:ext uri="{909E8E84-426E-40DD-AFC4-6F175D3DCCD1}">
+                <a14:hiddenFill xmlns:a14="http://schemas.microsoft.com/office/drawing/2010/main">
+                  <a:solidFill>
+                    <a:srgbClr val="FFFFFF"/>
+                  </a:solidFill>
+                </a14:hiddenFill>
+              </a:ext>
+            </a:extLst>
+          </p:spPr>
+        </p:pic>
+      </p:grpSp>
+    </p:spTree>
+    <p:extLst>
+      <p:ext uri="{BB962C8B-B14F-4D97-AF65-F5344CB8AC3E}">
+        <p14:creationId xmlns:p14="http://schemas.microsoft.com/office/powerpoint/2010/main" val="957419351"/>
+      </p:ext>
+    </p:extLst>
+  </p:cSld>
+  <p:clrMapOvr>
+    <a:masterClrMapping/>
+  </p:clrMapOvr>
+  <mc:AlternateContent xmlns:mc="http://schemas.openxmlformats.org/markup-compatibility/2006" xmlns:p14="http://schemas.microsoft.com/office/powerpoint/2010/main">
+    <mc:Choice Requires="p14">
+      <p:transition spd="slow" p14:dur="2000"/>
+    </mc:Choice>
+    <mc:Fallback xmlns:p15="http://schemas.microsoft.com/office/powerpoint/2012/main" xmlns="">
+      <p:transition spd="slow"/>
+    </mc:Fallback>
+  </mc:AlternateContent>
+</p:sld>
+</file>
+
+<file path=ppt/slides/slide7.xml><?xml version="1.0" encoding="utf-8"?>
+<p:sld xmlns:a="http://schemas.openxmlformats.org/drawingml/2006/main" xmlns:r="http://schemas.openxmlformats.org/officeDocument/2006/relationships" xmlns:p="http://schemas.openxmlformats.org/presentationml/2006/main">
   <p:cSld>
     <p:spTree>
       <p:nvGrpSpPr>
@@ -7396,7 +8163,7 @@
               <a:avLst/>
             </a:prstGeom>
             <a:solidFill>
-              <a:srgbClr val="38383d"/>
+              <a:srgbClr val="38383D"/>
             </a:solidFill>
             <a:ln>
               <a:noFill/>
@@ -7424,7 +8191,7 @@
             <p:nvPr/>
           </p:nvPicPr>
           <p:blipFill>
-            <a:blip r:embed="rId1"/>
+            <a:blip r:embed="rId3"/>
             <a:srcRect l="2527" t="13938" r="2485" b="14150"/>
             <a:stretch/>
           </p:blipFill>
@@ -7444,19 +8211,22 @@
       </p:grpSp>
     </p:spTree>
   </p:cSld>
-  <mc:AlternateContent>
+  <p:clrMapOvr>
+    <a:masterClrMapping/>
+  </p:clrMapOvr>
+  <mc:AlternateContent xmlns:mc="http://schemas.openxmlformats.org/markup-compatibility/2006" xmlns:p14="http://schemas.microsoft.com/office/powerpoint/2010/main">
     <mc:Choice Requires="p14">
       <p:transition spd="slow" p14:dur="2000"/>
     </mc:Choice>
-    <mc:Fallback>
+    <mc:Fallback xmlns:p15="http://schemas.microsoft.com/office/powerpoint/2012/main" xmlns="">
       <p:transition spd="slow"/>
     </mc:Fallback>
   </mc:AlternateContent>
 </p:sld>
 </file>
 
-<file path=ppt/slides/slide7.xml><?xml version="1.0" encoding="utf-8"?>
-<p:sld xmlns:a="http://schemas.openxmlformats.org/drawingml/2006/main" xmlns:p="http://schemas.openxmlformats.org/presentationml/2006/main" xmlns:r="http://schemas.openxmlformats.org/officeDocument/2006/relationships" xmlns:p14="http://schemas.microsoft.com/office/powerpoint/2010/main" xmlns:p15="http://schemas.microsoft.com/office/powerpoint/2012/main" xmlns:mc="http://schemas.openxmlformats.org/markup-compatibility/2006">
+<file path=ppt/slides/slide8.xml><?xml version="1.0" encoding="utf-8"?>
+<p:sld xmlns:a="http://schemas.openxmlformats.org/drawingml/2006/main" xmlns:r="http://schemas.openxmlformats.org/officeDocument/2006/relationships" xmlns:p="http://schemas.openxmlformats.org/presentationml/2006/main">
   <p:cSld>
     <p:spTree>
       <p:nvGrpSpPr>
@@ -7501,7 +8271,7 @@
               <a:avLst/>
             </a:prstGeom>
             <a:solidFill>
-              <a:srgbClr val="38383d"/>
+              <a:srgbClr val="38383D"/>
             </a:solidFill>
             <a:ln>
               <a:noFill/>
@@ -7529,7 +8299,7 @@
             <p:nvPr/>
           </p:nvPicPr>
           <p:blipFill>
-            <a:blip r:embed="rId1"/>
+            <a:blip r:embed="rId3"/>
             <a:stretch/>
           </p:blipFill>
           <p:spPr>
@@ -7548,19 +8318,22 @@
       </p:grpSp>
     </p:spTree>
   </p:cSld>
-  <mc:AlternateContent>
+  <p:clrMapOvr>
+    <a:masterClrMapping/>
+  </p:clrMapOvr>
+  <mc:AlternateContent xmlns:mc="http://schemas.openxmlformats.org/markup-compatibility/2006" xmlns:p14="http://schemas.microsoft.com/office/powerpoint/2010/main">
     <mc:Choice Requires="p14">
       <p:transition spd="slow" p14:dur="2000"/>
     </mc:Choice>
-    <mc:Fallback>
+    <mc:Fallback xmlns:p15="http://schemas.microsoft.com/office/powerpoint/2012/main" xmlns="">
       <p:transition spd="slow"/>
     </mc:Fallback>
   </mc:AlternateContent>
 </p:sld>
 </file>
 
-<file path=ppt/slides/slide8.xml><?xml version="1.0" encoding="utf-8"?>
-<p:sld xmlns:a="http://schemas.openxmlformats.org/drawingml/2006/main" xmlns:p="http://schemas.openxmlformats.org/presentationml/2006/main" xmlns:r="http://schemas.openxmlformats.org/officeDocument/2006/relationships" xmlns:p14="http://schemas.microsoft.com/office/powerpoint/2010/main" xmlns:p15="http://schemas.microsoft.com/office/powerpoint/2012/main" xmlns:mc="http://schemas.openxmlformats.org/markup-compatibility/2006">
+<file path=ppt/slides/slide9.xml><?xml version="1.0" encoding="utf-8"?>
+<p:sld xmlns:a="http://schemas.openxmlformats.org/drawingml/2006/main" xmlns:r="http://schemas.openxmlformats.org/officeDocument/2006/relationships" xmlns:p="http://schemas.openxmlformats.org/presentationml/2006/main">
   <p:cSld>
     <p:spTree>
       <p:nvGrpSpPr>
@@ -7605,7 +8378,7 @@
               <a:avLst/>
             </a:prstGeom>
             <a:solidFill>
-              <a:srgbClr val="38383d"/>
+              <a:srgbClr val="38383D"/>
             </a:solidFill>
             <a:ln>
               <a:noFill/>
@@ -7633,7 +8406,7 @@
             <p:nvPr/>
           </p:nvPicPr>
           <p:blipFill>
-            <a:blip r:embed="rId1"/>
+            <a:blip r:embed="rId3"/>
             <a:stretch/>
           </p:blipFill>
           <p:spPr>
@@ -7652,138 +8425,14 @@
       </p:grpSp>
     </p:spTree>
   </p:cSld>
-  <mc:AlternateContent>
+  <p:clrMapOvr>
+    <a:masterClrMapping/>
+  </p:clrMapOvr>
+  <mc:AlternateContent xmlns:mc="http://schemas.openxmlformats.org/markup-compatibility/2006" xmlns:p14="http://schemas.microsoft.com/office/powerpoint/2010/main">
     <mc:Choice Requires="p14">
       <p:transition spd="slow" p14:dur="2000"/>
     </mc:Choice>
-    <mc:Fallback>
-      <p:transition spd="slow"/>
-    </mc:Fallback>
-  </mc:AlternateContent>
-</p:sld>
-</file>
-
-<file path=ppt/slides/slide9.xml><?xml version="1.0" encoding="utf-8"?>
-<p:sld xmlns:a="http://schemas.openxmlformats.org/drawingml/2006/main" xmlns:p="http://schemas.openxmlformats.org/presentationml/2006/main" xmlns:r="http://schemas.openxmlformats.org/officeDocument/2006/relationships" xmlns:p14="http://schemas.microsoft.com/office/powerpoint/2010/main" xmlns:p15="http://schemas.microsoft.com/office/powerpoint/2012/main" xmlns:mc="http://schemas.openxmlformats.org/markup-compatibility/2006">
-  <p:cSld>
-    <p:spTree>
-      <p:nvGrpSpPr>
-        <p:cNvPr id="1" name=""/>
-        <p:cNvGrpSpPr/>
-        <p:nvPr/>
-      </p:nvGrpSpPr>
-      <p:grpSpPr>
-        <a:xfrm>
-          <a:off x="0" y="0"/>
-          <a:ext cx="0" cy="0"/>
-          <a:chOff x="0" y="0"/>
-          <a:chExt cx="0" cy="0"/>
-        </a:xfrm>
-      </p:grpSpPr>
-      <p:grpSp>
-        <p:nvGrpSpPr>
-          <p:cNvPr id="114" name="Group 1"/>
-          <p:cNvGrpSpPr/>
-          <p:nvPr/>
-        </p:nvGrpSpPr>
-        <p:grpSpPr>
-          <a:xfrm>
-            <a:off x="2195640" y="1125360"/>
-            <a:ext cx="3456000" cy="3456000"/>
-            <a:chOff x="2195640" y="1125360"/>
-            <a:chExt cx="3456000" cy="3456000"/>
-          </a:xfrm>
-        </p:grpSpPr>
-        <p:sp>
-          <p:nvSpPr>
-            <p:cNvPr id="115" name="CustomShape 2"/>
-            <p:cNvSpPr/>
-            <p:nvPr/>
-          </p:nvSpPr>
-          <p:spPr>
-            <a:xfrm>
-              <a:off x="2195640" y="1125360"/>
-              <a:ext cx="3456000" cy="3456000"/>
-            </a:xfrm>
-            <a:prstGeom prst="rect">
-              <a:avLst/>
-            </a:prstGeom>
-            <a:solidFill>
-              <a:srgbClr val="38383d"/>
-            </a:solidFill>
-            <a:ln>
-              <a:noFill/>
-            </a:ln>
-          </p:spPr>
-          <p:style>
-            <a:lnRef idx="2">
-              <a:schemeClr val="accent1">
-                <a:shade val="50000"/>
-              </a:schemeClr>
-            </a:lnRef>
-            <a:fillRef idx="1">
-              <a:schemeClr val="accent1"/>
-            </a:fillRef>
-            <a:effectRef idx="0">
-              <a:schemeClr val="accent1"/>
-            </a:effectRef>
-            <a:fontRef idx="minor"/>
-          </p:style>
-        </p:sp>
-        <p:pic>
-          <p:nvPicPr>
-            <p:cNvPr id="116" name="" descr=""/>
-            <p:cNvPicPr/>
-            <p:nvPr/>
-          </p:nvPicPr>
-          <p:blipFill>
-            <a:blip r:embed="rId1"/>
-            <a:stretch/>
-          </p:blipFill>
-          <p:spPr>
-            <a:xfrm>
-              <a:off x="2339640" y="1269360"/>
-              <a:ext cx="3168000" cy="3168000"/>
-            </a:xfrm>
-            <a:prstGeom prst="rect">
-              <a:avLst/>
-            </a:prstGeom>
-            <a:ln>
-              <a:noFill/>
-            </a:ln>
-          </p:spPr>
-        </p:pic>
-      </p:grpSp>
-      <p:pic>
-        <p:nvPicPr>
-          <p:cNvPr id="117" name="" descr=""/>
-          <p:cNvPicPr/>
-          <p:nvPr/>
-        </p:nvPicPr>
-        <p:blipFill>
-          <a:blip r:embed="rId2"/>
-          <a:stretch/>
-        </p:blipFill>
-        <p:spPr>
-          <a:xfrm>
-            <a:off x="6048000" y="3240000"/>
-            <a:ext cx="3456000" cy="3456000"/>
-          </a:xfrm>
-          <a:prstGeom prst="rect">
-            <a:avLst/>
-          </a:prstGeom>
-          <a:ln>
-            <a:noFill/>
-          </a:ln>
-        </p:spPr>
-      </p:pic>
-    </p:spTree>
-  </p:cSld>
-  <mc:AlternateContent>
-    <mc:Choice Requires="p14">
-      <p:transition spd="slow" p14:dur="2000"/>
-    </mc:Choice>
-    <mc:Fallback>
+    <mc:Fallback xmlns:p15="http://schemas.microsoft.com/office/powerpoint/2012/main" xmlns="">
       <p:transition spd="slow"/>
     </mc:Fallback>
   </mc:AlternateContent>
@@ -7801,31 +8450,31 @@
         <a:sysClr val="window" lastClr="FFFFFF"/>
       </a:lt1>
       <a:dk2>
-        <a:srgbClr val="1f497d"/>
+        <a:srgbClr val="1F497D"/>
       </a:dk2>
       <a:lt2>
-        <a:srgbClr val="eeece1"/>
+        <a:srgbClr val="EEECE1"/>
       </a:lt2>
       <a:accent1>
-        <a:srgbClr val="4f81bd"/>
+        <a:srgbClr val="4F81BD"/>
       </a:accent1>
       <a:accent2>
-        <a:srgbClr val="c0504d"/>
+        <a:srgbClr val="C0504D"/>
       </a:accent2>
       <a:accent3>
-        <a:srgbClr val="9bbb59"/>
+        <a:srgbClr val="9BBB59"/>
       </a:accent3>
       <a:accent4>
-        <a:srgbClr val="8064a2"/>
+        <a:srgbClr val="8064A2"/>
       </a:accent4>
       <a:accent5>
-        <a:srgbClr val="4bacc6"/>
+        <a:srgbClr val="4BACC6"/>
       </a:accent5>
       <a:accent6>
-        <a:srgbClr val="f79646"/>
+        <a:srgbClr val="F79646"/>
       </a:accent6>
       <a:hlink>
-        <a:srgbClr val="0000ff"/>
+        <a:srgbClr val="0000FF"/>
       </a:hlink>
       <a:folHlink>
         <a:srgbClr val="800080"/>
@@ -8013,6 +8662,8 @@
       </a:bgFillStyleLst>
     </a:fmtScheme>
   </a:themeElements>
+  <a:objectDefaults/>
+  <a:extraClrSchemeLst/>
 </a:theme>
 </file>
 
@@ -8027,31 +8678,31 @@
         <a:sysClr val="window" lastClr="FFFFFF"/>
       </a:lt1>
       <a:dk2>
-        <a:srgbClr val="1f497d"/>
+        <a:srgbClr val="1F497D"/>
       </a:dk2>
       <a:lt2>
-        <a:srgbClr val="eeece1"/>
+        <a:srgbClr val="EEECE1"/>
       </a:lt2>
       <a:accent1>
-        <a:srgbClr val="4f81bd"/>
+        <a:srgbClr val="4F81BD"/>
       </a:accent1>
       <a:accent2>
-        <a:srgbClr val="c0504d"/>
+        <a:srgbClr val="C0504D"/>
       </a:accent2>
       <a:accent3>
-        <a:srgbClr val="9bbb59"/>
+        <a:srgbClr val="9BBB59"/>
       </a:accent3>
       <a:accent4>
-        <a:srgbClr val="8064a2"/>
+        <a:srgbClr val="8064A2"/>
       </a:accent4>
       <a:accent5>
-        <a:srgbClr val="4bacc6"/>
+        <a:srgbClr val="4BACC6"/>
       </a:accent5>
       <a:accent6>
-        <a:srgbClr val="f79646"/>
+        <a:srgbClr val="F79646"/>
       </a:accent6>
       <a:hlink>
-        <a:srgbClr val="0000ff"/>
+        <a:srgbClr val="0000FF"/>
       </a:hlink>
       <a:folHlink>
         <a:srgbClr val="800080"/>
@@ -8239,6 +8890,8 @@
       </a:bgFillStyleLst>
     </a:fmtScheme>
   </a:themeElements>
+  <a:objectDefaults/>
+  <a:extraClrSchemeLst/>
 </a:theme>
 </file>
 
@@ -8253,31 +8906,31 @@
         <a:sysClr val="window" lastClr="FFFFFF"/>
       </a:lt1>
       <a:dk2>
-        <a:srgbClr val="1f497d"/>
+        <a:srgbClr val="1F497D"/>
       </a:dk2>
       <a:lt2>
-        <a:srgbClr val="eeece1"/>
+        <a:srgbClr val="EEECE1"/>
       </a:lt2>
       <a:accent1>
-        <a:srgbClr val="4f81bd"/>
+        <a:srgbClr val="4F81BD"/>
       </a:accent1>
       <a:accent2>
-        <a:srgbClr val="c0504d"/>
+        <a:srgbClr val="C0504D"/>
       </a:accent2>
       <a:accent3>
-        <a:srgbClr val="9bbb59"/>
+        <a:srgbClr val="9BBB59"/>
       </a:accent3>
       <a:accent4>
-        <a:srgbClr val="8064a2"/>
+        <a:srgbClr val="8064A2"/>
       </a:accent4>
       <a:accent5>
-        <a:srgbClr val="4bacc6"/>
+        <a:srgbClr val="4BACC6"/>
       </a:accent5>
       <a:accent6>
-        <a:srgbClr val="f79646"/>
+        <a:srgbClr val="F79646"/>
       </a:accent6>
       <a:hlink>
-        <a:srgbClr val="0000ff"/>
+        <a:srgbClr val="0000FF"/>
       </a:hlink>
       <a:folHlink>
         <a:srgbClr val="800080"/>
@@ -8465,5 +9118,7 @@
       </a:bgFillStyleLst>
     </a:fmtScheme>
   </a:themeElements>
+  <a:objectDefaults/>
+  <a:extraClrSchemeLst/>
 </a:theme>
 </file>